--- a/source/张琪伟个人简介.pptx
+++ b/source/张琪伟个人简介.pptx
@@ -5,15 +5,19 @@
     <p:sldMasterId id="2147483648" r:id="rId1"/>
   </p:sldMasterIdLst>
   <p:notesMasterIdLst>
-    <p:notesMasterId r:id="rId5"/>
+    <p:notesMasterId r:id="rId9"/>
   </p:notesMasterIdLst>
   <p:handoutMasterIdLst>
-    <p:handoutMasterId r:id="rId6"/>
+    <p:handoutMasterId r:id="rId10"/>
   </p:handoutMasterIdLst>
   <p:sldIdLst>
     <p:sldId id="256" r:id="rId2"/>
     <p:sldId id="257" r:id="rId3"/>
     <p:sldId id="271" r:id="rId4"/>
+    <p:sldId id="272" r:id="rId5"/>
+    <p:sldId id="273" r:id="rId6"/>
+    <p:sldId id="274" r:id="rId7"/>
+    <p:sldId id="275" r:id="rId8"/>
   </p:sldIdLst>
   <p:sldSz cx="12192000" cy="6858000"/>
   <p:notesSz cx="6858000" cy="9144000"/>
@@ -233,7 +237,7 @@
             <a:fld id="{0F9B84EA-7D68-4D60-9CB1-D50884785D1C}" type="datetimeFigureOut">
               <a:rPr lang="zh-CN" altLang="en-US" smtClean="0"/>
               <a:pPr/>
-              <a:t>2017/12/21</a:t>
+              <a:t>2018/1/8</a:t>
             </a:fld>
             <a:endParaRPr lang="zh-CN" altLang="en-US"/>
           </a:p>
@@ -400,7 +404,7 @@
             <a:fld id="{D2A48B96-639E-45A3-A0BA-2464DFDB1FAA}" type="datetimeFigureOut">
               <a:rPr lang="zh-CN" altLang="en-US" smtClean="0"/>
               <a:pPr/>
-              <a:t>2017/12/21</a:t>
+              <a:t>2018/1/8</a:t>
             </a:fld>
             <a:endParaRPr lang="zh-CN" altLang="en-US"/>
           </a:p>
@@ -806,7 +810,7 @@
               <a:pPr>
                 <a:defRPr/>
               </a:pPr>
-              <a:t>2017/12/21</a:t>
+              <a:t>2018/1/8</a:t>
             </a:fld>
             <a:endParaRPr lang="zh-CN" altLang="en-US"/>
           </a:p>
@@ -998,7 +1002,7 @@
               <a:pPr>
                 <a:defRPr/>
               </a:pPr>
-              <a:t>2017/12/21</a:t>
+              <a:t>2018/1/8</a:t>
             </a:fld>
             <a:endParaRPr lang="zh-CN" altLang="en-US"/>
           </a:p>
@@ -1200,7 +1204,7 @@
               <a:pPr>
                 <a:defRPr/>
               </a:pPr>
-              <a:t>2017/12/21</a:t>
+              <a:t>2018/1/8</a:t>
             </a:fld>
             <a:endParaRPr lang="zh-CN" altLang="en-US"/>
           </a:p>
@@ -1392,7 +1396,7 @@
               <a:pPr>
                 <a:defRPr/>
               </a:pPr>
-              <a:t>2017/12/21</a:t>
+              <a:t>2018/1/8</a:t>
             </a:fld>
             <a:endParaRPr lang="zh-CN" altLang="en-US"/>
           </a:p>
@@ -1606,7 +1610,7 @@
               <a:pPr>
                 <a:defRPr/>
               </a:pPr>
-              <a:t>2017/12/21</a:t>
+              <a:t>2018/1/8</a:t>
             </a:fld>
             <a:endParaRPr lang="zh-CN" altLang="en-US"/>
           </a:p>
@@ -1916,7 +1920,7 @@
               <a:pPr>
                 <a:defRPr/>
               </a:pPr>
-              <a:t>2017/12/21</a:t>
+              <a:t>2018/1/8</a:t>
             </a:fld>
             <a:endParaRPr lang="zh-CN" altLang="en-US"/>
           </a:p>
@@ -2365,7 +2369,7 @@
               <a:pPr>
                 <a:defRPr/>
               </a:pPr>
-              <a:t>2017/12/21</a:t>
+              <a:t>2018/1/8</a:t>
             </a:fld>
             <a:endParaRPr lang="zh-CN" altLang="en-US"/>
           </a:p>
@@ -2505,7 +2509,7 @@
               <a:pPr>
                 <a:defRPr/>
               </a:pPr>
-              <a:t>2017/12/21</a:t>
+              <a:t>2018/1/8</a:t>
             </a:fld>
             <a:endParaRPr lang="zh-CN" altLang="en-US"/>
           </a:p>
@@ -2622,7 +2626,7 @@
               <a:pPr>
                 <a:defRPr/>
               </a:pPr>
-              <a:t>2017/12/21</a:t>
+              <a:t>2018/1/8</a:t>
             </a:fld>
             <a:endParaRPr lang="zh-CN" altLang="en-US"/>
           </a:p>
@@ -2921,7 +2925,7 @@
               <a:pPr>
                 <a:defRPr/>
               </a:pPr>
-              <a:t>2017/12/21</a:t>
+              <a:t>2018/1/8</a:t>
             </a:fld>
             <a:endParaRPr lang="zh-CN" altLang="en-US"/>
           </a:p>
@@ -3197,7 +3201,7 @@
               <a:pPr>
                 <a:defRPr/>
               </a:pPr>
-              <a:t>2017/12/21</a:t>
+              <a:t>2018/1/8</a:t>
             </a:fld>
             <a:endParaRPr lang="zh-CN" altLang="en-US"/>
           </a:p>
@@ -3497,7 +3501,7 @@
               <a:pPr>
                 <a:defRPr/>
               </a:pPr>
-              <a:t>2017/12/21</a:t>
+              <a:t>2018/1/8</a:t>
             </a:fld>
             <a:endParaRPr lang="zh-CN" altLang="en-US"/>
           </a:p>
@@ -10004,7 +10008,7 @@
         </p:nvSpPr>
         <p:spPr bwMode="auto">
           <a:xfrm>
-            <a:off x="6421438" y="2709863"/>
+            <a:off x="6421437" y="2871497"/>
             <a:ext cx="2954655" cy="923330"/>
           </a:xfrm>
           <a:prstGeom prst="rect">
@@ -10171,18 +10175,2041 @@
           </a:p>
         </p:txBody>
       </p:sp>
+    </p:spTree>
+    <p:extLst>
+      <p:ext uri="{BB962C8B-B14F-4D97-AF65-F5344CB8AC3E}">
+        <p14:creationId xmlns:p14="http://schemas.microsoft.com/office/powerpoint/2010/main" val="1011335911"/>
+      </p:ext>
+    </p:extLst>
+  </p:cSld>
+  <p:clrMapOvr>
+    <a:masterClrMapping/>
+  </p:clrMapOvr>
+</p:sld>
+</file>
+
+<file path=ppt/slides/slide4.xml><?xml version="1.0" encoding="utf-8"?>
+<p:sld xmlns:a="http://schemas.openxmlformats.org/drawingml/2006/main" xmlns:r="http://schemas.openxmlformats.org/officeDocument/2006/relationships" xmlns:p="http://schemas.openxmlformats.org/presentationml/2006/main">
+  <p:cSld>
+    <p:spTree>
+      <p:nvGrpSpPr>
+        <p:cNvPr id="1" name=""/>
+        <p:cNvGrpSpPr/>
+        <p:nvPr/>
+      </p:nvGrpSpPr>
+      <p:grpSpPr>
+        <a:xfrm>
+          <a:off x="0" y="0"/>
+          <a:ext cx="0" cy="0"/>
+          <a:chOff x="0" y="0"/>
+          <a:chExt cx="0" cy="0"/>
+        </a:xfrm>
+      </p:grpSpPr>
+      <p:grpSp>
+        <p:nvGrpSpPr>
+          <p:cNvPr id="3074" name="组合 22"/>
+          <p:cNvGrpSpPr/>
+          <p:nvPr/>
+        </p:nvGrpSpPr>
+        <p:grpSpPr bwMode="auto">
+          <a:xfrm rot="2125929">
+            <a:off x="1728788" y="1465263"/>
+            <a:ext cx="3744912" cy="3743325"/>
+            <a:chOff x="0" y="0"/>
+            <a:chExt cx="3606099" cy="3570272"/>
+          </a:xfrm>
+        </p:grpSpPr>
+        <p:sp>
+          <p:nvSpPr>
+            <p:cNvPr id="3105" name="弧形 23"/>
+            <p:cNvSpPr/>
+            <p:nvPr/>
+          </p:nvSpPr>
+          <p:spPr bwMode="auto">
+            <a:xfrm>
+              <a:off x="0" y="0"/>
+              <a:ext cx="3564000" cy="3564000"/>
+            </a:xfrm>
+            <a:custGeom>
+              <a:avLst/>
+              <a:gdLst>
+                <a:gd name="T0" fmla="*/ 1782000 w 3564000"/>
+                <a:gd name="T1" fmla="*/ 0 h 3564000"/>
+                <a:gd name="T2" fmla="*/ 3564000 w 3564000"/>
+                <a:gd name="T3" fmla="*/ 1782000 h 3564000"/>
+                <a:gd name="T4" fmla="*/ 1782000 w 3564000"/>
+                <a:gd name="T5" fmla="*/ 1782000 h 3564000"/>
+                <a:gd name="T6" fmla="*/ 1782000 w 3564000"/>
+                <a:gd name="T7" fmla="*/ 0 h 3564000"/>
+                <a:gd name="T8" fmla="*/ 1782000 w 3564000"/>
+                <a:gd name="T9" fmla="*/ 0 h 3564000"/>
+                <a:gd name="T10" fmla="*/ 3564000 w 3564000"/>
+                <a:gd name="T11" fmla="*/ 1782000 h 3564000"/>
+                <a:gd name="T12" fmla="*/ 0 60000 65536"/>
+                <a:gd name="T13" fmla="*/ 0 60000 65536"/>
+                <a:gd name="T14" fmla="*/ 0 60000 65536"/>
+                <a:gd name="T15" fmla="*/ 0 60000 65536"/>
+                <a:gd name="T16" fmla="*/ 0 60000 65536"/>
+                <a:gd name="T17" fmla="*/ 0 60000 65536"/>
+              </a:gdLst>
+              <a:ahLst/>
+              <a:cxnLst>
+                <a:cxn ang="T12">
+                  <a:pos x="T0" y="T1"/>
+                </a:cxn>
+                <a:cxn ang="T13">
+                  <a:pos x="T2" y="T3"/>
+                </a:cxn>
+                <a:cxn ang="T14">
+                  <a:pos x="T4" y="T5"/>
+                </a:cxn>
+                <a:cxn ang="T15">
+                  <a:pos x="T6" y="T7"/>
+                </a:cxn>
+                <a:cxn ang="T16">
+                  <a:pos x="T8" y="T9"/>
+                </a:cxn>
+                <a:cxn ang="T17">
+                  <a:pos x="T10" y="T11"/>
+                </a:cxn>
+              </a:cxnLst>
+              <a:rect l="0" t="0" r="r" b="b"/>
+              <a:pathLst>
+                <a:path w="3564000" h="3564000" stroke="0">
+                  <a:moveTo>
+                    <a:pt x="1782000" y="0"/>
+                  </a:moveTo>
+                  <a:cubicBezTo>
+                    <a:pt x="2766171" y="0"/>
+                    <a:pt x="3564000" y="797829"/>
+                    <a:pt x="3564000" y="1782000"/>
+                  </a:cubicBezTo>
+                  <a:lnTo>
+                    <a:pt x="1782000" y="1782000"/>
+                  </a:lnTo>
+                  <a:lnTo>
+                    <a:pt x="1782000" y="0"/>
+                  </a:lnTo>
+                  <a:close/>
+                </a:path>
+                <a:path w="3564000" h="3564000" fill="none">
+                  <a:moveTo>
+                    <a:pt x="1782000" y="0"/>
+                  </a:moveTo>
+                  <a:cubicBezTo>
+                    <a:pt x="2766171" y="0"/>
+                    <a:pt x="3564000" y="797829"/>
+                    <a:pt x="3564000" y="1782000"/>
+                  </a:cubicBezTo>
+                </a:path>
+              </a:pathLst>
+            </a:custGeom>
+            <a:noFill/>
+            <a:ln w="6350" cap="flat" cmpd="sng">
+              <a:solidFill>
+                <a:schemeClr val="bg1">
+                  <a:alpha val="52156"/>
+                </a:schemeClr>
+              </a:solidFill>
+              <a:round/>
+            </a:ln>
+            <a:extLst>
+              <a:ext uri="{909E8E84-426E-40DD-AFC4-6F175D3DCCD1}">
+                <a14:hiddenFill xmlns:a14="http://schemas.microsoft.com/office/drawing/2010/main">
+                  <a:solidFill>
+                    <a:srgbClr val="FFFFFF"/>
+                  </a:solidFill>
+                </a14:hiddenFill>
+              </a:ext>
+            </a:extLst>
+          </p:spPr>
+          <p:txBody>
+            <a:bodyPr anchor="ctr"/>
+            <a:lstStyle/>
+            <a:p>
+              <a:endParaRPr lang="zh-CN" altLang="en-US"/>
+            </a:p>
+          </p:txBody>
+        </p:sp>
+        <p:sp>
+          <p:nvSpPr>
+            <p:cNvPr id="3106" name="弧形 24"/>
+            <p:cNvSpPr/>
+            <p:nvPr/>
+          </p:nvSpPr>
+          <p:spPr bwMode="auto">
+            <a:xfrm rot="-7902423">
+              <a:off x="42099" y="0"/>
+              <a:ext cx="3564000" cy="3564000"/>
+            </a:xfrm>
+            <a:custGeom>
+              <a:avLst/>
+              <a:gdLst>
+                <a:gd name="T0" fmla="*/ 1782000 w 3564000"/>
+                <a:gd name="T1" fmla="*/ 0 h 3564000"/>
+                <a:gd name="T2" fmla="*/ 3318391 w 3564000"/>
+                <a:gd name="T3" fmla="*/ 879212 h 3564000"/>
+                <a:gd name="T4" fmla="*/ 3338717 w 3564000"/>
+                <a:gd name="T5" fmla="*/ 2649268 h 3564000"/>
+                <a:gd name="T6" fmla="*/ 1782000 w 3564000"/>
+                <a:gd name="T7" fmla="*/ 1782000 h 3564000"/>
+                <a:gd name="T8" fmla="*/ 1782000 w 3564000"/>
+                <a:gd name="T9" fmla="*/ 0 h 3564000"/>
+                <a:gd name="T10" fmla="*/ 1782000 w 3564000"/>
+                <a:gd name="T11" fmla="*/ 0 h 3564000"/>
+                <a:gd name="T12" fmla="*/ 3318391 w 3564000"/>
+                <a:gd name="T13" fmla="*/ 879212 h 3564000"/>
+                <a:gd name="T14" fmla="*/ 3338717 w 3564000"/>
+                <a:gd name="T15" fmla="*/ 2649268 h 3564000"/>
+                <a:gd name="T16" fmla="*/ 0 60000 65536"/>
+                <a:gd name="T17" fmla="*/ 0 60000 65536"/>
+                <a:gd name="T18" fmla="*/ 0 60000 65536"/>
+                <a:gd name="T19" fmla="*/ 0 60000 65536"/>
+                <a:gd name="T20" fmla="*/ 0 60000 65536"/>
+                <a:gd name="T21" fmla="*/ 0 60000 65536"/>
+                <a:gd name="T22" fmla="*/ 0 60000 65536"/>
+                <a:gd name="T23" fmla="*/ 0 60000 65536"/>
+              </a:gdLst>
+              <a:ahLst/>
+              <a:cxnLst>
+                <a:cxn ang="T16">
+                  <a:pos x="T0" y="T1"/>
+                </a:cxn>
+                <a:cxn ang="T17">
+                  <a:pos x="T2" y="T3"/>
+                </a:cxn>
+                <a:cxn ang="T18">
+                  <a:pos x="T4" y="T5"/>
+                </a:cxn>
+                <a:cxn ang="T19">
+                  <a:pos x="T6" y="T7"/>
+                </a:cxn>
+                <a:cxn ang="T20">
+                  <a:pos x="T8" y="T9"/>
+                </a:cxn>
+                <a:cxn ang="T21">
+                  <a:pos x="T10" y="T11"/>
+                </a:cxn>
+                <a:cxn ang="T22">
+                  <a:pos x="T12" y="T13"/>
+                </a:cxn>
+                <a:cxn ang="T23">
+                  <a:pos x="T14" y="T15"/>
+                </a:cxn>
+              </a:cxnLst>
+              <a:rect l="0" t="0" r="r" b="b"/>
+              <a:pathLst>
+                <a:path w="3564000" h="3564000" stroke="0">
+                  <a:moveTo>
+                    <a:pt x="1782000" y="0"/>
+                  </a:moveTo>
+                  <a:cubicBezTo>
+                    <a:pt x="2413776" y="0"/>
+                    <a:pt x="2998324" y="334512"/>
+                    <a:pt x="3318391" y="879212"/>
+                  </a:cubicBezTo>
+                  <a:cubicBezTo>
+                    <a:pt x="3638458" y="1423912"/>
+                    <a:pt x="3646192" y="2097362"/>
+                    <a:pt x="3338717" y="2649268"/>
+                  </a:cubicBezTo>
+                  <a:lnTo>
+                    <a:pt x="1782000" y="1782000"/>
+                  </a:lnTo>
+                  <a:lnTo>
+                    <a:pt x="1782000" y="0"/>
+                  </a:lnTo>
+                  <a:close/>
+                </a:path>
+                <a:path w="3564000" h="3564000" fill="none">
+                  <a:moveTo>
+                    <a:pt x="1782000" y="0"/>
+                  </a:moveTo>
+                  <a:cubicBezTo>
+                    <a:pt x="2413776" y="0"/>
+                    <a:pt x="2998324" y="334512"/>
+                    <a:pt x="3318391" y="879212"/>
+                  </a:cubicBezTo>
+                  <a:cubicBezTo>
+                    <a:pt x="3638458" y="1423912"/>
+                    <a:pt x="3646192" y="2097362"/>
+                    <a:pt x="3338717" y="2649268"/>
+                  </a:cubicBezTo>
+                </a:path>
+              </a:pathLst>
+            </a:custGeom>
+            <a:noFill/>
+            <a:ln w="6350" cap="flat" cmpd="sng">
+              <a:solidFill>
+                <a:schemeClr val="bg1">
+                  <a:alpha val="52156"/>
+                </a:schemeClr>
+              </a:solidFill>
+              <a:round/>
+            </a:ln>
+            <a:extLst>
+              <a:ext uri="{909E8E84-426E-40DD-AFC4-6F175D3DCCD1}">
+                <a14:hiddenFill xmlns:a14="http://schemas.microsoft.com/office/drawing/2010/main">
+                  <a:solidFill>
+                    <a:srgbClr val="FFFFFF"/>
+                  </a:solidFill>
+                </a14:hiddenFill>
+              </a:ext>
+            </a:extLst>
+          </p:spPr>
+          <p:txBody>
+            <a:bodyPr anchor="ctr"/>
+            <a:lstStyle/>
+            <a:p>
+              <a:endParaRPr lang="zh-CN" altLang="en-US"/>
+            </a:p>
+          </p:txBody>
+        </p:sp>
+        <p:sp>
+          <p:nvSpPr>
+            <p:cNvPr id="3107" name="弧形 25"/>
+            <p:cNvSpPr/>
+            <p:nvPr/>
+          </p:nvSpPr>
+          <p:spPr bwMode="auto">
+            <a:xfrm rot="5709083">
+              <a:off x="10350" y="6271"/>
+              <a:ext cx="3564000" cy="3564000"/>
+            </a:xfrm>
+            <a:custGeom>
+              <a:avLst/>
+              <a:gdLst>
+                <a:gd name="T0" fmla="*/ 1782000 w 3564000"/>
+                <a:gd name="T1" fmla="*/ 0 h 3564000"/>
+                <a:gd name="T2" fmla="*/ 3162262 w 3564000"/>
+                <a:gd name="T3" fmla="*/ 654880 h 3564000"/>
+                <a:gd name="T4" fmla="*/ 1782000 w 3564000"/>
+                <a:gd name="T5" fmla="*/ 1782000 h 3564000"/>
+                <a:gd name="T6" fmla="*/ 1782000 w 3564000"/>
+                <a:gd name="T7" fmla="*/ 0 h 3564000"/>
+                <a:gd name="T8" fmla="*/ 1782000 w 3564000"/>
+                <a:gd name="T9" fmla="*/ 0 h 3564000"/>
+                <a:gd name="T10" fmla="*/ 3162262 w 3564000"/>
+                <a:gd name="T11" fmla="*/ 654880 h 3564000"/>
+                <a:gd name="T12" fmla="*/ 0 60000 65536"/>
+                <a:gd name="T13" fmla="*/ 0 60000 65536"/>
+                <a:gd name="T14" fmla="*/ 0 60000 65536"/>
+                <a:gd name="T15" fmla="*/ 0 60000 65536"/>
+                <a:gd name="T16" fmla="*/ 0 60000 65536"/>
+                <a:gd name="T17" fmla="*/ 0 60000 65536"/>
+              </a:gdLst>
+              <a:ahLst/>
+              <a:cxnLst>
+                <a:cxn ang="T12">
+                  <a:pos x="T0" y="T1"/>
+                </a:cxn>
+                <a:cxn ang="T13">
+                  <a:pos x="T2" y="T3"/>
+                </a:cxn>
+                <a:cxn ang="T14">
+                  <a:pos x="T4" y="T5"/>
+                </a:cxn>
+                <a:cxn ang="T15">
+                  <a:pos x="T6" y="T7"/>
+                </a:cxn>
+                <a:cxn ang="T16">
+                  <a:pos x="T8" y="T9"/>
+                </a:cxn>
+                <a:cxn ang="T17">
+                  <a:pos x="T10" y="T11"/>
+                </a:cxn>
+              </a:cxnLst>
+              <a:rect l="0" t="0" r="r" b="b"/>
+              <a:pathLst>
+                <a:path w="3564000" h="3564000" stroke="0">
+                  <a:moveTo>
+                    <a:pt x="1782000" y="0"/>
+                  </a:moveTo>
+                  <a:cubicBezTo>
+                    <a:pt x="2317073" y="0"/>
+                    <a:pt x="2823827" y="240435"/>
+                    <a:pt x="3162262" y="654880"/>
+                  </a:cubicBezTo>
+                  <a:lnTo>
+                    <a:pt x="1782000" y="1782000"/>
+                  </a:lnTo>
+                  <a:lnTo>
+                    <a:pt x="1782000" y="0"/>
+                  </a:lnTo>
+                  <a:close/>
+                </a:path>
+                <a:path w="3564000" h="3564000" fill="none">
+                  <a:moveTo>
+                    <a:pt x="1782000" y="0"/>
+                  </a:moveTo>
+                  <a:cubicBezTo>
+                    <a:pt x="2317073" y="0"/>
+                    <a:pt x="2823827" y="240435"/>
+                    <a:pt x="3162262" y="654880"/>
+                  </a:cubicBezTo>
+                </a:path>
+              </a:pathLst>
+            </a:custGeom>
+            <a:noFill/>
+            <a:ln w="6350" cap="flat" cmpd="sng">
+              <a:solidFill>
+                <a:schemeClr val="bg1">
+                  <a:alpha val="52156"/>
+                </a:schemeClr>
+              </a:solidFill>
+              <a:round/>
+            </a:ln>
+            <a:extLst>
+              <a:ext uri="{909E8E84-426E-40DD-AFC4-6F175D3DCCD1}">
+                <a14:hiddenFill xmlns:a14="http://schemas.microsoft.com/office/drawing/2010/main">
+                  <a:solidFill>
+                    <a:srgbClr val="FFFFFF"/>
+                  </a:solidFill>
+                </a14:hiddenFill>
+              </a:ext>
+            </a:extLst>
+          </p:spPr>
+          <p:txBody>
+            <a:bodyPr anchor="ctr"/>
+            <a:lstStyle/>
+            <a:p>
+              <a:endParaRPr lang="zh-CN" altLang="en-US"/>
+            </a:p>
+          </p:txBody>
+        </p:sp>
+        <p:sp>
+          <p:nvSpPr>
+            <p:cNvPr id="3108" name="弧形 26"/>
+            <p:cNvSpPr/>
+            <p:nvPr/>
+          </p:nvSpPr>
+          <p:spPr bwMode="auto">
+            <a:xfrm rot="9295065">
+              <a:off x="42098" y="6272"/>
+              <a:ext cx="3564000" cy="3564000"/>
+            </a:xfrm>
+            <a:custGeom>
+              <a:avLst/>
+              <a:gdLst>
+                <a:gd name="T0" fmla="*/ 1782000 w 3564000"/>
+                <a:gd name="T1" fmla="*/ 0 h 3564000"/>
+                <a:gd name="T2" fmla="*/ 3404808 w 3564000"/>
+                <a:gd name="T3" fmla="*/ 1045781 h 3564000"/>
+                <a:gd name="T4" fmla="*/ 1782000 w 3564000"/>
+                <a:gd name="T5" fmla="*/ 1782000 h 3564000"/>
+                <a:gd name="T6" fmla="*/ 1782000 w 3564000"/>
+                <a:gd name="T7" fmla="*/ 0 h 3564000"/>
+                <a:gd name="T8" fmla="*/ 1782000 w 3564000"/>
+                <a:gd name="T9" fmla="*/ 0 h 3564000"/>
+                <a:gd name="T10" fmla="*/ 3404808 w 3564000"/>
+                <a:gd name="T11" fmla="*/ 1045781 h 3564000"/>
+                <a:gd name="T12" fmla="*/ 0 60000 65536"/>
+                <a:gd name="T13" fmla="*/ 0 60000 65536"/>
+                <a:gd name="T14" fmla="*/ 0 60000 65536"/>
+                <a:gd name="T15" fmla="*/ 0 60000 65536"/>
+                <a:gd name="T16" fmla="*/ 0 60000 65536"/>
+                <a:gd name="T17" fmla="*/ 0 60000 65536"/>
+              </a:gdLst>
+              <a:ahLst/>
+              <a:cxnLst>
+                <a:cxn ang="T12">
+                  <a:pos x="T0" y="T1"/>
+                </a:cxn>
+                <a:cxn ang="T13">
+                  <a:pos x="T2" y="T3"/>
+                </a:cxn>
+                <a:cxn ang="T14">
+                  <a:pos x="T4" y="T5"/>
+                </a:cxn>
+                <a:cxn ang="T15">
+                  <a:pos x="T6" y="T7"/>
+                </a:cxn>
+                <a:cxn ang="T16">
+                  <a:pos x="T8" y="T9"/>
+                </a:cxn>
+                <a:cxn ang="T17">
+                  <a:pos x="T10" y="T11"/>
+                </a:cxn>
+              </a:cxnLst>
+              <a:rect l="0" t="0" r="r" b="b"/>
+              <a:pathLst>
+                <a:path w="3564000" h="3564000" stroke="0">
+                  <a:moveTo>
+                    <a:pt x="1782000" y="0"/>
+                  </a:moveTo>
+                  <a:cubicBezTo>
+                    <a:pt x="2481268" y="0"/>
+                    <a:pt x="3115911" y="408981"/>
+                    <a:pt x="3404808" y="1045781"/>
+                  </a:cubicBezTo>
+                  <a:lnTo>
+                    <a:pt x="1782000" y="1782000"/>
+                  </a:lnTo>
+                  <a:lnTo>
+                    <a:pt x="1782000" y="0"/>
+                  </a:lnTo>
+                  <a:close/>
+                </a:path>
+                <a:path w="3564000" h="3564000" fill="none">
+                  <a:moveTo>
+                    <a:pt x="1782000" y="0"/>
+                  </a:moveTo>
+                  <a:cubicBezTo>
+                    <a:pt x="2481268" y="0"/>
+                    <a:pt x="3115911" y="408981"/>
+                    <a:pt x="3404808" y="1045781"/>
+                  </a:cubicBezTo>
+                </a:path>
+              </a:pathLst>
+            </a:custGeom>
+            <a:noFill/>
+            <a:ln w="6350" cap="flat" cmpd="sng">
+              <a:solidFill>
+                <a:schemeClr val="bg1">
+                  <a:alpha val="52156"/>
+                </a:schemeClr>
+              </a:solidFill>
+              <a:round/>
+            </a:ln>
+            <a:extLst>
+              <a:ext uri="{909E8E84-426E-40DD-AFC4-6F175D3DCCD1}">
+                <a14:hiddenFill xmlns:a14="http://schemas.microsoft.com/office/drawing/2010/main">
+                  <a:solidFill>
+                    <a:srgbClr val="FFFFFF"/>
+                  </a:solidFill>
+                </a14:hiddenFill>
+              </a:ext>
+            </a:extLst>
+          </p:spPr>
+          <p:txBody>
+            <a:bodyPr anchor="ctr"/>
+            <a:lstStyle/>
+            <a:p>
+              <a:endParaRPr lang="zh-CN" altLang="en-US"/>
+            </a:p>
+          </p:txBody>
+        </p:sp>
+      </p:grpSp>
+      <p:grpSp>
+        <p:nvGrpSpPr>
+          <p:cNvPr id="3075" name="组合 176"/>
+          <p:cNvGrpSpPr/>
+          <p:nvPr/>
+        </p:nvGrpSpPr>
+        <p:grpSpPr bwMode="auto">
+          <a:xfrm>
+            <a:off x="1604963" y="1314450"/>
+            <a:ext cx="4005262" cy="4003675"/>
+            <a:chOff x="0" y="0"/>
+            <a:chExt cx="4004677" cy="4004677"/>
+          </a:xfrm>
+        </p:grpSpPr>
+        <p:sp>
+          <p:nvSpPr>
+            <p:cNvPr id="3079" name="椭圆 4"/>
+            <p:cNvSpPr>
+              <a:spLocks noChangeArrowheads="1"/>
+            </p:cNvSpPr>
+            <p:nvPr/>
+          </p:nvSpPr>
+          <p:spPr bwMode="auto">
+            <a:xfrm>
+              <a:off x="295459" y="327418"/>
+              <a:ext cx="3413760" cy="3413760"/>
+            </a:xfrm>
+            <a:prstGeom prst="ellipse">
+              <a:avLst/>
+            </a:prstGeom>
+            <a:solidFill>
+              <a:schemeClr val="bg1">
+                <a:alpha val="39999"/>
+              </a:schemeClr>
+            </a:solidFill>
+            <a:ln>
+              <a:noFill/>
+            </a:ln>
+            <a:extLst>
+              <a:ext uri="{91240B29-F687-4F45-9708-019B960494DF}">
+                <a14:hiddenLine xmlns:a14="http://schemas.microsoft.com/office/drawing/2010/main" w="9525">
+                  <a:solidFill>
+                    <a:srgbClr val="000000"/>
+                  </a:solidFill>
+                  <a:round/>
+                </a14:hiddenLine>
+              </a:ext>
+            </a:extLst>
+          </p:spPr>
+          <p:txBody>
+            <a:bodyPr anchor="ctr"/>
+            <a:lstStyle/>
+            <a:p>
+              <a:pPr algn="ctr" eaLnBrk="1" hangingPunct="1"/>
+              <a:endParaRPr lang="zh-CN" altLang="en-US">
+                <a:solidFill>
+                  <a:srgbClr val="FFFFFF"/>
+                </a:solidFill>
+              </a:endParaRPr>
+            </a:p>
+          </p:txBody>
+        </p:sp>
+        <p:grpSp>
+          <p:nvGrpSpPr>
+            <p:cNvPr id="3080" name="组合 21"/>
+            <p:cNvGrpSpPr/>
+            <p:nvPr/>
+          </p:nvGrpSpPr>
+          <p:grpSpPr bwMode="auto">
+            <a:xfrm>
+              <a:off x="190939" y="246027"/>
+              <a:ext cx="3606099" cy="3570272"/>
+              <a:chOff x="0" y="0"/>
+              <a:chExt cx="3606099" cy="3570272"/>
+            </a:xfrm>
+          </p:grpSpPr>
+          <p:sp>
+            <p:nvSpPr>
+              <p:cNvPr id="3101" name="弧形 17"/>
+              <p:cNvSpPr/>
+              <p:nvPr/>
+            </p:nvSpPr>
+            <p:spPr bwMode="auto">
+              <a:xfrm>
+                <a:off x="0" y="0"/>
+                <a:ext cx="3564000" cy="3564000"/>
+              </a:xfrm>
+              <a:custGeom>
+                <a:avLst/>
+                <a:gdLst>
+                  <a:gd name="T0" fmla="*/ 1782000 w 3564000"/>
+                  <a:gd name="T1" fmla="*/ 0 h 3564000"/>
+                  <a:gd name="T2" fmla="*/ 3564000 w 3564000"/>
+                  <a:gd name="T3" fmla="*/ 1782000 h 3564000"/>
+                  <a:gd name="T4" fmla="*/ 1782000 w 3564000"/>
+                  <a:gd name="T5" fmla="*/ 1782000 h 3564000"/>
+                  <a:gd name="T6" fmla="*/ 1782000 w 3564000"/>
+                  <a:gd name="T7" fmla="*/ 0 h 3564000"/>
+                  <a:gd name="T8" fmla="*/ 1782000 w 3564000"/>
+                  <a:gd name="T9" fmla="*/ 0 h 3564000"/>
+                  <a:gd name="T10" fmla="*/ 3564000 w 3564000"/>
+                  <a:gd name="T11" fmla="*/ 1782000 h 3564000"/>
+                  <a:gd name="T12" fmla="*/ 0 60000 65536"/>
+                  <a:gd name="T13" fmla="*/ 0 60000 65536"/>
+                  <a:gd name="T14" fmla="*/ 0 60000 65536"/>
+                  <a:gd name="T15" fmla="*/ 0 60000 65536"/>
+                  <a:gd name="T16" fmla="*/ 0 60000 65536"/>
+                  <a:gd name="T17" fmla="*/ 0 60000 65536"/>
+                </a:gdLst>
+                <a:ahLst/>
+                <a:cxnLst>
+                  <a:cxn ang="T12">
+                    <a:pos x="T0" y="T1"/>
+                  </a:cxn>
+                  <a:cxn ang="T13">
+                    <a:pos x="T2" y="T3"/>
+                  </a:cxn>
+                  <a:cxn ang="T14">
+                    <a:pos x="T4" y="T5"/>
+                  </a:cxn>
+                  <a:cxn ang="T15">
+                    <a:pos x="T6" y="T7"/>
+                  </a:cxn>
+                  <a:cxn ang="T16">
+                    <a:pos x="T8" y="T9"/>
+                  </a:cxn>
+                  <a:cxn ang="T17">
+                    <a:pos x="T10" y="T11"/>
+                  </a:cxn>
+                </a:cxnLst>
+                <a:rect l="0" t="0" r="r" b="b"/>
+                <a:pathLst>
+                  <a:path w="3564000" h="3564000" stroke="0">
+                    <a:moveTo>
+                      <a:pt x="1782000" y="0"/>
+                    </a:moveTo>
+                    <a:cubicBezTo>
+                      <a:pt x="2766171" y="0"/>
+                      <a:pt x="3564000" y="797829"/>
+                      <a:pt x="3564000" y="1782000"/>
+                    </a:cubicBezTo>
+                    <a:lnTo>
+                      <a:pt x="1782000" y="1782000"/>
+                    </a:lnTo>
+                    <a:lnTo>
+                      <a:pt x="1782000" y="0"/>
+                    </a:lnTo>
+                    <a:close/>
+                  </a:path>
+                  <a:path w="3564000" h="3564000" fill="none">
+                    <a:moveTo>
+                      <a:pt x="1782000" y="0"/>
+                    </a:moveTo>
+                    <a:cubicBezTo>
+                      <a:pt x="2766171" y="0"/>
+                      <a:pt x="3564000" y="797829"/>
+                      <a:pt x="3564000" y="1782000"/>
+                    </a:cubicBezTo>
+                  </a:path>
+                </a:pathLst>
+              </a:custGeom>
+              <a:noFill/>
+              <a:ln w="6350" cap="flat" cmpd="sng">
+                <a:solidFill>
+                  <a:schemeClr val="bg1">
+                    <a:alpha val="52156"/>
+                  </a:schemeClr>
+                </a:solidFill>
+                <a:round/>
+              </a:ln>
+              <a:extLst>
+                <a:ext uri="{909E8E84-426E-40DD-AFC4-6F175D3DCCD1}">
+                  <a14:hiddenFill xmlns:a14="http://schemas.microsoft.com/office/drawing/2010/main">
+                    <a:solidFill>
+                      <a:srgbClr val="FFFFFF"/>
+                    </a:solidFill>
+                  </a14:hiddenFill>
+                </a:ext>
+              </a:extLst>
+            </p:spPr>
+            <p:txBody>
+              <a:bodyPr anchor="ctr"/>
+              <a:lstStyle/>
+              <a:p>
+                <a:endParaRPr lang="zh-CN" altLang="en-US"/>
+              </a:p>
+            </p:txBody>
+          </p:sp>
+          <p:sp>
+            <p:nvSpPr>
+              <p:cNvPr id="3102" name="弧形 18"/>
+              <p:cNvSpPr/>
+              <p:nvPr/>
+            </p:nvSpPr>
+            <p:spPr bwMode="auto">
+              <a:xfrm rot="-7902423">
+                <a:off x="42099" y="0"/>
+                <a:ext cx="3564000" cy="3564000"/>
+              </a:xfrm>
+              <a:custGeom>
+                <a:avLst/>
+                <a:gdLst>
+                  <a:gd name="T0" fmla="*/ 1782000 w 3564000"/>
+                  <a:gd name="T1" fmla="*/ 0 h 3564000"/>
+                  <a:gd name="T2" fmla="*/ 3318391 w 3564000"/>
+                  <a:gd name="T3" fmla="*/ 879212 h 3564000"/>
+                  <a:gd name="T4" fmla="*/ 3338717 w 3564000"/>
+                  <a:gd name="T5" fmla="*/ 2649268 h 3564000"/>
+                  <a:gd name="T6" fmla="*/ 1782000 w 3564000"/>
+                  <a:gd name="T7" fmla="*/ 1782000 h 3564000"/>
+                  <a:gd name="T8" fmla="*/ 1782000 w 3564000"/>
+                  <a:gd name="T9" fmla="*/ 0 h 3564000"/>
+                  <a:gd name="T10" fmla="*/ 1782000 w 3564000"/>
+                  <a:gd name="T11" fmla="*/ 0 h 3564000"/>
+                  <a:gd name="T12" fmla="*/ 3318391 w 3564000"/>
+                  <a:gd name="T13" fmla="*/ 879212 h 3564000"/>
+                  <a:gd name="T14" fmla="*/ 3338717 w 3564000"/>
+                  <a:gd name="T15" fmla="*/ 2649268 h 3564000"/>
+                  <a:gd name="T16" fmla="*/ 0 60000 65536"/>
+                  <a:gd name="T17" fmla="*/ 0 60000 65536"/>
+                  <a:gd name="T18" fmla="*/ 0 60000 65536"/>
+                  <a:gd name="T19" fmla="*/ 0 60000 65536"/>
+                  <a:gd name="T20" fmla="*/ 0 60000 65536"/>
+                  <a:gd name="T21" fmla="*/ 0 60000 65536"/>
+                  <a:gd name="T22" fmla="*/ 0 60000 65536"/>
+                  <a:gd name="T23" fmla="*/ 0 60000 65536"/>
+                </a:gdLst>
+                <a:ahLst/>
+                <a:cxnLst>
+                  <a:cxn ang="T16">
+                    <a:pos x="T0" y="T1"/>
+                  </a:cxn>
+                  <a:cxn ang="T17">
+                    <a:pos x="T2" y="T3"/>
+                  </a:cxn>
+                  <a:cxn ang="T18">
+                    <a:pos x="T4" y="T5"/>
+                  </a:cxn>
+                  <a:cxn ang="T19">
+                    <a:pos x="T6" y="T7"/>
+                  </a:cxn>
+                  <a:cxn ang="T20">
+                    <a:pos x="T8" y="T9"/>
+                  </a:cxn>
+                  <a:cxn ang="T21">
+                    <a:pos x="T10" y="T11"/>
+                  </a:cxn>
+                  <a:cxn ang="T22">
+                    <a:pos x="T12" y="T13"/>
+                  </a:cxn>
+                  <a:cxn ang="T23">
+                    <a:pos x="T14" y="T15"/>
+                  </a:cxn>
+                </a:cxnLst>
+                <a:rect l="0" t="0" r="r" b="b"/>
+                <a:pathLst>
+                  <a:path w="3564000" h="3564000" stroke="0">
+                    <a:moveTo>
+                      <a:pt x="1782000" y="0"/>
+                    </a:moveTo>
+                    <a:cubicBezTo>
+                      <a:pt x="2413776" y="0"/>
+                      <a:pt x="2998324" y="334512"/>
+                      <a:pt x="3318391" y="879212"/>
+                    </a:cubicBezTo>
+                    <a:cubicBezTo>
+                      <a:pt x="3638458" y="1423912"/>
+                      <a:pt x="3646192" y="2097362"/>
+                      <a:pt x="3338717" y="2649268"/>
+                    </a:cubicBezTo>
+                    <a:lnTo>
+                      <a:pt x="1782000" y="1782000"/>
+                    </a:lnTo>
+                    <a:lnTo>
+                      <a:pt x="1782000" y="0"/>
+                    </a:lnTo>
+                    <a:close/>
+                  </a:path>
+                  <a:path w="3564000" h="3564000" fill="none">
+                    <a:moveTo>
+                      <a:pt x="1782000" y="0"/>
+                    </a:moveTo>
+                    <a:cubicBezTo>
+                      <a:pt x="2413776" y="0"/>
+                      <a:pt x="2998324" y="334512"/>
+                      <a:pt x="3318391" y="879212"/>
+                    </a:cubicBezTo>
+                    <a:cubicBezTo>
+                      <a:pt x="3638458" y="1423912"/>
+                      <a:pt x="3646192" y="2097362"/>
+                      <a:pt x="3338717" y="2649268"/>
+                    </a:cubicBezTo>
+                  </a:path>
+                </a:pathLst>
+              </a:custGeom>
+              <a:noFill/>
+              <a:ln w="6350" cap="flat" cmpd="sng">
+                <a:solidFill>
+                  <a:schemeClr val="bg1">
+                    <a:alpha val="52156"/>
+                  </a:schemeClr>
+                </a:solidFill>
+                <a:round/>
+              </a:ln>
+              <a:extLst>
+                <a:ext uri="{909E8E84-426E-40DD-AFC4-6F175D3DCCD1}">
+                  <a14:hiddenFill xmlns:a14="http://schemas.microsoft.com/office/drawing/2010/main">
+                    <a:solidFill>
+                      <a:srgbClr val="FFFFFF"/>
+                    </a:solidFill>
+                  </a14:hiddenFill>
+                </a:ext>
+              </a:extLst>
+            </p:spPr>
+            <p:txBody>
+              <a:bodyPr anchor="ctr"/>
+              <a:lstStyle/>
+              <a:p>
+                <a:endParaRPr lang="zh-CN" altLang="en-US"/>
+              </a:p>
+            </p:txBody>
+          </p:sp>
+          <p:sp>
+            <p:nvSpPr>
+              <p:cNvPr id="3103" name="弧形 19"/>
+              <p:cNvSpPr/>
+              <p:nvPr/>
+            </p:nvSpPr>
+            <p:spPr bwMode="auto">
+              <a:xfrm rot="5709083">
+                <a:off x="10350" y="6271"/>
+                <a:ext cx="3564000" cy="3564000"/>
+              </a:xfrm>
+              <a:custGeom>
+                <a:avLst/>
+                <a:gdLst>
+                  <a:gd name="T0" fmla="*/ 1782000 w 3564000"/>
+                  <a:gd name="T1" fmla="*/ 0 h 3564000"/>
+                  <a:gd name="T2" fmla="*/ 3162262 w 3564000"/>
+                  <a:gd name="T3" fmla="*/ 654880 h 3564000"/>
+                  <a:gd name="T4" fmla="*/ 1782000 w 3564000"/>
+                  <a:gd name="T5" fmla="*/ 1782000 h 3564000"/>
+                  <a:gd name="T6" fmla="*/ 1782000 w 3564000"/>
+                  <a:gd name="T7" fmla="*/ 0 h 3564000"/>
+                  <a:gd name="T8" fmla="*/ 1782000 w 3564000"/>
+                  <a:gd name="T9" fmla="*/ 0 h 3564000"/>
+                  <a:gd name="T10" fmla="*/ 3162262 w 3564000"/>
+                  <a:gd name="T11" fmla="*/ 654880 h 3564000"/>
+                  <a:gd name="T12" fmla="*/ 0 60000 65536"/>
+                  <a:gd name="T13" fmla="*/ 0 60000 65536"/>
+                  <a:gd name="T14" fmla="*/ 0 60000 65536"/>
+                  <a:gd name="T15" fmla="*/ 0 60000 65536"/>
+                  <a:gd name="T16" fmla="*/ 0 60000 65536"/>
+                  <a:gd name="T17" fmla="*/ 0 60000 65536"/>
+                </a:gdLst>
+                <a:ahLst/>
+                <a:cxnLst>
+                  <a:cxn ang="T12">
+                    <a:pos x="T0" y="T1"/>
+                  </a:cxn>
+                  <a:cxn ang="T13">
+                    <a:pos x="T2" y="T3"/>
+                  </a:cxn>
+                  <a:cxn ang="T14">
+                    <a:pos x="T4" y="T5"/>
+                  </a:cxn>
+                  <a:cxn ang="T15">
+                    <a:pos x="T6" y="T7"/>
+                  </a:cxn>
+                  <a:cxn ang="T16">
+                    <a:pos x="T8" y="T9"/>
+                  </a:cxn>
+                  <a:cxn ang="T17">
+                    <a:pos x="T10" y="T11"/>
+                  </a:cxn>
+                </a:cxnLst>
+                <a:rect l="0" t="0" r="r" b="b"/>
+                <a:pathLst>
+                  <a:path w="3564000" h="3564000" stroke="0">
+                    <a:moveTo>
+                      <a:pt x="1782000" y="0"/>
+                    </a:moveTo>
+                    <a:cubicBezTo>
+                      <a:pt x="2317073" y="0"/>
+                      <a:pt x="2823827" y="240435"/>
+                      <a:pt x="3162262" y="654880"/>
+                    </a:cubicBezTo>
+                    <a:lnTo>
+                      <a:pt x="1782000" y="1782000"/>
+                    </a:lnTo>
+                    <a:lnTo>
+                      <a:pt x="1782000" y="0"/>
+                    </a:lnTo>
+                    <a:close/>
+                  </a:path>
+                  <a:path w="3564000" h="3564000" fill="none">
+                    <a:moveTo>
+                      <a:pt x="1782000" y="0"/>
+                    </a:moveTo>
+                    <a:cubicBezTo>
+                      <a:pt x="2317073" y="0"/>
+                      <a:pt x="2823827" y="240435"/>
+                      <a:pt x="3162262" y="654880"/>
+                    </a:cubicBezTo>
+                  </a:path>
+                </a:pathLst>
+              </a:custGeom>
+              <a:noFill/>
+              <a:ln w="6350" cap="flat" cmpd="sng">
+                <a:solidFill>
+                  <a:schemeClr val="bg1">
+                    <a:alpha val="52156"/>
+                  </a:schemeClr>
+                </a:solidFill>
+                <a:round/>
+              </a:ln>
+              <a:extLst>
+                <a:ext uri="{909E8E84-426E-40DD-AFC4-6F175D3DCCD1}">
+                  <a14:hiddenFill xmlns:a14="http://schemas.microsoft.com/office/drawing/2010/main">
+                    <a:solidFill>
+                      <a:srgbClr val="FFFFFF"/>
+                    </a:solidFill>
+                  </a14:hiddenFill>
+                </a:ext>
+              </a:extLst>
+            </p:spPr>
+            <p:txBody>
+              <a:bodyPr anchor="ctr"/>
+              <a:lstStyle/>
+              <a:p>
+                <a:endParaRPr lang="zh-CN" altLang="en-US"/>
+              </a:p>
+            </p:txBody>
+          </p:sp>
+          <p:sp>
+            <p:nvSpPr>
+              <p:cNvPr id="3104" name="弧形 20"/>
+              <p:cNvSpPr/>
+              <p:nvPr/>
+            </p:nvSpPr>
+            <p:spPr bwMode="auto">
+              <a:xfrm rot="9295065">
+                <a:off x="42098" y="6272"/>
+                <a:ext cx="3564000" cy="3564000"/>
+              </a:xfrm>
+              <a:custGeom>
+                <a:avLst/>
+                <a:gdLst>
+                  <a:gd name="T0" fmla="*/ 1782000 w 3564000"/>
+                  <a:gd name="T1" fmla="*/ 0 h 3564000"/>
+                  <a:gd name="T2" fmla="*/ 3404808 w 3564000"/>
+                  <a:gd name="T3" fmla="*/ 1045781 h 3564000"/>
+                  <a:gd name="T4" fmla="*/ 1782000 w 3564000"/>
+                  <a:gd name="T5" fmla="*/ 1782000 h 3564000"/>
+                  <a:gd name="T6" fmla="*/ 1782000 w 3564000"/>
+                  <a:gd name="T7" fmla="*/ 0 h 3564000"/>
+                  <a:gd name="T8" fmla="*/ 1782000 w 3564000"/>
+                  <a:gd name="T9" fmla="*/ 0 h 3564000"/>
+                  <a:gd name="T10" fmla="*/ 3404808 w 3564000"/>
+                  <a:gd name="T11" fmla="*/ 1045781 h 3564000"/>
+                  <a:gd name="T12" fmla="*/ 0 60000 65536"/>
+                  <a:gd name="T13" fmla="*/ 0 60000 65536"/>
+                  <a:gd name="T14" fmla="*/ 0 60000 65536"/>
+                  <a:gd name="T15" fmla="*/ 0 60000 65536"/>
+                  <a:gd name="T16" fmla="*/ 0 60000 65536"/>
+                  <a:gd name="T17" fmla="*/ 0 60000 65536"/>
+                </a:gdLst>
+                <a:ahLst/>
+                <a:cxnLst>
+                  <a:cxn ang="T12">
+                    <a:pos x="T0" y="T1"/>
+                  </a:cxn>
+                  <a:cxn ang="T13">
+                    <a:pos x="T2" y="T3"/>
+                  </a:cxn>
+                  <a:cxn ang="T14">
+                    <a:pos x="T4" y="T5"/>
+                  </a:cxn>
+                  <a:cxn ang="T15">
+                    <a:pos x="T6" y="T7"/>
+                  </a:cxn>
+                  <a:cxn ang="T16">
+                    <a:pos x="T8" y="T9"/>
+                  </a:cxn>
+                  <a:cxn ang="T17">
+                    <a:pos x="T10" y="T11"/>
+                  </a:cxn>
+                </a:cxnLst>
+                <a:rect l="0" t="0" r="r" b="b"/>
+                <a:pathLst>
+                  <a:path w="3564000" h="3564000" stroke="0">
+                    <a:moveTo>
+                      <a:pt x="1782000" y="0"/>
+                    </a:moveTo>
+                    <a:cubicBezTo>
+                      <a:pt x="2481268" y="0"/>
+                      <a:pt x="3115911" y="408981"/>
+                      <a:pt x="3404808" y="1045781"/>
+                    </a:cubicBezTo>
+                    <a:lnTo>
+                      <a:pt x="1782000" y="1782000"/>
+                    </a:lnTo>
+                    <a:lnTo>
+                      <a:pt x="1782000" y="0"/>
+                    </a:lnTo>
+                    <a:close/>
+                  </a:path>
+                  <a:path w="3564000" h="3564000" fill="none">
+                    <a:moveTo>
+                      <a:pt x="1782000" y="0"/>
+                    </a:moveTo>
+                    <a:cubicBezTo>
+                      <a:pt x="2481268" y="0"/>
+                      <a:pt x="3115911" y="408981"/>
+                      <a:pt x="3404808" y="1045781"/>
+                    </a:cubicBezTo>
+                  </a:path>
+                </a:pathLst>
+              </a:custGeom>
+              <a:noFill/>
+              <a:ln w="6350" cap="flat" cmpd="sng">
+                <a:solidFill>
+                  <a:schemeClr val="bg1">
+                    <a:alpha val="52156"/>
+                  </a:schemeClr>
+                </a:solidFill>
+                <a:round/>
+              </a:ln>
+              <a:extLst>
+                <a:ext uri="{909E8E84-426E-40DD-AFC4-6F175D3DCCD1}">
+                  <a14:hiddenFill xmlns:a14="http://schemas.microsoft.com/office/drawing/2010/main">
+                    <a:solidFill>
+                      <a:srgbClr val="FFFFFF"/>
+                    </a:solidFill>
+                  </a14:hiddenFill>
+                </a:ext>
+              </a:extLst>
+            </p:spPr>
+            <p:txBody>
+              <a:bodyPr anchor="ctr"/>
+              <a:lstStyle/>
+              <a:p>
+                <a:endParaRPr lang="zh-CN" altLang="en-US"/>
+              </a:p>
+            </p:txBody>
+          </p:sp>
+        </p:grpSp>
+        <p:sp>
+          <p:nvSpPr>
+            <p:cNvPr id="3081" name="椭圆 153"/>
+            <p:cNvSpPr>
+              <a:spLocks noChangeArrowheads="1"/>
+            </p:cNvSpPr>
+            <p:nvPr/>
+          </p:nvSpPr>
+          <p:spPr bwMode="auto">
+            <a:xfrm>
+              <a:off x="0" y="1955800"/>
+              <a:ext cx="93077" cy="93077"/>
+            </a:xfrm>
+            <a:prstGeom prst="ellipse">
+              <a:avLst/>
+            </a:prstGeom>
+            <a:solidFill>
+              <a:schemeClr val="bg1">
+                <a:alpha val="39999"/>
+              </a:schemeClr>
+            </a:solidFill>
+            <a:ln>
+              <a:noFill/>
+            </a:ln>
+            <a:extLst>
+              <a:ext uri="{91240B29-F687-4F45-9708-019B960494DF}">
+                <a14:hiddenLine xmlns:a14="http://schemas.microsoft.com/office/drawing/2010/main" w="9525">
+                  <a:solidFill>
+                    <a:srgbClr val="000000"/>
+                  </a:solidFill>
+                  <a:round/>
+                </a14:hiddenLine>
+              </a:ext>
+            </a:extLst>
+          </p:spPr>
+          <p:txBody>
+            <a:bodyPr anchor="ctr"/>
+            <a:lstStyle/>
+            <a:p>
+              <a:pPr algn="ctr" eaLnBrk="1" hangingPunct="1"/>
+              <a:endParaRPr lang="zh-CN" altLang="en-US">
+                <a:solidFill>
+                  <a:srgbClr val="FFFFFF"/>
+                </a:solidFill>
+              </a:endParaRPr>
+            </a:p>
+          </p:txBody>
+        </p:sp>
+        <p:sp>
+          <p:nvSpPr>
+            <p:cNvPr id="3082" name="椭圆 154"/>
+            <p:cNvSpPr>
+              <a:spLocks noChangeArrowheads="1"/>
+            </p:cNvSpPr>
+            <p:nvPr/>
+          </p:nvSpPr>
+          <p:spPr bwMode="auto">
+            <a:xfrm>
+              <a:off x="95724" y="1351425"/>
+              <a:ext cx="93077" cy="93077"/>
+            </a:xfrm>
+            <a:prstGeom prst="ellipse">
+              <a:avLst/>
+            </a:prstGeom>
+            <a:solidFill>
+              <a:schemeClr val="bg1">
+                <a:alpha val="39999"/>
+              </a:schemeClr>
+            </a:solidFill>
+            <a:ln>
+              <a:noFill/>
+            </a:ln>
+            <a:extLst>
+              <a:ext uri="{91240B29-F687-4F45-9708-019B960494DF}">
+                <a14:hiddenLine xmlns:a14="http://schemas.microsoft.com/office/drawing/2010/main" w="9525">
+                  <a:solidFill>
+                    <a:srgbClr val="000000"/>
+                  </a:solidFill>
+                  <a:round/>
+                </a14:hiddenLine>
+              </a:ext>
+            </a:extLst>
+          </p:spPr>
+          <p:txBody>
+            <a:bodyPr anchor="ctr"/>
+            <a:lstStyle/>
+            <a:p>
+              <a:pPr algn="ctr" eaLnBrk="1" hangingPunct="1"/>
+              <a:endParaRPr lang="zh-CN" altLang="en-US">
+                <a:solidFill>
+                  <a:srgbClr val="FFFFFF"/>
+                </a:solidFill>
+              </a:endParaRPr>
+            </a:p>
+          </p:txBody>
+        </p:sp>
+        <p:sp>
+          <p:nvSpPr>
+            <p:cNvPr id="3083" name="椭圆 155"/>
+            <p:cNvSpPr>
+              <a:spLocks noChangeArrowheads="1"/>
+            </p:cNvSpPr>
+            <p:nvPr/>
+          </p:nvSpPr>
+          <p:spPr bwMode="auto">
+            <a:xfrm>
+              <a:off x="373525" y="806210"/>
+              <a:ext cx="93077" cy="93077"/>
+            </a:xfrm>
+            <a:prstGeom prst="ellipse">
+              <a:avLst/>
+            </a:prstGeom>
+            <a:solidFill>
+              <a:schemeClr val="bg1">
+                <a:alpha val="39999"/>
+              </a:schemeClr>
+            </a:solidFill>
+            <a:ln>
+              <a:noFill/>
+            </a:ln>
+            <a:extLst>
+              <a:ext uri="{91240B29-F687-4F45-9708-019B960494DF}">
+                <a14:hiddenLine xmlns:a14="http://schemas.microsoft.com/office/drawing/2010/main" w="9525">
+                  <a:solidFill>
+                    <a:srgbClr val="000000"/>
+                  </a:solidFill>
+                  <a:round/>
+                </a14:hiddenLine>
+              </a:ext>
+            </a:extLst>
+          </p:spPr>
+          <p:txBody>
+            <a:bodyPr anchor="ctr"/>
+            <a:lstStyle/>
+            <a:p>
+              <a:pPr algn="ctr" eaLnBrk="1" hangingPunct="1"/>
+              <a:endParaRPr lang="zh-CN" altLang="en-US">
+                <a:solidFill>
+                  <a:srgbClr val="FFFFFF"/>
+                </a:solidFill>
+              </a:endParaRPr>
+            </a:p>
+          </p:txBody>
+        </p:sp>
+        <p:sp>
+          <p:nvSpPr>
+            <p:cNvPr id="3084" name="椭圆 156"/>
+            <p:cNvSpPr>
+              <a:spLocks noChangeArrowheads="1"/>
+            </p:cNvSpPr>
+            <p:nvPr/>
+          </p:nvSpPr>
+          <p:spPr bwMode="auto">
+            <a:xfrm>
+              <a:off x="806210" y="373525"/>
+              <a:ext cx="93077" cy="93077"/>
+            </a:xfrm>
+            <a:prstGeom prst="ellipse">
+              <a:avLst/>
+            </a:prstGeom>
+            <a:solidFill>
+              <a:schemeClr val="bg1">
+                <a:alpha val="39999"/>
+              </a:schemeClr>
+            </a:solidFill>
+            <a:ln>
+              <a:noFill/>
+            </a:ln>
+            <a:extLst>
+              <a:ext uri="{91240B29-F687-4F45-9708-019B960494DF}">
+                <a14:hiddenLine xmlns:a14="http://schemas.microsoft.com/office/drawing/2010/main" w="9525">
+                  <a:solidFill>
+                    <a:srgbClr val="000000"/>
+                  </a:solidFill>
+                  <a:round/>
+                </a14:hiddenLine>
+              </a:ext>
+            </a:extLst>
+          </p:spPr>
+          <p:txBody>
+            <a:bodyPr anchor="ctr"/>
+            <a:lstStyle/>
+            <a:p>
+              <a:pPr algn="ctr" eaLnBrk="1" hangingPunct="1"/>
+              <a:endParaRPr lang="zh-CN" altLang="en-US">
+                <a:solidFill>
+                  <a:srgbClr val="FFFFFF"/>
+                </a:solidFill>
+              </a:endParaRPr>
+            </a:p>
+          </p:txBody>
+        </p:sp>
+        <p:sp>
+          <p:nvSpPr>
+            <p:cNvPr id="3085" name="椭圆 157"/>
+            <p:cNvSpPr>
+              <a:spLocks noChangeArrowheads="1"/>
+            </p:cNvSpPr>
+            <p:nvPr/>
+          </p:nvSpPr>
+          <p:spPr bwMode="auto">
+            <a:xfrm>
+              <a:off x="1351425" y="95724"/>
+              <a:ext cx="93077" cy="93077"/>
+            </a:xfrm>
+            <a:prstGeom prst="ellipse">
+              <a:avLst/>
+            </a:prstGeom>
+            <a:solidFill>
+              <a:schemeClr val="bg1">
+                <a:alpha val="39999"/>
+              </a:schemeClr>
+            </a:solidFill>
+            <a:ln>
+              <a:noFill/>
+            </a:ln>
+            <a:extLst>
+              <a:ext uri="{91240B29-F687-4F45-9708-019B960494DF}">
+                <a14:hiddenLine xmlns:a14="http://schemas.microsoft.com/office/drawing/2010/main" w="9525">
+                  <a:solidFill>
+                    <a:srgbClr val="000000"/>
+                  </a:solidFill>
+                  <a:round/>
+                </a14:hiddenLine>
+              </a:ext>
+            </a:extLst>
+          </p:spPr>
+          <p:txBody>
+            <a:bodyPr anchor="ctr"/>
+            <a:lstStyle/>
+            <a:p>
+              <a:pPr algn="ctr" eaLnBrk="1" hangingPunct="1"/>
+              <a:endParaRPr lang="zh-CN" altLang="en-US">
+                <a:solidFill>
+                  <a:srgbClr val="FFFFFF"/>
+                </a:solidFill>
+              </a:endParaRPr>
+            </a:p>
+          </p:txBody>
+        </p:sp>
+        <p:sp>
+          <p:nvSpPr>
+            <p:cNvPr id="3086" name="椭圆 158"/>
+            <p:cNvSpPr>
+              <a:spLocks noChangeArrowheads="1"/>
+            </p:cNvSpPr>
+            <p:nvPr/>
+          </p:nvSpPr>
+          <p:spPr bwMode="auto">
+            <a:xfrm>
+              <a:off x="1955800" y="0"/>
+              <a:ext cx="93077" cy="93077"/>
+            </a:xfrm>
+            <a:prstGeom prst="ellipse">
+              <a:avLst/>
+            </a:prstGeom>
+            <a:solidFill>
+              <a:schemeClr val="bg1">
+                <a:alpha val="39999"/>
+              </a:schemeClr>
+            </a:solidFill>
+            <a:ln>
+              <a:noFill/>
+            </a:ln>
+            <a:extLst>
+              <a:ext uri="{91240B29-F687-4F45-9708-019B960494DF}">
+                <a14:hiddenLine xmlns:a14="http://schemas.microsoft.com/office/drawing/2010/main" w="9525">
+                  <a:solidFill>
+                    <a:srgbClr val="000000"/>
+                  </a:solidFill>
+                  <a:round/>
+                </a14:hiddenLine>
+              </a:ext>
+            </a:extLst>
+          </p:spPr>
+          <p:txBody>
+            <a:bodyPr anchor="ctr"/>
+            <a:lstStyle/>
+            <a:p>
+              <a:pPr algn="ctr" eaLnBrk="1" hangingPunct="1"/>
+              <a:endParaRPr lang="zh-CN" altLang="en-US">
+                <a:solidFill>
+                  <a:srgbClr val="FFFFFF"/>
+                </a:solidFill>
+              </a:endParaRPr>
+            </a:p>
+          </p:txBody>
+        </p:sp>
+        <p:sp>
+          <p:nvSpPr>
+            <p:cNvPr id="3087" name="椭圆 159"/>
+            <p:cNvSpPr>
+              <a:spLocks noChangeArrowheads="1"/>
+            </p:cNvSpPr>
+            <p:nvPr/>
+          </p:nvSpPr>
+          <p:spPr bwMode="auto">
+            <a:xfrm>
+              <a:off x="2560176" y="95724"/>
+              <a:ext cx="93077" cy="93077"/>
+            </a:xfrm>
+            <a:prstGeom prst="ellipse">
+              <a:avLst/>
+            </a:prstGeom>
+            <a:solidFill>
+              <a:schemeClr val="bg1">
+                <a:alpha val="39999"/>
+              </a:schemeClr>
+            </a:solidFill>
+            <a:ln>
+              <a:noFill/>
+            </a:ln>
+            <a:extLst>
+              <a:ext uri="{91240B29-F687-4F45-9708-019B960494DF}">
+                <a14:hiddenLine xmlns:a14="http://schemas.microsoft.com/office/drawing/2010/main" w="9525">
+                  <a:solidFill>
+                    <a:srgbClr val="000000"/>
+                  </a:solidFill>
+                  <a:round/>
+                </a14:hiddenLine>
+              </a:ext>
+            </a:extLst>
+          </p:spPr>
+          <p:txBody>
+            <a:bodyPr anchor="ctr"/>
+            <a:lstStyle/>
+            <a:p>
+              <a:pPr algn="ctr" eaLnBrk="1" hangingPunct="1"/>
+              <a:endParaRPr lang="zh-CN" altLang="en-US">
+                <a:solidFill>
+                  <a:srgbClr val="FFFFFF"/>
+                </a:solidFill>
+              </a:endParaRPr>
+            </a:p>
+          </p:txBody>
+        </p:sp>
+        <p:sp>
+          <p:nvSpPr>
+            <p:cNvPr id="3088" name="椭圆 160"/>
+            <p:cNvSpPr>
+              <a:spLocks noChangeArrowheads="1"/>
+            </p:cNvSpPr>
+            <p:nvPr/>
+          </p:nvSpPr>
+          <p:spPr bwMode="auto">
+            <a:xfrm>
+              <a:off x="3105391" y="373525"/>
+              <a:ext cx="93077" cy="93077"/>
+            </a:xfrm>
+            <a:prstGeom prst="ellipse">
+              <a:avLst/>
+            </a:prstGeom>
+            <a:solidFill>
+              <a:schemeClr val="bg1">
+                <a:alpha val="39999"/>
+              </a:schemeClr>
+            </a:solidFill>
+            <a:ln>
+              <a:noFill/>
+            </a:ln>
+            <a:extLst>
+              <a:ext uri="{91240B29-F687-4F45-9708-019B960494DF}">
+                <a14:hiddenLine xmlns:a14="http://schemas.microsoft.com/office/drawing/2010/main" w="9525">
+                  <a:solidFill>
+                    <a:srgbClr val="000000"/>
+                  </a:solidFill>
+                  <a:round/>
+                </a14:hiddenLine>
+              </a:ext>
+            </a:extLst>
+          </p:spPr>
+          <p:txBody>
+            <a:bodyPr anchor="ctr"/>
+            <a:lstStyle/>
+            <a:p>
+              <a:pPr algn="ctr" eaLnBrk="1" hangingPunct="1"/>
+              <a:endParaRPr lang="zh-CN" altLang="en-US">
+                <a:solidFill>
+                  <a:srgbClr val="FFFFFF"/>
+                </a:solidFill>
+              </a:endParaRPr>
+            </a:p>
+          </p:txBody>
+        </p:sp>
+        <p:sp>
+          <p:nvSpPr>
+            <p:cNvPr id="3089" name="椭圆 161"/>
+            <p:cNvSpPr>
+              <a:spLocks noChangeArrowheads="1"/>
+            </p:cNvSpPr>
+            <p:nvPr/>
+          </p:nvSpPr>
+          <p:spPr bwMode="auto">
+            <a:xfrm>
+              <a:off x="3538076" y="806210"/>
+              <a:ext cx="93077" cy="93077"/>
+            </a:xfrm>
+            <a:prstGeom prst="ellipse">
+              <a:avLst/>
+            </a:prstGeom>
+            <a:solidFill>
+              <a:schemeClr val="bg1">
+                <a:alpha val="39999"/>
+              </a:schemeClr>
+            </a:solidFill>
+            <a:ln>
+              <a:noFill/>
+            </a:ln>
+            <a:extLst>
+              <a:ext uri="{91240B29-F687-4F45-9708-019B960494DF}">
+                <a14:hiddenLine xmlns:a14="http://schemas.microsoft.com/office/drawing/2010/main" w="9525">
+                  <a:solidFill>
+                    <a:srgbClr val="000000"/>
+                  </a:solidFill>
+                  <a:round/>
+                </a14:hiddenLine>
+              </a:ext>
+            </a:extLst>
+          </p:spPr>
+          <p:txBody>
+            <a:bodyPr anchor="ctr"/>
+            <a:lstStyle/>
+            <a:p>
+              <a:pPr algn="ctr" eaLnBrk="1" hangingPunct="1"/>
+              <a:endParaRPr lang="zh-CN" altLang="en-US">
+                <a:solidFill>
+                  <a:srgbClr val="FFFFFF"/>
+                </a:solidFill>
+              </a:endParaRPr>
+            </a:p>
+          </p:txBody>
+        </p:sp>
+        <p:sp>
+          <p:nvSpPr>
+            <p:cNvPr id="3090" name="椭圆 162"/>
+            <p:cNvSpPr>
+              <a:spLocks noChangeArrowheads="1"/>
+            </p:cNvSpPr>
+            <p:nvPr/>
+          </p:nvSpPr>
+          <p:spPr bwMode="auto">
+            <a:xfrm>
+              <a:off x="3815876" y="1351425"/>
+              <a:ext cx="93077" cy="93077"/>
+            </a:xfrm>
+            <a:prstGeom prst="ellipse">
+              <a:avLst/>
+            </a:prstGeom>
+            <a:solidFill>
+              <a:schemeClr val="bg1">
+                <a:alpha val="39999"/>
+              </a:schemeClr>
+            </a:solidFill>
+            <a:ln>
+              <a:noFill/>
+            </a:ln>
+            <a:extLst>
+              <a:ext uri="{91240B29-F687-4F45-9708-019B960494DF}">
+                <a14:hiddenLine xmlns:a14="http://schemas.microsoft.com/office/drawing/2010/main" w="9525">
+                  <a:solidFill>
+                    <a:srgbClr val="000000"/>
+                  </a:solidFill>
+                  <a:round/>
+                </a14:hiddenLine>
+              </a:ext>
+            </a:extLst>
+          </p:spPr>
+          <p:txBody>
+            <a:bodyPr anchor="ctr"/>
+            <a:lstStyle/>
+            <a:p>
+              <a:pPr algn="ctr" eaLnBrk="1" hangingPunct="1"/>
+              <a:endParaRPr lang="zh-CN" altLang="en-US">
+                <a:solidFill>
+                  <a:srgbClr val="FFFFFF"/>
+                </a:solidFill>
+              </a:endParaRPr>
+            </a:p>
+          </p:txBody>
+        </p:sp>
+        <p:sp>
+          <p:nvSpPr>
+            <p:cNvPr id="3091" name="椭圆 163"/>
+            <p:cNvSpPr>
+              <a:spLocks noChangeArrowheads="1"/>
+            </p:cNvSpPr>
+            <p:nvPr/>
+          </p:nvSpPr>
+          <p:spPr bwMode="auto">
+            <a:xfrm>
+              <a:off x="3911600" y="1955800"/>
+              <a:ext cx="93077" cy="93077"/>
+            </a:xfrm>
+            <a:prstGeom prst="ellipse">
+              <a:avLst/>
+            </a:prstGeom>
+            <a:solidFill>
+              <a:schemeClr val="bg1">
+                <a:alpha val="39999"/>
+              </a:schemeClr>
+            </a:solidFill>
+            <a:ln>
+              <a:noFill/>
+            </a:ln>
+            <a:extLst>
+              <a:ext uri="{91240B29-F687-4F45-9708-019B960494DF}">
+                <a14:hiddenLine xmlns:a14="http://schemas.microsoft.com/office/drawing/2010/main" w="9525">
+                  <a:solidFill>
+                    <a:srgbClr val="000000"/>
+                  </a:solidFill>
+                  <a:round/>
+                </a14:hiddenLine>
+              </a:ext>
+            </a:extLst>
+          </p:spPr>
+          <p:txBody>
+            <a:bodyPr anchor="ctr"/>
+            <a:lstStyle/>
+            <a:p>
+              <a:pPr algn="ctr" eaLnBrk="1" hangingPunct="1"/>
+              <a:endParaRPr lang="zh-CN" altLang="en-US">
+                <a:solidFill>
+                  <a:srgbClr val="FFFFFF"/>
+                </a:solidFill>
+              </a:endParaRPr>
+            </a:p>
+          </p:txBody>
+        </p:sp>
+        <p:sp>
+          <p:nvSpPr>
+            <p:cNvPr id="3092" name="椭圆 164"/>
+            <p:cNvSpPr>
+              <a:spLocks noChangeArrowheads="1"/>
+            </p:cNvSpPr>
+            <p:nvPr/>
+          </p:nvSpPr>
+          <p:spPr bwMode="auto">
+            <a:xfrm>
+              <a:off x="3815876" y="2560175"/>
+              <a:ext cx="93077" cy="93077"/>
+            </a:xfrm>
+            <a:prstGeom prst="ellipse">
+              <a:avLst/>
+            </a:prstGeom>
+            <a:solidFill>
+              <a:schemeClr val="bg1">
+                <a:alpha val="39999"/>
+              </a:schemeClr>
+            </a:solidFill>
+            <a:ln>
+              <a:noFill/>
+            </a:ln>
+            <a:extLst>
+              <a:ext uri="{91240B29-F687-4F45-9708-019B960494DF}">
+                <a14:hiddenLine xmlns:a14="http://schemas.microsoft.com/office/drawing/2010/main" w="9525">
+                  <a:solidFill>
+                    <a:srgbClr val="000000"/>
+                  </a:solidFill>
+                  <a:round/>
+                </a14:hiddenLine>
+              </a:ext>
+            </a:extLst>
+          </p:spPr>
+          <p:txBody>
+            <a:bodyPr anchor="ctr"/>
+            <a:lstStyle/>
+            <a:p>
+              <a:pPr algn="ctr" eaLnBrk="1" hangingPunct="1"/>
+              <a:endParaRPr lang="zh-CN" altLang="en-US">
+                <a:solidFill>
+                  <a:srgbClr val="FFFFFF"/>
+                </a:solidFill>
+              </a:endParaRPr>
+            </a:p>
+          </p:txBody>
+        </p:sp>
+        <p:sp>
+          <p:nvSpPr>
+            <p:cNvPr id="3093" name="椭圆 165"/>
+            <p:cNvSpPr>
+              <a:spLocks noChangeArrowheads="1"/>
+            </p:cNvSpPr>
+            <p:nvPr/>
+          </p:nvSpPr>
+          <p:spPr bwMode="auto">
+            <a:xfrm>
+              <a:off x="3538076" y="3105391"/>
+              <a:ext cx="93077" cy="93077"/>
+            </a:xfrm>
+            <a:prstGeom prst="ellipse">
+              <a:avLst/>
+            </a:prstGeom>
+            <a:solidFill>
+              <a:schemeClr val="bg1">
+                <a:alpha val="39999"/>
+              </a:schemeClr>
+            </a:solidFill>
+            <a:ln>
+              <a:noFill/>
+            </a:ln>
+            <a:extLst>
+              <a:ext uri="{91240B29-F687-4F45-9708-019B960494DF}">
+                <a14:hiddenLine xmlns:a14="http://schemas.microsoft.com/office/drawing/2010/main" w="9525">
+                  <a:solidFill>
+                    <a:srgbClr val="000000"/>
+                  </a:solidFill>
+                  <a:round/>
+                </a14:hiddenLine>
+              </a:ext>
+            </a:extLst>
+          </p:spPr>
+          <p:txBody>
+            <a:bodyPr anchor="ctr"/>
+            <a:lstStyle/>
+            <a:p>
+              <a:pPr algn="ctr" eaLnBrk="1" hangingPunct="1"/>
+              <a:endParaRPr lang="zh-CN" altLang="en-US">
+                <a:solidFill>
+                  <a:srgbClr val="FFFFFF"/>
+                </a:solidFill>
+              </a:endParaRPr>
+            </a:p>
+          </p:txBody>
+        </p:sp>
+        <p:sp>
+          <p:nvSpPr>
+            <p:cNvPr id="3094" name="椭圆 166"/>
+            <p:cNvSpPr>
+              <a:spLocks noChangeArrowheads="1"/>
+            </p:cNvSpPr>
+            <p:nvPr/>
+          </p:nvSpPr>
+          <p:spPr bwMode="auto">
+            <a:xfrm>
+              <a:off x="3105391" y="3538075"/>
+              <a:ext cx="93077" cy="93077"/>
+            </a:xfrm>
+            <a:prstGeom prst="ellipse">
+              <a:avLst/>
+            </a:prstGeom>
+            <a:solidFill>
+              <a:schemeClr val="bg1">
+                <a:alpha val="39999"/>
+              </a:schemeClr>
+            </a:solidFill>
+            <a:ln>
+              <a:noFill/>
+            </a:ln>
+            <a:extLst>
+              <a:ext uri="{91240B29-F687-4F45-9708-019B960494DF}">
+                <a14:hiddenLine xmlns:a14="http://schemas.microsoft.com/office/drawing/2010/main" w="9525">
+                  <a:solidFill>
+                    <a:srgbClr val="000000"/>
+                  </a:solidFill>
+                  <a:round/>
+                </a14:hiddenLine>
+              </a:ext>
+            </a:extLst>
+          </p:spPr>
+          <p:txBody>
+            <a:bodyPr anchor="ctr"/>
+            <a:lstStyle/>
+            <a:p>
+              <a:pPr algn="ctr" eaLnBrk="1" hangingPunct="1"/>
+              <a:endParaRPr lang="zh-CN" altLang="en-US">
+                <a:solidFill>
+                  <a:srgbClr val="FFFFFF"/>
+                </a:solidFill>
+              </a:endParaRPr>
+            </a:p>
+          </p:txBody>
+        </p:sp>
+        <p:sp>
+          <p:nvSpPr>
+            <p:cNvPr id="3095" name="椭圆 167"/>
+            <p:cNvSpPr>
+              <a:spLocks noChangeArrowheads="1"/>
+            </p:cNvSpPr>
+            <p:nvPr/>
+          </p:nvSpPr>
+          <p:spPr bwMode="auto">
+            <a:xfrm>
+              <a:off x="2560176" y="3815876"/>
+              <a:ext cx="93077" cy="93077"/>
+            </a:xfrm>
+            <a:prstGeom prst="ellipse">
+              <a:avLst/>
+            </a:prstGeom>
+            <a:solidFill>
+              <a:schemeClr val="bg1">
+                <a:alpha val="39999"/>
+              </a:schemeClr>
+            </a:solidFill>
+            <a:ln>
+              <a:noFill/>
+            </a:ln>
+            <a:extLst>
+              <a:ext uri="{91240B29-F687-4F45-9708-019B960494DF}">
+                <a14:hiddenLine xmlns:a14="http://schemas.microsoft.com/office/drawing/2010/main" w="9525">
+                  <a:solidFill>
+                    <a:srgbClr val="000000"/>
+                  </a:solidFill>
+                  <a:round/>
+                </a14:hiddenLine>
+              </a:ext>
+            </a:extLst>
+          </p:spPr>
+          <p:txBody>
+            <a:bodyPr anchor="ctr"/>
+            <a:lstStyle/>
+            <a:p>
+              <a:pPr algn="ctr" eaLnBrk="1" hangingPunct="1"/>
+              <a:endParaRPr lang="zh-CN" altLang="en-US">
+                <a:solidFill>
+                  <a:srgbClr val="FFFFFF"/>
+                </a:solidFill>
+              </a:endParaRPr>
+            </a:p>
+          </p:txBody>
+        </p:sp>
+        <p:sp>
+          <p:nvSpPr>
+            <p:cNvPr id="3096" name="椭圆 168"/>
+            <p:cNvSpPr>
+              <a:spLocks noChangeArrowheads="1"/>
+            </p:cNvSpPr>
+            <p:nvPr/>
+          </p:nvSpPr>
+          <p:spPr bwMode="auto">
+            <a:xfrm>
+              <a:off x="1955800" y="3911600"/>
+              <a:ext cx="93077" cy="93077"/>
+            </a:xfrm>
+            <a:prstGeom prst="ellipse">
+              <a:avLst/>
+            </a:prstGeom>
+            <a:solidFill>
+              <a:schemeClr val="bg1">
+                <a:alpha val="39999"/>
+              </a:schemeClr>
+            </a:solidFill>
+            <a:ln>
+              <a:noFill/>
+            </a:ln>
+            <a:extLst>
+              <a:ext uri="{91240B29-F687-4F45-9708-019B960494DF}">
+                <a14:hiddenLine xmlns:a14="http://schemas.microsoft.com/office/drawing/2010/main" w="9525">
+                  <a:solidFill>
+                    <a:srgbClr val="000000"/>
+                  </a:solidFill>
+                  <a:round/>
+                </a14:hiddenLine>
+              </a:ext>
+            </a:extLst>
+          </p:spPr>
+          <p:txBody>
+            <a:bodyPr anchor="ctr"/>
+            <a:lstStyle/>
+            <a:p>
+              <a:pPr algn="ctr" eaLnBrk="1" hangingPunct="1"/>
+              <a:endParaRPr lang="zh-CN" altLang="en-US">
+                <a:solidFill>
+                  <a:srgbClr val="FFFFFF"/>
+                </a:solidFill>
+              </a:endParaRPr>
+            </a:p>
+          </p:txBody>
+        </p:sp>
+        <p:sp>
+          <p:nvSpPr>
+            <p:cNvPr id="3097" name="椭圆 169"/>
+            <p:cNvSpPr>
+              <a:spLocks noChangeArrowheads="1"/>
+            </p:cNvSpPr>
+            <p:nvPr/>
+          </p:nvSpPr>
+          <p:spPr bwMode="auto">
+            <a:xfrm>
+              <a:off x="1351425" y="3815876"/>
+              <a:ext cx="93077" cy="93077"/>
+            </a:xfrm>
+            <a:prstGeom prst="ellipse">
+              <a:avLst/>
+            </a:prstGeom>
+            <a:solidFill>
+              <a:schemeClr val="bg1">
+                <a:alpha val="39999"/>
+              </a:schemeClr>
+            </a:solidFill>
+            <a:ln>
+              <a:noFill/>
+            </a:ln>
+            <a:extLst>
+              <a:ext uri="{91240B29-F687-4F45-9708-019B960494DF}">
+                <a14:hiddenLine xmlns:a14="http://schemas.microsoft.com/office/drawing/2010/main" w="9525">
+                  <a:solidFill>
+                    <a:srgbClr val="000000"/>
+                  </a:solidFill>
+                  <a:round/>
+                </a14:hiddenLine>
+              </a:ext>
+            </a:extLst>
+          </p:spPr>
+          <p:txBody>
+            <a:bodyPr anchor="ctr"/>
+            <a:lstStyle/>
+            <a:p>
+              <a:pPr algn="ctr" eaLnBrk="1" hangingPunct="1"/>
+              <a:endParaRPr lang="zh-CN" altLang="en-US">
+                <a:solidFill>
+                  <a:srgbClr val="FFFFFF"/>
+                </a:solidFill>
+              </a:endParaRPr>
+            </a:p>
+          </p:txBody>
+        </p:sp>
+        <p:sp>
+          <p:nvSpPr>
+            <p:cNvPr id="3098" name="椭圆 170"/>
+            <p:cNvSpPr>
+              <a:spLocks noChangeArrowheads="1"/>
+            </p:cNvSpPr>
+            <p:nvPr/>
+          </p:nvSpPr>
+          <p:spPr bwMode="auto">
+            <a:xfrm>
+              <a:off x="806210" y="3538075"/>
+              <a:ext cx="93077" cy="93077"/>
+            </a:xfrm>
+            <a:prstGeom prst="ellipse">
+              <a:avLst/>
+            </a:prstGeom>
+            <a:solidFill>
+              <a:schemeClr val="bg1">
+                <a:alpha val="39999"/>
+              </a:schemeClr>
+            </a:solidFill>
+            <a:ln>
+              <a:noFill/>
+            </a:ln>
+            <a:extLst>
+              <a:ext uri="{91240B29-F687-4F45-9708-019B960494DF}">
+                <a14:hiddenLine xmlns:a14="http://schemas.microsoft.com/office/drawing/2010/main" w="9525">
+                  <a:solidFill>
+                    <a:srgbClr val="000000"/>
+                  </a:solidFill>
+                  <a:round/>
+                </a14:hiddenLine>
+              </a:ext>
+            </a:extLst>
+          </p:spPr>
+          <p:txBody>
+            <a:bodyPr anchor="ctr"/>
+            <a:lstStyle/>
+            <a:p>
+              <a:pPr algn="ctr" eaLnBrk="1" hangingPunct="1"/>
+              <a:endParaRPr lang="zh-CN" altLang="en-US">
+                <a:solidFill>
+                  <a:srgbClr val="FFFFFF"/>
+                </a:solidFill>
+              </a:endParaRPr>
+            </a:p>
+          </p:txBody>
+        </p:sp>
+        <p:sp>
+          <p:nvSpPr>
+            <p:cNvPr id="3099" name="椭圆 171"/>
+            <p:cNvSpPr>
+              <a:spLocks noChangeArrowheads="1"/>
+            </p:cNvSpPr>
+            <p:nvPr/>
+          </p:nvSpPr>
+          <p:spPr bwMode="auto">
+            <a:xfrm>
+              <a:off x="373525" y="3105391"/>
+              <a:ext cx="93077" cy="93077"/>
+            </a:xfrm>
+            <a:prstGeom prst="ellipse">
+              <a:avLst/>
+            </a:prstGeom>
+            <a:solidFill>
+              <a:schemeClr val="bg1">
+                <a:alpha val="39999"/>
+              </a:schemeClr>
+            </a:solidFill>
+            <a:ln>
+              <a:noFill/>
+            </a:ln>
+            <a:extLst>
+              <a:ext uri="{91240B29-F687-4F45-9708-019B960494DF}">
+                <a14:hiddenLine xmlns:a14="http://schemas.microsoft.com/office/drawing/2010/main" w="9525">
+                  <a:solidFill>
+                    <a:srgbClr val="000000"/>
+                  </a:solidFill>
+                  <a:round/>
+                </a14:hiddenLine>
+              </a:ext>
+            </a:extLst>
+          </p:spPr>
+          <p:txBody>
+            <a:bodyPr anchor="ctr"/>
+            <a:lstStyle/>
+            <a:p>
+              <a:pPr algn="ctr" eaLnBrk="1" hangingPunct="1"/>
+              <a:endParaRPr lang="zh-CN" altLang="en-US">
+                <a:solidFill>
+                  <a:srgbClr val="FFFFFF"/>
+                </a:solidFill>
+              </a:endParaRPr>
+            </a:p>
+          </p:txBody>
+        </p:sp>
+        <p:sp>
+          <p:nvSpPr>
+            <p:cNvPr id="3100" name="椭圆 172"/>
+            <p:cNvSpPr>
+              <a:spLocks noChangeArrowheads="1"/>
+            </p:cNvSpPr>
+            <p:nvPr/>
+          </p:nvSpPr>
+          <p:spPr bwMode="auto">
+            <a:xfrm>
+              <a:off x="95724" y="2560175"/>
+              <a:ext cx="93077" cy="93077"/>
+            </a:xfrm>
+            <a:prstGeom prst="ellipse">
+              <a:avLst/>
+            </a:prstGeom>
+            <a:solidFill>
+              <a:schemeClr val="bg1">
+                <a:alpha val="39999"/>
+              </a:schemeClr>
+            </a:solidFill>
+            <a:ln>
+              <a:noFill/>
+            </a:ln>
+            <a:extLst>
+              <a:ext uri="{91240B29-F687-4F45-9708-019B960494DF}">
+                <a14:hiddenLine xmlns:a14="http://schemas.microsoft.com/office/drawing/2010/main" w="9525">
+                  <a:solidFill>
+                    <a:srgbClr val="000000"/>
+                  </a:solidFill>
+                  <a:round/>
+                </a14:hiddenLine>
+              </a:ext>
+            </a:extLst>
+          </p:spPr>
+          <p:txBody>
+            <a:bodyPr anchor="ctr"/>
+            <a:lstStyle/>
+            <a:p>
+              <a:pPr algn="ctr" eaLnBrk="1" hangingPunct="1"/>
+              <a:endParaRPr lang="zh-CN" altLang="en-US">
+                <a:solidFill>
+                  <a:srgbClr val="FFFFFF"/>
+                </a:solidFill>
+              </a:endParaRPr>
+            </a:p>
+          </p:txBody>
+        </p:sp>
+      </p:grpSp>
       <p:sp>
         <p:nvSpPr>
-          <p:cNvPr id="3078" name="矩形 175"/>
-          <p:cNvSpPr>
+          <p:cNvPr id="3076" name="文本框 173"/>
+          <p:cNvSpPr txBox="1">
             <a:spLocks noChangeArrowheads="1"/>
           </p:cNvSpPr>
           <p:nvPr/>
         </p:nvSpPr>
         <p:spPr bwMode="auto">
           <a:xfrm>
-            <a:off x="6481763" y="3633788"/>
-            <a:ext cx="4165722" cy="830997"/>
+            <a:off x="2889250" y="1957388"/>
+            <a:ext cx="1370013" cy="2647950"/>
           </a:xfrm>
           <a:prstGeom prst="rect">
             <a:avLst/>
@@ -10212,53 +12239,133 @@
           </a:extLst>
         </p:spPr>
         <p:txBody>
-          <a:bodyPr wrap="square">
+          <a:bodyPr wrap="none">
             <a:spAutoFit/>
           </a:bodyPr>
-          <a:lstStyle/>
+          <a:lstStyle>
+            <a:lvl1pPr>
+              <a:defRPr>
+                <a:solidFill>
+                  <a:schemeClr val="tx1"/>
+                </a:solidFill>
+                <a:latin typeface="Calibri" panose="020F0502020204030204" pitchFamily="34" charset="0"/>
+                <a:ea typeface="宋体" panose="02010600030101010101" pitchFamily="2" charset="-122"/>
+              </a:defRPr>
+            </a:lvl1pPr>
+            <a:lvl2pPr marL="742950" indent="-285750">
+              <a:defRPr>
+                <a:solidFill>
+                  <a:schemeClr val="tx1"/>
+                </a:solidFill>
+                <a:latin typeface="Calibri" panose="020F0502020204030204" pitchFamily="34" charset="0"/>
+                <a:ea typeface="宋体" panose="02010600030101010101" pitchFamily="2" charset="-122"/>
+              </a:defRPr>
+            </a:lvl2pPr>
+            <a:lvl3pPr marL="1143000" indent="-228600">
+              <a:defRPr>
+                <a:solidFill>
+                  <a:schemeClr val="tx1"/>
+                </a:solidFill>
+                <a:latin typeface="Calibri" panose="020F0502020204030204" pitchFamily="34" charset="0"/>
+                <a:ea typeface="宋体" panose="02010600030101010101" pitchFamily="2" charset="-122"/>
+              </a:defRPr>
+            </a:lvl3pPr>
+            <a:lvl4pPr marL="1600200" indent="-228600">
+              <a:defRPr>
+                <a:solidFill>
+                  <a:schemeClr val="tx1"/>
+                </a:solidFill>
+                <a:latin typeface="Calibri" panose="020F0502020204030204" pitchFamily="34" charset="0"/>
+                <a:ea typeface="宋体" panose="02010600030101010101" pitchFamily="2" charset="-122"/>
+              </a:defRPr>
+            </a:lvl4pPr>
+            <a:lvl5pPr marL="2057400" indent="-228600">
+              <a:defRPr>
+                <a:solidFill>
+                  <a:schemeClr val="tx1"/>
+                </a:solidFill>
+                <a:latin typeface="Calibri" panose="020F0502020204030204" pitchFamily="34" charset="0"/>
+                <a:ea typeface="宋体" panose="02010600030101010101" pitchFamily="2" charset="-122"/>
+              </a:defRPr>
+            </a:lvl5pPr>
+            <a:lvl6pPr marL="2514600" indent="-228600" eaLnBrk="0" fontAlgn="base" hangingPunct="0">
+              <a:spcBef>
+                <a:spcPct val="0"/>
+              </a:spcBef>
+              <a:spcAft>
+                <a:spcPct val="0"/>
+              </a:spcAft>
+              <a:buFont typeface="Arial" panose="020B0604020202020204" pitchFamily="34" charset="0"/>
+              <a:defRPr>
+                <a:solidFill>
+                  <a:schemeClr val="tx1"/>
+                </a:solidFill>
+                <a:latin typeface="Calibri" panose="020F0502020204030204" pitchFamily="34" charset="0"/>
+                <a:ea typeface="宋体" panose="02010600030101010101" pitchFamily="2" charset="-122"/>
+              </a:defRPr>
+            </a:lvl6pPr>
+            <a:lvl7pPr marL="2971800" indent="-228600" eaLnBrk="0" fontAlgn="base" hangingPunct="0">
+              <a:spcBef>
+                <a:spcPct val="0"/>
+              </a:spcBef>
+              <a:spcAft>
+                <a:spcPct val="0"/>
+              </a:spcAft>
+              <a:buFont typeface="Arial" panose="020B0604020202020204" pitchFamily="34" charset="0"/>
+              <a:defRPr>
+                <a:solidFill>
+                  <a:schemeClr val="tx1"/>
+                </a:solidFill>
+                <a:latin typeface="Calibri" panose="020F0502020204030204" pitchFamily="34" charset="0"/>
+                <a:ea typeface="宋体" panose="02010600030101010101" pitchFamily="2" charset="-122"/>
+              </a:defRPr>
+            </a:lvl7pPr>
+            <a:lvl8pPr marL="3429000" indent="-228600" eaLnBrk="0" fontAlgn="base" hangingPunct="0">
+              <a:spcBef>
+                <a:spcPct val="0"/>
+              </a:spcBef>
+              <a:spcAft>
+                <a:spcPct val="0"/>
+              </a:spcAft>
+              <a:buFont typeface="Arial" panose="020B0604020202020204" pitchFamily="34" charset="0"/>
+              <a:defRPr>
+                <a:solidFill>
+                  <a:schemeClr val="tx1"/>
+                </a:solidFill>
+                <a:latin typeface="Calibri" panose="020F0502020204030204" pitchFamily="34" charset="0"/>
+                <a:ea typeface="宋体" panose="02010600030101010101" pitchFamily="2" charset="-122"/>
+              </a:defRPr>
+            </a:lvl8pPr>
+            <a:lvl9pPr marL="3886200" indent="-228600" eaLnBrk="0" fontAlgn="base" hangingPunct="0">
+              <a:spcBef>
+                <a:spcPct val="0"/>
+              </a:spcBef>
+              <a:spcAft>
+                <a:spcPct val="0"/>
+              </a:spcAft>
+              <a:buFont typeface="Arial" panose="020B0604020202020204" pitchFamily="34" charset="0"/>
+              <a:defRPr>
+                <a:solidFill>
+                  <a:schemeClr val="tx1"/>
+                </a:solidFill>
+                <a:latin typeface="Calibri" panose="020F0502020204030204" pitchFamily="34" charset="0"/>
+                <a:ea typeface="宋体" panose="02010600030101010101" pitchFamily="2" charset="-122"/>
+              </a:defRPr>
+            </a:lvl9pPr>
+          </a:lstStyle>
           <a:p>
             <a:pPr eaLnBrk="1" hangingPunct="1"/>
             <a:r>
-              <a:rPr lang="zh-CN" altLang="en-US" sz="2400" b="1" dirty="0">
+              <a:rPr lang="en-US" altLang="zh-CN" sz="16600" b="1" dirty="0" smtClean="0">
                 <a:solidFill>
                   <a:schemeClr val="bg1"/>
                 </a:solidFill>
                 <a:latin typeface="Arial" panose="020B0604020202020204" pitchFamily="34" charset="0"/>
                 <a:ea typeface="微软雅黑" panose="020B0503020204020204" pitchFamily="34" charset="-122"/>
               </a:rPr>
-              <a:t>骑</a:t>
+              <a:t>2</a:t>
             </a:r>
-            <a:r>
-              <a:rPr lang="zh-CN" altLang="en-US" sz="2400" b="1" dirty="0" smtClean="0">
-                <a:solidFill>
-                  <a:schemeClr val="bg1"/>
-                </a:solidFill>
-                <a:latin typeface="Arial" panose="020B0604020202020204" pitchFamily="34" charset="0"/>
-                <a:ea typeface="微软雅黑" panose="020B0503020204020204" pitchFamily="34" charset="-122"/>
-              </a:rPr>
-              <a:t>行</a:t>
-            </a:r>
-            <a:endParaRPr lang="en-US" altLang="zh-CN" sz="2400" b="1" dirty="0" smtClean="0">
-              <a:solidFill>
-                <a:schemeClr val="bg1"/>
-              </a:solidFill>
-              <a:latin typeface="Arial" panose="020B0604020202020204" pitchFamily="34" charset="0"/>
-              <a:ea typeface="微软雅黑" panose="020B0503020204020204" pitchFamily="34" charset="-122"/>
-            </a:endParaRPr>
-          </a:p>
-          <a:p>
-            <a:pPr eaLnBrk="1" hangingPunct="1"/>
-            <a:r>
-              <a:rPr lang="zh-CN" altLang="en-US" sz="2400" b="1" dirty="0" smtClean="0">
-                <a:solidFill>
-                  <a:schemeClr val="bg1"/>
-                </a:solidFill>
-                <a:latin typeface="Arial" panose="020B0604020202020204" pitchFamily="34" charset="0"/>
-                <a:ea typeface="微软雅黑" panose="020B0503020204020204" pitchFamily="34" charset="-122"/>
-              </a:rPr>
-              <a:t>健身</a:t>
-            </a:r>
-            <a:endParaRPr lang="zh-CN" altLang="en-US" sz="2400" b="1" dirty="0">
+            <a:endParaRPr lang="zh-CN" altLang="en-US" sz="16600" b="1" dirty="0">
               <a:solidFill>
                 <a:schemeClr val="bg1"/>
               </a:solidFill>
@@ -10268,10 +12375,7318 @@
           </a:p>
         </p:txBody>
       </p:sp>
+      <p:sp>
+        <p:nvSpPr>
+          <p:cNvPr id="3077" name="文本框 174"/>
+          <p:cNvSpPr txBox="1">
+            <a:spLocks noChangeArrowheads="1"/>
+          </p:cNvSpPr>
+          <p:nvPr/>
+        </p:nvSpPr>
+        <p:spPr bwMode="auto">
+          <a:xfrm>
+            <a:off x="6421437" y="2871497"/>
+            <a:ext cx="2954655" cy="923330"/>
+          </a:xfrm>
+          <a:prstGeom prst="rect">
+            <a:avLst/>
+          </a:prstGeom>
+          <a:noFill/>
+          <a:ln>
+            <a:noFill/>
+          </a:ln>
+          <a:extLst>
+            <a:ext uri="{909E8E84-426E-40DD-AFC4-6F175D3DCCD1}">
+              <a14:hiddenFill xmlns:a14="http://schemas.microsoft.com/office/drawing/2010/main">
+                <a:solidFill>
+                  <a:srgbClr val="FFFFFF"/>
+                </a:solidFill>
+              </a14:hiddenFill>
+            </a:ext>
+            <a:ext uri="{91240B29-F687-4F45-9708-019B960494DF}">
+              <a14:hiddenLine xmlns:a14="http://schemas.microsoft.com/office/drawing/2010/main" w="9525">
+                <a:solidFill>
+                  <a:srgbClr val="000000"/>
+                </a:solidFill>
+                <a:miter lim="800000"/>
+                <a:headEnd/>
+                <a:tailEnd/>
+              </a14:hiddenLine>
+            </a:ext>
+          </a:extLst>
+        </p:spPr>
+        <p:txBody>
+          <a:bodyPr wrap="none">
+            <a:spAutoFit/>
+          </a:bodyPr>
+          <a:lstStyle>
+            <a:lvl1pPr>
+              <a:defRPr>
+                <a:solidFill>
+                  <a:schemeClr val="tx1"/>
+                </a:solidFill>
+                <a:latin typeface="Calibri" panose="020F0502020204030204" pitchFamily="34" charset="0"/>
+                <a:ea typeface="宋体" panose="02010600030101010101" pitchFamily="2" charset="-122"/>
+              </a:defRPr>
+            </a:lvl1pPr>
+            <a:lvl2pPr marL="742950" indent="-285750">
+              <a:defRPr>
+                <a:solidFill>
+                  <a:schemeClr val="tx1"/>
+                </a:solidFill>
+                <a:latin typeface="Calibri" panose="020F0502020204030204" pitchFamily="34" charset="0"/>
+                <a:ea typeface="宋体" panose="02010600030101010101" pitchFamily="2" charset="-122"/>
+              </a:defRPr>
+            </a:lvl2pPr>
+            <a:lvl3pPr marL="1143000" indent="-228600">
+              <a:defRPr>
+                <a:solidFill>
+                  <a:schemeClr val="tx1"/>
+                </a:solidFill>
+                <a:latin typeface="Calibri" panose="020F0502020204030204" pitchFamily="34" charset="0"/>
+                <a:ea typeface="宋体" panose="02010600030101010101" pitchFamily="2" charset="-122"/>
+              </a:defRPr>
+            </a:lvl3pPr>
+            <a:lvl4pPr marL="1600200" indent="-228600">
+              <a:defRPr>
+                <a:solidFill>
+                  <a:schemeClr val="tx1"/>
+                </a:solidFill>
+                <a:latin typeface="Calibri" panose="020F0502020204030204" pitchFamily="34" charset="0"/>
+                <a:ea typeface="宋体" panose="02010600030101010101" pitchFamily="2" charset="-122"/>
+              </a:defRPr>
+            </a:lvl4pPr>
+            <a:lvl5pPr marL="2057400" indent="-228600">
+              <a:defRPr>
+                <a:solidFill>
+                  <a:schemeClr val="tx1"/>
+                </a:solidFill>
+                <a:latin typeface="Calibri" panose="020F0502020204030204" pitchFamily="34" charset="0"/>
+                <a:ea typeface="宋体" panose="02010600030101010101" pitchFamily="2" charset="-122"/>
+              </a:defRPr>
+            </a:lvl5pPr>
+            <a:lvl6pPr marL="2514600" indent="-228600" eaLnBrk="0" fontAlgn="base" hangingPunct="0">
+              <a:spcBef>
+                <a:spcPct val="0"/>
+              </a:spcBef>
+              <a:spcAft>
+                <a:spcPct val="0"/>
+              </a:spcAft>
+              <a:buFont typeface="Arial" panose="020B0604020202020204" pitchFamily="34" charset="0"/>
+              <a:defRPr>
+                <a:solidFill>
+                  <a:schemeClr val="tx1"/>
+                </a:solidFill>
+                <a:latin typeface="Calibri" panose="020F0502020204030204" pitchFamily="34" charset="0"/>
+                <a:ea typeface="宋体" panose="02010600030101010101" pitchFamily="2" charset="-122"/>
+              </a:defRPr>
+            </a:lvl6pPr>
+            <a:lvl7pPr marL="2971800" indent="-228600" eaLnBrk="0" fontAlgn="base" hangingPunct="0">
+              <a:spcBef>
+                <a:spcPct val="0"/>
+              </a:spcBef>
+              <a:spcAft>
+                <a:spcPct val="0"/>
+              </a:spcAft>
+              <a:buFont typeface="Arial" panose="020B0604020202020204" pitchFamily="34" charset="0"/>
+              <a:defRPr>
+                <a:solidFill>
+                  <a:schemeClr val="tx1"/>
+                </a:solidFill>
+                <a:latin typeface="Calibri" panose="020F0502020204030204" pitchFamily="34" charset="0"/>
+                <a:ea typeface="宋体" panose="02010600030101010101" pitchFamily="2" charset="-122"/>
+              </a:defRPr>
+            </a:lvl7pPr>
+            <a:lvl8pPr marL="3429000" indent="-228600" eaLnBrk="0" fontAlgn="base" hangingPunct="0">
+              <a:spcBef>
+                <a:spcPct val="0"/>
+              </a:spcBef>
+              <a:spcAft>
+                <a:spcPct val="0"/>
+              </a:spcAft>
+              <a:buFont typeface="Arial" panose="020B0604020202020204" pitchFamily="34" charset="0"/>
+              <a:defRPr>
+                <a:solidFill>
+                  <a:schemeClr val="tx1"/>
+                </a:solidFill>
+                <a:latin typeface="Calibri" panose="020F0502020204030204" pitchFamily="34" charset="0"/>
+                <a:ea typeface="宋体" panose="02010600030101010101" pitchFamily="2" charset="-122"/>
+              </a:defRPr>
+            </a:lvl8pPr>
+            <a:lvl9pPr marL="3886200" indent="-228600" eaLnBrk="0" fontAlgn="base" hangingPunct="0">
+              <a:spcBef>
+                <a:spcPct val="0"/>
+              </a:spcBef>
+              <a:spcAft>
+                <a:spcPct val="0"/>
+              </a:spcAft>
+              <a:buFont typeface="Arial" panose="020B0604020202020204" pitchFamily="34" charset="0"/>
+              <a:defRPr>
+                <a:solidFill>
+                  <a:schemeClr val="tx1"/>
+                </a:solidFill>
+                <a:latin typeface="Calibri" panose="020F0502020204030204" pitchFamily="34" charset="0"/>
+                <a:ea typeface="宋体" panose="02010600030101010101" pitchFamily="2" charset="-122"/>
+              </a:defRPr>
+            </a:lvl9pPr>
+          </a:lstStyle>
+          <a:p>
+            <a:pPr eaLnBrk="1" hangingPunct="1"/>
+            <a:r>
+              <a:rPr lang="zh-CN" altLang="en-US" sz="5400" b="1" dirty="0" smtClean="0">
+                <a:solidFill>
+                  <a:schemeClr val="bg1"/>
+                </a:solidFill>
+                <a:latin typeface="微软雅黑" panose="020B0503020204020204" pitchFamily="34" charset="-122"/>
+                <a:ea typeface="微软雅黑" panose="020B0503020204020204" pitchFamily="34" charset="-122"/>
+              </a:rPr>
+              <a:t>兴趣爱好</a:t>
+            </a:r>
+            <a:endParaRPr lang="zh-CN" altLang="en-US" sz="5400" b="1" dirty="0">
+              <a:solidFill>
+                <a:schemeClr val="bg1"/>
+              </a:solidFill>
+              <a:latin typeface="微软雅黑" panose="020B0503020204020204" pitchFamily="34" charset="-122"/>
+              <a:ea typeface="微软雅黑" panose="020B0503020204020204" pitchFamily="34" charset="-122"/>
+            </a:endParaRPr>
+          </a:p>
+        </p:txBody>
+      </p:sp>
     </p:spTree>
     <p:extLst>
       <p:ext uri="{BB962C8B-B14F-4D97-AF65-F5344CB8AC3E}">
-        <p14:creationId xmlns:p14="http://schemas.microsoft.com/office/powerpoint/2010/main" val="1011335911"/>
+        <p14:creationId xmlns:p14="http://schemas.microsoft.com/office/powerpoint/2010/main" val="2746906825"/>
+      </p:ext>
+    </p:extLst>
+  </p:cSld>
+  <p:clrMapOvr>
+    <a:masterClrMapping/>
+  </p:clrMapOvr>
+</p:sld>
+</file>
+
+<file path=ppt/slides/slide5.xml><?xml version="1.0" encoding="utf-8"?>
+<p:sld xmlns:a="http://schemas.openxmlformats.org/drawingml/2006/main" xmlns:r="http://schemas.openxmlformats.org/officeDocument/2006/relationships" xmlns:p="http://schemas.openxmlformats.org/presentationml/2006/main">
+  <p:cSld>
+    <p:spTree>
+      <p:nvGrpSpPr>
+        <p:cNvPr id="1" name=""/>
+        <p:cNvGrpSpPr/>
+        <p:nvPr/>
+      </p:nvGrpSpPr>
+      <p:grpSpPr>
+        <a:xfrm>
+          <a:off x="0" y="0"/>
+          <a:ext cx="0" cy="0"/>
+          <a:chOff x="0" y="0"/>
+          <a:chExt cx="0" cy="0"/>
+        </a:xfrm>
+      </p:grpSpPr>
+      <p:grpSp>
+        <p:nvGrpSpPr>
+          <p:cNvPr id="3074" name="组合 22"/>
+          <p:cNvGrpSpPr/>
+          <p:nvPr/>
+        </p:nvGrpSpPr>
+        <p:grpSpPr bwMode="auto">
+          <a:xfrm rot="2125929">
+            <a:off x="1728788" y="1465263"/>
+            <a:ext cx="3744912" cy="3743325"/>
+            <a:chOff x="0" y="0"/>
+            <a:chExt cx="3606099" cy="3570272"/>
+          </a:xfrm>
+        </p:grpSpPr>
+        <p:sp>
+          <p:nvSpPr>
+            <p:cNvPr id="3105" name="弧形 23"/>
+            <p:cNvSpPr/>
+            <p:nvPr/>
+          </p:nvSpPr>
+          <p:spPr bwMode="auto">
+            <a:xfrm>
+              <a:off x="0" y="0"/>
+              <a:ext cx="3564000" cy="3564000"/>
+            </a:xfrm>
+            <a:custGeom>
+              <a:avLst/>
+              <a:gdLst>
+                <a:gd name="T0" fmla="*/ 1782000 w 3564000"/>
+                <a:gd name="T1" fmla="*/ 0 h 3564000"/>
+                <a:gd name="T2" fmla="*/ 3564000 w 3564000"/>
+                <a:gd name="T3" fmla="*/ 1782000 h 3564000"/>
+                <a:gd name="T4" fmla="*/ 1782000 w 3564000"/>
+                <a:gd name="T5" fmla="*/ 1782000 h 3564000"/>
+                <a:gd name="T6" fmla="*/ 1782000 w 3564000"/>
+                <a:gd name="T7" fmla="*/ 0 h 3564000"/>
+                <a:gd name="T8" fmla="*/ 1782000 w 3564000"/>
+                <a:gd name="T9" fmla="*/ 0 h 3564000"/>
+                <a:gd name="T10" fmla="*/ 3564000 w 3564000"/>
+                <a:gd name="T11" fmla="*/ 1782000 h 3564000"/>
+                <a:gd name="T12" fmla="*/ 0 60000 65536"/>
+                <a:gd name="T13" fmla="*/ 0 60000 65536"/>
+                <a:gd name="T14" fmla="*/ 0 60000 65536"/>
+                <a:gd name="T15" fmla="*/ 0 60000 65536"/>
+                <a:gd name="T16" fmla="*/ 0 60000 65536"/>
+                <a:gd name="T17" fmla="*/ 0 60000 65536"/>
+              </a:gdLst>
+              <a:ahLst/>
+              <a:cxnLst>
+                <a:cxn ang="T12">
+                  <a:pos x="T0" y="T1"/>
+                </a:cxn>
+                <a:cxn ang="T13">
+                  <a:pos x="T2" y="T3"/>
+                </a:cxn>
+                <a:cxn ang="T14">
+                  <a:pos x="T4" y="T5"/>
+                </a:cxn>
+                <a:cxn ang="T15">
+                  <a:pos x="T6" y="T7"/>
+                </a:cxn>
+                <a:cxn ang="T16">
+                  <a:pos x="T8" y="T9"/>
+                </a:cxn>
+                <a:cxn ang="T17">
+                  <a:pos x="T10" y="T11"/>
+                </a:cxn>
+              </a:cxnLst>
+              <a:rect l="0" t="0" r="r" b="b"/>
+              <a:pathLst>
+                <a:path w="3564000" h="3564000" stroke="0">
+                  <a:moveTo>
+                    <a:pt x="1782000" y="0"/>
+                  </a:moveTo>
+                  <a:cubicBezTo>
+                    <a:pt x="2766171" y="0"/>
+                    <a:pt x="3564000" y="797829"/>
+                    <a:pt x="3564000" y="1782000"/>
+                  </a:cubicBezTo>
+                  <a:lnTo>
+                    <a:pt x="1782000" y="1782000"/>
+                  </a:lnTo>
+                  <a:lnTo>
+                    <a:pt x="1782000" y="0"/>
+                  </a:lnTo>
+                  <a:close/>
+                </a:path>
+                <a:path w="3564000" h="3564000" fill="none">
+                  <a:moveTo>
+                    <a:pt x="1782000" y="0"/>
+                  </a:moveTo>
+                  <a:cubicBezTo>
+                    <a:pt x="2766171" y="0"/>
+                    <a:pt x="3564000" y="797829"/>
+                    <a:pt x="3564000" y="1782000"/>
+                  </a:cubicBezTo>
+                </a:path>
+              </a:pathLst>
+            </a:custGeom>
+            <a:noFill/>
+            <a:ln w="6350" cap="flat" cmpd="sng">
+              <a:solidFill>
+                <a:schemeClr val="bg1">
+                  <a:alpha val="52156"/>
+                </a:schemeClr>
+              </a:solidFill>
+              <a:round/>
+            </a:ln>
+            <a:extLst>
+              <a:ext uri="{909E8E84-426E-40DD-AFC4-6F175D3DCCD1}">
+                <a14:hiddenFill xmlns:a14="http://schemas.microsoft.com/office/drawing/2010/main">
+                  <a:solidFill>
+                    <a:srgbClr val="FFFFFF"/>
+                  </a:solidFill>
+                </a14:hiddenFill>
+              </a:ext>
+            </a:extLst>
+          </p:spPr>
+          <p:txBody>
+            <a:bodyPr anchor="ctr"/>
+            <a:lstStyle/>
+            <a:p>
+              <a:endParaRPr lang="zh-CN" altLang="en-US"/>
+            </a:p>
+          </p:txBody>
+        </p:sp>
+        <p:sp>
+          <p:nvSpPr>
+            <p:cNvPr id="3106" name="弧形 24"/>
+            <p:cNvSpPr/>
+            <p:nvPr/>
+          </p:nvSpPr>
+          <p:spPr bwMode="auto">
+            <a:xfrm rot="-7902423">
+              <a:off x="42099" y="0"/>
+              <a:ext cx="3564000" cy="3564000"/>
+            </a:xfrm>
+            <a:custGeom>
+              <a:avLst/>
+              <a:gdLst>
+                <a:gd name="T0" fmla="*/ 1782000 w 3564000"/>
+                <a:gd name="T1" fmla="*/ 0 h 3564000"/>
+                <a:gd name="T2" fmla="*/ 3318391 w 3564000"/>
+                <a:gd name="T3" fmla="*/ 879212 h 3564000"/>
+                <a:gd name="T4" fmla="*/ 3338717 w 3564000"/>
+                <a:gd name="T5" fmla="*/ 2649268 h 3564000"/>
+                <a:gd name="T6" fmla="*/ 1782000 w 3564000"/>
+                <a:gd name="T7" fmla="*/ 1782000 h 3564000"/>
+                <a:gd name="T8" fmla="*/ 1782000 w 3564000"/>
+                <a:gd name="T9" fmla="*/ 0 h 3564000"/>
+                <a:gd name="T10" fmla="*/ 1782000 w 3564000"/>
+                <a:gd name="T11" fmla="*/ 0 h 3564000"/>
+                <a:gd name="T12" fmla="*/ 3318391 w 3564000"/>
+                <a:gd name="T13" fmla="*/ 879212 h 3564000"/>
+                <a:gd name="T14" fmla="*/ 3338717 w 3564000"/>
+                <a:gd name="T15" fmla="*/ 2649268 h 3564000"/>
+                <a:gd name="T16" fmla="*/ 0 60000 65536"/>
+                <a:gd name="T17" fmla="*/ 0 60000 65536"/>
+                <a:gd name="T18" fmla="*/ 0 60000 65536"/>
+                <a:gd name="T19" fmla="*/ 0 60000 65536"/>
+                <a:gd name="T20" fmla="*/ 0 60000 65536"/>
+                <a:gd name="T21" fmla="*/ 0 60000 65536"/>
+                <a:gd name="T22" fmla="*/ 0 60000 65536"/>
+                <a:gd name="T23" fmla="*/ 0 60000 65536"/>
+              </a:gdLst>
+              <a:ahLst/>
+              <a:cxnLst>
+                <a:cxn ang="T16">
+                  <a:pos x="T0" y="T1"/>
+                </a:cxn>
+                <a:cxn ang="T17">
+                  <a:pos x="T2" y="T3"/>
+                </a:cxn>
+                <a:cxn ang="T18">
+                  <a:pos x="T4" y="T5"/>
+                </a:cxn>
+                <a:cxn ang="T19">
+                  <a:pos x="T6" y="T7"/>
+                </a:cxn>
+                <a:cxn ang="T20">
+                  <a:pos x="T8" y="T9"/>
+                </a:cxn>
+                <a:cxn ang="T21">
+                  <a:pos x="T10" y="T11"/>
+                </a:cxn>
+                <a:cxn ang="T22">
+                  <a:pos x="T12" y="T13"/>
+                </a:cxn>
+                <a:cxn ang="T23">
+                  <a:pos x="T14" y="T15"/>
+                </a:cxn>
+              </a:cxnLst>
+              <a:rect l="0" t="0" r="r" b="b"/>
+              <a:pathLst>
+                <a:path w="3564000" h="3564000" stroke="0">
+                  <a:moveTo>
+                    <a:pt x="1782000" y="0"/>
+                  </a:moveTo>
+                  <a:cubicBezTo>
+                    <a:pt x="2413776" y="0"/>
+                    <a:pt x="2998324" y="334512"/>
+                    <a:pt x="3318391" y="879212"/>
+                  </a:cubicBezTo>
+                  <a:cubicBezTo>
+                    <a:pt x="3638458" y="1423912"/>
+                    <a:pt x="3646192" y="2097362"/>
+                    <a:pt x="3338717" y="2649268"/>
+                  </a:cubicBezTo>
+                  <a:lnTo>
+                    <a:pt x="1782000" y="1782000"/>
+                  </a:lnTo>
+                  <a:lnTo>
+                    <a:pt x="1782000" y="0"/>
+                  </a:lnTo>
+                  <a:close/>
+                </a:path>
+                <a:path w="3564000" h="3564000" fill="none">
+                  <a:moveTo>
+                    <a:pt x="1782000" y="0"/>
+                  </a:moveTo>
+                  <a:cubicBezTo>
+                    <a:pt x="2413776" y="0"/>
+                    <a:pt x="2998324" y="334512"/>
+                    <a:pt x="3318391" y="879212"/>
+                  </a:cubicBezTo>
+                  <a:cubicBezTo>
+                    <a:pt x="3638458" y="1423912"/>
+                    <a:pt x="3646192" y="2097362"/>
+                    <a:pt x="3338717" y="2649268"/>
+                  </a:cubicBezTo>
+                </a:path>
+              </a:pathLst>
+            </a:custGeom>
+            <a:noFill/>
+            <a:ln w="6350" cap="flat" cmpd="sng">
+              <a:solidFill>
+                <a:schemeClr val="bg1">
+                  <a:alpha val="52156"/>
+                </a:schemeClr>
+              </a:solidFill>
+              <a:round/>
+            </a:ln>
+            <a:extLst>
+              <a:ext uri="{909E8E84-426E-40DD-AFC4-6F175D3DCCD1}">
+                <a14:hiddenFill xmlns:a14="http://schemas.microsoft.com/office/drawing/2010/main">
+                  <a:solidFill>
+                    <a:srgbClr val="FFFFFF"/>
+                  </a:solidFill>
+                </a14:hiddenFill>
+              </a:ext>
+            </a:extLst>
+          </p:spPr>
+          <p:txBody>
+            <a:bodyPr anchor="ctr"/>
+            <a:lstStyle/>
+            <a:p>
+              <a:endParaRPr lang="zh-CN" altLang="en-US"/>
+            </a:p>
+          </p:txBody>
+        </p:sp>
+        <p:sp>
+          <p:nvSpPr>
+            <p:cNvPr id="3107" name="弧形 25"/>
+            <p:cNvSpPr/>
+            <p:nvPr/>
+          </p:nvSpPr>
+          <p:spPr bwMode="auto">
+            <a:xfrm rot="5709083">
+              <a:off x="10350" y="6271"/>
+              <a:ext cx="3564000" cy="3564000"/>
+            </a:xfrm>
+            <a:custGeom>
+              <a:avLst/>
+              <a:gdLst>
+                <a:gd name="T0" fmla="*/ 1782000 w 3564000"/>
+                <a:gd name="T1" fmla="*/ 0 h 3564000"/>
+                <a:gd name="T2" fmla="*/ 3162262 w 3564000"/>
+                <a:gd name="T3" fmla="*/ 654880 h 3564000"/>
+                <a:gd name="T4" fmla="*/ 1782000 w 3564000"/>
+                <a:gd name="T5" fmla="*/ 1782000 h 3564000"/>
+                <a:gd name="T6" fmla="*/ 1782000 w 3564000"/>
+                <a:gd name="T7" fmla="*/ 0 h 3564000"/>
+                <a:gd name="T8" fmla="*/ 1782000 w 3564000"/>
+                <a:gd name="T9" fmla="*/ 0 h 3564000"/>
+                <a:gd name="T10" fmla="*/ 3162262 w 3564000"/>
+                <a:gd name="T11" fmla="*/ 654880 h 3564000"/>
+                <a:gd name="T12" fmla="*/ 0 60000 65536"/>
+                <a:gd name="T13" fmla="*/ 0 60000 65536"/>
+                <a:gd name="T14" fmla="*/ 0 60000 65536"/>
+                <a:gd name="T15" fmla="*/ 0 60000 65536"/>
+                <a:gd name="T16" fmla="*/ 0 60000 65536"/>
+                <a:gd name="T17" fmla="*/ 0 60000 65536"/>
+              </a:gdLst>
+              <a:ahLst/>
+              <a:cxnLst>
+                <a:cxn ang="T12">
+                  <a:pos x="T0" y="T1"/>
+                </a:cxn>
+                <a:cxn ang="T13">
+                  <a:pos x="T2" y="T3"/>
+                </a:cxn>
+                <a:cxn ang="T14">
+                  <a:pos x="T4" y="T5"/>
+                </a:cxn>
+                <a:cxn ang="T15">
+                  <a:pos x="T6" y="T7"/>
+                </a:cxn>
+                <a:cxn ang="T16">
+                  <a:pos x="T8" y="T9"/>
+                </a:cxn>
+                <a:cxn ang="T17">
+                  <a:pos x="T10" y="T11"/>
+                </a:cxn>
+              </a:cxnLst>
+              <a:rect l="0" t="0" r="r" b="b"/>
+              <a:pathLst>
+                <a:path w="3564000" h="3564000" stroke="0">
+                  <a:moveTo>
+                    <a:pt x="1782000" y="0"/>
+                  </a:moveTo>
+                  <a:cubicBezTo>
+                    <a:pt x="2317073" y="0"/>
+                    <a:pt x="2823827" y="240435"/>
+                    <a:pt x="3162262" y="654880"/>
+                  </a:cubicBezTo>
+                  <a:lnTo>
+                    <a:pt x="1782000" y="1782000"/>
+                  </a:lnTo>
+                  <a:lnTo>
+                    <a:pt x="1782000" y="0"/>
+                  </a:lnTo>
+                  <a:close/>
+                </a:path>
+                <a:path w="3564000" h="3564000" fill="none">
+                  <a:moveTo>
+                    <a:pt x="1782000" y="0"/>
+                  </a:moveTo>
+                  <a:cubicBezTo>
+                    <a:pt x="2317073" y="0"/>
+                    <a:pt x="2823827" y="240435"/>
+                    <a:pt x="3162262" y="654880"/>
+                  </a:cubicBezTo>
+                </a:path>
+              </a:pathLst>
+            </a:custGeom>
+            <a:noFill/>
+            <a:ln w="6350" cap="flat" cmpd="sng">
+              <a:solidFill>
+                <a:schemeClr val="bg1">
+                  <a:alpha val="52156"/>
+                </a:schemeClr>
+              </a:solidFill>
+              <a:round/>
+            </a:ln>
+            <a:extLst>
+              <a:ext uri="{909E8E84-426E-40DD-AFC4-6F175D3DCCD1}">
+                <a14:hiddenFill xmlns:a14="http://schemas.microsoft.com/office/drawing/2010/main">
+                  <a:solidFill>
+                    <a:srgbClr val="FFFFFF"/>
+                  </a:solidFill>
+                </a14:hiddenFill>
+              </a:ext>
+            </a:extLst>
+          </p:spPr>
+          <p:txBody>
+            <a:bodyPr anchor="ctr"/>
+            <a:lstStyle/>
+            <a:p>
+              <a:endParaRPr lang="zh-CN" altLang="en-US"/>
+            </a:p>
+          </p:txBody>
+        </p:sp>
+        <p:sp>
+          <p:nvSpPr>
+            <p:cNvPr id="3108" name="弧形 26"/>
+            <p:cNvSpPr/>
+            <p:nvPr/>
+          </p:nvSpPr>
+          <p:spPr bwMode="auto">
+            <a:xfrm rot="9295065">
+              <a:off x="42098" y="6272"/>
+              <a:ext cx="3564000" cy="3564000"/>
+            </a:xfrm>
+            <a:custGeom>
+              <a:avLst/>
+              <a:gdLst>
+                <a:gd name="T0" fmla="*/ 1782000 w 3564000"/>
+                <a:gd name="T1" fmla="*/ 0 h 3564000"/>
+                <a:gd name="T2" fmla="*/ 3404808 w 3564000"/>
+                <a:gd name="T3" fmla="*/ 1045781 h 3564000"/>
+                <a:gd name="T4" fmla="*/ 1782000 w 3564000"/>
+                <a:gd name="T5" fmla="*/ 1782000 h 3564000"/>
+                <a:gd name="T6" fmla="*/ 1782000 w 3564000"/>
+                <a:gd name="T7" fmla="*/ 0 h 3564000"/>
+                <a:gd name="T8" fmla="*/ 1782000 w 3564000"/>
+                <a:gd name="T9" fmla="*/ 0 h 3564000"/>
+                <a:gd name="T10" fmla="*/ 3404808 w 3564000"/>
+                <a:gd name="T11" fmla="*/ 1045781 h 3564000"/>
+                <a:gd name="T12" fmla="*/ 0 60000 65536"/>
+                <a:gd name="T13" fmla="*/ 0 60000 65536"/>
+                <a:gd name="T14" fmla="*/ 0 60000 65536"/>
+                <a:gd name="T15" fmla="*/ 0 60000 65536"/>
+                <a:gd name="T16" fmla="*/ 0 60000 65536"/>
+                <a:gd name="T17" fmla="*/ 0 60000 65536"/>
+              </a:gdLst>
+              <a:ahLst/>
+              <a:cxnLst>
+                <a:cxn ang="T12">
+                  <a:pos x="T0" y="T1"/>
+                </a:cxn>
+                <a:cxn ang="T13">
+                  <a:pos x="T2" y="T3"/>
+                </a:cxn>
+                <a:cxn ang="T14">
+                  <a:pos x="T4" y="T5"/>
+                </a:cxn>
+                <a:cxn ang="T15">
+                  <a:pos x="T6" y="T7"/>
+                </a:cxn>
+                <a:cxn ang="T16">
+                  <a:pos x="T8" y="T9"/>
+                </a:cxn>
+                <a:cxn ang="T17">
+                  <a:pos x="T10" y="T11"/>
+                </a:cxn>
+              </a:cxnLst>
+              <a:rect l="0" t="0" r="r" b="b"/>
+              <a:pathLst>
+                <a:path w="3564000" h="3564000" stroke="0">
+                  <a:moveTo>
+                    <a:pt x="1782000" y="0"/>
+                  </a:moveTo>
+                  <a:cubicBezTo>
+                    <a:pt x="2481268" y="0"/>
+                    <a:pt x="3115911" y="408981"/>
+                    <a:pt x="3404808" y="1045781"/>
+                  </a:cubicBezTo>
+                  <a:lnTo>
+                    <a:pt x="1782000" y="1782000"/>
+                  </a:lnTo>
+                  <a:lnTo>
+                    <a:pt x="1782000" y="0"/>
+                  </a:lnTo>
+                  <a:close/>
+                </a:path>
+                <a:path w="3564000" h="3564000" fill="none">
+                  <a:moveTo>
+                    <a:pt x="1782000" y="0"/>
+                  </a:moveTo>
+                  <a:cubicBezTo>
+                    <a:pt x="2481268" y="0"/>
+                    <a:pt x="3115911" y="408981"/>
+                    <a:pt x="3404808" y="1045781"/>
+                  </a:cubicBezTo>
+                </a:path>
+              </a:pathLst>
+            </a:custGeom>
+            <a:noFill/>
+            <a:ln w="6350" cap="flat" cmpd="sng">
+              <a:solidFill>
+                <a:schemeClr val="bg1">
+                  <a:alpha val="52156"/>
+                </a:schemeClr>
+              </a:solidFill>
+              <a:round/>
+            </a:ln>
+            <a:extLst>
+              <a:ext uri="{909E8E84-426E-40DD-AFC4-6F175D3DCCD1}">
+                <a14:hiddenFill xmlns:a14="http://schemas.microsoft.com/office/drawing/2010/main">
+                  <a:solidFill>
+                    <a:srgbClr val="FFFFFF"/>
+                  </a:solidFill>
+                </a14:hiddenFill>
+              </a:ext>
+            </a:extLst>
+          </p:spPr>
+          <p:txBody>
+            <a:bodyPr anchor="ctr"/>
+            <a:lstStyle/>
+            <a:p>
+              <a:endParaRPr lang="zh-CN" altLang="en-US"/>
+            </a:p>
+          </p:txBody>
+        </p:sp>
+      </p:grpSp>
+      <p:grpSp>
+        <p:nvGrpSpPr>
+          <p:cNvPr id="3075" name="组合 176"/>
+          <p:cNvGrpSpPr/>
+          <p:nvPr/>
+        </p:nvGrpSpPr>
+        <p:grpSpPr bwMode="auto">
+          <a:xfrm>
+            <a:off x="1604963" y="1314450"/>
+            <a:ext cx="4005262" cy="4003675"/>
+            <a:chOff x="0" y="0"/>
+            <a:chExt cx="4004677" cy="4004677"/>
+          </a:xfrm>
+        </p:grpSpPr>
+        <p:sp>
+          <p:nvSpPr>
+            <p:cNvPr id="3079" name="椭圆 4"/>
+            <p:cNvSpPr>
+              <a:spLocks noChangeArrowheads="1"/>
+            </p:cNvSpPr>
+            <p:nvPr/>
+          </p:nvSpPr>
+          <p:spPr bwMode="auto">
+            <a:xfrm>
+              <a:off x="295459" y="327418"/>
+              <a:ext cx="3413760" cy="3413760"/>
+            </a:xfrm>
+            <a:prstGeom prst="ellipse">
+              <a:avLst/>
+            </a:prstGeom>
+            <a:solidFill>
+              <a:schemeClr val="bg1">
+                <a:alpha val="39999"/>
+              </a:schemeClr>
+            </a:solidFill>
+            <a:ln>
+              <a:noFill/>
+            </a:ln>
+            <a:extLst>
+              <a:ext uri="{91240B29-F687-4F45-9708-019B960494DF}">
+                <a14:hiddenLine xmlns:a14="http://schemas.microsoft.com/office/drawing/2010/main" w="9525">
+                  <a:solidFill>
+                    <a:srgbClr val="000000"/>
+                  </a:solidFill>
+                  <a:round/>
+                </a14:hiddenLine>
+              </a:ext>
+            </a:extLst>
+          </p:spPr>
+          <p:txBody>
+            <a:bodyPr anchor="ctr"/>
+            <a:lstStyle/>
+            <a:p>
+              <a:pPr algn="ctr" eaLnBrk="1" hangingPunct="1"/>
+              <a:endParaRPr lang="zh-CN" altLang="en-US">
+                <a:solidFill>
+                  <a:srgbClr val="FFFFFF"/>
+                </a:solidFill>
+              </a:endParaRPr>
+            </a:p>
+          </p:txBody>
+        </p:sp>
+        <p:grpSp>
+          <p:nvGrpSpPr>
+            <p:cNvPr id="3080" name="组合 21"/>
+            <p:cNvGrpSpPr/>
+            <p:nvPr/>
+          </p:nvGrpSpPr>
+          <p:grpSpPr bwMode="auto">
+            <a:xfrm>
+              <a:off x="190939" y="246027"/>
+              <a:ext cx="3606099" cy="3570272"/>
+              <a:chOff x="0" y="0"/>
+              <a:chExt cx="3606099" cy="3570272"/>
+            </a:xfrm>
+          </p:grpSpPr>
+          <p:sp>
+            <p:nvSpPr>
+              <p:cNvPr id="3101" name="弧形 17"/>
+              <p:cNvSpPr/>
+              <p:nvPr/>
+            </p:nvSpPr>
+            <p:spPr bwMode="auto">
+              <a:xfrm>
+                <a:off x="0" y="0"/>
+                <a:ext cx="3564000" cy="3564000"/>
+              </a:xfrm>
+              <a:custGeom>
+                <a:avLst/>
+                <a:gdLst>
+                  <a:gd name="T0" fmla="*/ 1782000 w 3564000"/>
+                  <a:gd name="T1" fmla="*/ 0 h 3564000"/>
+                  <a:gd name="T2" fmla="*/ 3564000 w 3564000"/>
+                  <a:gd name="T3" fmla="*/ 1782000 h 3564000"/>
+                  <a:gd name="T4" fmla="*/ 1782000 w 3564000"/>
+                  <a:gd name="T5" fmla="*/ 1782000 h 3564000"/>
+                  <a:gd name="T6" fmla="*/ 1782000 w 3564000"/>
+                  <a:gd name="T7" fmla="*/ 0 h 3564000"/>
+                  <a:gd name="T8" fmla="*/ 1782000 w 3564000"/>
+                  <a:gd name="T9" fmla="*/ 0 h 3564000"/>
+                  <a:gd name="T10" fmla="*/ 3564000 w 3564000"/>
+                  <a:gd name="T11" fmla="*/ 1782000 h 3564000"/>
+                  <a:gd name="T12" fmla="*/ 0 60000 65536"/>
+                  <a:gd name="T13" fmla="*/ 0 60000 65536"/>
+                  <a:gd name="T14" fmla="*/ 0 60000 65536"/>
+                  <a:gd name="T15" fmla="*/ 0 60000 65536"/>
+                  <a:gd name="T16" fmla="*/ 0 60000 65536"/>
+                  <a:gd name="T17" fmla="*/ 0 60000 65536"/>
+                </a:gdLst>
+                <a:ahLst/>
+                <a:cxnLst>
+                  <a:cxn ang="T12">
+                    <a:pos x="T0" y="T1"/>
+                  </a:cxn>
+                  <a:cxn ang="T13">
+                    <a:pos x="T2" y="T3"/>
+                  </a:cxn>
+                  <a:cxn ang="T14">
+                    <a:pos x="T4" y="T5"/>
+                  </a:cxn>
+                  <a:cxn ang="T15">
+                    <a:pos x="T6" y="T7"/>
+                  </a:cxn>
+                  <a:cxn ang="T16">
+                    <a:pos x="T8" y="T9"/>
+                  </a:cxn>
+                  <a:cxn ang="T17">
+                    <a:pos x="T10" y="T11"/>
+                  </a:cxn>
+                </a:cxnLst>
+                <a:rect l="0" t="0" r="r" b="b"/>
+                <a:pathLst>
+                  <a:path w="3564000" h="3564000" stroke="0">
+                    <a:moveTo>
+                      <a:pt x="1782000" y="0"/>
+                    </a:moveTo>
+                    <a:cubicBezTo>
+                      <a:pt x="2766171" y="0"/>
+                      <a:pt x="3564000" y="797829"/>
+                      <a:pt x="3564000" y="1782000"/>
+                    </a:cubicBezTo>
+                    <a:lnTo>
+                      <a:pt x="1782000" y="1782000"/>
+                    </a:lnTo>
+                    <a:lnTo>
+                      <a:pt x="1782000" y="0"/>
+                    </a:lnTo>
+                    <a:close/>
+                  </a:path>
+                  <a:path w="3564000" h="3564000" fill="none">
+                    <a:moveTo>
+                      <a:pt x="1782000" y="0"/>
+                    </a:moveTo>
+                    <a:cubicBezTo>
+                      <a:pt x="2766171" y="0"/>
+                      <a:pt x="3564000" y="797829"/>
+                      <a:pt x="3564000" y="1782000"/>
+                    </a:cubicBezTo>
+                  </a:path>
+                </a:pathLst>
+              </a:custGeom>
+              <a:noFill/>
+              <a:ln w="6350" cap="flat" cmpd="sng">
+                <a:solidFill>
+                  <a:schemeClr val="bg1">
+                    <a:alpha val="52156"/>
+                  </a:schemeClr>
+                </a:solidFill>
+                <a:round/>
+              </a:ln>
+              <a:extLst>
+                <a:ext uri="{909E8E84-426E-40DD-AFC4-6F175D3DCCD1}">
+                  <a14:hiddenFill xmlns:a14="http://schemas.microsoft.com/office/drawing/2010/main">
+                    <a:solidFill>
+                      <a:srgbClr val="FFFFFF"/>
+                    </a:solidFill>
+                  </a14:hiddenFill>
+                </a:ext>
+              </a:extLst>
+            </p:spPr>
+            <p:txBody>
+              <a:bodyPr anchor="ctr"/>
+              <a:lstStyle/>
+              <a:p>
+                <a:endParaRPr lang="zh-CN" altLang="en-US"/>
+              </a:p>
+            </p:txBody>
+          </p:sp>
+          <p:sp>
+            <p:nvSpPr>
+              <p:cNvPr id="3102" name="弧形 18"/>
+              <p:cNvSpPr/>
+              <p:nvPr/>
+            </p:nvSpPr>
+            <p:spPr bwMode="auto">
+              <a:xfrm rot="-7902423">
+                <a:off x="42099" y="0"/>
+                <a:ext cx="3564000" cy="3564000"/>
+              </a:xfrm>
+              <a:custGeom>
+                <a:avLst/>
+                <a:gdLst>
+                  <a:gd name="T0" fmla="*/ 1782000 w 3564000"/>
+                  <a:gd name="T1" fmla="*/ 0 h 3564000"/>
+                  <a:gd name="T2" fmla="*/ 3318391 w 3564000"/>
+                  <a:gd name="T3" fmla="*/ 879212 h 3564000"/>
+                  <a:gd name="T4" fmla="*/ 3338717 w 3564000"/>
+                  <a:gd name="T5" fmla="*/ 2649268 h 3564000"/>
+                  <a:gd name="T6" fmla="*/ 1782000 w 3564000"/>
+                  <a:gd name="T7" fmla="*/ 1782000 h 3564000"/>
+                  <a:gd name="T8" fmla="*/ 1782000 w 3564000"/>
+                  <a:gd name="T9" fmla="*/ 0 h 3564000"/>
+                  <a:gd name="T10" fmla="*/ 1782000 w 3564000"/>
+                  <a:gd name="T11" fmla="*/ 0 h 3564000"/>
+                  <a:gd name="T12" fmla="*/ 3318391 w 3564000"/>
+                  <a:gd name="T13" fmla="*/ 879212 h 3564000"/>
+                  <a:gd name="T14" fmla="*/ 3338717 w 3564000"/>
+                  <a:gd name="T15" fmla="*/ 2649268 h 3564000"/>
+                  <a:gd name="T16" fmla="*/ 0 60000 65536"/>
+                  <a:gd name="T17" fmla="*/ 0 60000 65536"/>
+                  <a:gd name="T18" fmla="*/ 0 60000 65536"/>
+                  <a:gd name="T19" fmla="*/ 0 60000 65536"/>
+                  <a:gd name="T20" fmla="*/ 0 60000 65536"/>
+                  <a:gd name="T21" fmla="*/ 0 60000 65536"/>
+                  <a:gd name="T22" fmla="*/ 0 60000 65536"/>
+                  <a:gd name="T23" fmla="*/ 0 60000 65536"/>
+                </a:gdLst>
+                <a:ahLst/>
+                <a:cxnLst>
+                  <a:cxn ang="T16">
+                    <a:pos x="T0" y="T1"/>
+                  </a:cxn>
+                  <a:cxn ang="T17">
+                    <a:pos x="T2" y="T3"/>
+                  </a:cxn>
+                  <a:cxn ang="T18">
+                    <a:pos x="T4" y="T5"/>
+                  </a:cxn>
+                  <a:cxn ang="T19">
+                    <a:pos x="T6" y="T7"/>
+                  </a:cxn>
+                  <a:cxn ang="T20">
+                    <a:pos x="T8" y="T9"/>
+                  </a:cxn>
+                  <a:cxn ang="T21">
+                    <a:pos x="T10" y="T11"/>
+                  </a:cxn>
+                  <a:cxn ang="T22">
+                    <a:pos x="T12" y="T13"/>
+                  </a:cxn>
+                  <a:cxn ang="T23">
+                    <a:pos x="T14" y="T15"/>
+                  </a:cxn>
+                </a:cxnLst>
+                <a:rect l="0" t="0" r="r" b="b"/>
+                <a:pathLst>
+                  <a:path w="3564000" h="3564000" stroke="0">
+                    <a:moveTo>
+                      <a:pt x="1782000" y="0"/>
+                    </a:moveTo>
+                    <a:cubicBezTo>
+                      <a:pt x="2413776" y="0"/>
+                      <a:pt x="2998324" y="334512"/>
+                      <a:pt x="3318391" y="879212"/>
+                    </a:cubicBezTo>
+                    <a:cubicBezTo>
+                      <a:pt x="3638458" y="1423912"/>
+                      <a:pt x="3646192" y="2097362"/>
+                      <a:pt x="3338717" y="2649268"/>
+                    </a:cubicBezTo>
+                    <a:lnTo>
+                      <a:pt x="1782000" y="1782000"/>
+                    </a:lnTo>
+                    <a:lnTo>
+                      <a:pt x="1782000" y="0"/>
+                    </a:lnTo>
+                    <a:close/>
+                  </a:path>
+                  <a:path w="3564000" h="3564000" fill="none">
+                    <a:moveTo>
+                      <a:pt x="1782000" y="0"/>
+                    </a:moveTo>
+                    <a:cubicBezTo>
+                      <a:pt x="2413776" y="0"/>
+                      <a:pt x="2998324" y="334512"/>
+                      <a:pt x="3318391" y="879212"/>
+                    </a:cubicBezTo>
+                    <a:cubicBezTo>
+                      <a:pt x="3638458" y="1423912"/>
+                      <a:pt x="3646192" y="2097362"/>
+                      <a:pt x="3338717" y="2649268"/>
+                    </a:cubicBezTo>
+                  </a:path>
+                </a:pathLst>
+              </a:custGeom>
+              <a:noFill/>
+              <a:ln w="6350" cap="flat" cmpd="sng">
+                <a:solidFill>
+                  <a:schemeClr val="bg1">
+                    <a:alpha val="52156"/>
+                  </a:schemeClr>
+                </a:solidFill>
+                <a:round/>
+              </a:ln>
+              <a:extLst>
+                <a:ext uri="{909E8E84-426E-40DD-AFC4-6F175D3DCCD1}">
+                  <a14:hiddenFill xmlns:a14="http://schemas.microsoft.com/office/drawing/2010/main">
+                    <a:solidFill>
+                      <a:srgbClr val="FFFFFF"/>
+                    </a:solidFill>
+                  </a14:hiddenFill>
+                </a:ext>
+              </a:extLst>
+            </p:spPr>
+            <p:txBody>
+              <a:bodyPr anchor="ctr"/>
+              <a:lstStyle/>
+              <a:p>
+                <a:endParaRPr lang="zh-CN" altLang="en-US"/>
+              </a:p>
+            </p:txBody>
+          </p:sp>
+          <p:sp>
+            <p:nvSpPr>
+              <p:cNvPr id="3103" name="弧形 19"/>
+              <p:cNvSpPr/>
+              <p:nvPr/>
+            </p:nvSpPr>
+            <p:spPr bwMode="auto">
+              <a:xfrm rot="5709083">
+                <a:off x="10350" y="6271"/>
+                <a:ext cx="3564000" cy="3564000"/>
+              </a:xfrm>
+              <a:custGeom>
+                <a:avLst/>
+                <a:gdLst>
+                  <a:gd name="T0" fmla="*/ 1782000 w 3564000"/>
+                  <a:gd name="T1" fmla="*/ 0 h 3564000"/>
+                  <a:gd name="T2" fmla="*/ 3162262 w 3564000"/>
+                  <a:gd name="T3" fmla="*/ 654880 h 3564000"/>
+                  <a:gd name="T4" fmla="*/ 1782000 w 3564000"/>
+                  <a:gd name="T5" fmla="*/ 1782000 h 3564000"/>
+                  <a:gd name="T6" fmla="*/ 1782000 w 3564000"/>
+                  <a:gd name="T7" fmla="*/ 0 h 3564000"/>
+                  <a:gd name="T8" fmla="*/ 1782000 w 3564000"/>
+                  <a:gd name="T9" fmla="*/ 0 h 3564000"/>
+                  <a:gd name="T10" fmla="*/ 3162262 w 3564000"/>
+                  <a:gd name="T11" fmla="*/ 654880 h 3564000"/>
+                  <a:gd name="T12" fmla="*/ 0 60000 65536"/>
+                  <a:gd name="T13" fmla="*/ 0 60000 65536"/>
+                  <a:gd name="T14" fmla="*/ 0 60000 65536"/>
+                  <a:gd name="T15" fmla="*/ 0 60000 65536"/>
+                  <a:gd name="T16" fmla="*/ 0 60000 65536"/>
+                  <a:gd name="T17" fmla="*/ 0 60000 65536"/>
+                </a:gdLst>
+                <a:ahLst/>
+                <a:cxnLst>
+                  <a:cxn ang="T12">
+                    <a:pos x="T0" y="T1"/>
+                  </a:cxn>
+                  <a:cxn ang="T13">
+                    <a:pos x="T2" y="T3"/>
+                  </a:cxn>
+                  <a:cxn ang="T14">
+                    <a:pos x="T4" y="T5"/>
+                  </a:cxn>
+                  <a:cxn ang="T15">
+                    <a:pos x="T6" y="T7"/>
+                  </a:cxn>
+                  <a:cxn ang="T16">
+                    <a:pos x="T8" y="T9"/>
+                  </a:cxn>
+                  <a:cxn ang="T17">
+                    <a:pos x="T10" y="T11"/>
+                  </a:cxn>
+                </a:cxnLst>
+                <a:rect l="0" t="0" r="r" b="b"/>
+                <a:pathLst>
+                  <a:path w="3564000" h="3564000" stroke="0">
+                    <a:moveTo>
+                      <a:pt x="1782000" y="0"/>
+                    </a:moveTo>
+                    <a:cubicBezTo>
+                      <a:pt x="2317073" y="0"/>
+                      <a:pt x="2823827" y="240435"/>
+                      <a:pt x="3162262" y="654880"/>
+                    </a:cubicBezTo>
+                    <a:lnTo>
+                      <a:pt x="1782000" y="1782000"/>
+                    </a:lnTo>
+                    <a:lnTo>
+                      <a:pt x="1782000" y="0"/>
+                    </a:lnTo>
+                    <a:close/>
+                  </a:path>
+                  <a:path w="3564000" h="3564000" fill="none">
+                    <a:moveTo>
+                      <a:pt x="1782000" y="0"/>
+                    </a:moveTo>
+                    <a:cubicBezTo>
+                      <a:pt x="2317073" y="0"/>
+                      <a:pt x="2823827" y="240435"/>
+                      <a:pt x="3162262" y="654880"/>
+                    </a:cubicBezTo>
+                  </a:path>
+                </a:pathLst>
+              </a:custGeom>
+              <a:noFill/>
+              <a:ln w="6350" cap="flat" cmpd="sng">
+                <a:solidFill>
+                  <a:schemeClr val="bg1">
+                    <a:alpha val="52156"/>
+                  </a:schemeClr>
+                </a:solidFill>
+                <a:round/>
+              </a:ln>
+              <a:extLst>
+                <a:ext uri="{909E8E84-426E-40DD-AFC4-6F175D3DCCD1}">
+                  <a14:hiddenFill xmlns:a14="http://schemas.microsoft.com/office/drawing/2010/main">
+                    <a:solidFill>
+                      <a:srgbClr val="FFFFFF"/>
+                    </a:solidFill>
+                  </a14:hiddenFill>
+                </a:ext>
+              </a:extLst>
+            </p:spPr>
+            <p:txBody>
+              <a:bodyPr anchor="ctr"/>
+              <a:lstStyle/>
+              <a:p>
+                <a:endParaRPr lang="zh-CN" altLang="en-US"/>
+              </a:p>
+            </p:txBody>
+          </p:sp>
+          <p:sp>
+            <p:nvSpPr>
+              <p:cNvPr id="3104" name="弧形 20"/>
+              <p:cNvSpPr/>
+              <p:nvPr/>
+            </p:nvSpPr>
+            <p:spPr bwMode="auto">
+              <a:xfrm rot="9295065">
+                <a:off x="42098" y="6272"/>
+                <a:ext cx="3564000" cy="3564000"/>
+              </a:xfrm>
+              <a:custGeom>
+                <a:avLst/>
+                <a:gdLst>
+                  <a:gd name="T0" fmla="*/ 1782000 w 3564000"/>
+                  <a:gd name="T1" fmla="*/ 0 h 3564000"/>
+                  <a:gd name="T2" fmla="*/ 3404808 w 3564000"/>
+                  <a:gd name="T3" fmla="*/ 1045781 h 3564000"/>
+                  <a:gd name="T4" fmla="*/ 1782000 w 3564000"/>
+                  <a:gd name="T5" fmla="*/ 1782000 h 3564000"/>
+                  <a:gd name="T6" fmla="*/ 1782000 w 3564000"/>
+                  <a:gd name="T7" fmla="*/ 0 h 3564000"/>
+                  <a:gd name="T8" fmla="*/ 1782000 w 3564000"/>
+                  <a:gd name="T9" fmla="*/ 0 h 3564000"/>
+                  <a:gd name="T10" fmla="*/ 3404808 w 3564000"/>
+                  <a:gd name="T11" fmla="*/ 1045781 h 3564000"/>
+                  <a:gd name="T12" fmla="*/ 0 60000 65536"/>
+                  <a:gd name="T13" fmla="*/ 0 60000 65536"/>
+                  <a:gd name="T14" fmla="*/ 0 60000 65536"/>
+                  <a:gd name="T15" fmla="*/ 0 60000 65536"/>
+                  <a:gd name="T16" fmla="*/ 0 60000 65536"/>
+                  <a:gd name="T17" fmla="*/ 0 60000 65536"/>
+                </a:gdLst>
+                <a:ahLst/>
+                <a:cxnLst>
+                  <a:cxn ang="T12">
+                    <a:pos x="T0" y="T1"/>
+                  </a:cxn>
+                  <a:cxn ang="T13">
+                    <a:pos x="T2" y="T3"/>
+                  </a:cxn>
+                  <a:cxn ang="T14">
+                    <a:pos x="T4" y="T5"/>
+                  </a:cxn>
+                  <a:cxn ang="T15">
+                    <a:pos x="T6" y="T7"/>
+                  </a:cxn>
+                  <a:cxn ang="T16">
+                    <a:pos x="T8" y="T9"/>
+                  </a:cxn>
+                  <a:cxn ang="T17">
+                    <a:pos x="T10" y="T11"/>
+                  </a:cxn>
+                </a:cxnLst>
+                <a:rect l="0" t="0" r="r" b="b"/>
+                <a:pathLst>
+                  <a:path w="3564000" h="3564000" stroke="0">
+                    <a:moveTo>
+                      <a:pt x="1782000" y="0"/>
+                    </a:moveTo>
+                    <a:cubicBezTo>
+                      <a:pt x="2481268" y="0"/>
+                      <a:pt x="3115911" y="408981"/>
+                      <a:pt x="3404808" y="1045781"/>
+                    </a:cubicBezTo>
+                    <a:lnTo>
+                      <a:pt x="1782000" y="1782000"/>
+                    </a:lnTo>
+                    <a:lnTo>
+                      <a:pt x="1782000" y="0"/>
+                    </a:lnTo>
+                    <a:close/>
+                  </a:path>
+                  <a:path w="3564000" h="3564000" fill="none">
+                    <a:moveTo>
+                      <a:pt x="1782000" y="0"/>
+                    </a:moveTo>
+                    <a:cubicBezTo>
+                      <a:pt x="2481268" y="0"/>
+                      <a:pt x="3115911" y="408981"/>
+                      <a:pt x="3404808" y="1045781"/>
+                    </a:cubicBezTo>
+                  </a:path>
+                </a:pathLst>
+              </a:custGeom>
+              <a:noFill/>
+              <a:ln w="6350" cap="flat" cmpd="sng">
+                <a:solidFill>
+                  <a:schemeClr val="bg1">
+                    <a:alpha val="52156"/>
+                  </a:schemeClr>
+                </a:solidFill>
+                <a:round/>
+              </a:ln>
+              <a:extLst>
+                <a:ext uri="{909E8E84-426E-40DD-AFC4-6F175D3DCCD1}">
+                  <a14:hiddenFill xmlns:a14="http://schemas.microsoft.com/office/drawing/2010/main">
+                    <a:solidFill>
+                      <a:srgbClr val="FFFFFF"/>
+                    </a:solidFill>
+                  </a14:hiddenFill>
+                </a:ext>
+              </a:extLst>
+            </p:spPr>
+            <p:txBody>
+              <a:bodyPr anchor="ctr"/>
+              <a:lstStyle/>
+              <a:p>
+                <a:endParaRPr lang="zh-CN" altLang="en-US"/>
+              </a:p>
+            </p:txBody>
+          </p:sp>
+        </p:grpSp>
+        <p:sp>
+          <p:nvSpPr>
+            <p:cNvPr id="3081" name="椭圆 153"/>
+            <p:cNvSpPr>
+              <a:spLocks noChangeArrowheads="1"/>
+            </p:cNvSpPr>
+            <p:nvPr/>
+          </p:nvSpPr>
+          <p:spPr bwMode="auto">
+            <a:xfrm>
+              <a:off x="0" y="1955800"/>
+              <a:ext cx="93077" cy="93077"/>
+            </a:xfrm>
+            <a:prstGeom prst="ellipse">
+              <a:avLst/>
+            </a:prstGeom>
+            <a:solidFill>
+              <a:schemeClr val="bg1">
+                <a:alpha val="39999"/>
+              </a:schemeClr>
+            </a:solidFill>
+            <a:ln>
+              <a:noFill/>
+            </a:ln>
+            <a:extLst>
+              <a:ext uri="{91240B29-F687-4F45-9708-019B960494DF}">
+                <a14:hiddenLine xmlns:a14="http://schemas.microsoft.com/office/drawing/2010/main" w="9525">
+                  <a:solidFill>
+                    <a:srgbClr val="000000"/>
+                  </a:solidFill>
+                  <a:round/>
+                </a14:hiddenLine>
+              </a:ext>
+            </a:extLst>
+          </p:spPr>
+          <p:txBody>
+            <a:bodyPr anchor="ctr"/>
+            <a:lstStyle/>
+            <a:p>
+              <a:pPr algn="ctr" eaLnBrk="1" hangingPunct="1"/>
+              <a:endParaRPr lang="zh-CN" altLang="en-US">
+                <a:solidFill>
+                  <a:srgbClr val="FFFFFF"/>
+                </a:solidFill>
+              </a:endParaRPr>
+            </a:p>
+          </p:txBody>
+        </p:sp>
+        <p:sp>
+          <p:nvSpPr>
+            <p:cNvPr id="3082" name="椭圆 154"/>
+            <p:cNvSpPr>
+              <a:spLocks noChangeArrowheads="1"/>
+            </p:cNvSpPr>
+            <p:nvPr/>
+          </p:nvSpPr>
+          <p:spPr bwMode="auto">
+            <a:xfrm>
+              <a:off x="95724" y="1351425"/>
+              <a:ext cx="93077" cy="93077"/>
+            </a:xfrm>
+            <a:prstGeom prst="ellipse">
+              <a:avLst/>
+            </a:prstGeom>
+            <a:solidFill>
+              <a:schemeClr val="bg1">
+                <a:alpha val="39999"/>
+              </a:schemeClr>
+            </a:solidFill>
+            <a:ln>
+              <a:noFill/>
+            </a:ln>
+            <a:extLst>
+              <a:ext uri="{91240B29-F687-4F45-9708-019B960494DF}">
+                <a14:hiddenLine xmlns:a14="http://schemas.microsoft.com/office/drawing/2010/main" w="9525">
+                  <a:solidFill>
+                    <a:srgbClr val="000000"/>
+                  </a:solidFill>
+                  <a:round/>
+                </a14:hiddenLine>
+              </a:ext>
+            </a:extLst>
+          </p:spPr>
+          <p:txBody>
+            <a:bodyPr anchor="ctr"/>
+            <a:lstStyle/>
+            <a:p>
+              <a:pPr algn="ctr" eaLnBrk="1" hangingPunct="1"/>
+              <a:endParaRPr lang="zh-CN" altLang="en-US">
+                <a:solidFill>
+                  <a:srgbClr val="FFFFFF"/>
+                </a:solidFill>
+              </a:endParaRPr>
+            </a:p>
+          </p:txBody>
+        </p:sp>
+        <p:sp>
+          <p:nvSpPr>
+            <p:cNvPr id="3083" name="椭圆 155"/>
+            <p:cNvSpPr>
+              <a:spLocks noChangeArrowheads="1"/>
+            </p:cNvSpPr>
+            <p:nvPr/>
+          </p:nvSpPr>
+          <p:spPr bwMode="auto">
+            <a:xfrm>
+              <a:off x="373525" y="806210"/>
+              <a:ext cx="93077" cy="93077"/>
+            </a:xfrm>
+            <a:prstGeom prst="ellipse">
+              <a:avLst/>
+            </a:prstGeom>
+            <a:solidFill>
+              <a:schemeClr val="bg1">
+                <a:alpha val="39999"/>
+              </a:schemeClr>
+            </a:solidFill>
+            <a:ln>
+              <a:noFill/>
+            </a:ln>
+            <a:extLst>
+              <a:ext uri="{91240B29-F687-4F45-9708-019B960494DF}">
+                <a14:hiddenLine xmlns:a14="http://schemas.microsoft.com/office/drawing/2010/main" w="9525">
+                  <a:solidFill>
+                    <a:srgbClr val="000000"/>
+                  </a:solidFill>
+                  <a:round/>
+                </a14:hiddenLine>
+              </a:ext>
+            </a:extLst>
+          </p:spPr>
+          <p:txBody>
+            <a:bodyPr anchor="ctr"/>
+            <a:lstStyle/>
+            <a:p>
+              <a:pPr algn="ctr" eaLnBrk="1" hangingPunct="1"/>
+              <a:endParaRPr lang="zh-CN" altLang="en-US">
+                <a:solidFill>
+                  <a:srgbClr val="FFFFFF"/>
+                </a:solidFill>
+              </a:endParaRPr>
+            </a:p>
+          </p:txBody>
+        </p:sp>
+        <p:sp>
+          <p:nvSpPr>
+            <p:cNvPr id="3084" name="椭圆 156"/>
+            <p:cNvSpPr>
+              <a:spLocks noChangeArrowheads="1"/>
+            </p:cNvSpPr>
+            <p:nvPr/>
+          </p:nvSpPr>
+          <p:spPr bwMode="auto">
+            <a:xfrm>
+              <a:off x="806210" y="373525"/>
+              <a:ext cx="93077" cy="93077"/>
+            </a:xfrm>
+            <a:prstGeom prst="ellipse">
+              <a:avLst/>
+            </a:prstGeom>
+            <a:solidFill>
+              <a:schemeClr val="bg1">
+                <a:alpha val="39999"/>
+              </a:schemeClr>
+            </a:solidFill>
+            <a:ln>
+              <a:noFill/>
+            </a:ln>
+            <a:extLst>
+              <a:ext uri="{91240B29-F687-4F45-9708-019B960494DF}">
+                <a14:hiddenLine xmlns:a14="http://schemas.microsoft.com/office/drawing/2010/main" w="9525">
+                  <a:solidFill>
+                    <a:srgbClr val="000000"/>
+                  </a:solidFill>
+                  <a:round/>
+                </a14:hiddenLine>
+              </a:ext>
+            </a:extLst>
+          </p:spPr>
+          <p:txBody>
+            <a:bodyPr anchor="ctr"/>
+            <a:lstStyle/>
+            <a:p>
+              <a:pPr algn="ctr" eaLnBrk="1" hangingPunct="1"/>
+              <a:endParaRPr lang="zh-CN" altLang="en-US">
+                <a:solidFill>
+                  <a:srgbClr val="FFFFFF"/>
+                </a:solidFill>
+              </a:endParaRPr>
+            </a:p>
+          </p:txBody>
+        </p:sp>
+        <p:sp>
+          <p:nvSpPr>
+            <p:cNvPr id="3085" name="椭圆 157"/>
+            <p:cNvSpPr>
+              <a:spLocks noChangeArrowheads="1"/>
+            </p:cNvSpPr>
+            <p:nvPr/>
+          </p:nvSpPr>
+          <p:spPr bwMode="auto">
+            <a:xfrm>
+              <a:off x="1351425" y="95724"/>
+              <a:ext cx="93077" cy="93077"/>
+            </a:xfrm>
+            <a:prstGeom prst="ellipse">
+              <a:avLst/>
+            </a:prstGeom>
+            <a:solidFill>
+              <a:schemeClr val="bg1">
+                <a:alpha val="39999"/>
+              </a:schemeClr>
+            </a:solidFill>
+            <a:ln>
+              <a:noFill/>
+            </a:ln>
+            <a:extLst>
+              <a:ext uri="{91240B29-F687-4F45-9708-019B960494DF}">
+                <a14:hiddenLine xmlns:a14="http://schemas.microsoft.com/office/drawing/2010/main" w="9525">
+                  <a:solidFill>
+                    <a:srgbClr val="000000"/>
+                  </a:solidFill>
+                  <a:round/>
+                </a14:hiddenLine>
+              </a:ext>
+            </a:extLst>
+          </p:spPr>
+          <p:txBody>
+            <a:bodyPr anchor="ctr"/>
+            <a:lstStyle/>
+            <a:p>
+              <a:pPr algn="ctr" eaLnBrk="1" hangingPunct="1"/>
+              <a:endParaRPr lang="zh-CN" altLang="en-US">
+                <a:solidFill>
+                  <a:srgbClr val="FFFFFF"/>
+                </a:solidFill>
+              </a:endParaRPr>
+            </a:p>
+          </p:txBody>
+        </p:sp>
+        <p:sp>
+          <p:nvSpPr>
+            <p:cNvPr id="3086" name="椭圆 158"/>
+            <p:cNvSpPr>
+              <a:spLocks noChangeArrowheads="1"/>
+            </p:cNvSpPr>
+            <p:nvPr/>
+          </p:nvSpPr>
+          <p:spPr bwMode="auto">
+            <a:xfrm>
+              <a:off x="1955800" y="0"/>
+              <a:ext cx="93077" cy="93077"/>
+            </a:xfrm>
+            <a:prstGeom prst="ellipse">
+              <a:avLst/>
+            </a:prstGeom>
+            <a:solidFill>
+              <a:schemeClr val="bg1">
+                <a:alpha val="39999"/>
+              </a:schemeClr>
+            </a:solidFill>
+            <a:ln>
+              <a:noFill/>
+            </a:ln>
+            <a:extLst>
+              <a:ext uri="{91240B29-F687-4F45-9708-019B960494DF}">
+                <a14:hiddenLine xmlns:a14="http://schemas.microsoft.com/office/drawing/2010/main" w="9525">
+                  <a:solidFill>
+                    <a:srgbClr val="000000"/>
+                  </a:solidFill>
+                  <a:round/>
+                </a14:hiddenLine>
+              </a:ext>
+            </a:extLst>
+          </p:spPr>
+          <p:txBody>
+            <a:bodyPr anchor="ctr"/>
+            <a:lstStyle/>
+            <a:p>
+              <a:pPr algn="ctr" eaLnBrk="1" hangingPunct="1"/>
+              <a:endParaRPr lang="zh-CN" altLang="en-US">
+                <a:solidFill>
+                  <a:srgbClr val="FFFFFF"/>
+                </a:solidFill>
+              </a:endParaRPr>
+            </a:p>
+          </p:txBody>
+        </p:sp>
+        <p:sp>
+          <p:nvSpPr>
+            <p:cNvPr id="3087" name="椭圆 159"/>
+            <p:cNvSpPr>
+              <a:spLocks noChangeArrowheads="1"/>
+            </p:cNvSpPr>
+            <p:nvPr/>
+          </p:nvSpPr>
+          <p:spPr bwMode="auto">
+            <a:xfrm>
+              <a:off x="2560176" y="95724"/>
+              <a:ext cx="93077" cy="93077"/>
+            </a:xfrm>
+            <a:prstGeom prst="ellipse">
+              <a:avLst/>
+            </a:prstGeom>
+            <a:solidFill>
+              <a:schemeClr val="bg1">
+                <a:alpha val="39999"/>
+              </a:schemeClr>
+            </a:solidFill>
+            <a:ln>
+              <a:noFill/>
+            </a:ln>
+            <a:extLst>
+              <a:ext uri="{91240B29-F687-4F45-9708-019B960494DF}">
+                <a14:hiddenLine xmlns:a14="http://schemas.microsoft.com/office/drawing/2010/main" w="9525">
+                  <a:solidFill>
+                    <a:srgbClr val="000000"/>
+                  </a:solidFill>
+                  <a:round/>
+                </a14:hiddenLine>
+              </a:ext>
+            </a:extLst>
+          </p:spPr>
+          <p:txBody>
+            <a:bodyPr anchor="ctr"/>
+            <a:lstStyle/>
+            <a:p>
+              <a:pPr algn="ctr" eaLnBrk="1" hangingPunct="1"/>
+              <a:endParaRPr lang="zh-CN" altLang="en-US">
+                <a:solidFill>
+                  <a:srgbClr val="FFFFFF"/>
+                </a:solidFill>
+              </a:endParaRPr>
+            </a:p>
+          </p:txBody>
+        </p:sp>
+        <p:sp>
+          <p:nvSpPr>
+            <p:cNvPr id="3088" name="椭圆 160"/>
+            <p:cNvSpPr>
+              <a:spLocks noChangeArrowheads="1"/>
+            </p:cNvSpPr>
+            <p:nvPr/>
+          </p:nvSpPr>
+          <p:spPr bwMode="auto">
+            <a:xfrm>
+              <a:off x="3105391" y="373525"/>
+              <a:ext cx="93077" cy="93077"/>
+            </a:xfrm>
+            <a:prstGeom prst="ellipse">
+              <a:avLst/>
+            </a:prstGeom>
+            <a:solidFill>
+              <a:schemeClr val="bg1">
+                <a:alpha val="39999"/>
+              </a:schemeClr>
+            </a:solidFill>
+            <a:ln>
+              <a:noFill/>
+            </a:ln>
+            <a:extLst>
+              <a:ext uri="{91240B29-F687-4F45-9708-019B960494DF}">
+                <a14:hiddenLine xmlns:a14="http://schemas.microsoft.com/office/drawing/2010/main" w="9525">
+                  <a:solidFill>
+                    <a:srgbClr val="000000"/>
+                  </a:solidFill>
+                  <a:round/>
+                </a14:hiddenLine>
+              </a:ext>
+            </a:extLst>
+          </p:spPr>
+          <p:txBody>
+            <a:bodyPr anchor="ctr"/>
+            <a:lstStyle/>
+            <a:p>
+              <a:pPr algn="ctr" eaLnBrk="1" hangingPunct="1"/>
+              <a:endParaRPr lang="zh-CN" altLang="en-US">
+                <a:solidFill>
+                  <a:srgbClr val="FFFFFF"/>
+                </a:solidFill>
+              </a:endParaRPr>
+            </a:p>
+          </p:txBody>
+        </p:sp>
+        <p:sp>
+          <p:nvSpPr>
+            <p:cNvPr id="3089" name="椭圆 161"/>
+            <p:cNvSpPr>
+              <a:spLocks noChangeArrowheads="1"/>
+            </p:cNvSpPr>
+            <p:nvPr/>
+          </p:nvSpPr>
+          <p:spPr bwMode="auto">
+            <a:xfrm>
+              <a:off x="3538076" y="806210"/>
+              <a:ext cx="93077" cy="93077"/>
+            </a:xfrm>
+            <a:prstGeom prst="ellipse">
+              <a:avLst/>
+            </a:prstGeom>
+            <a:solidFill>
+              <a:schemeClr val="bg1">
+                <a:alpha val="39999"/>
+              </a:schemeClr>
+            </a:solidFill>
+            <a:ln>
+              <a:noFill/>
+            </a:ln>
+            <a:extLst>
+              <a:ext uri="{91240B29-F687-4F45-9708-019B960494DF}">
+                <a14:hiddenLine xmlns:a14="http://schemas.microsoft.com/office/drawing/2010/main" w="9525">
+                  <a:solidFill>
+                    <a:srgbClr val="000000"/>
+                  </a:solidFill>
+                  <a:round/>
+                </a14:hiddenLine>
+              </a:ext>
+            </a:extLst>
+          </p:spPr>
+          <p:txBody>
+            <a:bodyPr anchor="ctr"/>
+            <a:lstStyle/>
+            <a:p>
+              <a:pPr algn="ctr" eaLnBrk="1" hangingPunct="1"/>
+              <a:endParaRPr lang="zh-CN" altLang="en-US">
+                <a:solidFill>
+                  <a:srgbClr val="FFFFFF"/>
+                </a:solidFill>
+              </a:endParaRPr>
+            </a:p>
+          </p:txBody>
+        </p:sp>
+        <p:sp>
+          <p:nvSpPr>
+            <p:cNvPr id="3090" name="椭圆 162"/>
+            <p:cNvSpPr>
+              <a:spLocks noChangeArrowheads="1"/>
+            </p:cNvSpPr>
+            <p:nvPr/>
+          </p:nvSpPr>
+          <p:spPr bwMode="auto">
+            <a:xfrm>
+              <a:off x="3815876" y="1351425"/>
+              <a:ext cx="93077" cy="93077"/>
+            </a:xfrm>
+            <a:prstGeom prst="ellipse">
+              <a:avLst/>
+            </a:prstGeom>
+            <a:solidFill>
+              <a:schemeClr val="bg1">
+                <a:alpha val="39999"/>
+              </a:schemeClr>
+            </a:solidFill>
+            <a:ln>
+              <a:noFill/>
+            </a:ln>
+            <a:extLst>
+              <a:ext uri="{91240B29-F687-4F45-9708-019B960494DF}">
+                <a14:hiddenLine xmlns:a14="http://schemas.microsoft.com/office/drawing/2010/main" w="9525">
+                  <a:solidFill>
+                    <a:srgbClr val="000000"/>
+                  </a:solidFill>
+                  <a:round/>
+                </a14:hiddenLine>
+              </a:ext>
+            </a:extLst>
+          </p:spPr>
+          <p:txBody>
+            <a:bodyPr anchor="ctr"/>
+            <a:lstStyle/>
+            <a:p>
+              <a:pPr algn="ctr" eaLnBrk="1" hangingPunct="1"/>
+              <a:endParaRPr lang="zh-CN" altLang="en-US">
+                <a:solidFill>
+                  <a:srgbClr val="FFFFFF"/>
+                </a:solidFill>
+              </a:endParaRPr>
+            </a:p>
+          </p:txBody>
+        </p:sp>
+        <p:sp>
+          <p:nvSpPr>
+            <p:cNvPr id="3091" name="椭圆 163"/>
+            <p:cNvSpPr>
+              <a:spLocks noChangeArrowheads="1"/>
+            </p:cNvSpPr>
+            <p:nvPr/>
+          </p:nvSpPr>
+          <p:spPr bwMode="auto">
+            <a:xfrm>
+              <a:off x="3911600" y="1955800"/>
+              <a:ext cx="93077" cy="93077"/>
+            </a:xfrm>
+            <a:prstGeom prst="ellipse">
+              <a:avLst/>
+            </a:prstGeom>
+            <a:solidFill>
+              <a:schemeClr val="bg1">
+                <a:alpha val="39999"/>
+              </a:schemeClr>
+            </a:solidFill>
+            <a:ln>
+              <a:noFill/>
+            </a:ln>
+            <a:extLst>
+              <a:ext uri="{91240B29-F687-4F45-9708-019B960494DF}">
+                <a14:hiddenLine xmlns:a14="http://schemas.microsoft.com/office/drawing/2010/main" w="9525">
+                  <a:solidFill>
+                    <a:srgbClr val="000000"/>
+                  </a:solidFill>
+                  <a:round/>
+                </a14:hiddenLine>
+              </a:ext>
+            </a:extLst>
+          </p:spPr>
+          <p:txBody>
+            <a:bodyPr anchor="ctr"/>
+            <a:lstStyle/>
+            <a:p>
+              <a:pPr algn="ctr" eaLnBrk="1" hangingPunct="1"/>
+              <a:endParaRPr lang="zh-CN" altLang="en-US">
+                <a:solidFill>
+                  <a:srgbClr val="FFFFFF"/>
+                </a:solidFill>
+              </a:endParaRPr>
+            </a:p>
+          </p:txBody>
+        </p:sp>
+        <p:sp>
+          <p:nvSpPr>
+            <p:cNvPr id="3092" name="椭圆 164"/>
+            <p:cNvSpPr>
+              <a:spLocks noChangeArrowheads="1"/>
+            </p:cNvSpPr>
+            <p:nvPr/>
+          </p:nvSpPr>
+          <p:spPr bwMode="auto">
+            <a:xfrm>
+              <a:off x="3815876" y="2560175"/>
+              <a:ext cx="93077" cy="93077"/>
+            </a:xfrm>
+            <a:prstGeom prst="ellipse">
+              <a:avLst/>
+            </a:prstGeom>
+            <a:solidFill>
+              <a:schemeClr val="bg1">
+                <a:alpha val="39999"/>
+              </a:schemeClr>
+            </a:solidFill>
+            <a:ln>
+              <a:noFill/>
+            </a:ln>
+            <a:extLst>
+              <a:ext uri="{91240B29-F687-4F45-9708-019B960494DF}">
+                <a14:hiddenLine xmlns:a14="http://schemas.microsoft.com/office/drawing/2010/main" w="9525">
+                  <a:solidFill>
+                    <a:srgbClr val="000000"/>
+                  </a:solidFill>
+                  <a:round/>
+                </a14:hiddenLine>
+              </a:ext>
+            </a:extLst>
+          </p:spPr>
+          <p:txBody>
+            <a:bodyPr anchor="ctr"/>
+            <a:lstStyle/>
+            <a:p>
+              <a:pPr algn="ctr" eaLnBrk="1" hangingPunct="1"/>
+              <a:endParaRPr lang="zh-CN" altLang="en-US">
+                <a:solidFill>
+                  <a:srgbClr val="FFFFFF"/>
+                </a:solidFill>
+              </a:endParaRPr>
+            </a:p>
+          </p:txBody>
+        </p:sp>
+        <p:sp>
+          <p:nvSpPr>
+            <p:cNvPr id="3093" name="椭圆 165"/>
+            <p:cNvSpPr>
+              <a:spLocks noChangeArrowheads="1"/>
+            </p:cNvSpPr>
+            <p:nvPr/>
+          </p:nvSpPr>
+          <p:spPr bwMode="auto">
+            <a:xfrm>
+              <a:off x="3538076" y="3105391"/>
+              <a:ext cx="93077" cy="93077"/>
+            </a:xfrm>
+            <a:prstGeom prst="ellipse">
+              <a:avLst/>
+            </a:prstGeom>
+            <a:solidFill>
+              <a:schemeClr val="bg1">
+                <a:alpha val="39999"/>
+              </a:schemeClr>
+            </a:solidFill>
+            <a:ln>
+              <a:noFill/>
+            </a:ln>
+            <a:extLst>
+              <a:ext uri="{91240B29-F687-4F45-9708-019B960494DF}">
+                <a14:hiddenLine xmlns:a14="http://schemas.microsoft.com/office/drawing/2010/main" w="9525">
+                  <a:solidFill>
+                    <a:srgbClr val="000000"/>
+                  </a:solidFill>
+                  <a:round/>
+                </a14:hiddenLine>
+              </a:ext>
+            </a:extLst>
+          </p:spPr>
+          <p:txBody>
+            <a:bodyPr anchor="ctr"/>
+            <a:lstStyle/>
+            <a:p>
+              <a:pPr algn="ctr" eaLnBrk="1" hangingPunct="1"/>
+              <a:endParaRPr lang="zh-CN" altLang="en-US">
+                <a:solidFill>
+                  <a:srgbClr val="FFFFFF"/>
+                </a:solidFill>
+              </a:endParaRPr>
+            </a:p>
+          </p:txBody>
+        </p:sp>
+        <p:sp>
+          <p:nvSpPr>
+            <p:cNvPr id="3094" name="椭圆 166"/>
+            <p:cNvSpPr>
+              <a:spLocks noChangeArrowheads="1"/>
+            </p:cNvSpPr>
+            <p:nvPr/>
+          </p:nvSpPr>
+          <p:spPr bwMode="auto">
+            <a:xfrm>
+              <a:off x="3105391" y="3538075"/>
+              <a:ext cx="93077" cy="93077"/>
+            </a:xfrm>
+            <a:prstGeom prst="ellipse">
+              <a:avLst/>
+            </a:prstGeom>
+            <a:solidFill>
+              <a:schemeClr val="bg1">
+                <a:alpha val="39999"/>
+              </a:schemeClr>
+            </a:solidFill>
+            <a:ln>
+              <a:noFill/>
+            </a:ln>
+            <a:extLst>
+              <a:ext uri="{91240B29-F687-4F45-9708-019B960494DF}">
+                <a14:hiddenLine xmlns:a14="http://schemas.microsoft.com/office/drawing/2010/main" w="9525">
+                  <a:solidFill>
+                    <a:srgbClr val="000000"/>
+                  </a:solidFill>
+                  <a:round/>
+                </a14:hiddenLine>
+              </a:ext>
+            </a:extLst>
+          </p:spPr>
+          <p:txBody>
+            <a:bodyPr anchor="ctr"/>
+            <a:lstStyle/>
+            <a:p>
+              <a:pPr algn="ctr" eaLnBrk="1" hangingPunct="1"/>
+              <a:endParaRPr lang="zh-CN" altLang="en-US">
+                <a:solidFill>
+                  <a:srgbClr val="FFFFFF"/>
+                </a:solidFill>
+              </a:endParaRPr>
+            </a:p>
+          </p:txBody>
+        </p:sp>
+        <p:sp>
+          <p:nvSpPr>
+            <p:cNvPr id="3095" name="椭圆 167"/>
+            <p:cNvSpPr>
+              <a:spLocks noChangeArrowheads="1"/>
+            </p:cNvSpPr>
+            <p:nvPr/>
+          </p:nvSpPr>
+          <p:spPr bwMode="auto">
+            <a:xfrm>
+              <a:off x="2560176" y="3815876"/>
+              <a:ext cx="93077" cy="93077"/>
+            </a:xfrm>
+            <a:prstGeom prst="ellipse">
+              <a:avLst/>
+            </a:prstGeom>
+            <a:solidFill>
+              <a:schemeClr val="bg1">
+                <a:alpha val="39999"/>
+              </a:schemeClr>
+            </a:solidFill>
+            <a:ln>
+              <a:noFill/>
+            </a:ln>
+            <a:extLst>
+              <a:ext uri="{91240B29-F687-4F45-9708-019B960494DF}">
+                <a14:hiddenLine xmlns:a14="http://schemas.microsoft.com/office/drawing/2010/main" w="9525">
+                  <a:solidFill>
+                    <a:srgbClr val="000000"/>
+                  </a:solidFill>
+                  <a:round/>
+                </a14:hiddenLine>
+              </a:ext>
+            </a:extLst>
+          </p:spPr>
+          <p:txBody>
+            <a:bodyPr anchor="ctr"/>
+            <a:lstStyle/>
+            <a:p>
+              <a:pPr algn="ctr" eaLnBrk="1" hangingPunct="1"/>
+              <a:endParaRPr lang="zh-CN" altLang="en-US">
+                <a:solidFill>
+                  <a:srgbClr val="FFFFFF"/>
+                </a:solidFill>
+              </a:endParaRPr>
+            </a:p>
+          </p:txBody>
+        </p:sp>
+        <p:sp>
+          <p:nvSpPr>
+            <p:cNvPr id="3096" name="椭圆 168"/>
+            <p:cNvSpPr>
+              <a:spLocks noChangeArrowheads="1"/>
+            </p:cNvSpPr>
+            <p:nvPr/>
+          </p:nvSpPr>
+          <p:spPr bwMode="auto">
+            <a:xfrm>
+              <a:off x="1955800" y="3911600"/>
+              <a:ext cx="93077" cy="93077"/>
+            </a:xfrm>
+            <a:prstGeom prst="ellipse">
+              <a:avLst/>
+            </a:prstGeom>
+            <a:solidFill>
+              <a:schemeClr val="bg1">
+                <a:alpha val="39999"/>
+              </a:schemeClr>
+            </a:solidFill>
+            <a:ln>
+              <a:noFill/>
+            </a:ln>
+            <a:extLst>
+              <a:ext uri="{91240B29-F687-4F45-9708-019B960494DF}">
+                <a14:hiddenLine xmlns:a14="http://schemas.microsoft.com/office/drawing/2010/main" w="9525">
+                  <a:solidFill>
+                    <a:srgbClr val="000000"/>
+                  </a:solidFill>
+                  <a:round/>
+                </a14:hiddenLine>
+              </a:ext>
+            </a:extLst>
+          </p:spPr>
+          <p:txBody>
+            <a:bodyPr anchor="ctr"/>
+            <a:lstStyle/>
+            <a:p>
+              <a:pPr algn="ctr" eaLnBrk="1" hangingPunct="1"/>
+              <a:endParaRPr lang="zh-CN" altLang="en-US">
+                <a:solidFill>
+                  <a:srgbClr val="FFFFFF"/>
+                </a:solidFill>
+              </a:endParaRPr>
+            </a:p>
+          </p:txBody>
+        </p:sp>
+        <p:sp>
+          <p:nvSpPr>
+            <p:cNvPr id="3097" name="椭圆 169"/>
+            <p:cNvSpPr>
+              <a:spLocks noChangeArrowheads="1"/>
+            </p:cNvSpPr>
+            <p:nvPr/>
+          </p:nvSpPr>
+          <p:spPr bwMode="auto">
+            <a:xfrm>
+              <a:off x="1351425" y="3815876"/>
+              <a:ext cx="93077" cy="93077"/>
+            </a:xfrm>
+            <a:prstGeom prst="ellipse">
+              <a:avLst/>
+            </a:prstGeom>
+            <a:solidFill>
+              <a:schemeClr val="bg1">
+                <a:alpha val="39999"/>
+              </a:schemeClr>
+            </a:solidFill>
+            <a:ln>
+              <a:noFill/>
+            </a:ln>
+            <a:extLst>
+              <a:ext uri="{91240B29-F687-4F45-9708-019B960494DF}">
+                <a14:hiddenLine xmlns:a14="http://schemas.microsoft.com/office/drawing/2010/main" w="9525">
+                  <a:solidFill>
+                    <a:srgbClr val="000000"/>
+                  </a:solidFill>
+                  <a:round/>
+                </a14:hiddenLine>
+              </a:ext>
+            </a:extLst>
+          </p:spPr>
+          <p:txBody>
+            <a:bodyPr anchor="ctr"/>
+            <a:lstStyle/>
+            <a:p>
+              <a:pPr algn="ctr" eaLnBrk="1" hangingPunct="1"/>
+              <a:endParaRPr lang="zh-CN" altLang="en-US">
+                <a:solidFill>
+                  <a:srgbClr val="FFFFFF"/>
+                </a:solidFill>
+              </a:endParaRPr>
+            </a:p>
+          </p:txBody>
+        </p:sp>
+        <p:sp>
+          <p:nvSpPr>
+            <p:cNvPr id="3098" name="椭圆 170"/>
+            <p:cNvSpPr>
+              <a:spLocks noChangeArrowheads="1"/>
+            </p:cNvSpPr>
+            <p:nvPr/>
+          </p:nvSpPr>
+          <p:spPr bwMode="auto">
+            <a:xfrm>
+              <a:off x="806210" y="3538075"/>
+              <a:ext cx="93077" cy="93077"/>
+            </a:xfrm>
+            <a:prstGeom prst="ellipse">
+              <a:avLst/>
+            </a:prstGeom>
+            <a:solidFill>
+              <a:schemeClr val="bg1">
+                <a:alpha val="39999"/>
+              </a:schemeClr>
+            </a:solidFill>
+            <a:ln>
+              <a:noFill/>
+            </a:ln>
+            <a:extLst>
+              <a:ext uri="{91240B29-F687-4F45-9708-019B960494DF}">
+                <a14:hiddenLine xmlns:a14="http://schemas.microsoft.com/office/drawing/2010/main" w="9525">
+                  <a:solidFill>
+                    <a:srgbClr val="000000"/>
+                  </a:solidFill>
+                  <a:round/>
+                </a14:hiddenLine>
+              </a:ext>
+            </a:extLst>
+          </p:spPr>
+          <p:txBody>
+            <a:bodyPr anchor="ctr"/>
+            <a:lstStyle/>
+            <a:p>
+              <a:pPr algn="ctr" eaLnBrk="1" hangingPunct="1"/>
+              <a:endParaRPr lang="zh-CN" altLang="en-US">
+                <a:solidFill>
+                  <a:srgbClr val="FFFFFF"/>
+                </a:solidFill>
+              </a:endParaRPr>
+            </a:p>
+          </p:txBody>
+        </p:sp>
+        <p:sp>
+          <p:nvSpPr>
+            <p:cNvPr id="3099" name="椭圆 171"/>
+            <p:cNvSpPr>
+              <a:spLocks noChangeArrowheads="1"/>
+            </p:cNvSpPr>
+            <p:nvPr/>
+          </p:nvSpPr>
+          <p:spPr bwMode="auto">
+            <a:xfrm>
+              <a:off x="373525" y="3105391"/>
+              <a:ext cx="93077" cy="93077"/>
+            </a:xfrm>
+            <a:prstGeom prst="ellipse">
+              <a:avLst/>
+            </a:prstGeom>
+            <a:solidFill>
+              <a:schemeClr val="bg1">
+                <a:alpha val="39999"/>
+              </a:schemeClr>
+            </a:solidFill>
+            <a:ln>
+              <a:noFill/>
+            </a:ln>
+            <a:extLst>
+              <a:ext uri="{91240B29-F687-4F45-9708-019B960494DF}">
+                <a14:hiddenLine xmlns:a14="http://schemas.microsoft.com/office/drawing/2010/main" w="9525">
+                  <a:solidFill>
+                    <a:srgbClr val="000000"/>
+                  </a:solidFill>
+                  <a:round/>
+                </a14:hiddenLine>
+              </a:ext>
+            </a:extLst>
+          </p:spPr>
+          <p:txBody>
+            <a:bodyPr anchor="ctr"/>
+            <a:lstStyle/>
+            <a:p>
+              <a:pPr algn="ctr" eaLnBrk="1" hangingPunct="1"/>
+              <a:endParaRPr lang="zh-CN" altLang="en-US">
+                <a:solidFill>
+                  <a:srgbClr val="FFFFFF"/>
+                </a:solidFill>
+              </a:endParaRPr>
+            </a:p>
+          </p:txBody>
+        </p:sp>
+        <p:sp>
+          <p:nvSpPr>
+            <p:cNvPr id="3100" name="椭圆 172"/>
+            <p:cNvSpPr>
+              <a:spLocks noChangeArrowheads="1"/>
+            </p:cNvSpPr>
+            <p:nvPr/>
+          </p:nvSpPr>
+          <p:spPr bwMode="auto">
+            <a:xfrm>
+              <a:off x="95724" y="2560175"/>
+              <a:ext cx="93077" cy="93077"/>
+            </a:xfrm>
+            <a:prstGeom prst="ellipse">
+              <a:avLst/>
+            </a:prstGeom>
+            <a:solidFill>
+              <a:schemeClr val="bg1">
+                <a:alpha val="39999"/>
+              </a:schemeClr>
+            </a:solidFill>
+            <a:ln>
+              <a:noFill/>
+            </a:ln>
+            <a:extLst>
+              <a:ext uri="{91240B29-F687-4F45-9708-019B960494DF}">
+                <a14:hiddenLine xmlns:a14="http://schemas.microsoft.com/office/drawing/2010/main" w="9525">
+                  <a:solidFill>
+                    <a:srgbClr val="000000"/>
+                  </a:solidFill>
+                  <a:round/>
+                </a14:hiddenLine>
+              </a:ext>
+            </a:extLst>
+          </p:spPr>
+          <p:txBody>
+            <a:bodyPr anchor="ctr"/>
+            <a:lstStyle/>
+            <a:p>
+              <a:pPr algn="ctr" eaLnBrk="1" hangingPunct="1"/>
+              <a:endParaRPr lang="zh-CN" altLang="en-US">
+                <a:solidFill>
+                  <a:srgbClr val="FFFFFF"/>
+                </a:solidFill>
+              </a:endParaRPr>
+            </a:p>
+          </p:txBody>
+        </p:sp>
+      </p:grpSp>
+      <p:sp>
+        <p:nvSpPr>
+          <p:cNvPr id="3076" name="文本框 173"/>
+          <p:cNvSpPr txBox="1">
+            <a:spLocks noChangeArrowheads="1"/>
+          </p:cNvSpPr>
+          <p:nvPr/>
+        </p:nvSpPr>
+        <p:spPr bwMode="auto">
+          <a:xfrm>
+            <a:off x="2889250" y="1957388"/>
+            <a:ext cx="1370013" cy="2647950"/>
+          </a:xfrm>
+          <a:prstGeom prst="rect">
+            <a:avLst/>
+          </a:prstGeom>
+          <a:noFill/>
+          <a:ln>
+            <a:noFill/>
+          </a:ln>
+          <a:extLst>
+            <a:ext uri="{909E8E84-426E-40DD-AFC4-6F175D3DCCD1}">
+              <a14:hiddenFill xmlns:a14="http://schemas.microsoft.com/office/drawing/2010/main">
+                <a:solidFill>
+                  <a:srgbClr val="FFFFFF"/>
+                </a:solidFill>
+              </a14:hiddenFill>
+            </a:ext>
+            <a:ext uri="{91240B29-F687-4F45-9708-019B960494DF}">
+              <a14:hiddenLine xmlns:a14="http://schemas.microsoft.com/office/drawing/2010/main" w="9525">
+                <a:solidFill>
+                  <a:srgbClr val="000000"/>
+                </a:solidFill>
+                <a:miter lim="800000"/>
+                <a:headEnd/>
+                <a:tailEnd/>
+              </a14:hiddenLine>
+            </a:ext>
+          </a:extLst>
+        </p:spPr>
+        <p:txBody>
+          <a:bodyPr wrap="none">
+            <a:spAutoFit/>
+          </a:bodyPr>
+          <a:lstStyle>
+            <a:lvl1pPr>
+              <a:defRPr>
+                <a:solidFill>
+                  <a:schemeClr val="tx1"/>
+                </a:solidFill>
+                <a:latin typeface="Calibri" panose="020F0502020204030204" pitchFamily="34" charset="0"/>
+                <a:ea typeface="宋体" panose="02010600030101010101" pitchFamily="2" charset="-122"/>
+              </a:defRPr>
+            </a:lvl1pPr>
+            <a:lvl2pPr marL="742950" indent="-285750">
+              <a:defRPr>
+                <a:solidFill>
+                  <a:schemeClr val="tx1"/>
+                </a:solidFill>
+                <a:latin typeface="Calibri" panose="020F0502020204030204" pitchFamily="34" charset="0"/>
+                <a:ea typeface="宋体" panose="02010600030101010101" pitchFamily="2" charset="-122"/>
+              </a:defRPr>
+            </a:lvl2pPr>
+            <a:lvl3pPr marL="1143000" indent="-228600">
+              <a:defRPr>
+                <a:solidFill>
+                  <a:schemeClr val="tx1"/>
+                </a:solidFill>
+                <a:latin typeface="Calibri" panose="020F0502020204030204" pitchFamily="34" charset="0"/>
+                <a:ea typeface="宋体" panose="02010600030101010101" pitchFamily="2" charset="-122"/>
+              </a:defRPr>
+            </a:lvl3pPr>
+            <a:lvl4pPr marL="1600200" indent="-228600">
+              <a:defRPr>
+                <a:solidFill>
+                  <a:schemeClr val="tx1"/>
+                </a:solidFill>
+                <a:latin typeface="Calibri" panose="020F0502020204030204" pitchFamily="34" charset="0"/>
+                <a:ea typeface="宋体" panose="02010600030101010101" pitchFamily="2" charset="-122"/>
+              </a:defRPr>
+            </a:lvl4pPr>
+            <a:lvl5pPr marL="2057400" indent="-228600">
+              <a:defRPr>
+                <a:solidFill>
+                  <a:schemeClr val="tx1"/>
+                </a:solidFill>
+                <a:latin typeface="Calibri" panose="020F0502020204030204" pitchFamily="34" charset="0"/>
+                <a:ea typeface="宋体" panose="02010600030101010101" pitchFamily="2" charset="-122"/>
+              </a:defRPr>
+            </a:lvl5pPr>
+            <a:lvl6pPr marL="2514600" indent="-228600" eaLnBrk="0" fontAlgn="base" hangingPunct="0">
+              <a:spcBef>
+                <a:spcPct val="0"/>
+              </a:spcBef>
+              <a:spcAft>
+                <a:spcPct val="0"/>
+              </a:spcAft>
+              <a:buFont typeface="Arial" panose="020B0604020202020204" pitchFamily="34" charset="0"/>
+              <a:defRPr>
+                <a:solidFill>
+                  <a:schemeClr val="tx1"/>
+                </a:solidFill>
+                <a:latin typeface="Calibri" panose="020F0502020204030204" pitchFamily="34" charset="0"/>
+                <a:ea typeface="宋体" panose="02010600030101010101" pitchFamily="2" charset="-122"/>
+              </a:defRPr>
+            </a:lvl6pPr>
+            <a:lvl7pPr marL="2971800" indent="-228600" eaLnBrk="0" fontAlgn="base" hangingPunct="0">
+              <a:spcBef>
+                <a:spcPct val="0"/>
+              </a:spcBef>
+              <a:spcAft>
+                <a:spcPct val="0"/>
+              </a:spcAft>
+              <a:buFont typeface="Arial" panose="020B0604020202020204" pitchFamily="34" charset="0"/>
+              <a:defRPr>
+                <a:solidFill>
+                  <a:schemeClr val="tx1"/>
+                </a:solidFill>
+                <a:latin typeface="Calibri" panose="020F0502020204030204" pitchFamily="34" charset="0"/>
+                <a:ea typeface="宋体" panose="02010600030101010101" pitchFamily="2" charset="-122"/>
+              </a:defRPr>
+            </a:lvl7pPr>
+            <a:lvl8pPr marL="3429000" indent="-228600" eaLnBrk="0" fontAlgn="base" hangingPunct="0">
+              <a:spcBef>
+                <a:spcPct val="0"/>
+              </a:spcBef>
+              <a:spcAft>
+                <a:spcPct val="0"/>
+              </a:spcAft>
+              <a:buFont typeface="Arial" panose="020B0604020202020204" pitchFamily="34" charset="0"/>
+              <a:defRPr>
+                <a:solidFill>
+                  <a:schemeClr val="tx1"/>
+                </a:solidFill>
+                <a:latin typeface="Calibri" panose="020F0502020204030204" pitchFamily="34" charset="0"/>
+                <a:ea typeface="宋体" panose="02010600030101010101" pitchFamily="2" charset="-122"/>
+              </a:defRPr>
+            </a:lvl8pPr>
+            <a:lvl9pPr marL="3886200" indent="-228600" eaLnBrk="0" fontAlgn="base" hangingPunct="0">
+              <a:spcBef>
+                <a:spcPct val="0"/>
+              </a:spcBef>
+              <a:spcAft>
+                <a:spcPct val="0"/>
+              </a:spcAft>
+              <a:buFont typeface="Arial" panose="020B0604020202020204" pitchFamily="34" charset="0"/>
+              <a:defRPr>
+                <a:solidFill>
+                  <a:schemeClr val="tx1"/>
+                </a:solidFill>
+                <a:latin typeface="Calibri" panose="020F0502020204030204" pitchFamily="34" charset="0"/>
+                <a:ea typeface="宋体" panose="02010600030101010101" pitchFamily="2" charset="-122"/>
+              </a:defRPr>
+            </a:lvl9pPr>
+          </a:lstStyle>
+          <a:p>
+            <a:pPr eaLnBrk="1" hangingPunct="1"/>
+            <a:r>
+              <a:rPr lang="en-US" altLang="zh-CN" sz="16600" b="1" dirty="0" smtClean="0">
+                <a:solidFill>
+                  <a:schemeClr val="bg1"/>
+                </a:solidFill>
+                <a:latin typeface="Arial" panose="020B0604020202020204" pitchFamily="34" charset="0"/>
+                <a:ea typeface="微软雅黑" panose="020B0503020204020204" pitchFamily="34" charset="-122"/>
+              </a:rPr>
+              <a:t>2</a:t>
+            </a:r>
+            <a:endParaRPr lang="zh-CN" altLang="en-US" sz="16600" b="1" dirty="0">
+              <a:solidFill>
+                <a:schemeClr val="bg1"/>
+              </a:solidFill>
+              <a:latin typeface="Arial" panose="020B0604020202020204" pitchFamily="34" charset="0"/>
+              <a:ea typeface="微软雅黑" panose="020B0503020204020204" pitchFamily="34" charset="-122"/>
+            </a:endParaRPr>
+          </a:p>
+        </p:txBody>
+      </p:sp>
+      <p:sp>
+        <p:nvSpPr>
+          <p:cNvPr id="3077" name="文本框 174"/>
+          <p:cNvSpPr txBox="1">
+            <a:spLocks noChangeArrowheads="1"/>
+          </p:cNvSpPr>
+          <p:nvPr/>
+        </p:nvSpPr>
+        <p:spPr bwMode="auto">
+          <a:xfrm>
+            <a:off x="6421437" y="2871497"/>
+            <a:ext cx="2954655" cy="923330"/>
+          </a:xfrm>
+          <a:prstGeom prst="rect">
+            <a:avLst/>
+          </a:prstGeom>
+          <a:noFill/>
+          <a:ln>
+            <a:noFill/>
+          </a:ln>
+          <a:extLst>
+            <a:ext uri="{909E8E84-426E-40DD-AFC4-6F175D3DCCD1}">
+              <a14:hiddenFill xmlns:a14="http://schemas.microsoft.com/office/drawing/2010/main">
+                <a:solidFill>
+                  <a:srgbClr val="FFFFFF"/>
+                </a:solidFill>
+              </a14:hiddenFill>
+            </a:ext>
+            <a:ext uri="{91240B29-F687-4F45-9708-019B960494DF}">
+              <a14:hiddenLine xmlns:a14="http://schemas.microsoft.com/office/drawing/2010/main" w="9525">
+                <a:solidFill>
+                  <a:srgbClr val="000000"/>
+                </a:solidFill>
+                <a:miter lim="800000"/>
+                <a:headEnd/>
+                <a:tailEnd/>
+              </a14:hiddenLine>
+            </a:ext>
+          </a:extLst>
+        </p:spPr>
+        <p:txBody>
+          <a:bodyPr wrap="none">
+            <a:spAutoFit/>
+          </a:bodyPr>
+          <a:lstStyle>
+            <a:lvl1pPr>
+              <a:defRPr>
+                <a:solidFill>
+                  <a:schemeClr val="tx1"/>
+                </a:solidFill>
+                <a:latin typeface="Calibri" panose="020F0502020204030204" pitchFamily="34" charset="0"/>
+                <a:ea typeface="宋体" panose="02010600030101010101" pitchFamily="2" charset="-122"/>
+              </a:defRPr>
+            </a:lvl1pPr>
+            <a:lvl2pPr marL="742950" indent="-285750">
+              <a:defRPr>
+                <a:solidFill>
+                  <a:schemeClr val="tx1"/>
+                </a:solidFill>
+                <a:latin typeface="Calibri" panose="020F0502020204030204" pitchFamily="34" charset="0"/>
+                <a:ea typeface="宋体" panose="02010600030101010101" pitchFamily="2" charset="-122"/>
+              </a:defRPr>
+            </a:lvl2pPr>
+            <a:lvl3pPr marL="1143000" indent="-228600">
+              <a:defRPr>
+                <a:solidFill>
+                  <a:schemeClr val="tx1"/>
+                </a:solidFill>
+                <a:latin typeface="Calibri" panose="020F0502020204030204" pitchFamily="34" charset="0"/>
+                <a:ea typeface="宋体" panose="02010600030101010101" pitchFamily="2" charset="-122"/>
+              </a:defRPr>
+            </a:lvl3pPr>
+            <a:lvl4pPr marL="1600200" indent="-228600">
+              <a:defRPr>
+                <a:solidFill>
+                  <a:schemeClr val="tx1"/>
+                </a:solidFill>
+                <a:latin typeface="Calibri" panose="020F0502020204030204" pitchFamily="34" charset="0"/>
+                <a:ea typeface="宋体" panose="02010600030101010101" pitchFamily="2" charset="-122"/>
+              </a:defRPr>
+            </a:lvl4pPr>
+            <a:lvl5pPr marL="2057400" indent="-228600">
+              <a:defRPr>
+                <a:solidFill>
+                  <a:schemeClr val="tx1"/>
+                </a:solidFill>
+                <a:latin typeface="Calibri" panose="020F0502020204030204" pitchFamily="34" charset="0"/>
+                <a:ea typeface="宋体" panose="02010600030101010101" pitchFamily="2" charset="-122"/>
+              </a:defRPr>
+            </a:lvl5pPr>
+            <a:lvl6pPr marL="2514600" indent="-228600" eaLnBrk="0" fontAlgn="base" hangingPunct="0">
+              <a:spcBef>
+                <a:spcPct val="0"/>
+              </a:spcBef>
+              <a:spcAft>
+                <a:spcPct val="0"/>
+              </a:spcAft>
+              <a:buFont typeface="Arial" panose="020B0604020202020204" pitchFamily="34" charset="0"/>
+              <a:defRPr>
+                <a:solidFill>
+                  <a:schemeClr val="tx1"/>
+                </a:solidFill>
+                <a:latin typeface="Calibri" panose="020F0502020204030204" pitchFamily="34" charset="0"/>
+                <a:ea typeface="宋体" panose="02010600030101010101" pitchFamily="2" charset="-122"/>
+              </a:defRPr>
+            </a:lvl6pPr>
+            <a:lvl7pPr marL="2971800" indent="-228600" eaLnBrk="0" fontAlgn="base" hangingPunct="0">
+              <a:spcBef>
+                <a:spcPct val="0"/>
+              </a:spcBef>
+              <a:spcAft>
+                <a:spcPct val="0"/>
+              </a:spcAft>
+              <a:buFont typeface="Arial" panose="020B0604020202020204" pitchFamily="34" charset="0"/>
+              <a:defRPr>
+                <a:solidFill>
+                  <a:schemeClr val="tx1"/>
+                </a:solidFill>
+                <a:latin typeface="Calibri" panose="020F0502020204030204" pitchFamily="34" charset="0"/>
+                <a:ea typeface="宋体" panose="02010600030101010101" pitchFamily="2" charset="-122"/>
+              </a:defRPr>
+            </a:lvl7pPr>
+            <a:lvl8pPr marL="3429000" indent="-228600" eaLnBrk="0" fontAlgn="base" hangingPunct="0">
+              <a:spcBef>
+                <a:spcPct val="0"/>
+              </a:spcBef>
+              <a:spcAft>
+                <a:spcPct val="0"/>
+              </a:spcAft>
+              <a:buFont typeface="Arial" panose="020B0604020202020204" pitchFamily="34" charset="0"/>
+              <a:defRPr>
+                <a:solidFill>
+                  <a:schemeClr val="tx1"/>
+                </a:solidFill>
+                <a:latin typeface="Calibri" panose="020F0502020204030204" pitchFamily="34" charset="0"/>
+                <a:ea typeface="宋体" panose="02010600030101010101" pitchFamily="2" charset="-122"/>
+              </a:defRPr>
+            </a:lvl8pPr>
+            <a:lvl9pPr marL="3886200" indent="-228600" eaLnBrk="0" fontAlgn="base" hangingPunct="0">
+              <a:spcBef>
+                <a:spcPct val="0"/>
+              </a:spcBef>
+              <a:spcAft>
+                <a:spcPct val="0"/>
+              </a:spcAft>
+              <a:buFont typeface="Arial" panose="020B0604020202020204" pitchFamily="34" charset="0"/>
+              <a:defRPr>
+                <a:solidFill>
+                  <a:schemeClr val="tx1"/>
+                </a:solidFill>
+                <a:latin typeface="Calibri" panose="020F0502020204030204" pitchFamily="34" charset="0"/>
+                <a:ea typeface="宋体" panose="02010600030101010101" pitchFamily="2" charset="-122"/>
+              </a:defRPr>
+            </a:lvl9pPr>
+          </a:lstStyle>
+          <a:p>
+            <a:pPr eaLnBrk="1" hangingPunct="1"/>
+            <a:r>
+              <a:rPr lang="zh-CN" altLang="en-US" sz="5400" b="1" dirty="0" smtClean="0">
+                <a:solidFill>
+                  <a:schemeClr val="bg1"/>
+                </a:solidFill>
+                <a:latin typeface="微软雅黑" panose="020B0503020204020204" pitchFamily="34" charset="-122"/>
+                <a:ea typeface="微软雅黑" panose="020B0503020204020204" pitchFamily="34" charset="-122"/>
+              </a:rPr>
+              <a:t>兴趣爱好</a:t>
+            </a:r>
+            <a:endParaRPr lang="zh-CN" altLang="en-US" sz="5400" b="1" dirty="0">
+              <a:solidFill>
+                <a:schemeClr val="bg1"/>
+              </a:solidFill>
+              <a:latin typeface="微软雅黑" panose="020B0503020204020204" pitchFamily="34" charset="-122"/>
+              <a:ea typeface="微软雅黑" panose="020B0503020204020204" pitchFamily="34" charset="-122"/>
+            </a:endParaRPr>
+          </a:p>
+        </p:txBody>
+      </p:sp>
+    </p:spTree>
+    <p:extLst>
+      <p:ext uri="{BB962C8B-B14F-4D97-AF65-F5344CB8AC3E}">
+        <p14:creationId xmlns:p14="http://schemas.microsoft.com/office/powerpoint/2010/main" val="2746906825"/>
+      </p:ext>
+    </p:extLst>
+  </p:cSld>
+  <p:clrMapOvr>
+    <a:masterClrMapping/>
+  </p:clrMapOvr>
+</p:sld>
+</file>
+
+<file path=ppt/slides/slide6.xml><?xml version="1.0" encoding="utf-8"?>
+<p:sld xmlns:a="http://schemas.openxmlformats.org/drawingml/2006/main" xmlns:r="http://schemas.openxmlformats.org/officeDocument/2006/relationships" xmlns:p="http://schemas.openxmlformats.org/presentationml/2006/main">
+  <p:cSld>
+    <p:spTree>
+      <p:nvGrpSpPr>
+        <p:cNvPr id="1" name=""/>
+        <p:cNvGrpSpPr/>
+        <p:nvPr/>
+      </p:nvGrpSpPr>
+      <p:grpSpPr>
+        <a:xfrm>
+          <a:off x="0" y="0"/>
+          <a:ext cx="0" cy="0"/>
+          <a:chOff x="0" y="0"/>
+          <a:chExt cx="0" cy="0"/>
+        </a:xfrm>
+      </p:grpSpPr>
+      <p:grpSp>
+        <p:nvGrpSpPr>
+          <p:cNvPr id="3074" name="组合 22"/>
+          <p:cNvGrpSpPr/>
+          <p:nvPr/>
+        </p:nvGrpSpPr>
+        <p:grpSpPr bwMode="auto">
+          <a:xfrm rot="2125929">
+            <a:off x="1728788" y="1465263"/>
+            <a:ext cx="3744912" cy="3743325"/>
+            <a:chOff x="0" y="0"/>
+            <a:chExt cx="3606099" cy="3570272"/>
+          </a:xfrm>
+        </p:grpSpPr>
+        <p:sp>
+          <p:nvSpPr>
+            <p:cNvPr id="3105" name="弧形 23"/>
+            <p:cNvSpPr/>
+            <p:nvPr/>
+          </p:nvSpPr>
+          <p:spPr bwMode="auto">
+            <a:xfrm>
+              <a:off x="0" y="0"/>
+              <a:ext cx="3564000" cy="3564000"/>
+            </a:xfrm>
+            <a:custGeom>
+              <a:avLst/>
+              <a:gdLst>
+                <a:gd name="T0" fmla="*/ 1782000 w 3564000"/>
+                <a:gd name="T1" fmla="*/ 0 h 3564000"/>
+                <a:gd name="T2" fmla="*/ 3564000 w 3564000"/>
+                <a:gd name="T3" fmla="*/ 1782000 h 3564000"/>
+                <a:gd name="T4" fmla="*/ 1782000 w 3564000"/>
+                <a:gd name="T5" fmla="*/ 1782000 h 3564000"/>
+                <a:gd name="T6" fmla="*/ 1782000 w 3564000"/>
+                <a:gd name="T7" fmla="*/ 0 h 3564000"/>
+                <a:gd name="T8" fmla="*/ 1782000 w 3564000"/>
+                <a:gd name="T9" fmla="*/ 0 h 3564000"/>
+                <a:gd name="T10" fmla="*/ 3564000 w 3564000"/>
+                <a:gd name="T11" fmla="*/ 1782000 h 3564000"/>
+                <a:gd name="T12" fmla="*/ 0 60000 65536"/>
+                <a:gd name="T13" fmla="*/ 0 60000 65536"/>
+                <a:gd name="T14" fmla="*/ 0 60000 65536"/>
+                <a:gd name="T15" fmla="*/ 0 60000 65536"/>
+                <a:gd name="T16" fmla="*/ 0 60000 65536"/>
+                <a:gd name="T17" fmla="*/ 0 60000 65536"/>
+              </a:gdLst>
+              <a:ahLst/>
+              <a:cxnLst>
+                <a:cxn ang="T12">
+                  <a:pos x="T0" y="T1"/>
+                </a:cxn>
+                <a:cxn ang="T13">
+                  <a:pos x="T2" y="T3"/>
+                </a:cxn>
+                <a:cxn ang="T14">
+                  <a:pos x="T4" y="T5"/>
+                </a:cxn>
+                <a:cxn ang="T15">
+                  <a:pos x="T6" y="T7"/>
+                </a:cxn>
+                <a:cxn ang="T16">
+                  <a:pos x="T8" y="T9"/>
+                </a:cxn>
+                <a:cxn ang="T17">
+                  <a:pos x="T10" y="T11"/>
+                </a:cxn>
+              </a:cxnLst>
+              <a:rect l="0" t="0" r="r" b="b"/>
+              <a:pathLst>
+                <a:path w="3564000" h="3564000" stroke="0">
+                  <a:moveTo>
+                    <a:pt x="1782000" y="0"/>
+                  </a:moveTo>
+                  <a:cubicBezTo>
+                    <a:pt x="2766171" y="0"/>
+                    <a:pt x="3564000" y="797829"/>
+                    <a:pt x="3564000" y="1782000"/>
+                  </a:cubicBezTo>
+                  <a:lnTo>
+                    <a:pt x="1782000" y="1782000"/>
+                  </a:lnTo>
+                  <a:lnTo>
+                    <a:pt x="1782000" y="0"/>
+                  </a:lnTo>
+                  <a:close/>
+                </a:path>
+                <a:path w="3564000" h="3564000" fill="none">
+                  <a:moveTo>
+                    <a:pt x="1782000" y="0"/>
+                  </a:moveTo>
+                  <a:cubicBezTo>
+                    <a:pt x="2766171" y="0"/>
+                    <a:pt x="3564000" y="797829"/>
+                    <a:pt x="3564000" y="1782000"/>
+                  </a:cubicBezTo>
+                </a:path>
+              </a:pathLst>
+            </a:custGeom>
+            <a:noFill/>
+            <a:ln w="6350" cap="flat" cmpd="sng">
+              <a:solidFill>
+                <a:schemeClr val="bg1">
+                  <a:alpha val="52156"/>
+                </a:schemeClr>
+              </a:solidFill>
+              <a:round/>
+            </a:ln>
+            <a:extLst>
+              <a:ext uri="{909E8E84-426E-40DD-AFC4-6F175D3DCCD1}">
+                <a14:hiddenFill xmlns:a14="http://schemas.microsoft.com/office/drawing/2010/main">
+                  <a:solidFill>
+                    <a:srgbClr val="FFFFFF"/>
+                  </a:solidFill>
+                </a14:hiddenFill>
+              </a:ext>
+            </a:extLst>
+          </p:spPr>
+          <p:txBody>
+            <a:bodyPr anchor="ctr"/>
+            <a:lstStyle/>
+            <a:p>
+              <a:endParaRPr lang="zh-CN" altLang="en-US"/>
+            </a:p>
+          </p:txBody>
+        </p:sp>
+        <p:sp>
+          <p:nvSpPr>
+            <p:cNvPr id="3106" name="弧形 24"/>
+            <p:cNvSpPr/>
+            <p:nvPr/>
+          </p:nvSpPr>
+          <p:spPr bwMode="auto">
+            <a:xfrm rot="-7902423">
+              <a:off x="42099" y="0"/>
+              <a:ext cx="3564000" cy="3564000"/>
+            </a:xfrm>
+            <a:custGeom>
+              <a:avLst/>
+              <a:gdLst>
+                <a:gd name="T0" fmla="*/ 1782000 w 3564000"/>
+                <a:gd name="T1" fmla="*/ 0 h 3564000"/>
+                <a:gd name="T2" fmla="*/ 3318391 w 3564000"/>
+                <a:gd name="T3" fmla="*/ 879212 h 3564000"/>
+                <a:gd name="T4" fmla="*/ 3338717 w 3564000"/>
+                <a:gd name="T5" fmla="*/ 2649268 h 3564000"/>
+                <a:gd name="T6" fmla="*/ 1782000 w 3564000"/>
+                <a:gd name="T7" fmla="*/ 1782000 h 3564000"/>
+                <a:gd name="T8" fmla="*/ 1782000 w 3564000"/>
+                <a:gd name="T9" fmla="*/ 0 h 3564000"/>
+                <a:gd name="T10" fmla="*/ 1782000 w 3564000"/>
+                <a:gd name="T11" fmla="*/ 0 h 3564000"/>
+                <a:gd name="T12" fmla="*/ 3318391 w 3564000"/>
+                <a:gd name="T13" fmla="*/ 879212 h 3564000"/>
+                <a:gd name="T14" fmla="*/ 3338717 w 3564000"/>
+                <a:gd name="T15" fmla="*/ 2649268 h 3564000"/>
+                <a:gd name="T16" fmla="*/ 0 60000 65536"/>
+                <a:gd name="T17" fmla="*/ 0 60000 65536"/>
+                <a:gd name="T18" fmla="*/ 0 60000 65536"/>
+                <a:gd name="T19" fmla="*/ 0 60000 65536"/>
+                <a:gd name="T20" fmla="*/ 0 60000 65536"/>
+                <a:gd name="T21" fmla="*/ 0 60000 65536"/>
+                <a:gd name="T22" fmla="*/ 0 60000 65536"/>
+                <a:gd name="T23" fmla="*/ 0 60000 65536"/>
+              </a:gdLst>
+              <a:ahLst/>
+              <a:cxnLst>
+                <a:cxn ang="T16">
+                  <a:pos x="T0" y="T1"/>
+                </a:cxn>
+                <a:cxn ang="T17">
+                  <a:pos x="T2" y="T3"/>
+                </a:cxn>
+                <a:cxn ang="T18">
+                  <a:pos x="T4" y="T5"/>
+                </a:cxn>
+                <a:cxn ang="T19">
+                  <a:pos x="T6" y="T7"/>
+                </a:cxn>
+                <a:cxn ang="T20">
+                  <a:pos x="T8" y="T9"/>
+                </a:cxn>
+                <a:cxn ang="T21">
+                  <a:pos x="T10" y="T11"/>
+                </a:cxn>
+                <a:cxn ang="T22">
+                  <a:pos x="T12" y="T13"/>
+                </a:cxn>
+                <a:cxn ang="T23">
+                  <a:pos x="T14" y="T15"/>
+                </a:cxn>
+              </a:cxnLst>
+              <a:rect l="0" t="0" r="r" b="b"/>
+              <a:pathLst>
+                <a:path w="3564000" h="3564000" stroke="0">
+                  <a:moveTo>
+                    <a:pt x="1782000" y="0"/>
+                  </a:moveTo>
+                  <a:cubicBezTo>
+                    <a:pt x="2413776" y="0"/>
+                    <a:pt x="2998324" y="334512"/>
+                    <a:pt x="3318391" y="879212"/>
+                  </a:cubicBezTo>
+                  <a:cubicBezTo>
+                    <a:pt x="3638458" y="1423912"/>
+                    <a:pt x="3646192" y="2097362"/>
+                    <a:pt x="3338717" y="2649268"/>
+                  </a:cubicBezTo>
+                  <a:lnTo>
+                    <a:pt x="1782000" y="1782000"/>
+                  </a:lnTo>
+                  <a:lnTo>
+                    <a:pt x="1782000" y="0"/>
+                  </a:lnTo>
+                  <a:close/>
+                </a:path>
+                <a:path w="3564000" h="3564000" fill="none">
+                  <a:moveTo>
+                    <a:pt x="1782000" y="0"/>
+                  </a:moveTo>
+                  <a:cubicBezTo>
+                    <a:pt x="2413776" y="0"/>
+                    <a:pt x="2998324" y="334512"/>
+                    <a:pt x="3318391" y="879212"/>
+                  </a:cubicBezTo>
+                  <a:cubicBezTo>
+                    <a:pt x="3638458" y="1423912"/>
+                    <a:pt x="3646192" y="2097362"/>
+                    <a:pt x="3338717" y="2649268"/>
+                  </a:cubicBezTo>
+                </a:path>
+              </a:pathLst>
+            </a:custGeom>
+            <a:noFill/>
+            <a:ln w="6350" cap="flat" cmpd="sng">
+              <a:solidFill>
+                <a:schemeClr val="bg1">
+                  <a:alpha val="52156"/>
+                </a:schemeClr>
+              </a:solidFill>
+              <a:round/>
+            </a:ln>
+            <a:extLst>
+              <a:ext uri="{909E8E84-426E-40DD-AFC4-6F175D3DCCD1}">
+                <a14:hiddenFill xmlns:a14="http://schemas.microsoft.com/office/drawing/2010/main">
+                  <a:solidFill>
+                    <a:srgbClr val="FFFFFF"/>
+                  </a:solidFill>
+                </a14:hiddenFill>
+              </a:ext>
+            </a:extLst>
+          </p:spPr>
+          <p:txBody>
+            <a:bodyPr anchor="ctr"/>
+            <a:lstStyle/>
+            <a:p>
+              <a:endParaRPr lang="zh-CN" altLang="en-US"/>
+            </a:p>
+          </p:txBody>
+        </p:sp>
+        <p:sp>
+          <p:nvSpPr>
+            <p:cNvPr id="3107" name="弧形 25"/>
+            <p:cNvSpPr/>
+            <p:nvPr/>
+          </p:nvSpPr>
+          <p:spPr bwMode="auto">
+            <a:xfrm rot="5709083">
+              <a:off x="10350" y="6271"/>
+              <a:ext cx="3564000" cy="3564000"/>
+            </a:xfrm>
+            <a:custGeom>
+              <a:avLst/>
+              <a:gdLst>
+                <a:gd name="T0" fmla="*/ 1782000 w 3564000"/>
+                <a:gd name="T1" fmla="*/ 0 h 3564000"/>
+                <a:gd name="T2" fmla="*/ 3162262 w 3564000"/>
+                <a:gd name="T3" fmla="*/ 654880 h 3564000"/>
+                <a:gd name="T4" fmla="*/ 1782000 w 3564000"/>
+                <a:gd name="T5" fmla="*/ 1782000 h 3564000"/>
+                <a:gd name="T6" fmla="*/ 1782000 w 3564000"/>
+                <a:gd name="T7" fmla="*/ 0 h 3564000"/>
+                <a:gd name="T8" fmla="*/ 1782000 w 3564000"/>
+                <a:gd name="T9" fmla="*/ 0 h 3564000"/>
+                <a:gd name="T10" fmla="*/ 3162262 w 3564000"/>
+                <a:gd name="T11" fmla="*/ 654880 h 3564000"/>
+                <a:gd name="T12" fmla="*/ 0 60000 65536"/>
+                <a:gd name="T13" fmla="*/ 0 60000 65536"/>
+                <a:gd name="T14" fmla="*/ 0 60000 65536"/>
+                <a:gd name="T15" fmla="*/ 0 60000 65536"/>
+                <a:gd name="T16" fmla="*/ 0 60000 65536"/>
+                <a:gd name="T17" fmla="*/ 0 60000 65536"/>
+              </a:gdLst>
+              <a:ahLst/>
+              <a:cxnLst>
+                <a:cxn ang="T12">
+                  <a:pos x="T0" y="T1"/>
+                </a:cxn>
+                <a:cxn ang="T13">
+                  <a:pos x="T2" y="T3"/>
+                </a:cxn>
+                <a:cxn ang="T14">
+                  <a:pos x="T4" y="T5"/>
+                </a:cxn>
+                <a:cxn ang="T15">
+                  <a:pos x="T6" y="T7"/>
+                </a:cxn>
+                <a:cxn ang="T16">
+                  <a:pos x="T8" y="T9"/>
+                </a:cxn>
+                <a:cxn ang="T17">
+                  <a:pos x="T10" y="T11"/>
+                </a:cxn>
+              </a:cxnLst>
+              <a:rect l="0" t="0" r="r" b="b"/>
+              <a:pathLst>
+                <a:path w="3564000" h="3564000" stroke="0">
+                  <a:moveTo>
+                    <a:pt x="1782000" y="0"/>
+                  </a:moveTo>
+                  <a:cubicBezTo>
+                    <a:pt x="2317073" y="0"/>
+                    <a:pt x="2823827" y="240435"/>
+                    <a:pt x="3162262" y="654880"/>
+                  </a:cubicBezTo>
+                  <a:lnTo>
+                    <a:pt x="1782000" y="1782000"/>
+                  </a:lnTo>
+                  <a:lnTo>
+                    <a:pt x="1782000" y="0"/>
+                  </a:lnTo>
+                  <a:close/>
+                </a:path>
+                <a:path w="3564000" h="3564000" fill="none">
+                  <a:moveTo>
+                    <a:pt x="1782000" y="0"/>
+                  </a:moveTo>
+                  <a:cubicBezTo>
+                    <a:pt x="2317073" y="0"/>
+                    <a:pt x="2823827" y="240435"/>
+                    <a:pt x="3162262" y="654880"/>
+                  </a:cubicBezTo>
+                </a:path>
+              </a:pathLst>
+            </a:custGeom>
+            <a:noFill/>
+            <a:ln w="6350" cap="flat" cmpd="sng">
+              <a:solidFill>
+                <a:schemeClr val="bg1">
+                  <a:alpha val="52156"/>
+                </a:schemeClr>
+              </a:solidFill>
+              <a:round/>
+            </a:ln>
+            <a:extLst>
+              <a:ext uri="{909E8E84-426E-40DD-AFC4-6F175D3DCCD1}">
+                <a14:hiddenFill xmlns:a14="http://schemas.microsoft.com/office/drawing/2010/main">
+                  <a:solidFill>
+                    <a:srgbClr val="FFFFFF"/>
+                  </a:solidFill>
+                </a14:hiddenFill>
+              </a:ext>
+            </a:extLst>
+          </p:spPr>
+          <p:txBody>
+            <a:bodyPr anchor="ctr"/>
+            <a:lstStyle/>
+            <a:p>
+              <a:endParaRPr lang="zh-CN" altLang="en-US"/>
+            </a:p>
+          </p:txBody>
+        </p:sp>
+        <p:sp>
+          <p:nvSpPr>
+            <p:cNvPr id="3108" name="弧形 26"/>
+            <p:cNvSpPr/>
+            <p:nvPr/>
+          </p:nvSpPr>
+          <p:spPr bwMode="auto">
+            <a:xfrm rot="9295065">
+              <a:off x="42098" y="6272"/>
+              <a:ext cx="3564000" cy="3564000"/>
+            </a:xfrm>
+            <a:custGeom>
+              <a:avLst/>
+              <a:gdLst>
+                <a:gd name="T0" fmla="*/ 1782000 w 3564000"/>
+                <a:gd name="T1" fmla="*/ 0 h 3564000"/>
+                <a:gd name="T2" fmla="*/ 3404808 w 3564000"/>
+                <a:gd name="T3" fmla="*/ 1045781 h 3564000"/>
+                <a:gd name="T4" fmla="*/ 1782000 w 3564000"/>
+                <a:gd name="T5" fmla="*/ 1782000 h 3564000"/>
+                <a:gd name="T6" fmla="*/ 1782000 w 3564000"/>
+                <a:gd name="T7" fmla="*/ 0 h 3564000"/>
+                <a:gd name="T8" fmla="*/ 1782000 w 3564000"/>
+                <a:gd name="T9" fmla="*/ 0 h 3564000"/>
+                <a:gd name="T10" fmla="*/ 3404808 w 3564000"/>
+                <a:gd name="T11" fmla="*/ 1045781 h 3564000"/>
+                <a:gd name="T12" fmla="*/ 0 60000 65536"/>
+                <a:gd name="T13" fmla="*/ 0 60000 65536"/>
+                <a:gd name="T14" fmla="*/ 0 60000 65536"/>
+                <a:gd name="T15" fmla="*/ 0 60000 65536"/>
+                <a:gd name="T16" fmla="*/ 0 60000 65536"/>
+                <a:gd name="T17" fmla="*/ 0 60000 65536"/>
+              </a:gdLst>
+              <a:ahLst/>
+              <a:cxnLst>
+                <a:cxn ang="T12">
+                  <a:pos x="T0" y="T1"/>
+                </a:cxn>
+                <a:cxn ang="T13">
+                  <a:pos x="T2" y="T3"/>
+                </a:cxn>
+                <a:cxn ang="T14">
+                  <a:pos x="T4" y="T5"/>
+                </a:cxn>
+                <a:cxn ang="T15">
+                  <a:pos x="T6" y="T7"/>
+                </a:cxn>
+                <a:cxn ang="T16">
+                  <a:pos x="T8" y="T9"/>
+                </a:cxn>
+                <a:cxn ang="T17">
+                  <a:pos x="T10" y="T11"/>
+                </a:cxn>
+              </a:cxnLst>
+              <a:rect l="0" t="0" r="r" b="b"/>
+              <a:pathLst>
+                <a:path w="3564000" h="3564000" stroke="0">
+                  <a:moveTo>
+                    <a:pt x="1782000" y="0"/>
+                  </a:moveTo>
+                  <a:cubicBezTo>
+                    <a:pt x="2481268" y="0"/>
+                    <a:pt x="3115911" y="408981"/>
+                    <a:pt x="3404808" y="1045781"/>
+                  </a:cubicBezTo>
+                  <a:lnTo>
+                    <a:pt x="1782000" y="1782000"/>
+                  </a:lnTo>
+                  <a:lnTo>
+                    <a:pt x="1782000" y="0"/>
+                  </a:lnTo>
+                  <a:close/>
+                </a:path>
+                <a:path w="3564000" h="3564000" fill="none">
+                  <a:moveTo>
+                    <a:pt x="1782000" y="0"/>
+                  </a:moveTo>
+                  <a:cubicBezTo>
+                    <a:pt x="2481268" y="0"/>
+                    <a:pt x="3115911" y="408981"/>
+                    <a:pt x="3404808" y="1045781"/>
+                  </a:cubicBezTo>
+                </a:path>
+              </a:pathLst>
+            </a:custGeom>
+            <a:noFill/>
+            <a:ln w="6350" cap="flat" cmpd="sng">
+              <a:solidFill>
+                <a:schemeClr val="bg1">
+                  <a:alpha val="52156"/>
+                </a:schemeClr>
+              </a:solidFill>
+              <a:round/>
+            </a:ln>
+            <a:extLst>
+              <a:ext uri="{909E8E84-426E-40DD-AFC4-6F175D3DCCD1}">
+                <a14:hiddenFill xmlns:a14="http://schemas.microsoft.com/office/drawing/2010/main">
+                  <a:solidFill>
+                    <a:srgbClr val="FFFFFF"/>
+                  </a:solidFill>
+                </a14:hiddenFill>
+              </a:ext>
+            </a:extLst>
+          </p:spPr>
+          <p:txBody>
+            <a:bodyPr anchor="ctr"/>
+            <a:lstStyle/>
+            <a:p>
+              <a:endParaRPr lang="zh-CN" altLang="en-US"/>
+            </a:p>
+          </p:txBody>
+        </p:sp>
+      </p:grpSp>
+      <p:grpSp>
+        <p:nvGrpSpPr>
+          <p:cNvPr id="3075" name="组合 176"/>
+          <p:cNvGrpSpPr/>
+          <p:nvPr/>
+        </p:nvGrpSpPr>
+        <p:grpSpPr bwMode="auto">
+          <a:xfrm>
+            <a:off x="1604963" y="1314450"/>
+            <a:ext cx="4005262" cy="4003675"/>
+            <a:chOff x="0" y="0"/>
+            <a:chExt cx="4004677" cy="4004677"/>
+          </a:xfrm>
+        </p:grpSpPr>
+        <p:sp>
+          <p:nvSpPr>
+            <p:cNvPr id="3079" name="椭圆 4"/>
+            <p:cNvSpPr>
+              <a:spLocks noChangeArrowheads="1"/>
+            </p:cNvSpPr>
+            <p:nvPr/>
+          </p:nvSpPr>
+          <p:spPr bwMode="auto">
+            <a:xfrm>
+              <a:off x="295459" y="327418"/>
+              <a:ext cx="3413760" cy="3413760"/>
+            </a:xfrm>
+            <a:prstGeom prst="ellipse">
+              <a:avLst/>
+            </a:prstGeom>
+            <a:solidFill>
+              <a:schemeClr val="bg1">
+                <a:alpha val="39999"/>
+              </a:schemeClr>
+            </a:solidFill>
+            <a:ln>
+              <a:noFill/>
+            </a:ln>
+            <a:extLst>
+              <a:ext uri="{91240B29-F687-4F45-9708-019B960494DF}">
+                <a14:hiddenLine xmlns:a14="http://schemas.microsoft.com/office/drawing/2010/main" w="9525">
+                  <a:solidFill>
+                    <a:srgbClr val="000000"/>
+                  </a:solidFill>
+                  <a:round/>
+                </a14:hiddenLine>
+              </a:ext>
+            </a:extLst>
+          </p:spPr>
+          <p:txBody>
+            <a:bodyPr anchor="ctr"/>
+            <a:lstStyle/>
+            <a:p>
+              <a:pPr algn="ctr" eaLnBrk="1" hangingPunct="1"/>
+              <a:endParaRPr lang="zh-CN" altLang="en-US">
+                <a:solidFill>
+                  <a:srgbClr val="FFFFFF"/>
+                </a:solidFill>
+              </a:endParaRPr>
+            </a:p>
+          </p:txBody>
+        </p:sp>
+        <p:grpSp>
+          <p:nvGrpSpPr>
+            <p:cNvPr id="3080" name="组合 21"/>
+            <p:cNvGrpSpPr/>
+            <p:nvPr/>
+          </p:nvGrpSpPr>
+          <p:grpSpPr bwMode="auto">
+            <a:xfrm>
+              <a:off x="190939" y="246027"/>
+              <a:ext cx="3606099" cy="3570272"/>
+              <a:chOff x="0" y="0"/>
+              <a:chExt cx="3606099" cy="3570272"/>
+            </a:xfrm>
+          </p:grpSpPr>
+          <p:sp>
+            <p:nvSpPr>
+              <p:cNvPr id="3101" name="弧形 17"/>
+              <p:cNvSpPr/>
+              <p:nvPr/>
+            </p:nvSpPr>
+            <p:spPr bwMode="auto">
+              <a:xfrm>
+                <a:off x="0" y="0"/>
+                <a:ext cx="3564000" cy="3564000"/>
+              </a:xfrm>
+              <a:custGeom>
+                <a:avLst/>
+                <a:gdLst>
+                  <a:gd name="T0" fmla="*/ 1782000 w 3564000"/>
+                  <a:gd name="T1" fmla="*/ 0 h 3564000"/>
+                  <a:gd name="T2" fmla="*/ 3564000 w 3564000"/>
+                  <a:gd name="T3" fmla="*/ 1782000 h 3564000"/>
+                  <a:gd name="T4" fmla="*/ 1782000 w 3564000"/>
+                  <a:gd name="T5" fmla="*/ 1782000 h 3564000"/>
+                  <a:gd name="T6" fmla="*/ 1782000 w 3564000"/>
+                  <a:gd name="T7" fmla="*/ 0 h 3564000"/>
+                  <a:gd name="T8" fmla="*/ 1782000 w 3564000"/>
+                  <a:gd name="T9" fmla="*/ 0 h 3564000"/>
+                  <a:gd name="T10" fmla="*/ 3564000 w 3564000"/>
+                  <a:gd name="T11" fmla="*/ 1782000 h 3564000"/>
+                  <a:gd name="T12" fmla="*/ 0 60000 65536"/>
+                  <a:gd name="T13" fmla="*/ 0 60000 65536"/>
+                  <a:gd name="T14" fmla="*/ 0 60000 65536"/>
+                  <a:gd name="T15" fmla="*/ 0 60000 65536"/>
+                  <a:gd name="T16" fmla="*/ 0 60000 65536"/>
+                  <a:gd name="T17" fmla="*/ 0 60000 65536"/>
+                </a:gdLst>
+                <a:ahLst/>
+                <a:cxnLst>
+                  <a:cxn ang="T12">
+                    <a:pos x="T0" y="T1"/>
+                  </a:cxn>
+                  <a:cxn ang="T13">
+                    <a:pos x="T2" y="T3"/>
+                  </a:cxn>
+                  <a:cxn ang="T14">
+                    <a:pos x="T4" y="T5"/>
+                  </a:cxn>
+                  <a:cxn ang="T15">
+                    <a:pos x="T6" y="T7"/>
+                  </a:cxn>
+                  <a:cxn ang="T16">
+                    <a:pos x="T8" y="T9"/>
+                  </a:cxn>
+                  <a:cxn ang="T17">
+                    <a:pos x="T10" y="T11"/>
+                  </a:cxn>
+                </a:cxnLst>
+                <a:rect l="0" t="0" r="r" b="b"/>
+                <a:pathLst>
+                  <a:path w="3564000" h="3564000" stroke="0">
+                    <a:moveTo>
+                      <a:pt x="1782000" y="0"/>
+                    </a:moveTo>
+                    <a:cubicBezTo>
+                      <a:pt x="2766171" y="0"/>
+                      <a:pt x="3564000" y="797829"/>
+                      <a:pt x="3564000" y="1782000"/>
+                    </a:cubicBezTo>
+                    <a:lnTo>
+                      <a:pt x="1782000" y="1782000"/>
+                    </a:lnTo>
+                    <a:lnTo>
+                      <a:pt x="1782000" y="0"/>
+                    </a:lnTo>
+                    <a:close/>
+                  </a:path>
+                  <a:path w="3564000" h="3564000" fill="none">
+                    <a:moveTo>
+                      <a:pt x="1782000" y="0"/>
+                    </a:moveTo>
+                    <a:cubicBezTo>
+                      <a:pt x="2766171" y="0"/>
+                      <a:pt x="3564000" y="797829"/>
+                      <a:pt x="3564000" y="1782000"/>
+                    </a:cubicBezTo>
+                  </a:path>
+                </a:pathLst>
+              </a:custGeom>
+              <a:noFill/>
+              <a:ln w="6350" cap="flat" cmpd="sng">
+                <a:solidFill>
+                  <a:schemeClr val="bg1">
+                    <a:alpha val="52156"/>
+                  </a:schemeClr>
+                </a:solidFill>
+                <a:round/>
+              </a:ln>
+              <a:extLst>
+                <a:ext uri="{909E8E84-426E-40DD-AFC4-6F175D3DCCD1}">
+                  <a14:hiddenFill xmlns:a14="http://schemas.microsoft.com/office/drawing/2010/main">
+                    <a:solidFill>
+                      <a:srgbClr val="FFFFFF"/>
+                    </a:solidFill>
+                  </a14:hiddenFill>
+                </a:ext>
+              </a:extLst>
+            </p:spPr>
+            <p:txBody>
+              <a:bodyPr anchor="ctr"/>
+              <a:lstStyle/>
+              <a:p>
+                <a:endParaRPr lang="zh-CN" altLang="en-US"/>
+              </a:p>
+            </p:txBody>
+          </p:sp>
+          <p:sp>
+            <p:nvSpPr>
+              <p:cNvPr id="3102" name="弧形 18"/>
+              <p:cNvSpPr/>
+              <p:nvPr/>
+            </p:nvSpPr>
+            <p:spPr bwMode="auto">
+              <a:xfrm rot="-7902423">
+                <a:off x="42099" y="0"/>
+                <a:ext cx="3564000" cy="3564000"/>
+              </a:xfrm>
+              <a:custGeom>
+                <a:avLst/>
+                <a:gdLst>
+                  <a:gd name="T0" fmla="*/ 1782000 w 3564000"/>
+                  <a:gd name="T1" fmla="*/ 0 h 3564000"/>
+                  <a:gd name="T2" fmla="*/ 3318391 w 3564000"/>
+                  <a:gd name="T3" fmla="*/ 879212 h 3564000"/>
+                  <a:gd name="T4" fmla="*/ 3338717 w 3564000"/>
+                  <a:gd name="T5" fmla="*/ 2649268 h 3564000"/>
+                  <a:gd name="T6" fmla="*/ 1782000 w 3564000"/>
+                  <a:gd name="T7" fmla="*/ 1782000 h 3564000"/>
+                  <a:gd name="T8" fmla="*/ 1782000 w 3564000"/>
+                  <a:gd name="T9" fmla="*/ 0 h 3564000"/>
+                  <a:gd name="T10" fmla="*/ 1782000 w 3564000"/>
+                  <a:gd name="T11" fmla="*/ 0 h 3564000"/>
+                  <a:gd name="T12" fmla="*/ 3318391 w 3564000"/>
+                  <a:gd name="T13" fmla="*/ 879212 h 3564000"/>
+                  <a:gd name="T14" fmla="*/ 3338717 w 3564000"/>
+                  <a:gd name="T15" fmla="*/ 2649268 h 3564000"/>
+                  <a:gd name="T16" fmla="*/ 0 60000 65536"/>
+                  <a:gd name="T17" fmla="*/ 0 60000 65536"/>
+                  <a:gd name="T18" fmla="*/ 0 60000 65536"/>
+                  <a:gd name="T19" fmla="*/ 0 60000 65536"/>
+                  <a:gd name="T20" fmla="*/ 0 60000 65536"/>
+                  <a:gd name="T21" fmla="*/ 0 60000 65536"/>
+                  <a:gd name="T22" fmla="*/ 0 60000 65536"/>
+                  <a:gd name="T23" fmla="*/ 0 60000 65536"/>
+                </a:gdLst>
+                <a:ahLst/>
+                <a:cxnLst>
+                  <a:cxn ang="T16">
+                    <a:pos x="T0" y="T1"/>
+                  </a:cxn>
+                  <a:cxn ang="T17">
+                    <a:pos x="T2" y="T3"/>
+                  </a:cxn>
+                  <a:cxn ang="T18">
+                    <a:pos x="T4" y="T5"/>
+                  </a:cxn>
+                  <a:cxn ang="T19">
+                    <a:pos x="T6" y="T7"/>
+                  </a:cxn>
+                  <a:cxn ang="T20">
+                    <a:pos x="T8" y="T9"/>
+                  </a:cxn>
+                  <a:cxn ang="T21">
+                    <a:pos x="T10" y="T11"/>
+                  </a:cxn>
+                  <a:cxn ang="T22">
+                    <a:pos x="T12" y="T13"/>
+                  </a:cxn>
+                  <a:cxn ang="T23">
+                    <a:pos x="T14" y="T15"/>
+                  </a:cxn>
+                </a:cxnLst>
+                <a:rect l="0" t="0" r="r" b="b"/>
+                <a:pathLst>
+                  <a:path w="3564000" h="3564000" stroke="0">
+                    <a:moveTo>
+                      <a:pt x="1782000" y="0"/>
+                    </a:moveTo>
+                    <a:cubicBezTo>
+                      <a:pt x="2413776" y="0"/>
+                      <a:pt x="2998324" y="334512"/>
+                      <a:pt x="3318391" y="879212"/>
+                    </a:cubicBezTo>
+                    <a:cubicBezTo>
+                      <a:pt x="3638458" y="1423912"/>
+                      <a:pt x="3646192" y="2097362"/>
+                      <a:pt x="3338717" y="2649268"/>
+                    </a:cubicBezTo>
+                    <a:lnTo>
+                      <a:pt x="1782000" y="1782000"/>
+                    </a:lnTo>
+                    <a:lnTo>
+                      <a:pt x="1782000" y="0"/>
+                    </a:lnTo>
+                    <a:close/>
+                  </a:path>
+                  <a:path w="3564000" h="3564000" fill="none">
+                    <a:moveTo>
+                      <a:pt x="1782000" y="0"/>
+                    </a:moveTo>
+                    <a:cubicBezTo>
+                      <a:pt x="2413776" y="0"/>
+                      <a:pt x="2998324" y="334512"/>
+                      <a:pt x="3318391" y="879212"/>
+                    </a:cubicBezTo>
+                    <a:cubicBezTo>
+                      <a:pt x="3638458" y="1423912"/>
+                      <a:pt x="3646192" y="2097362"/>
+                      <a:pt x="3338717" y="2649268"/>
+                    </a:cubicBezTo>
+                  </a:path>
+                </a:pathLst>
+              </a:custGeom>
+              <a:noFill/>
+              <a:ln w="6350" cap="flat" cmpd="sng">
+                <a:solidFill>
+                  <a:schemeClr val="bg1">
+                    <a:alpha val="52156"/>
+                  </a:schemeClr>
+                </a:solidFill>
+                <a:round/>
+              </a:ln>
+              <a:extLst>
+                <a:ext uri="{909E8E84-426E-40DD-AFC4-6F175D3DCCD1}">
+                  <a14:hiddenFill xmlns:a14="http://schemas.microsoft.com/office/drawing/2010/main">
+                    <a:solidFill>
+                      <a:srgbClr val="FFFFFF"/>
+                    </a:solidFill>
+                  </a14:hiddenFill>
+                </a:ext>
+              </a:extLst>
+            </p:spPr>
+            <p:txBody>
+              <a:bodyPr anchor="ctr"/>
+              <a:lstStyle/>
+              <a:p>
+                <a:endParaRPr lang="zh-CN" altLang="en-US"/>
+              </a:p>
+            </p:txBody>
+          </p:sp>
+          <p:sp>
+            <p:nvSpPr>
+              <p:cNvPr id="3103" name="弧形 19"/>
+              <p:cNvSpPr/>
+              <p:nvPr/>
+            </p:nvSpPr>
+            <p:spPr bwMode="auto">
+              <a:xfrm rot="5709083">
+                <a:off x="10350" y="6271"/>
+                <a:ext cx="3564000" cy="3564000"/>
+              </a:xfrm>
+              <a:custGeom>
+                <a:avLst/>
+                <a:gdLst>
+                  <a:gd name="T0" fmla="*/ 1782000 w 3564000"/>
+                  <a:gd name="T1" fmla="*/ 0 h 3564000"/>
+                  <a:gd name="T2" fmla="*/ 3162262 w 3564000"/>
+                  <a:gd name="T3" fmla="*/ 654880 h 3564000"/>
+                  <a:gd name="T4" fmla="*/ 1782000 w 3564000"/>
+                  <a:gd name="T5" fmla="*/ 1782000 h 3564000"/>
+                  <a:gd name="T6" fmla="*/ 1782000 w 3564000"/>
+                  <a:gd name="T7" fmla="*/ 0 h 3564000"/>
+                  <a:gd name="T8" fmla="*/ 1782000 w 3564000"/>
+                  <a:gd name="T9" fmla="*/ 0 h 3564000"/>
+                  <a:gd name="T10" fmla="*/ 3162262 w 3564000"/>
+                  <a:gd name="T11" fmla="*/ 654880 h 3564000"/>
+                  <a:gd name="T12" fmla="*/ 0 60000 65536"/>
+                  <a:gd name="T13" fmla="*/ 0 60000 65536"/>
+                  <a:gd name="T14" fmla="*/ 0 60000 65536"/>
+                  <a:gd name="T15" fmla="*/ 0 60000 65536"/>
+                  <a:gd name="T16" fmla="*/ 0 60000 65536"/>
+                  <a:gd name="T17" fmla="*/ 0 60000 65536"/>
+                </a:gdLst>
+                <a:ahLst/>
+                <a:cxnLst>
+                  <a:cxn ang="T12">
+                    <a:pos x="T0" y="T1"/>
+                  </a:cxn>
+                  <a:cxn ang="T13">
+                    <a:pos x="T2" y="T3"/>
+                  </a:cxn>
+                  <a:cxn ang="T14">
+                    <a:pos x="T4" y="T5"/>
+                  </a:cxn>
+                  <a:cxn ang="T15">
+                    <a:pos x="T6" y="T7"/>
+                  </a:cxn>
+                  <a:cxn ang="T16">
+                    <a:pos x="T8" y="T9"/>
+                  </a:cxn>
+                  <a:cxn ang="T17">
+                    <a:pos x="T10" y="T11"/>
+                  </a:cxn>
+                </a:cxnLst>
+                <a:rect l="0" t="0" r="r" b="b"/>
+                <a:pathLst>
+                  <a:path w="3564000" h="3564000" stroke="0">
+                    <a:moveTo>
+                      <a:pt x="1782000" y="0"/>
+                    </a:moveTo>
+                    <a:cubicBezTo>
+                      <a:pt x="2317073" y="0"/>
+                      <a:pt x="2823827" y="240435"/>
+                      <a:pt x="3162262" y="654880"/>
+                    </a:cubicBezTo>
+                    <a:lnTo>
+                      <a:pt x="1782000" y="1782000"/>
+                    </a:lnTo>
+                    <a:lnTo>
+                      <a:pt x="1782000" y="0"/>
+                    </a:lnTo>
+                    <a:close/>
+                  </a:path>
+                  <a:path w="3564000" h="3564000" fill="none">
+                    <a:moveTo>
+                      <a:pt x="1782000" y="0"/>
+                    </a:moveTo>
+                    <a:cubicBezTo>
+                      <a:pt x="2317073" y="0"/>
+                      <a:pt x="2823827" y="240435"/>
+                      <a:pt x="3162262" y="654880"/>
+                    </a:cubicBezTo>
+                  </a:path>
+                </a:pathLst>
+              </a:custGeom>
+              <a:noFill/>
+              <a:ln w="6350" cap="flat" cmpd="sng">
+                <a:solidFill>
+                  <a:schemeClr val="bg1">
+                    <a:alpha val="52156"/>
+                  </a:schemeClr>
+                </a:solidFill>
+                <a:round/>
+              </a:ln>
+              <a:extLst>
+                <a:ext uri="{909E8E84-426E-40DD-AFC4-6F175D3DCCD1}">
+                  <a14:hiddenFill xmlns:a14="http://schemas.microsoft.com/office/drawing/2010/main">
+                    <a:solidFill>
+                      <a:srgbClr val="FFFFFF"/>
+                    </a:solidFill>
+                  </a14:hiddenFill>
+                </a:ext>
+              </a:extLst>
+            </p:spPr>
+            <p:txBody>
+              <a:bodyPr anchor="ctr"/>
+              <a:lstStyle/>
+              <a:p>
+                <a:endParaRPr lang="zh-CN" altLang="en-US"/>
+              </a:p>
+            </p:txBody>
+          </p:sp>
+          <p:sp>
+            <p:nvSpPr>
+              <p:cNvPr id="3104" name="弧形 20"/>
+              <p:cNvSpPr/>
+              <p:nvPr/>
+            </p:nvSpPr>
+            <p:spPr bwMode="auto">
+              <a:xfrm rot="9295065">
+                <a:off x="42098" y="6272"/>
+                <a:ext cx="3564000" cy="3564000"/>
+              </a:xfrm>
+              <a:custGeom>
+                <a:avLst/>
+                <a:gdLst>
+                  <a:gd name="T0" fmla="*/ 1782000 w 3564000"/>
+                  <a:gd name="T1" fmla="*/ 0 h 3564000"/>
+                  <a:gd name="T2" fmla="*/ 3404808 w 3564000"/>
+                  <a:gd name="T3" fmla="*/ 1045781 h 3564000"/>
+                  <a:gd name="T4" fmla="*/ 1782000 w 3564000"/>
+                  <a:gd name="T5" fmla="*/ 1782000 h 3564000"/>
+                  <a:gd name="T6" fmla="*/ 1782000 w 3564000"/>
+                  <a:gd name="T7" fmla="*/ 0 h 3564000"/>
+                  <a:gd name="T8" fmla="*/ 1782000 w 3564000"/>
+                  <a:gd name="T9" fmla="*/ 0 h 3564000"/>
+                  <a:gd name="T10" fmla="*/ 3404808 w 3564000"/>
+                  <a:gd name="T11" fmla="*/ 1045781 h 3564000"/>
+                  <a:gd name="T12" fmla="*/ 0 60000 65536"/>
+                  <a:gd name="T13" fmla="*/ 0 60000 65536"/>
+                  <a:gd name="T14" fmla="*/ 0 60000 65536"/>
+                  <a:gd name="T15" fmla="*/ 0 60000 65536"/>
+                  <a:gd name="T16" fmla="*/ 0 60000 65536"/>
+                  <a:gd name="T17" fmla="*/ 0 60000 65536"/>
+                </a:gdLst>
+                <a:ahLst/>
+                <a:cxnLst>
+                  <a:cxn ang="T12">
+                    <a:pos x="T0" y="T1"/>
+                  </a:cxn>
+                  <a:cxn ang="T13">
+                    <a:pos x="T2" y="T3"/>
+                  </a:cxn>
+                  <a:cxn ang="T14">
+                    <a:pos x="T4" y="T5"/>
+                  </a:cxn>
+                  <a:cxn ang="T15">
+                    <a:pos x="T6" y="T7"/>
+                  </a:cxn>
+                  <a:cxn ang="T16">
+                    <a:pos x="T8" y="T9"/>
+                  </a:cxn>
+                  <a:cxn ang="T17">
+                    <a:pos x="T10" y="T11"/>
+                  </a:cxn>
+                </a:cxnLst>
+                <a:rect l="0" t="0" r="r" b="b"/>
+                <a:pathLst>
+                  <a:path w="3564000" h="3564000" stroke="0">
+                    <a:moveTo>
+                      <a:pt x="1782000" y="0"/>
+                    </a:moveTo>
+                    <a:cubicBezTo>
+                      <a:pt x="2481268" y="0"/>
+                      <a:pt x="3115911" y="408981"/>
+                      <a:pt x="3404808" y="1045781"/>
+                    </a:cubicBezTo>
+                    <a:lnTo>
+                      <a:pt x="1782000" y="1782000"/>
+                    </a:lnTo>
+                    <a:lnTo>
+                      <a:pt x="1782000" y="0"/>
+                    </a:lnTo>
+                    <a:close/>
+                  </a:path>
+                  <a:path w="3564000" h="3564000" fill="none">
+                    <a:moveTo>
+                      <a:pt x="1782000" y="0"/>
+                    </a:moveTo>
+                    <a:cubicBezTo>
+                      <a:pt x="2481268" y="0"/>
+                      <a:pt x="3115911" y="408981"/>
+                      <a:pt x="3404808" y="1045781"/>
+                    </a:cubicBezTo>
+                  </a:path>
+                </a:pathLst>
+              </a:custGeom>
+              <a:noFill/>
+              <a:ln w="6350" cap="flat" cmpd="sng">
+                <a:solidFill>
+                  <a:schemeClr val="bg1">
+                    <a:alpha val="52156"/>
+                  </a:schemeClr>
+                </a:solidFill>
+                <a:round/>
+              </a:ln>
+              <a:extLst>
+                <a:ext uri="{909E8E84-426E-40DD-AFC4-6F175D3DCCD1}">
+                  <a14:hiddenFill xmlns:a14="http://schemas.microsoft.com/office/drawing/2010/main">
+                    <a:solidFill>
+                      <a:srgbClr val="FFFFFF"/>
+                    </a:solidFill>
+                  </a14:hiddenFill>
+                </a:ext>
+              </a:extLst>
+            </p:spPr>
+            <p:txBody>
+              <a:bodyPr anchor="ctr"/>
+              <a:lstStyle/>
+              <a:p>
+                <a:endParaRPr lang="zh-CN" altLang="en-US"/>
+              </a:p>
+            </p:txBody>
+          </p:sp>
+        </p:grpSp>
+        <p:sp>
+          <p:nvSpPr>
+            <p:cNvPr id="3081" name="椭圆 153"/>
+            <p:cNvSpPr>
+              <a:spLocks noChangeArrowheads="1"/>
+            </p:cNvSpPr>
+            <p:nvPr/>
+          </p:nvSpPr>
+          <p:spPr bwMode="auto">
+            <a:xfrm>
+              <a:off x="0" y="1955800"/>
+              <a:ext cx="93077" cy="93077"/>
+            </a:xfrm>
+            <a:prstGeom prst="ellipse">
+              <a:avLst/>
+            </a:prstGeom>
+            <a:solidFill>
+              <a:schemeClr val="bg1">
+                <a:alpha val="39999"/>
+              </a:schemeClr>
+            </a:solidFill>
+            <a:ln>
+              <a:noFill/>
+            </a:ln>
+            <a:extLst>
+              <a:ext uri="{91240B29-F687-4F45-9708-019B960494DF}">
+                <a14:hiddenLine xmlns:a14="http://schemas.microsoft.com/office/drawing/2010/main" w="9525">
+                  <a:solidFill>
+                    <a:srgbClr val="000000"/>
+                  </a:solidFill>
+                  <a:round/>
+                </a14:hiddenLine>
+              </a:ext>
+            </a:extLst>
+          </p:spPr>
+          <p:txBody>
+            <a:bodyPr anchor="ctr"/>
+            <a:lstStyle/>
+            <a:p>
+              <a:pPr algn="ctr" eaLnBrk="1" hangingPunct="1"/>
+              <a:endParaRPr lang="zh-CN" altLang="en-US">
+                <a:solidFill>
+                  <a:srgbClr val="FFFFFF"/>
+                </a:solidFill>
+              </a:endParaRPr>
+            </a:p>
+          </p:txBody>
+        </p:sp>
+        <p:sp>
+          <p:nvSpPr>
+            <p:cNvPr id="3082" name="椭圆 154"/>
+            <p:cNvSpPr>
+              <a:spLocks noChangeArrowheads="1"/>
+            </p:cNvSpPr>
+            <p:nvPr/>
+          </p:nvSpPr>
+          <p:spPr bwMode="auto">
+            <a:xfrm>
+              <a:off x="95724" y="1351425"/>
+              <a:ext cx="93077" cy="93077"/>
+            </a:xfrm>
+            <a:prstGeom prst="ellipse">
+              <a:avLst/>
+            </a:prstGeom>
+            <a:solidFill>
+              <a:schemeClr val="bg1">
+                <a:alpha val="39999"/>
+              </a:schemeClr>
+            </a:solidFill>
+            <a:ln>
+              <a:noFill/>
+            </a:ln>
+            <a:extLst>
+              <a:ext uri="{91240B29-F687-4F45-9708-019B960494DF}">
+                <a14:hiddenLine xmlns:a14="http://schemas.microsoft.com/office/drawing/2010/main" w="9525">
+                  <a:solidFill>
+                    <a:srgbClr val="000000"/>
+                  </a:solidFill>
+                  <a:round/>
+                </a14:hiddenLine>
+              </a:ext>
+            </a:extLst>
+          </p:spPr>
+          <p:txBody>
+            <a:bodyPr anchor="ctr"/>
+            <a:lstStyle/>
+            <a:p>
+              <a:pPr algn="ctr" eaLnBrk="1" hangingPunct="1"/>
+              <a:endParaRPr lang="zh-CN" altLang="en-US">
+                <a:solidFill>
+                  <a:srgbClr val="FFFFFF"/>
+                </a:solidFill>
+              </a:endParaRPr>
+            </a:p>
+          </p:txBody>
+        </p:sp>
+        <p:sp>
+          <p:nvSpPr>
+            <p:cNvPr id="3083" name="椭圆 155"/>
+            <p:cNvSpPr>
+              <a:spLocks noChangeArrowheads="1"/>
+            </p:cNvSpPr>
+            <p:nvPr/>
+          </p:nvSpPr>
+          <p:spPr bwMode="auto">
+            <a:xfrm>
+              <a:off x="373525" y="806210"/>
+              <a:ext cx="93077" cy="93077"/>
+            </a:xfrm>
+            <a:prstGeom prst="ellipse">
+              <a:avLst/>
+            </a:prstGeom>
+            <a:solidFill>
+              <a:schemeClr val="bg1">
+                <a:alpha val="39999"/>
+              </a:schemeClr>
+            </a:solidFill>
+            <a:ln>
+              <a:noFill/>
+            </a:ln>
+            <a:extLst>
+              <a:ext uri="{91240B29-F687-4F45-9708-019B960494DF}">
+                <a14:hiddenLine xmlns:a14="http://schemas.microsoft.com/office/drawing/2010/main" w="9525">
+                  <a:solidFill>
+                    <a:srgbClr val="000000"/>
+                  </a:solidFill>
+                  <a:round/>
+                </a14:hiddenLine>
+              </a:ext>
+            </a:extLst>
+          </p:spPr>
+          <p:txBody>
+            <a:bodyPr anchor="ctr"/>
+            <a:lstStyle/>
+            <a:p>
+              <a:pPr algn="ctr" eaLnBrk="1" hangingPunct="1"/>
+              <a:endParaRPr lang="zh-CN" altLang="en-US">
+                <a:solidFill>
+                  <a:srgbClr val="FFFFFF"/>
+                </a:solidFill>
+              </a:endParaRPr>
+            </a:p>
+          </p:txBody>
+        </p:sp>
+        <p:sp>
+          <p:nvSpPr>
+            <p:cNvPr id="3084" name="椭圆 156"/>
+            <p:cNvSpPr>
+              <a:spLocks noChangeArrowheads="1"/>
+            </p:cNvSpPr>
+            <p:nvPr/>
+          </p:nvSpPr>
+          <p:spPr bwMode="auto">
+            <a:xfrm>
+              <a:off x="806210" y="373525"/>
+              <a:ext cx="93077" cy="93077"/>
+            </a:xfrm>
+            <a:prstGeom prst="ellipse">
+              <a:avLst/>
+            </a:prstGeom>
+            <a:solidFill>
+              <a:schemeClr val="bg1">
+                <a:alpha val="39999"/>
+              </a:schemeClr>
+            </a:solidFill>
+            <a:ln>
+              <a:noFill/>
+            </a:ln>
+            <a:extLst>
+              <a:ext uri="{91240B29-F687-4F45-9708-019B960494DF}">
+                <a14:hiddenLine xmlns:a14="http://schemas.microsoft.com/office/drawing/2010/main" w="9525">
+                  <a:solidFill>
+                    <a:srgbClr val="000000"/>
+                  </a:solidFill>
+                  <a:round/>
+                </a14:hiddenLine>
+              </a:ext>
+            </a:extLst>
+          </p:spPr>
+          <p:txBody>
+            <a:bodyPr anchor="ctr"/>
+            <a:lstStyle/>
+            <a:p>
+              <a:pPr algn="ctr" eaLnBrk="1" hangingPunct="1"/>
+              <a:endParaRPr lang="zh-CN" altLang="en-US">
+                <a:solidFill>
+                  <a:srgbClr val="FFFFFF"/>
+                </a:solidFill>
+              </a:endParaRPr>
+            </a:p>
+          </p:txBody>
+        </p:sp>
+        <p:sp>
+          <p:nvSpPr>
+            <p:cNvPr id="3085" name="椭圆 157"/>
+            <p:cNvSpPr>
+              <a:spLocks noChangeArrowheads="1"/>
+            </p:cNvSpPr>
+            <p:nvPr/>
+          </p:nvSpPr>
+          <p:spPr bwMode="auto">
+            <a:xfrm>
+              <a:off x="1351425" y="95724"/>
+              <a:ext cx="93077" cy="93077"/>
+            </a:xfrm>
+            <a:prstGeom prst="ellipse">
+              <a:avLst/>
+            </a:prstGeom>
+            <a:solidFill>
+              <a:schemeClr val="bg1">
+                <a:alpha val="39999"/>
+              </a:schemeClr>
+            </a:solidFill>
+            <a:ln>
+              <a:noFill/>
+            </a:ln>
+            <a:extLst>
+              <a:ext uri="{91240B29-F687-4F45-9708-019B960494DF}">
+                <a14:hiddenLine xmlns:a14="http://schemas.microsoft.com/office/drawing/2010/main" w="9525">
+                  <a:solidFill>
+                    <a:srgbClr val="000000"/>
+                  </a:solidFill>
+                  <a:round/>
+                </a14:hiddenLine>
+              </a:ext>
+            </a:extLst>
+          </p:spPr>
+          <p:txBody>
+            <a:bodyPr anchor="ctr"/>
+            <a:lstStyle/>
+            <a:p>
+              <a:pPr algn="ctr" eaLnBrk="1" hangingPunct="1"/>
+              <a:endParaRPr lang="zh-CN" altLang="en-US">
+                <a:solidFill>
+                  <a:srgbClr val="FFFFFF"/>
+                </a:solidFill>
+              </a:endParaRPr>
+            </a:p>
+          </p:txBody>
+        </p:sp>
+        <p:sp>
+          <p:nvSpPr>
+            <p:cNvPr id="3086" name="椭圆 158"/>
+            <p:cNvSpPr>
+              <a:spLocks noChangeArrowheads="1"/>
+            </p:cNvSpPr>
+            <p:nvPr/>
+          </p:nvSpPr>
+          <p:spPr bwMode="auto">
+            <a:xfrm>
+              <a:off x="1955800" y="0"/>
+              <a:ext cx="93077" cy="93077"/>
+            </a:xfrm>
+            <a:prstGeom prst="ellipse">
+              <a:avLst/>
+            </a:prstGeom>
+            <a:solidFill>
+              <a:schemeClr val="bg1">
+                <a:alpha val="39999"/>
+              </a:schemeClr>
+            </a:solidFill>
+            <a:ln>
+              <a:noFill/>
+            </a:ln>
+            <a:extLst>
+              <a:ext uri="{91240B29-F687-4F45-9708-019B960494DF}">
+                <a14:hiddenLine xmlns:a14="http://schemas.microsoft.com/office/drawing/2010/main" w="9525">
+                  <a:solidFill>
+                    <a:srgbClr val="000000"/>
+                  </a:solidFill>
+                  <a:round/>
+                </a14:hiddenLine>
+              </a:ext>
+            </a:extLst>
+          </p:spPr>
+          <p:txBody>
+            <a:bodyPr anchor="ctr"/>
+            <a:lstStyle/>
+            <a:p>
+              <a:pPr algn="ctr" eaLnBrk="1" hangingPunct="1"/>
+              <a:endParaRPr lang="zh-CN" altLang="en-US">
+                <a:solidFill>
+                  <a:srgbClr val="FFFFFF"/>
+                </a:solidFill>
+              </a:endParaRPr>
+            </a:p>
+          </p:txBody>
+        </p:sp>
+        <p:sp>
+          <p:nvSpPr>
+            <p:cNvPr id="3087" name="椭圆 159"/>
+            <p:cNvSpPr>
+              <a:spLocks noChangeArrowheads="1"/>
+            </p:cNvSpPr>
+            <p:nvPr/>
+          </p:nvSpPr>
+          <p:spPr bwMode="auto">
+            <a:xfrm>
+              <a:off x="2560176" y="95724"/>
+              <a:ext cx="93077" cy="93077"/>
+            </a:xfrm>
+            <a:prstGeom prst="ellipse">
+              <a:avLst/>
+            </a:prstGeom>
+            <a:solidFill>
+              <a:schemeClr val="bg1">
+                <a:alpha val="39999"/>
+              </a:schemeClr>
+            </a:solidFill>
+            <a:ln>
+              <a:noFill/>
+            </a:ln>
+            <a:extLst>
+              <a:ext uri="{91240B29-F687-4F45-9708-019B960494DF}">
+                <a14:hiddenLine xmlns:a14="http://schemas.microsoft.com/office/drawing/2010/main" w="9525">
+                  <a:solidFill>
+                    <a:srgbClr val="000000"/>
+                  </a:solidFill>
+                  <a:round/>
+                </a14:hiddenLine>
+              </a:ext>
+            </a:extLst>
+          </p:spPr>
+          <p:txBody>
+            <a:bodyPr anchor="ctr"/>
+            <a:lstStyle/>
+            <a:p>
+              <a:pPr algn="ctr" eaLnBrk="1" hangingPunct="1"/>
+              <a:endParaRPr lang="zh-CN" altLang="en-US">
+                <a:solidFill>
+                  <a:srgbClr val="FFFFFF"/>
+                </a:solidFill>
+              </a:endParaRPr>
+            </a:p>
+          </p:txBody>
+        </p:sp>
+        <p:sp>
+          <p:nvSpPr>
+            <p:cNvPr id="3088" name="椭圆 160"/>
+            <p:cNvSpPr>
+              <a:spLocks noChangeArrowheads="1"/>
+            </p:cNvSpPr>
+            <p:nvPr/>
+          </p:nvSpPr>
+          <p:spPr bwMode="auto">
+            <a:xfrm>
+              <a:off x="3105391" y="373525"/>
+              <a:ext cx="93077" cy="93077"/>
+            </a:xfrm>
+            <a:prstGeom prst="ellipse">
+              <a:avLst/>
+            </a:prstGeom>
+            <a:solidFill>
+              <a:schemeClr val="bg1">
+                <a:alpha val="39999"/>
+              </a:schemeClr>
+            </a:solidFill>
+            <a:ln>
+              <a:noFill/>
+            </a:ln>
+            <a:extLst>
+              <a:ext uri="{91240B29-F687-4F45-9708-019B960494DF}">
+                <a14:hiddenLine xmlns:a14="http://schemas.microsoft.com/office/drawing/2010/main" w="9525">
+                  <a:solidFill>
+                    <a:srgbClr val="000000"/>
+                  </a:solidFill>
+                  <a:round/>
+                </a14:hiddenLine>
+              </a:ext>
+            </a:extLst>
+          </p:spPr>
+          <p:txBody>
+            <a:bodyPr anchor="ctr"/>
+            <a:lstStyle/>
+            <a:p>
+              <a:pPr algn="ctr" eaLnBrk="1" hangingPunct="1"/>
+              <a:endParaRPr lang="zh-CN" altLang="en-US">
+                <a:solidFill>
+                  <a:srgbClr val="FFFFFF"/>
+                </a:solidFill>
+              </a:endParaRPr>
+            </a:p>
+          </p:txBody>
+        </p:sp>
+        <p:sp>
+          <p:nvSpPr>
+            <p:cNvPr id="3089" name="椭圆 161"/>
+            <p:cNvSpPr>
+              <a:spLocks noChangeArrowheads="1"/>
+            </p:cNvSpPr>
+            <p:nvPr/>
+          </p:nvSpPr>
+          <p:spPr bwMode="auto">
+            <a:xfrm>
+              <a:off x="3538076" y="806210"/>
+              <a:ext cx="93077" cy="93077"/>
+            </a:xfrm>
+            <a:prstGeom prst="ellipse">
+              <a:avLst/>
+            </a:prstGeom>
+            <a:solidFill>
+              <a:schemeClr val="bg1">
+                <a:alpha val="39999"/>
+              </a:schemeClr>
+            </a:solidFill>
+            <a:ln>
+              <a:noFill/>
+            </a:ln>
+            <a:extLst>
+              <a:ext uri="{91240B29-F687-4F45-9708-019B960494DF}">
+                <a14:hiddenLine xmlns:a14="http://schemas.microsoft.com/office/drawing/2010/main" w="9525">
+                  <a:solidFill>
+                    <a:srgbClr val="000000"/>
+                  </a:solidFill>
+                  <a:round/>
+                </a14:hiddenLine>
+              </a:ext>
+            </a:extLst>
+          </p:spPr>
+          <p:txBody>
+            <a:bodyPr anchor="ctr"/>
+            <a:lstStyle/>
+            <a:p>
+              <a:pPr algn="ctr" eaLnBrk="1" hangingPunct="1"/>
+              <a:endParaRPr lang="zh-CN" altLang="en-US">
+                <a:solidFill>
+                  <a:srgbClr val="FFFFFF"/>
+                </a:solidFill>
+              </a:endParaRPr>
+            </a:p>
+          </p:txBody>
+        </p:sp>
+        <p:sp>
+          <p:nvSpPr>
+            <p:cNvPr id="3090" name="椭圆 162"/>
+            <p:cNvSpPr>
+              <a:spLocks noChangeArrowheads="1"/>
+            </p:cNvSpPr>
+            <p:nvPr/>
+          </p:nvSpPr>
+          <p:spPr bwMode="auto">
+            <a:xfrm>
+              <a:off x="3815876" y="1351425"/>
+              <a:ext cx="93077" cy="93077"/>
+            </a:xfrm>
+            <a:prstGeom prst="ellipse">
+              <a:avLst/>
+            </a:prstGeom>
+            <a:solidFill>
+              <a:schemeClr val="bg1">
+                <a:alpha val="39999"/>
+              </a:schemeClr>
+            </a:solidFill>
+            <a:ln>
+              <a:noFill/>
+            </a:ln>
+            <a:extLst>
+              <a:ext uri="{91240B29-F687-4F45-9708-019B960494DF}">
+                <a14:hiddenLine xmlns:a14="http://schemas.microsoft.com/office/drawing/2010/main" w="9525">
+                  <a:solidFill>
+                    <a:srgbClr val="000000"/>
+                  </a:solidFill>
+                  <a:round/>
+                </a14:hiddenLine>
+              </a:ext>
+            </a:extLst>
+          </p:spPr>
+          <p:txBody>
+            <a:bodyPr anchor="ctr"/>
+            <a:lstStyle/>
+            <a:p>
+              <a:pPr algn="ctr" eaLnBrk="1" hangingPunct="1"/>
+              <a:endParaRPr lang="zh-CN" altLang="en-US">
+                <a:solidFill>
+                  <a:srgbClr val="FFFFFF"/>
+                </a:solidFill>
+              </a:endParaRPr>
+            </a:p>
+          </p:txBody>
+        </p:sp>
+        <p:sp>
+          <p:nvSpPr>
+            <p:cNvPr id="3091" name="椭圆 163"/>
+            <p:cNvSpPr>
+              <a:spLocks noChangeArrowheads="1"/>
+            </p:cNvSpPr>
+            <p:nvPr/>
+          </p:nvSpPr>
+          <p:spPr bwMode="auto">
+            <a:xfrm>
+              <a:off x="3911600" y="1955800"/>
+              <a:ext cx="93077" cy="93077"/>
+            </a:xfrm>
+            <a:prstGeom prst="ellipse">
+              <a:avLst/>
+            </a:prstGeom>
+            <a:solidFill>
+              <a:schemeClr val="bg1">
+                <a:alpha val="39999"/>
+              </a:schemeClr>
+            </a:solidFill>
+            <a:ln>
+              <a:noFill/>
+            </a:ln>
+            <a:extLst>
+              <a:ext uri="{91240B29-F687-4F45-9708-019B960494DF}">
+                <a14:hiddenLine xmlns:a14="http://schemas.microsoft.com/office/drawing/2010/main" w="9525">
+                  <a:solidFill>
+                    <a:srgbClr val="000000"/>
+                  </a:solidFill>
+                  <a:round/>
+                </a14:hiddenLine>
+              </a:ext>
+            </a:extLst>
+          </p:spPr>
+          <p:txBody>
+            <a:bodyPr anchor="ctr"/>
+            <a:lstStyle/>
+            <a:p>
+              <a:pPr algn="ctr" eaLnBrk="1" hangingPunct="1"/>
+              <a:endParaRPr lang="zh-CN" altLang="en-US">
+                <a:solidFill>
+                  <a:srgbClr val="FFFFFF"/>
+                </a:solidFill>
+              </a:endParaRPr>
+            </a:p>
+          </p:txBody>
+        </p:sp>
+        <p:sp>
+          <p:nvSpPr>
+            <p:cNvPr id="3092" name="椭圆 164"/>
+            <p:cNvSpPr>
+              <a:spLocks noChangeArrowheads="1"/>
+            </p:cNvSpPr>
+            <p:nvPr/>
+          </p:nvSpPr>
+          <p:spPr bwMode="auto">
+            <a:xfrm>
+              <a:off x="3815876" y="2560175"/>
+              <a:ext cx="93077" cy="93077"/>
+            </a:xfrm>
+            <a:prstGeom prst="ellipse">
+              <a:avLst/>
+            </a:prstGeom>
+            <a:solidFill>
+              <a:schemeClr val="bg1">
+                <a:alpha val="39999"/>
+              </a:schemeClr>
+            </a:solidFill>
+            <a:ln>
+              <a:noFill/>
+            </a:ln>
+            <a:extLst>
+              <a:ext uri="{91240B29-F687-4F45-9708-019B960494DF}">
+                <a14:hiddenLine xmlns:a14="http://schemas.microsoft.com/office/drawing/2010/main" w="9525">
+                  <a:solidFill>
+                    <a:srgbClr val="000000"/>
+                  </a:solidFill>
+                  <a:round/>
+                </a14:hiddenLine>
+              </a:ext>
+            </a:extLst>
+          </p:spPr>
+          <p:txBody>
+            <a:bodyPr anchor="ctr"/>
+            <a:lstStyle/>
+            <a:p>
+              <a:pPr algn="ctr" eaLnBrk="1" hangingPunct="1"/>
+              <a:endParaRPr lang="zh-CN" altLang="en-US">
+                <a:solidFill>
+                  <a:srgbClr val="FFFFFF"/>
+                </a:solidFill>
+              </a:endParaRPr>
+            </a:p>
+          </p:txBody>
+        </p:sp>
+        <p:sp>
+          <p:nvSpPr>
+            <p:cNvPr id="3093" name="椭圆 165"/>
+            <p:cNvSpPr>
+              <a:spLocks noChangeArrowheads="1"/>
+            </p:cNvSpPr>
+            <p:nvPr/>
+          </p:nvSpPr>
+          <p:spPr bwMode="auto">
+            <a:xfrm>
+              <a:off x="3538076" y="3105391"/>
+              <a:ext cx="93077" cy="93077"/>
+            </a:xfrm>
+            <a:prstGeom prst="ellipse">
+              <a:avLst/>
+            </a:prstGeom>
+            <a:solidFill>
+              <a:schemeClr val="bg1">
+                <a:alpha val="39999"/>
+              </a:schemeClr>
+            </a:solidFill>
+            <a:ln>
+              <a:noFill/>
+            </a:ln>
+            <a:extLst>
+              <a:ext uri="{91240B29-F687-4F45-9708-019B960494DF}">
+                <a14:hiddenLine xmlns:a14="http://schemas.microsoft.com/office/drawing/2010/main" w="9525">
+                  <a:solidFill>
+                    <a:srgbClr val="000000"/>
+                  </a:solidFill>
+                  <a:round/>
+                </a14:hiddenLine>
+              </a:ext>
+            </a:extLst>
+          </p:spPr>
+          <p:txBody>
+            <a:bodyPr anchor="ctr"/>
+            <a:lstStyle/>
+            <a:p>
+              <a:pPr algn="ctr" eaLnBrk="1" hangingPunct="1"/>
+              <a:endParaRPr lang="zh-CN" altLang="en-US">
+                <a:solidFill>
+                  <a:srgbClr val="FFFFFF"/>
+                </a:solidFill>
+              </a:endParaRPr>
+            </a:p>
+          </p:txBody>
+        </p:sp>
+        <p:sp>
+          <p:nvSpPr>
+            <p:cNvPr id="3094" name="椭圆 166"/>
+            <p:cNvSpPr>
+              <a:spLocks noChangeArrowheads="1"/>
+            </p:cNvSpPr>
+            <p:nvPr/>
+          </p:nvSpPr>
+          <p:spPr bwMode="auto">
+            <a:xfrm>
+              <a:off x="3105391" y="3538075"/>
+              <a:ext cx="93077" cy="93077"/>
+            </a:xfrm>
+            <a:prstGeom prst="ellipse">
+              <a:avLst/>
+            </a:prstGeom>
+            <a:solidFill>
+              <a:schemeClr val="bg1">
+                <a:alpha val="39999"/>
+              </a:schemeClr>
+            </a:solidFill>
+            <a:ln>
+              <a:noFill/>
+            </a:ln>
+            <a:extLst>
+              <a:ext uri="{91240B29-F687-4F45-9708-019B960494DF}">
+                <a14:hiddenLine xmlns:a14="http://schemas.microsoft.com/office/drawing/2010/main" w="9525">
+                  <a:solidFill>
+                    <a:srgbClr val="000000"/>
+                  </a:solidFill>
+                  <a:round/>
+                </a14:hiddenLine>
+              </a:ext>
+            </a:extLst>
+          </p:spPr>
+          <p:txBody>
+            <a:bodyPr anchor="ctr"/>
+            <a:lstStyle/>
+            <a:p>
+              <a:pPr algn="ctr" eaLnBrk="1" hangingPunct="1"/>
+              <a:endParaRPr lang="zh-CN" altLang="en-US">
+                <a:solidFill>
+                  <a:srgbClr val="FFFFFF"/>
+                </a:solidFill>
+              </a:endParaRPr>
+            </a:p>
+          </p:txBody>
+        </p:sp>
+        <p:sp>
+          <p:nvSpPr>
+            <p:cNvPr id="3095" name="椭圆 167"/>
+            <p:cNvSpPr>
+              <a:spLocks noChangeArrowheads="1"/>
+            </p:cNvSpPr>
+            <p:nvPr/>
+          </p:nvSpPr>
+          <p:spPr bwMode="auto">
+            <a:xfrm>
+              <a:off x="2560176" y="3815876"/>
+              <a:ext cx="93077" cy="93077"/>
+            </a:xfrm>
+            <a:prstGeom prst="ellipse">
+              <a:avLst/>
+            </a:prstGeom>
+            <a:solidFill>
+              <a:schemeClr val="bg1">
+                <a:alpha val="39999"/>
+              </a:schemeClr>
+            </a:solidFill>
+            <a:ln>
+              <a:noFill/>
+            </a:ln>
+            <a:extLst>
+              <a:ext uri="{91240B29-F687-4F45-9708-019B960494DF}">
+                <a14:hiddenLine xmlns:a14="http://schemas.microsoft.com/office/drawing/2010/main" w="9525">
+                  <a:solidFill>
+                    <a:srgbClr val="000000"/>
+                  </a:solidFill>
+                  <a:round/>
+                </a14:hiddenLine>
+              </a:ext>
+            </a:extLst>
+          </p:spPr>
+          <p:txBody>
+            <a:bodyPr anchor="ctr"/>
+            <a:lstStyle/>
+            <a:p>
+              <a:pPr algn="ctr" eaLnBrk="1" hangingPunct="1"/>
+              <a:endParaRPr lang="zh-CN" altLang="en-US">
+                <a:solidFill>
+                  <a:srgbClr val="FFFFFF"/>
+                </a:solidFill>
+              </a:endParaRPr>
+            </a:p>
+          </p:txBody>
+        </p:sp>
+        <p:sp>
+          <p:nvSpPr>
+            <p:cNvPr id="3096" name="椭圆 168"/>
+            <p:cNvSpPr>
+              <a:spLocks noChangeArrowheads="1"/>
+            </p:cNvSpPr>
+            <p:nvPr/>
+          </p:nvSpPr>
+          <p:spPr bwMode="auto">
+            <a:xfrm>
+              <a:off x="1955800" y="3911600"/>
+              <a:ext cx="93077" cy="93077"/>
+            </a:xfrm>
+            <a:prstGeom prst="ellipse">
+              <a:avLst/>
+            </a:prstGeom>
+            <a:solidFill>
+              <a:schemeClr val="bg1">
+                <a:alpha val="39999"/>
+              </a:schemeClr>
+            </a:solidFill>
+            <a:ln>
+              <a:noFill/>
+            </a:ln>
+            <a:extLst>
+              <a:ext uri="{91240B29-F687-4F45-9708-019B960494DF}">
+                <a14:hiddenLine xmlns:a14="http://schemas.microsoft.com/office/drawing/2010/main" w="9525">
+                  <a:solidFill>
+                    <a:srgbClr val="000000"/>
+                  </a:solidFill>
+                  <a:round/>
+                </a14:hiddenLine>
+              </a:ext>
+            </a:extLst>
+          </p:spPr>
+          <p:txBody>
+            <a:bodyPr anchor="ctr"/>
+            <a:lstStyle/>
+            <a:p>
+              <a:pPr algn="ctr" eaLnBrk="1" hangingPunct="1"/>
+              <a:endParaRPr lang="zh-CN" altLang="en-US">
+                <a:solidFill>
+                  <a:srgbClr val="FFFFFF"/>
+                </a:solidFill>
+              </a:endParaRPr>
+            </a:p>
+          </p:txBody>
+        </p:sp>
+        <p:sp>
+          <p:nvSpPr>
+            <p:cNvPr id="3097" name="椭圆 169"/>
+            <p:cNvSpPr>
+              <a:spLocks noChangeArrowheads="1"/>
+            </p:cNvSpPr>
+            <p:nvPr/>
+          </p:nvSpPr>
+          <p:spPr bwMode="auto">
+            <a:xfrm>
+              <a:off x="1351425" y="3815876"/>
+              <a:ext cx="93077" cy="93077"/>
+            </a:xfrm>
+            <a:prstGeom prst="ellipse">
+              <a:avLst/>
+            </a:prstGeom>
+            <a:solidFill>
+              <a:schemeClr val="bg1">
+                <a:alpha val="39999"/>
+              </a:schemeClr>
+            </a:solidFill>
+            <a:ln>
+              <a:noFill/>
+            </a:ln>
+            <a:extLst>
+              <a:ext uri="{91240B29-F687-4F45-9708-019B960494DF}">
+                <a14:hiddenLine xmlns:a14="http://schemas.microsoft.com/office/drawing/2010/main" w="9525">
+                  <a:solidFill>
+                    <a:srgbClr val="000000"/>
+                  </a:solidFill>
+                  <a:round/>
+                </a14:hiddenLine>
+              </a:ext>
+            </a:extLst>
+          </p:spPr>
+          <p:txBody>
+            <a:bodyPr anchor="ctr"/>
+            <a:lstStyle/>
+            <a:p>
+              <a:pPr algn="ctr" eaLnBrk="1" hangingPunct="1"/>
+              <a:endParaRPr lang="zh-CN" altLang="en-US">
+                <a:solidFill>
+                  <a:srgbClr val="FFFFFF"/>
+                </a:solidFill>
+              </a:endParaRPr>
+            </a:p>
+          </p:txBody>
+        </p:sp>
+        <p:sp>
+          <p:nvSpPr>
+            <p:cNvPr id="3098" name="椭圆 170"/>
+            <p:cNvSpPr>
+              <a:spLocks noChangeArrowheads="1"/>
+            </p:cNvSpPr>
+            <p:nvPr/>
+          </p:nvSpPr>
+          <p:spPr bwMode="auto">
+            <a:xfrm>
+              <a:off x="806210" y="3538075"/>
+              <a:ext cx="93077" cy="93077"/>
+            </a:xfrm>
+            <a:prstGeom prst="ellipse">
+              <a:avLst/>
+            </a:prstGeom>
+            <a:solidFill>
+              <a:schemeClr val="bg1">
+                <a:alpha val="39999"/>
+              </a:schemeClr>
+            </a:solidFill>
+            <a:ln>
+              <a:noFill/>
+            </a:ln>
+            <a:extLst>
+              <a:ext uri="{91240B29-F687-4F45-9708-019B960494DF}">
+                <a14:hiddenLine xmlns:a14="http://schemas.microsoft.com/office/drawing/2010/main" w="9525">
+                  <a:solidFill>
+                    <a:srgbClr val="000000"/>
+                  </a:solidFill>
+                  <a:round/>
+                </a14:hiddenLine>
+              </a:ext>
+            </a:extLst>
+          </p:spPr>
+          <p:txBody>
+            <a:bodyPr anchor="ctr"/>
+            <a:lstStyle/>
+            <a:p>
+              <a:pPr algn="ctr" eaLnBrk="1" hangingPunct="1"/>
+              <a:endParaRPr lang="zh-CN" altLang="en-US">
+                <a:solidFill>
+                  <a:srgbClr val="FFFFFF"/>
+                </a:solidFill>
+              </a:endParaRPr>
+            </a:p>
+          </p:txBody>
+        </p:sp>
+        <p:sp>
+          <p:nvSpPr>
+            <p:cNvPr id="3099" name="椭圆 171"/>
+            <p:cNvSpPr>
+              <a:spLocks noChangeArrowheads="1"/>
+            </p:cNvSpPr>
+            <p:nvPr/>
+          </p:nvSpPr>
+          <p:spPr bwMode="auto">
+            <a:xfrm>
+              <a:off x="373525" y="3105391"/>
+              <a:ext cx="93077" cy="93077"/>
+            </a:xfrm>
+            <a:prstGeom prst="ellipse">
+              <a:avLst/>
+            </a:prstGeom>
+            <a:solidFill>
+              <a:schemeClr val="bg1">
+                <a:alpha val="39999"/>
+              </a:schemeClr>
+            </a:solidFill>
+            <a:ln>
+              <a:noFill/>
+            </a:ln>
+            <a:extLst>
+              <a:ext uri="{91240B29-F687-4F45-9708-019B960494DF}">
+                <a14:hiddenLine xmlns:a14="http://schemas.microsoft.com/office/drawing/2010/main" w="9525">
+                  <a:solidFill>
+                    <a:srgbClr val="000000"/>
+                  </a:solidFill>
+                  <a:round/>
+                </a14:hiddenLine>
+              </a:ext>
+            </a:extLst>
+          </p:spPr>
+          <p:txBody>
+            <a:bodyPr anchor="ctr"/>
+            <a:lstStyle/>
+            <a:p>
+              <a:pPr algn="ctr" eaLnBrk="1" hangingPunct="1"/>
+              <a:endParaRPr lang="zh-CN" altLang="en-US">
+                <a:solidFill>
+                  <a:srgbClr val="FFFFFF"/>
+                </a:solidFill>
+              </a:endParaRPr>
+            </a:p>
+          </p:txBody>
+        </p:sp>
+        <p:sp>
+          <p:nvSpPr>
+            <p:cNvPr id="3100" name="椭圆 172"/>
+            <p:cNvSpPr>
+              <a:spLocks noChangeArrowheads="1"/>
+            </p:cNvSpPr>
+            <p:nvPr/>
+          </p:nvSpPr>
+          <p:spPr bwMode="auto">
+            <a:xfrm>
+              <a:off x="95724" y="2560175"/>
+              <a:ext cx="93077" cy="93077"/>
+            </a:xfrm>
+            <a:prstGeom prst="ellipse">
+              <a:avLst/>
+            </a:prstGeom>
+            <a:solidFill>
+              <a:schemeClr val="bg1">
+                <a:alpha val="39999"/>
+              </a:schemeClr>
+            </a:solidFill>
+            <a:ln>
+              <a:noFill/>
+            </a:ln>
+            <a:extLst>
+              <a:ext uri="{91240B29-F687-4F45-9708-019B960494DF}">
+                <a14:hiddenLine xmlns:a14="http://schemas.microsoft.com/office/drawing/2010/main" w="9525">
+                  <a:solidFill>
+                    <a:srgbClr val="000000"/>
+                  </a:solidFill>
+                  <a:round/>
+                </a14:hiddenLine>
+              </a:ext>
+            </a:extLst>
+          </p:spPr>
+          <p:txBody>
+            <a:bodyPr anchor="ctr"/>
+            <a:lstStyle/>
+            <a:p>
+              <a:pPr algn="ctr" eaLnBrk="1" hangingPunct="1"/>
+              <a:endParaRPr lang="zh-CN" altLang="en-US">
+                <a:solidFill>
+                  <a:srgbClr val="FFFFFF"/>
+                </a:solidFill>
+              </a:endParaRPr>
+            </a:p>
+          </p:txBody>
+        </p:sp>
+      </p:grpSp>
+      <p:sp>
+        <p:nvSpPr>
+          <p:cNvPr id="3076" name="文本框 173"/>
+          <p:cNvSpPr txBox="1">
+            <a:spLocks noChangeArrowheads="1"/>
+          </p:cNvSpPr>
+          <p:nvPr/>
+        </p:nvSpPr>
+        <p:spPr bwMode="auto">
+          <a:xfrm>
+            <a:off x="2889250" y="1957388"/>
+            <a:ext cx="1370013" cy="2647950"/>
+          </a:xfrm>
+          <a:prstGeom prst="rect">
+            <a:avLst/>
+          </a:prstGeom>
+          <a:noFill/>
+          <a:ln>
+            <a:noFill/>
+          </a:ln>
+          <a:extLst>
+            <a:ext uri="{909E8E84-426E-40DD-AFC4-6F175D3DCCD1}">
+              <a14:hiddenFill xmlns:a14="http://schemas.microsoft.com/office/drawing/2010/main">
+                <a:solidFill>
+                  <a:srgbClr val="FFFFFF"/>
+                </a:solidFill>
+              </a14:hiddenFill>
+            </a:ext>
+            <a:ext uri="{91240B29-F687-4F45-9708-019B960494DF}">
+              <a14:hiddenLine xmlns:a14="http://schemas.microsoft.com/office/drawing/2010/main" w="9525">
+                <a:solidFill>
+                  <a:srgbClr val="000000"/>
+                </a:solidFill>
+                <a:miter lim="800000"/>
+                <a:headEnd/>
+                <a:tailEnd/>
+              </a14:hiddenLine>
+            </a:ext>
+          </a:extLst>
+        </p:spPr>
+        <p:txBody>
+          <a:bodyPr wrap="none">
+            <a:spAutoFit/>
+          </a:bodyPr>
+          <a:lstStyle>
+            <a:lvl1pPr>
+              <a:defRPr>
+                <a:solidFill>
+                  <a:schemeClr val="tx1"/>
+                </a:solidFill>
+                <a:latin typeface="Calibri" panose="020F0502020204030204" pitchFamily="34" charset="0"/>
+                <a:ea typeface="宋体" panose="02010600030101010101" pitchFamily="2" charset="-122"/>
+              </a:defRPr>
+            </a:lvl1pPr>
+            <a:lvl2pPr marL="742950" indent="-285750">
+              <a:defRPr>
+                <a:solidFill>
+                  <a:schemeClr val="tx1"/>
+                </a:solidFill>
+                <a:latin typeface="Calibri" panose="020F0502020204030204" pitchFamily="34" charset="0"/>
+                <a:ea typeface="宋体" panose="02010600030101010101" pitchFamily="2" charset="-122"/>
+              </a:defRPr>
+            </a:lvl2pPr>
+            <a:lvl3pPr marL="1143000" indent="-228600">
+              <a:defRPr>
+                <a:solidFill>
+                  <a:schemeClr val="tx1"/>
+                </a:solidFill>
+                <a:latin typeface="Calibri" panose="020F0502020204030204" pitchFamily="34" charset="0"/>
+                <a:ea typeface="宋体" panose="02010600030101010101" pitchFamily="2" charset="-122"/>
+              </a:defRPr>
+            </a:lvl3pPr>
+            <a:lvl4pPr marL="1600200" indent="-228600">
+              <a:defRPr>
+                <a:solidFill>
+                  <a:schemeClr val="tx1"/>
+                </a:solidFill>
+                <a:latin typeface="Calibri" panose="020F0502020204030204" pitchFamily="34" charset="0"/>
+                <a:ea typeface="宋体" panose="02010600030101010101" pitchFamily="2" charset="-122"/>
+              </a:defRPr>
+            </a:lvl4pPr>
+            <a:lvl5pPr marL="2057400" indent="-228600">
+              <a:defRPr>
+                <a:solidFill>
+                  <a:schemeClr val="tx1"/>
+                </a:solidFill>
+                <a:latin typeface="Calibri" panose="020F0502020204030204" pitchFamily="34" charset="0"/>
+                <a:ea typeface="宋体" panose="02010600030101010101" pitchFamily="2" charset="-122"/>
+              </a:defRPr>
+            </a:lvl5pPr>
+            <a:lvl6pPr marL="2514600" indent="-228600" eaLnBrk="0" fontAlgn="base" hangingPunct="0">
+              <a:spcBef>
+                <a:spcPct val="0"/>
+              </a:spcBef>
+              <a:spcAft>
+                <a:spcPct val="0"/>
+              </a:spcAft>
+              <a:buFont typeface="Arial" panose="020B0604020202020204" pitchFamily="34" charset="0"/>
+              <a:defRPr>
+                <a:solidFill>
+                  <a:schemeClr val="tx1"/>
+                </a:solidFill>
+                <a:latin typeface="Calibri" panose="020F0502020204030204" pitchFamily="34" charset="0"/>
+                <a:ea typeface="宋体" panose="02010600030101010101" pitchFamily="2" charset="-122"/>
+              </a:defRPr>
+            </a:lvl6pPr>
+            <a:lvl7pPr marL="2971800" indent="-228600" eaLnBrk="0" fontAlgn="base" hangingPunct="0">
+              <a:spcBef>
+                <a:spcPct val="0"/>
+              </a:spcBef>
+              <a:spcAft>
+                <a:spcPct val="0"/>
+              </a:spcAft>
+              <a:buFont typeface="Arial" panose="020B0604020202020204" pitchFamily="34" charset="0"/>
+              <a:defRPr>
+                <a:solidFill>
+                  <a:schemeClr val="tx1"/>
+                </a:solidFill>
+                <a:latin typeface="Calibri" panose="020F0502020204030204" pitchFamily="34" charset="0"/>
+                <a:ea typeface="宋体" panose="02010600030101010101" pitchFamily="2" charset="-122"/>
+              </a:defRPr>
+            </a:lvl7pPr>
+            <a:lvl8pPr marL="3429000" indent="-228600" eaLnBrk="0" fontAlgn="base" hangingPunct="0">
+              <a:spcBef>
+                <a:spcPct val="0"/>
+              </a:spcBef>
+              <a:spcAft>
+                <a:spcPct val="0"/>
+              </a:spcAft>
+              <a:buFont typeface="Arial" panose="020B0604020202020204" pitchFamily="34" charset="0"/>
+              <a:defRPr>
+                <a:solidFill>
+                  <a:schemeClr val="tx1"/>
+                </a:solidFill>
+                <a:latin typeface="Calibri" panose="020F0502020204030204" pitchFamily="34" charset="0"/>
+                <a:ea typeface="宋体" panose="02010600030101010101" pitchFamily="2" charset="-122"/>
+              </a:defRPr>
+            </a:lvl8pPr>
+            <a:lvl9pPr marL="3886200" indent="-228600" eaLnBrk="0" fontAlgn="base" hangingPunct="0">
+              <a:spcBef>
+                <a:spcPct val="0"/>
+              </a:spcBef>
+              <a:spcAft>
+                <a:spcPct val="0"/>
+              </a:spcAft>
+              <a:buFont typeface="Arial" panose="020B0604020202020204" pitchFamily="34" charset="0"/>
+              <a:defRPr>
+                <a:solidFill>
+                  <a:schemeClr val="tx1"/>
+                </a:solidFill>
+                <a:latin typeface="Calibri" panose="020F0502020204030204" pitchFamily="34" charset="0"/>
+                <a:ea typeface="宋体" panose="02010600030101010101" pitchFamily="2" charset="-122"/>
+              </a:defRPr>
+            </a:lvl9pPr>
+          </a:lstStyle>
+          <a:p>
+            <a:pPr eaLnBrk="1" hangingPunct="1"/>
+            <a:r>
+              <a:rPr lang="en-US" altLang="zh-CN" sz="16600" b="1" dirty="0" smtClean="0">
+                <a:solidFill>
+                  <a:schemeClr val="bg1"/>
+                </a:solidFill>
+                <a:latin typeface="Arial" panose="020B0604020202020204" pitchFamily="34" charset="0"/>
+                <a:ea typeface="微软雅黑" panose="020B0503020204020204" pitchFamily="34" charset="-122"/>
+              </a:rPr>
+              <a:t>2</a:t>
+            </a:r>
+            <a:endParaRPr lang="zh-CN" altLang="en-US" sz="16600" b="1" dirty="0">
+              <a:solidFill>
+                <a:schemeClr val="bg1"/>
+              </a:solidFill>
+              <a:latin typeface="Arial" panose="020B0604020202020204" pitchFamily="34" charset="0"/>
+              <a:ea typeface="微软雅黑" panose="020B0503020204020204" pitchFamily="34" charset="-122"/>
+            </a:endParaRPr>
+          </a:p>
+        </p:txBody>
+      </p:sp>
+      <p:sp>
+        <p:nvSpPr>
+          <p:cNvPr id="3077" name="文本框 174"/>
+          <p:cNvSpPr txBox="1">
+            <a:spLocks noChangeArrowheads="1"/>
+          </p:cNvSpPr>
+          <p:nvPr/>
+        </p:nvSpPr>
+        <p:spPr bwMode="auto">
+          <a:xfrm>
+            <a:off x="6421437" y="2871497"/>
+            <a:ext cx="2954655" cy="923330"/>
+          </a:xfrm>
+          <a:prstGeom prst="rect">
+            <a:avLst/>
+          </a:prstGeom>
+          <a:noFill/>
+          <a:ln>
+            <a:noFill/>
+          </a:ln>
+          <a:extLst>
+            <a:ext uri="{909E8E84-426E-40DD-AFC4-6F175D3DCCD1}">
+              <a14:hiddenFill xmlns:a14="http://schemas.microsoft.com/office/drawing/2010/main">
+                <a:solidFill>
+                  <a:srgbClr val="FFFFFF"/>
+                </a:solidFill>
+              </a14:hiddenFill>
+            </a:ext>
+            <a:ext uri="{91240B29-F687-4F45-9708-019B960494DF}">
+              <a14:hiddenLine xmlns:a14="http://schemas.microsoft.com/office/drawing/2010/main" w="9525">
+                <a:solidFill>
+                  <a:srgbClr val="000000"/>
+                </a:solidFill>
+                <a:miter lim="800000"/>
+                <a:headEnd/>
+                <a:tailEnd/>
+              </a14:hiddenLine>
+            </a:ext>
+          </a:extLst>
+        </p:spPr>
+        <p:txBody>
+          <a:bodyPr wrap="none">
+            <a:spAutoFit/>
+          </a:bodyPr>
+          <a:lstStyle>
+            <a:lvl1pPr>
+              <a:defRPr>
+                <a:solidFill>
+                  <a:schemeClr val="tx1"/>
+                </a:solidFill>
+                <a:latin typeface="Calibri" panose="020F0502020204030204" pitchFamily="34" charset="0"/>
+                <a:ea typeface="宋体" panose="02010600030101010101" pitchFamily="2" charset="-122"/>
+              </a:defRPr>
+            </a:lvl1pPr>
+            <a:lvl2pPr marL="742950" indent="-285750">
+              <a:defRPr>
+                <a:solidFill>
+                  <a:schemeClr val="tx1"/>
+                </a:solidFill>
+                <a:latin typeface="Calibri" panose="020F0502020204030204" pitchFamily="34" charset="0"/>
+                <a:ea typeface="宋体" panose="02010600030101010101" pitchFamily="2" charset="-122"/>
+              </a:defRPr>
+            </a:lvl2pPr>
+            <a:lvl3pPr marL="1143000" indent="-228600">
+              <a:defRPr>
+                <a:solidFill>
+                  <a:schemeClr val="tx1"/>
+                </a:solidFill>
+                <a:latin typeface="Calibri" panose="020F0502020204030204" pitchFamily="34" charset="0"/>
+                <a:ea typeface="宋体" panose="02010600030101010101" pitchFamily="2" charset="-122"/>
+              </a:defRPr>
+            </a:lvl3pPr>
+            <a:lvl4pPr marL="1600200" indent="-228600">
+              <a:defRPr>
+                <a:solidFill>
+                  <a:schemeClr val="tx1"/>
+                </a:solidFill>
+                <a:latin typeface="Calibri" panose="020F0502020204030204" pitchFamily="34" charset="0"/>
+                <a:ea typeface="宋体" panose="02010600030101010101" pitchFamily="2" charset="-122"/>
+              </a:defRPr>
+            </a:lvl4pPr>
+            <a:lvl5pPr marL="2057400" indent="-228600">
+              <a:defRPr>
+                <a:solidFill>
+                  <a:schemeClr val="tx1"/>
+                </a:solidFill>
+                <a:latin typeface="Calibri" panose="020F0502020204030204" pitchFamily="34" charset="0"/>
+                <a:ea typeface="宋体" panose="02010600030101010101" pitchFamily="2" charset="-122"/>
+              </a:defRPr>
+            </a:lvl5pPr>
+            <a:lvl6pPr marL="2514600" indent="-228600" eaLnBrk="0" fontAlgn="base" hangingPunct="0">
+              <a:spcBef>
+                <a:spcPct val="0"/>
+              </a:spcBef>
+              <a:spcAft>
+                <a:spcPct val="0"/>
+              </a:spcAft>
+              <a:buFont typeface="Arial" panose="020B0604020202020204" pitchFamily="34" charset="0"/>
+              <a:defRPr>
+                <a:solidFill>
+                  <a:schemeClr val="tx1"/>
+                </a:solidFill>
+                <a:latin typeface="Calibri" panose="020F0502020204030204" pitchFamily="34" charset="0"/>
+                <a:ea typeface="宋体" panose="02010600030101010101" pitchFamily="2" charset="-122"/>
+              </a:defRPr>
+            </a:lvl6pPr>
+            <a:lvl7pPr marL="2971800" indent="-228600" eaLnBrk="0" fontAlgn="base" hangingPunct="0">
+              <a:spcBef>
+                <a:spcPct val="0"/>
+              </a:spcBef>
+              <a:spcAft>
+                <a:spcPct val="0"/>
+              </a:spcAft>
+              <a:buFont typeface="Arial" panose="020B0604020202020204" pitchFamily="34" charset="0"/>
+              <a:defRPr>
+                <a:solidFill>
+                  <a:schemeClr val="tx1"/>
+                </a:solidFill>
+                <a:latin typeface="Calibri" panose="020F0502020204030204" pitchFamily="34" charset="0"/>
+                <a:ea typeface="宋体" panose="02010600030101010101" pitchFamily="2" charset="-122"/>
+              </a:defRPr>
+            </a:lvl7pPr>
+            <a:lvl8pPr marL="3429000" indent="-228600" eaLnBrk="0" fontAlgn="base" hangingPunct="0">
+              <a:spcBef>
+                <a:spcPct val="0"/>
+              </a:spcBef>
+              <a:spcAft>
+                <a:spcPct val="0"/>
+              </a:spcAft>
+              <a:buFont typeface="Arial" panose="020B0604020202020204" pitchFamily="34" charset="0"/>
+              <a:defRPr>
+                <a:solidFill>
+                  <a:schemeClr val="tx1"/>
+                </a:solidFill>
+                <a:latin typeface="Calibri" panose="020F0502020204030204" pitchFamily="34" charset="0"/>
+                <a:ea typeface="宋体" panose="02010600030101010101" pitchFamily="2" charset="-122"/>
+              </a:defRPr>
+            </a:lvl8pPr>
+            <a:lvl9pPr marL="3886200" indent="-228600" eaLnBrk="0" fontAlgn="base" hangingPunct="0">
+              <a:spcBef>
+                <a:spcPct val="0"/>
+              </a:spcBef>
+              <a:spcAft>
+                <a:spcPct val="0"/>
+              </a:spcAft>
+              <a:buFont typeface="Arial" panose="020B0604020202020204" pitchFamily="34" charset="0"/>
+              <a:defRPr>
+                <a:solidFill>
+                  <a:schemeClr val="tx1"/>
+                </a:solidFill>
+                <a:latin typeface="Calibri" panose="020F0502020204030204" pitchFamily="34" charset="0"/>
+                <a:ea typeface="宋体" panose="02010600030101010101" pitchFamily="2" charset="-122"/>
+              </a:defRPr>
+            </a:lvl9pPr>
+          </a:lstStyle>
+          <a:p>
+            <a:pPr eaLnBrk="1" hangingPunct="1"/>
+            <a:r>
+              <a:rPr lang="zh-CN" altLang="en-US" sz="5400" b="1" dirty="0" smtClean="0">
+                <a:solidFill>
+                  <a:schemeClr val="bg1"/>
+                </a:solidFill>
+                <a:latin typeface="微软雅黑" panose="020B0503020204020204" pitchFamily="34" charset="-122"/>
+                <a:ea typeface="微软雅黑" panose="020B0503020204020204" pitchFamily="34" charset="-122"/>
+              </a:rPr>
+              <a:t>兴趣爱好</a:t>
+            </a:r>
+            <a:endParaRPr lang="zh-CN" altLang="en-US" sz="5400" b="1" dirty="0">
+              <a:solidFill>
+                <a:schemeClr val="bg1"/>
+              </a:solidFill>
+              <a:latin typeface="微软雅黑" panose="020B0503020204020204" pitchFamily="34" charset="-122"/>
+              <a:ea typeface="微软雅黑" panose="020B0503020204020204" pitchFamily="34" charset="-122"/>
+            </a:endParaRPr>
+          </a:p>
+        </p:txBody>
+      </p:sp>
+    </p:spTree>
+    <p:extLst>
+      <p:ext uri="{BB962C8B-B14F-4D97-AF65-F5344CB8AC3E}">
+        <p14:creationId xmlns:p14="http://schemas.microsoft.com/office/powerpoint/2010/main" val="2746906825"/>
+      </p:ext>
+    </p:extLst>
+  </p:cSld>
+  <p:clrMapOvr>
+    <a:masterClrMapping/>
+  </p:clrMapOvr>
+</p:sld>
+</file>
+
+<file path=ppt/slides/slide7.xml><?xml version="1.0" encoding="utf-8"?>
+<p:sld xmlns:a="http://schemas.openxmlformats.org/drawingml/2006/main" xmlns:r="http://schemas.openxmlformats.org/officeDocument/2006/relationships" xmlns:p="http://schemas.openxmlformats.org/presentationml/2006/main">
+  <p:cSld>
+    <p:spTree>
+      <p:nvGrpSpPr>
+        <p:cNvPr id="1" name=""/>
+        <p:cNvGrpSpPr/>
+        <p:nvPr/>
+      </p:nvGrpSpPr>
+      <p:grpSpPr>
+        <a:xfrm>
+          <a:off x="0" y="0"/>
+          <a:ext cx="0" cy="0"/>
+          <a:chOff x="0" y="0"/>
+          <a:chExt cx="0" cy="0"/>
+        </a:xfrm>
+      </p:grpSpPr>
+      <p:grpSp>
+        <p:nvGrpSpPr>
+          <p:cNvPr id="3074" name="组合 22"/>
+          <p:cNvGrpSpPr/>
+          <p:nvPr/>
+        </p:nvGrpSpPr>
+        <p:grpSpPr bwMode="auto">
+          <a:xfrm rot="2125929">
+            <a:off x="1728788" y="1465263"/>
+            <a:ext cx="3744912" cy="3743325"/>
+            <a:chOff x="0" y="0"/>
+            <a:chExt cx="3606099" cy="3570272"/>
+          </a:xfrm>
+        </p:grpSpPr>
+        <p:sp>
+          <p:nvSpPr>
+            <p:cNvPr id="3105" name="弧形 23"/>
+            <p:cNvSpPr/>
+            <p:nvPr/>
+          </p:nvSpPr>
+          <p:spPr bwMode="auto">
+            <a:xfrm>
+              <a:off x="0" y="0"/>
+              <a:ext cx="3564000" cy="3564000"/>
+            </a:xfrm>
+            <a:custGeom>
+              <a:avLst/>
+              <a:gdLst>
+                <a:gd name="T0" fmla="*/ 1782000 w 3564000"/>
+                <a:gd name="T1" fmla="*/ 0 h 3564000"/>
+                <a:gd name="T2" fmla="*/ 3564000 w 3564000"/>
+                <a:gd name="T3" fmla="*/ 1782000 h 3564000"/>
+                <a:gd name="T4" fmla="*/ 1782000 w 3564000"/>
+                <a:gd name="T5" fmla="*/ 1782000 h 3564000"/>
+                <a:gd name="T6" fmla="*/ 1782000 w 3564000"/>
+                <a:gd name="T7" fmla="*/ 0 h 3564000"/>
+                <a:gd name="T8" fmla="*/ 1782000 w 3564000"/>
+                <a:gd name="T9" fmla="*/ 0 h 3564000"/>
+                <a:gd name="T10" fmla="*/ 3564000 w 3564000"/>
+                <a:gd name="T11" fmla="*/ 1782000 h 3564000"/>
+                <a:gd name="T12" fmla="*/ 0 60000 65536"/>
+                <a:gd name="T13" fmla="*/ 0 60000 65536"/>
+                <a:gd name="T14" fmla="*/ 0 60000 65536"/>
+                <a:gd name="T15" fmla="*/ 0 60000 65536"/>
+                <a:gd name="T16" fmla="*/ 0 60000 65536"/>
+                <a:gd name="T17" fmla="*/ 0 60000 65536"/>
+              </a:gdLst>
+              <a:ahLst/>
+              <a:cxnLst>
+                <a:cxn ang="T12">
+                  <a:pos x="T0" y="T1"/>
+                </a:cxn>
+                <a:cxn ang="T13">
+                  <a:pos x="T2" y="T3"/>
+                </a:cxn>
+                <a:cxn ang="T14">
+                  <a:pos x="T4" y="T5"/>
+                </a:cxn>
+                <a:cxn ang="T15">
+                  <a:pos x="T6" y="T7"/>
+                </a:cxn>
+                <a:cxn ang="T16">
+                  <a:pos x="T8" y="T9"/>
+                </a:cxn>
+                <a:cxn ang="T17">
+                  <a:pos x="T10" y="T11"/>
+                </a:cxn>
+              </a:cxnLst>
+              <a:rect l="0" t="0" r="r" b="b"/>
+              <a:pathLst>
+                <a:path w="3564000" h="3564000" stroke="0">
+                  <a:moveTo>
+                    <a:pt x="1782000" y="0"/>
+                  </a:moveTo>
+                  <a:cubicBezTo>
+                    <a:pt x="2766171" y="0"/>
+                    <a:pt x="3564000" y="797829"/>
+                    <a:pt x="3564000" y="1782000"/>
+                  </a:cubicBezTo>
+                  <a:lnTo>
+                    <a:pt x="1782000" y="1782000"/>
+                  </a:lnTo>
+                  <a:lnTo>
+                    <a:pt x="1782000" y="0"/>
+                  </a:lnTo>
+                  <a:close/>
+                </a:path>
+                <a:path w="3564000" h="3564000" fill="none">
+                  <a:moveTo>
+                    <a:pt x="1782000" y="0"/>
+                  </a:moveTo>
+                  <a:cubicBezTo>
+                    <a:pt x="2766171" y="0"/>
+                    <a:pt x="3564000" y="797829"/>
+                    <a:pt x="3564000" y="1782000"/>
+                  </a:cubicBezTo>
+                </a:path>
+              </a:pathLst>
+            </a:custGeom>
+            <a:noFill/>
+            <a:ln w="6350" cap="flat" cmpd="sng">
+              <a:solidFill>
+                <a:schemeClr val="bg1">
+                  <a:alpha val="52156"/>
+                </a:schemeClr>
+              </a:solidFill>
+              <a:round/>
+            </a:ln>
+            <a:extLst>
+              <a:ext uri="{909E8E84-426E-40DD-AFC4-6F175D3DCCD1}">
+                <a14:hiddenFill xmlns:a14="http://schemas.microsoft.com/office/drawing/2010/main">
+                  <a:solidFill>
+                    <a:srgbClr val="FFFFFF"/>
+                  </a:solidFill>
+                </a14:hiddenFill>
+              </a:ext>
+            </a:extLst>
+          </p:spPr>
+          <p:txBody>
+            <a:bodyPr anchor="ctr"/>
+            <a:lstStyle/>
+            <a:p>
+              <a:endParaRPr lang="zh-CN" altLang="en-US"/>
+            </a:p>
+          </p:txBody>
+        </p:sp>
+        <p:sp>
+          <p:nvSpPr>
+            <p:cNvPr id="3106" name="弧形 24"/>
+            <p:cNvSpPr/>
+            <p:nvPr/>
+          </p:nvSpPr>
+          <p:spPr bwMode="auto">
+            <a:xfrm rot="-7902423">
+              <a:off x="42099" y="0"/>
+              <a:ext cx="3564000" cy="3564000"/>
+            </a:xfrm>
+            <a:custGeom>
+              <a:avLst/>
+              <a:gdLst>
+                <a:gd name="T0" fmla="*/ 1782000 w 3564000"/>
+                <a:gd name="T1" fmla="*/ 0 h 3564000"/>
+                <a:gd name="T2" fmla="*/ 3318391 w 3564000"/>
+                <a:gd name="T3" fmla="*/ 879212 h 3564000"/>
+                <a:gd name="T4" fmla="*/ 3338717 w 3564000"/>
+                <a:gd name="T5" fmla="*/ 2649268 h 3564000"/>
+                <a:gd name="T6" fmla="*/ 1782000 w 3564000"/>
+                <a:gd name="T7" fmla="*/ 1782000 h 3564000"/>
+                <a:gd name="T8" fmla="*/ 1782000 w 3564000"/>
+                <a:gd name="T9" fmla="*/ 0 h 3564000"/>
+                <a:gd name="T10" fmla="*/ 1782000 w 3564000"/>
+                <a:gd name="T11" fmla="*/ 0 h 3564000"/>
+                <a:gd name="T12" fmla="*/ 3318391 w 3564000"/>
+                <a:gd name="T13" fmla="*/ 879212 h 3564000"/>
+                <a:gd name="T14" fmla="*/ 3338717 w 3564000"/>
+                <a:gd name="T15" fmla="*/ 2649268 h 3564000"/>
+                <a:gd name="T16" fmla="*/ 0 60000 65536"/>
+                <a:gd name="T17" fmla="*/ 0 60000 65536"/>
+                <a:gd name="T18" fmla="*/ 0 60000 65536"/>
+                <a:gd name="T19" fmla="*/ 0 60000 65536"/>
+                <a:gd name="T20" fmla="*/ 0 60000 65536"/>
+                <a:gd name="T21" fmla="*/ 0 60000 65536"/>
+                <a:gd name="T22" fmla="*/ 0 60000 65536"/>
+                <a:gd name="T23" fmla="*/ 0 60000 65536"/>
+              </a:gdLst>
+              <a:ahLst/>
+              <a:cxnLst>
+                <a:cxn ang="T16">
+                  <a:pos x="T0" y="T1"/>
+                </a:cxn>
+                <a:cxn ang="T17">
+                  <a:pos x="T2" y="T3"/>
+                </a:cxn>
+                <a:cxn ang="T18">
+                  <a:pos x="T4" y="T5"/>
+                </a:cxn>
+                <a:cxn ang="T19">
+                  <a:pos x="T6" y="T7"/>
+                </a:cxn>
+                <a:cxn ang="T20">
+                  <a:pos x="T8" y="T9"/>
+                </a:cxn>
+                <a:cxn ang="T21">
+                  <a:pos x="T10" y="T11"/>
+                </a:cxn>
+                <a:cxn ang="T22">
+                  <a:pos x="T12" y="T13"/>
+                </a:cxn>
+                <a:cxn ang="T23">
+                  <a:pos x="T14" y="T15"/>
+                </a:cxn>
+              </a:cxnLst>
+              <a:rect l="0" t="0" r="r" b="b"/>
+              <a:pathLst>
+                <a:path w="3564000" h="3564000" stroke="0">
+                  <a:moveTo>
+                    <a:pt x="1782000" y="0"/>
+                  </a:moveTo>
+                  <a:cubicBezTo>
+                    <a:pt x="2413776" y="0"/>
+                    <a:pt x="2998324" y="334512"/>
+                    <a:pt x="3318391" y="879212"/>
+                  </a:cubicBezTo>
+                  <a:cubicBezTo>
+                    <a:pt x="3638458" y="1423912"/>
+                    <a:pt x="3646192" y="2097362"/>
+                    <a:pt x="3338717" y="2649268"/>
+                  </a:cubicBezTo>
+                  <a:lnTo>
+                    <a:pt x="1782000" y="1782000"/>
+                  </a:lnTo>
+                  <a:lnTo>
+                    <a:pt x="1782000" y="0"/>
+                  </a:lnTo>
+                  <a:close/>
+                </a:path>
+                <a:path w="3564000" h="3564000" fill="none">
+                  <a:moveTo>
+                    <a:pt x="1782000" y="0"/>
+                  </a:moveTo>
+                  <a:cubicBezTo>
+                    <a:pt x="2413776" y="0"/>
+                    <a:pt x="2998324" y="334512"/>
+                    <a:pt x="3318391" y="879212"/>
+                  </a:cubicBezTo>
+                  <a:cubicBezTo>
+                    <a:pt x="3638458" y="1423912"/>
+                    <a:pt x="3646192" y="2097362"/>
+                    <a:pt x="3338717" y="2649268"/>
+                  </a:cubicBezTo>
+                </a:path>
+              </a:pathLst>
+            </a:custGeom>
+            <a:noFill/>
+            <a:ln w="6350" cap="flat" cmpd="sng">
+              <a:solidFill>
+                <a:schemeClr val="bg1">
+                  <a:alpha val="52156"/>
+                </a:schemeClr>
+              </a:solidFill>
+              <a:round/>
+            </a:ln>
+            <a:extLst>
+              <a:ext uri="{909E8E84-426E-40DD-AFC4-6F175D3DCCD1}">
+                <a14:hiddenFill xmlns:a14="http://schemas.microsoft.com/office/drawing/2010/main">
+                  <a:solidFill>
+                    <a:srgbClr val="FFFFFF"/>
+                  </a:solidFill>
+                </a14:hiddenFill>
+              </a:ext>
+            </a:extLst>
+          </p:spPr>
+          <p:txBody>
+            <a:bodyPr anchor="ctr"/>
+            <a:lstStyle/>
+            <a:p>
+              <a:endParaRPr lang="zh-CN" altLang="en-US"/>
+            </a:p>
+          </p:txBody>
+        </p:sp>
+        <p:sp>
+          <p:nvSpPr>
+            <p:cNvPr id="3107" name="弧形 25"/>
+            <p:cNvSpPr/>
+            <p:nvPr/>
+          </p:nvSpPr>
+          <p:spPr bwMode="auto">
+            <a:xfrm rot="5709083">
+              <a:off x="10350" y="6271"/>
+              <a:ext cx="3564000" cy="3564000"/>
+            </a:xfrm>
+            <a:custGeom>
+              <a:avLst/>
+              <a:gdLst>
+                <a:gd name="T0" fmla="*/ 1782000 w 3564000"/>
+                <a:gd name="T1" fmla="*/ 0 h 3564000"/>
+                <a:gd name="T2" fmla="*/ 3162262 w 3564000"/>
+                <a:gd name="T3" fmla="*/ 654880 h 3564000"/>
+                <a:gd name="T4" fmla="*/ 1782000 w 3564000"/>
+                <a:gd name="T5" fmla="*/ 1782000 h 3564000"/>
+                <a:gd name="T6" fmla="*/ 1782000 w 3564000"/>
+                <a:gd name="T7" fmla="*/ 0 h 3564000"/>
+                <a:gd name="T8" fmla="*/ 1782000 w 3564000"/>
+                <a:gd name="T9" fmla="*/ 0 h 3564000"/>
+                <a:gd name="T10" fmla="*/ 3162262 w 3564000"/>
+                <a:gd name="T11" fmla="*/ 654880 h 3564000"/>
+                <a:gd name="T12" fmla="*/ 0 60000 65536"/>
+                <a:gd name="T13" fmla="*/ 0 60000 65536"/>
+                <a:gd name="T14" fmla="*/ 0 60000 65536"/>
+                <a:gd name="T15" fmla="*/ 0 60000 65536"/>
+                <a:gd name="T16" fmla="*/ 0 60000 65536"/>
+                <a:gd name="T17" fmla="*/ 0 60000 65536"/>
+              </a:gdLst>
+              <a:ahLst/>
+              <a:cxnLst>
+                <a:cxn ang="T12">
+                  <a:pos x="T0" y="T1"/>
+                </a:cxn>
+                <a:cxn ang="T13">
+                  <a:pos x="T2" y="T3"/>
+                </a:cxn>
+                <a:cxn ang="T14">
+                  <a:pos x="T4" y="T5"/>
+                </a:cxn>
+                <a:cxn ang="T15">
+                  <a:pos x="T6" y="T7"/>
+                </a:cxn>
+                <a:cxn ang="T16">
+                  <a:pos x="T8" y="T9"/>
+                </a:cxn>
+                <a:cxn ang="T17">
+                  <a:pos x="T10" y="T11"/>
+                </a:cxn>
+              </a:cxnLst>
+              <a:rect l="0" t="0" r="r" b="b"/>
+              <a:pathLst>
+                <a:path w="3564000" h="3564000" stroke="0">
+                  <a:moveTo>
+                    <a:pt x="1782000" y="0"/>
+                  </a:moveTo>
+                  <a:cubicBezTo>
+                    <a:pt x="2317073" y="0"/>
+                    <a:pt x="2823827" y="240435"/>
+                    <a:pt x="3162262" y="654880"/>
+                  </a:cubicBezTo>
+                  <a:lnTo>
+                    <a:pt x="1782000" y="1782000"/>
+                  </a:lnTo>
+                  <a:lnTo>
+                    <a:pt x="1782000" y="0"/>
+                  </a:lnTo>
+                  <a:close/>
+                </a:path>
+                <a:path w="3564000" h="3564000" fill="none">
+                  <a:moveTo>
+                    <a:pt x="1782000" y="0"/>
+                  </a:moveTo>
+                  <a:cubicBezTo>
+                    <a:pt x="2317073" y="0"/>
+                    <a:pt x="2823827" y="240435"/>
+                    <a:pt x="3162262" y="654880"/>
+                  </a:cubicBezTo>
+                </a:path>
+              </a:pathLst>
+            </a:custGeom>
+            <a:noFill/>
+            <a:ln w="6350" cap="flat" cmpd="sng">
+              <a:solidFill>
+                <a:schemeClr val="bg1">
+                  <a:alpha val="52156"/>
+                </a:schemeClr>
+              </a:solidFill>
+              <a:round/>
+            </a:ln>
+            <a:extLst>
+              <a:ext uri="{909E8E84-426E-40DD-AFC4-6F175D3DCCD1}">
+                <a14:hiddenFill xmlns:a14="http://schemas.microsoft.com/office/drawing/2010/main">
+                  <a:solidFill>
+                    <a:srgbClr val="FFFFFF"/>
+                  </a:solidFill>
+                </a14:hiddenFill>
+              </a:ext>
+            </a:extLst>
+          </p:spPr>
+          <p:txBody>
+            <a:bodyPr anchor="ctr"/>
+            <a:lstStyle/>
+            <a:p>
+              <a:endParaRPr lang="zh-CN" altLang="en-US"/>
+            </a:p>
+          </p:txBody>
+        </p:sp>
+        <p:sp>
+          <p:nvSpPr>
+            <p:cNvPr id="3108" name="弧形 26"/>
+            <p:cNvSpPr/>
+            <p:nvPr/>
+          </p:nvSpPr>
+          <p:spPr bwMode="auto">
+            <a:xfrm rot="9295065">
+              <a:off x="42098" y="6272"/>
+              <a:ext cx="3564000" cy="3564000"/>
+            </a:xfrm>
+            <a:custGeom>
+              <a:avLst/>
+              <a:gdLst>
+                <a:gd name="T0" fmla="*/ 1782000 w 3564000"/>
+                <a:gd name="T1" fmla="*/ 0 h 3564000"/>
+                <a:gd name="T2" fmla="*/ 3404808 w 3564000"/>
+                <a:gd name="T3" fmla="*/ 1045781 h 3564000"/>
+                <a:gd name="T4" fmla="*/ 1782000 w 3564000"/>
+                <a:gd name="T5" fmla="*/ 1782000 h 3564000"/>
+                <a:gd name="T6" fmla="*/ 1782000 w 3564000"/>
+                <a:gd name="T7" fmla="*/ 0 h 3564000"/>
+                <a:gd name="T8" fmla="*/ 1782000 w 3564000"/>
+                <a:gd name="T9" fmla="*/ 0 h 3564000"/>
+                <a:gd name="T10" fmla="*/ 3404808 w 3564000"/>
+                <a:gd name="T11" fmla="*/ 1045781 h 3564000"/>
+                <a:gd name="T12" fmla="*/ 0 60000 65536"/>
+                <a:gd name="T13" fmla="*/ 0 60000 65536"/>
+                <a:gd name="T14" fmla="*/ 0 60000 65536"/>
+                <a:gd name="T15" fmla="*/ 0 60000 65536"/>
+                <a:gd name="T16" fmla="*/ 0 60000 65536"/>
+                <a:gd name="T17" fmla="*/ 0 60000 65536"/>
+              </a:gdLst>
+              <a:ahLst/>
+              <a:cxnLst>
+                <a:cxn ang="T12">
+                  <a:pos x="T0" y="T1"/>
+                </a:cxn>
+                <a:cxn ang="T13">
+                  <a:pos x="T2" y="T3"/>
+                </a:cxn>
+                <a:cxn ang="T14">
+                  <a:pos x="T4" y="T5"/>
+                </a:cxn>
+                <a:cxn ang="T15">
+                  <a:pos x="T6" y="T7"/>
+                </a:cxn>
+                <a:cxn ang="T16">
+                  <a:pos x="T8" y="T9"/>
+                </a:cxn>
+                <a:cxn ang="T17">
+                  <a:pos x="T10" y="T11"/>
+                </a:cxn>
+              </a:cxnLst>
+              <a:rect l="0" t="0" r="r" b="b"/>
+              <a:pathLst>
+                <a:path w="3564000" h="3564000" stroke="0">
+                  <a:moveTo>
+                    <a:pt x="1782000" y="0"/>
+                  </a:moveTo>
+                  <a:cubicBezTo>
+                    <a:pt x="2481268" y="0"/>
+                    <a:pt x="3115911" y="408981"/>
+                    <a:pt x="3404808" y="1045781"/>
+                  </a:cubicBezTo>
+                  <a:lnTo>
+                    <a:pt x="1782000" y="1782000"/>
+                  </a:lnTo>
+                  <a:lnTo>
+                    <a:pt x="1782000" y="0"/>
+                  </a:lnTo>
+                  <a:close/>
+                </a:path>
+                <a:path w="3564000" h="3564000" fill="none">
+                  <a:moveTo>
+                    <a:pt x="1782000" y="0"/>
+                  </a:moveTo>
+                  <a:cubicBezTo>
+                    <a:pt x="2481268" y="0"/>
+                    <a:pt x="3115911" y="408981"/>
+                    <a:pt x="3404808" y="1045781"/>
+                  </a:cubicBezTo>
+                </a:path>
+              </a:pathLst>
+            </a:custGeom>
+            <a:noFill/>
+            <a:ln w="6350" cap="flat" cmpd="sng">
+              <a:solidFill>
+                <a:schemeClr val="bg1">
+                  <a:alpha val="52156"/>
+                </a:schemeClr>
+              </a:solidFill>
+              <a:round/>
+            </a:ln>
+            <a:extLst>
+              <a:ext uri="{909E8E84-426E-40DD-AFC4-6F175D3DCCD1}">
+                <a14:hiddenFill xmlns:a14="http://schemas.microsoft.com/office/drawing/2010/main">
+                  <a:solidFill>
+                    <a:srgbClr val="FFFFFF"/>
+                  </a:solidFill>
+                </a14:hiddenFill>
+              </a:ext>
+            </a:extLst>
+          </p:spPr>
+          <p:txBody>
+            <a:bodyPr anchor="ctr"/>
+            <a:lstStyle/>
+            <a:p>
+              <a:endParaRPr lang="zh-CN" altLang="en-US"/>
+            </a:p>
+          </p:txBody>
+        </p:sp>
+      </p:grpSp>
+      <p:grpSp>
+        <p:nvGrpSpPr>
+          <p:cNvPr id="3075" name="组合 176"/>
+          <p:cNvGrpSpPr/>
+          <p:nvPr/>
+        </p:nvGrpSpPr>
+        <p:grpSpPr bwMode="auto">
+          <a:xfrm>
+            <a:off x="1604963" y="1314450"/>
+            <a:ext cx="4005262" cy="4003675"/>
+            <a:chOff x="0" y="0"/>
+            <a:chExt cx="4004677" cy="4004677"/>
+          </a:xfrm>
+        </p:grpSpPr>
+        <p:sp>
+          <p:nvSpPr>
+            <p:cNvPr id="3079" name="椭圆 4"/>
+            <p:cNvSpPr>
+              <a:spLocks noChangeArrowheads="1"/>
+            </p:cNvSpPr>
+            <p:nvPr/>
+          </p:nvSpPr>
+          <p:spPr bwMode="auto">
+            <a:xfrm>
+              <a:off x="295459" y="327418"/>
+              <a:ext cx="3413760" cy="3413760"/>
+            </a:xfrm>
+            <a:prstGeom prst="ellipse">
+              <a:avLst/>
+            </a:prstGeom>
+            <a:solidFill>
+              <a:schemeClr val="bg1">
+                <a:alpha val="39999"/>
+              </a:schemeClr>
+            </a:solidFill>
+            <a:ln>
+              <a:noFill/>
+            </a:ln>
+            <a:extLst>
+              <a:ext uri="{91240B29-F687-4F45-9708-019B960494DF}">
+                <a14:hiddenLine xmlns:a14="http://schemas.microsoft.com/office/drawing/2010/main" w="9525">
+                  <a:solidFill>
+                    <a:srgbClr val="000000"/>
+                  </a:solidFill>
+                  <a:round/>
+                </a14:hiddenLine>
+              </a:ext>
+            </a:extLst>
+          </p:spPr>
+          <p:txBody>
+            <a:bodyPr anchor="ctr"/>
+            <a:lstStyle/>
+            <a:p>
+              <a:pPr algn="ctr" eaLnBrk="1" hangingPunct="1"/>
+              <a:endParaRPr lang="zh-CN" altLang="en-US">
+                <a:solidFill>
+                  <a:srgbClr val="FFFFFF"/>
+                </a:solidFill>
+              </a:endParaRPr>
+            </a:p>
+          </p:txBody>
+        </p:sp>
+        <p:grpSp>
+          <p:nvGrpSpPr>
+            <p:cNvPr id="3080" name="组合 21"/>
+            <p:cNvGrpSpPr/>
+            <p:nvPr/>
+          </p:nvGrpSpPr>
+          <p:grpSpPr bwMode="auto">
+            <a:xfrm>
+              <a:off x="190939" y="246027"/>
+              <a:ext cx="3606099" cy="3570272"/>
+              <a:chOff x="0" y="0"/>
+              <a:chExt cx="3606099" cy="3570272"/>
+            </a:xfrm>
+          </p:grpSpPr>
+          <p:sp>
+            <p:nvSpPr>
+              <p:cNvPr id="3101" name="弧形 17"/>
+              <p:cNvSpPr/>
+              <p:nvPr/>
+            </p:nvSpPr>
+            <p:spPr bwMode="auto">
+              <a:xfrm>
+                <a:off x="0" y="0"/>
+                <a:ext cx="3564000" cy="3564000"/>
+              </a:xfrm>
+              <a:custGeom>
+                <a:avLst/>
+                <a:gdLst>
+                  <a:gd name="T0" fmla="*/ 1782000 w 3564000"/>
+                  <a:gd name="T1" fmla="*/ 0 h 3564000"/>
+                  <a:gd name="T2" fmla="*/ 3564000 w 3564000"/>
+                  <a:gd name="T3" fmla="*/ 1782000 h 3564000"/>
+                  <a:gd name="T4" fmla="*/ 1782000 w 3564000"/>
+                  <a:gd name="T5" fmla="*/ 1782000 h 3564000"/>
+                  <a:gd name="T6" fmla="*/ 1782000 w 3564000"/>
+                  <a:gd name="T7" fmla="*/ 0 h 3564000"/>
+                  <a:gd name="T8" fmla="*/ 1782000 w 3564000"/>
+                  <a:gd name="T9" fmla="*/ 0 h 3564000"/>
+                  <a:gd name="T10" fmla="*/ 3564000 w 3564000"/>
+                  <a:gd name="T11" fmla="*/ 1782000 h 3564000"/>
+                  <a:gd name="T12" fmla="*/ 0 60000 65536"/>
+                  <a:gd name="T13" fmla="*/ 0 60000 65536"/>
+                  <a:gd name="T14" fmla="*/ 0 60000 65536"/>
+                  <a:gd name="T15" fmla="*/ 0 60000 65536"/>
+                  <a:gd name="T16" fmla="*/ 0 60000 65536"/>
+                  <a:gd name="T17" fmla="*/ 0 60000 65536"/>
+                </a:gdLst>
+                <a:ahLst/>
+                <a:cxnLst>
+                  <a:cxn ang="T12">
+                    <a:pos x="T0" y="T1"/>
+                  </a:cxn>
+                  <a:cxn ang="T13">
+                    <a:pos x="T2" y="T3"/>
+                  </a:cxn>
+                  <a:cxn ang="T14">
+                    <a:pos x="T4" y="T5"/>
+                  </a:cxn>
+                  <a:cxn ang="T15">
+                    <a:pos x="T6" y="T7"/>
+                  </a:cxn>
+                  <a:cxn ang="T16">
+                    <a:pos x="T8" y="T9"/>
+                  </a:cxn>
+                  <a:cxn ang="T17">
+                    <a:pos x="T10" y="T11"/>
+                  </a:cxn>
+                </a:cxnLst>
+                <a:rect l="0" t="0" r="r" b="b"/>
+                <a:pathLst>
+                  <a:path w="3564000" h="3564000" stroke="0">
+                    <a:moveTo>
+                      <a:pt x="1782000" y="0"/>
+                    </a:moveTo>
+                    <a:cubicBezTo>
+                      <a:pt x="2766171" y="0"/>
+                      <a:pt x="3564000" y="797829"/>
+                      <a:pt x="3564000" y="1782000"/>
+                    </a:cubicBezTo>
+                    <a:lnTo>
+                      <a:pt x="1782000" y="1782000"/>
+                    </a:lnTo>
+                    <a:lnTo>
+                      <a:pt x="1782000" y="0"/>
+                    </a:lnTo>
+                    <a:close/>
+                  </a:path>
+                  <a:path w="3564000" h="3564000" fill="none">
+                    <a:moveTo>
+                      <a:pt x="1782000" y="0"/>
+                    </a:moveTo>
+                    <a:cubicBezTo>
+                      <a:pt x="2766171" y="0"/>
+                      <a:pt x="3564000" y="797829"/>
+                      <a:pt x="3564000" y="1782000"/>
+                    </a:cubicBezTo>
+                  </a:path>
+                </a:pathLst>
+              </a:custGeom>
+              <a:noFill/>
+              <a:ln w="6350" cap="flat" cmpd="sng">
+                <a:solidFill>
+                  <a:schemeClr val="bg1">
+                    <a:alpha val="52156"/>
+                  </a:schemeClr>
+                </a:solidFill>
+                <a:round/>
+              </a:ln>
+              <a:extLst>
+                <a:ext uri="{909E8E84-426E-40DD-AFC4-6F175D3DCCD1}">
+                  <a14:hiddenFill xmlns:a14="http://schemas.microsoft.com/office/drawing/2010/main">
+                    <a:solidFill>
+                      <a:srgbClr val="FFFFFF"/>
+                    </a:solidFill>
+                  </a14:hiddenFill>
+                </a:ext>
+              </a:extLst>
+            </p:spPr>
+            <p:txBody>
+              <a:bodyPr anchor="ctr"/>
+              <a:lstStyle/>
+              <a:p>
+                <a:endParaRPr lang="zh-CN" altLang="en-US"/>
+              </a:p>
+            </p:txBody>
+          </p:sp>
+          <p:sp>
+            <p:nvSpPr>
+              <p:cNvPr id="3102" name="弧形 18"/>
+              <p:cNvSpPr/>
+              <p:nvPr/>
+            </p:nvSpPr>
+            <p:spPr bwMode="auto">
+              <a:xfrm rot="-7902423">
+                <a:off x="42099" y="0"/>
+                <a:ext cx="3564000" cy="3564000"/>
+              </a:xfrm>
+              <a:custGeom>
+                <a:avLst/>
+                <a:gdLst>
+                  <a:gd name="T0" fmla="*/ 1782000 w 3564000"/>
+                  <a:gd name="T1" fmla="*/ 0 h 3564000"/>
+                  <a:gd name="T2" fmla="*/ 3318391 w 3564000"/>
+                  <a:gd name="T3" fmla="*/ 879212 h 3564000"/>
+                  <a:gd name="T4" fmla="*/ 3338717 w 3564000"/>
+                  <a:gd name="T5" fmla="*/ 2649268 h 3564000"/>
+                  <a:gd name="T6" fmla="*/ 1782000 w 3564000"/>
+                  <a:gd name="T7" fmla="*/ 1782000 h 3564000"/>
+                  <a:gd name="T8" fmla="*/ 1782000 w 3564000"/>
+                  <a:gd name="T9" fmla="*/ 0 h 3564000"/>
+                  <a:gd name="T10" fmla="*/ 1782000 w 3564000"/>
+                  <a:gd name="T11" fmla="*/ 0 h 3564000"/>
+                  <a:gd name="T12" fmla="*/ 3318391 w 3564000"/>
+                  <a:gd name="T13" fmla="*/ 879212 h 3564000"/>
+                  <a:gd name="T14" fmla="*/ 3338717 w 3564000"/>
+                  <a:gd name="T15" fmla="*/ 2649268 h 3564000"/>
+                  <a:gd name="T16" fmla="*/ 0 60000 65536"/>
+                  <a:gd name="T17" fmla="*/ 0 60000 65536"/>
+                  <a:gd name="T18" fmla="*/ 0 60000 65536"/>
+                  <a:gd name="T19" fmla="*/ 0 60000 65536"/>
+                  <a:gd name="T20" fmla="*/ 0 60000 65536"/>
+                  <a:gd name="T21" fmla="*/ 0 60000 65536"/>
+                  <a:gd name="T22" fmla="*/ 0 60000 65536"/>
+                  <a:gd name="T23" fmla="*/ 0 60000 65536"/>
+                </a:gdLst>
+                <a:ahLst/>
+                <a:cxnLst>
+                  <a:cxn ang="T16">
+                    <a:pos x="T0" y="T1"/>
+                  </a:cxn>
+                  <a:cxn ang="T17">
+                    <a:pos x="T2" y="T3"/>
+                  </a:cxn>
+                  <a:cxn ang="T18">
+                    <a:pos x="T4" y="T5"/>
+                  </a:cxn>
+                  <a:cxn ang="T19">
+                    <a:pos x="T6" y="T7"/>
+                  </a:cxn>
+                  <a:cxn ang="T20">
+                    <a:pos x="T8" y="T9"/>
+                  </a:cxn>
+                  <a:cxn ang="T21">
+                    <a:pos x="T10" y="T11"/>
+                  </a:cxn>
+                  <a:cxn ang="T22">
+                    <a:pos x="T12" y="T13"/>
+                  </a:cxn>
+                  <a:cxn ang="T23">
+                    <a:pos x="T14" y="T15"/>
+                  </a:cxn>
+                </a:cxnLst>
+                <a:rect l="0" t="0" r="r" b="b"/>
+                <a:pathLst>
+                  <a:path w="3564000" h="3564000" stroke="0">
+                    <a:moveTo>
+                      <a:pt x="1782000" y="0"/>
+                    </a:moveTo>
+                    <a:cubicBezTo>
+                      <a:pt x="2413776" y="0"/>
+                      <a:pt x="2998324" y="334512"/>
+                      <a:pt x="3318391" y="879212"/>
+                    </a:cubicBezTo>
+                    <a:cubicBezTo>
+                      <a:pt x="3638458" y="1423912"/>
+                      <a:pt x="3646192" y="2097362"/>
+                      <a:pt x="3338717" y="2649268"/>
+                    </a:cubicBezTo>
+                    <a:lnTo>
+                      <a:pt x="1782000" y="1782000"/>
+                    </a:lnTo>
+                    <a:lnTo>
+                      <a:pt x="1782000" y="0"/>
+                    </a:lnTo>
+                    <a:close/>
+                  </a:path>
+                  <a:path w="3564000" h="3564000" fill="none">
+                    <a:moveTo>
+                      <a:pt x="1782000" y="0"/>
+                    </a:moveTo>
+                    <a:cubicBezTo>
+                      <a:pt x="2413776" y="0"/>
+                      <a:pt x="2998324" y="334512"/>
+                      <a:pt x="3318391" y="879212"/>
+                    </a:cubicBezTo>
+                    <a:cubicBezTo>
+                      <a:pt x="3638458" y="1423912"/>
+                      <a:pt x="3646192" y="2097362"/>
+                      <a:pt x="3338717" y="2649268"/>
+                    </a:cubicBezTo>
+                  </a:path>
+                </a:pathLst>
+              </a:custGeom>
+              <a:noFill/>
+              <a:ln w="6350" cap="flat" cmpd="sng">
+                <a:solidFill>
+                  <a:schemeClr val="bg1">
+                    <a:alpha val="52156"/>
+                  </a:schemeClr>
+                </a:solidFill>
+                <a:round/>
+              </a:ln>
+              <a:extLst>
+                <a:ext uri="{909E8E84-426E-40DD-AFC4-6F175D3DCCD1}">
+                  <a14:hiddenFill xmlns:a14="http://schemas.microsoft.com/office/drawing/2010/main">
+                    <a:solidFill>
+                      <a:srgbClr val="FFFFFF"/>
+                    </a:solidFill>
+                  </a14:hiddenFill>
+                </a:ext>
+              </a:extLst>
+            </p:spPr>
+            <p:txBody>
+              <a:bodyPr anchor="ctr"/>
+              <a:lstStyle/>
+              <a:p>
+                <a:endParaRPr lang="zh-CN" altLang="en-US"/>
+              </a:p>
+            </p:txBody>
+          </p:sp>
+          <p:sp>
+            <p:nvSpPr>
+              <p:cNvPr id="3103" name="弧形 19"/>
+              <p:cNvSpPr/>
+              <p:nvPr/>
+            </p:nvSpPr>
+            <p:spPr bwMode="auto">
+              <a:xfrm rot="5709083">
+                <a:off x="10350" y="6271"/>
+                <a:ext cx="3564000" cy="3564000"/>
+              </a:xfrm>
+              <a:custGeom>
+                <a:avLst/>
+                <a:gdLst>
+                  <a:gd name="T0" fmla="*/ 1782000 w 3564000"/>
+                  <a:gd name="T1" fmla="*/ 0 h 3564000"/>
+                  <a:gd name="T2" fmla="*/ 3162262 w 3564000"/>
+                  <a:gd name="T3" fmla="*/ 654880 h 3564000"/>
+                  <a:gd name="T4" fmla="*/ 1782000 w 3564000"/>
+                  <a:gd name="T5" fmla="*/ 1782000 h 3564000"/>
+                  <a:gd name="T6" fmla="*/ 1782000 w 3564000"/>
+                  <a:gd name="T7" fmla="*/ 0 h 3564000"/>
+                  <a:gd name="T8" fmla="*/ 1782000 w 3564000"/>
+                  <a:gd name="T9" fmla="*/ 0 h 3564000"/>
+                  <a:gd name="T10" fmla="*/ 3162262 w 3564000"/>
+                  <a:gd name="T11" fmla="*/ 654880 h 3564000"/>
+                  <a:gd name="T12" fmla="*/ 0 60000 65536"/>
+                  <a:gd name="T13" fmla="*/ 0 60000 65536"/>
+                  <a:gd name="T14" fmla="*/ 0 60000 65536"/>
+                  <a:gd name="T15" fmla="*/ 0 60000 65536"/>
+                  <a:gd name="T16" fmla="*/ 0 60000 65536"/>
+                  <a:gd name="T17" fmla="*/ 0 60000 65536"/>
+                </a:gdLst>
+                <a:ahLst/>
+                <a:cxnLst>
+                  <a:cxn ang="T12">
+                    <a:pos x="T0" y="T1"/>
+                  </a:cxn>
+                  <a:cxn ang="T13">
+                    <a:pos x="T2" y="T3"/>
+                  </a:cxn>
+                  <a:cxn ang="T14">
+                    <a:pos x="T4" y="T5"/>
+                  </a:cxn>
+                  <a:cxn ang="T15">
+                    <a:pos x="T6" y="T7"/>
+                  </a:cxn>
+                  <a:cxn ang="T16">
+                    <a:pos x="T8" y="T9"/>
+                  </a:cxn>
+                  <a:cxn ang="T17">
+                    <a:pos x="T10" y="T11"/>
+                  </a:cxn>
+                </a:cxnLst>
+                <a:rect l="0" t="0" r="r" b="b"/>
+                <a:pathLst>
+                  <a:path w="3564000" h="3564000" stroke="0">
+                    <a:moveTo>
+                      <a:pt x="1782000" y="0"/>
+                    </a:moveTo>
+                    <a:cubicBezTo>
+                      <a:pt x="2317073" y="0"/>
+                      <a:pt x="2823827" y="240435"/>
+                      <a:pt x="3162262" y="654880"/>
+                    </a:cubicBezTo>
+                    <a:lnTo>
+                      <a:pt x="1782000" y="1782000"/>
+                    </a:lnTo>
+                    <a:lnTo>
+                      <a:pt x="1782000" y="0"/>
+                    </a:lnTo>
+                    <a:close/>
+                  </a:path>
+                  <a:path w="3564000" h="3564000" fill="none">
+                    <a:moveTo>
+                      <a:pt x="1782000" y="0"/>
+                    </a:moveTo>
+                    <a:cubicBezTo>
+                      <a:pt x="2317073" y="0"/>
+                      <a:pt x="2823827" y="240435"/>
+                      <a:pt x="3162262" y="654880"/>
+                    </a:cubicBezTo>
+                  </a:path>
+                </a:pathLst>
+              </a:custGeom>
+              <a:noFill/>
+              <a:ln w="6350" cap="flat" cmpd="sng">
+                <a:solidFill>
+                  <a:schemeClr val="bg1">
+                    <a:alpha val="52156"/>
+                  </a:schemeClr>
+                </a:solidFill>
+                <a:round/>
+              </a:ln>
+              <a:extLst>
+                <a:ext uri="{909E8E84-426E-40DD-AFC4-6F175D3DCCD1}">
+                  <a14:hiddenFill xmlns:a14="http://schemas.microsoft.com/office/drawing/2010/main">
+                    <a:solidFill>
+                      <a:srgbClr val="FFFFFF"/>
+                    </a:solidFill>
+                  </a14:hiddenFill>
+                </a:ext>
+              </a:extLst>
+            </p:spPr>
+            <p:txBody>
+              <a:bodyPr anchor="ctr"/>
+              <a:lstStyle/>
+              <a:p>
+                <a:endParaRPr lang="zh-CN" altLang="en-US"/>
+              </a:p>
+            </p:txBody>
+          </p:sp>
+          <p:sp>
+            <p:nvSpPr>
+              <p:cNvPr id="3104" name="弧形 20"/>
+              <p:cNvSpPr/>
+              <p:nvPr/>
+            </p:nvSpPr>
+            <p:spPr bwMode="auto">
+              <a:xfrm rot="9295065">
+                <a:off x="42098" y="6272"/>
+                <a:ext cx="3564000" cy="3564000"/>
+              </a:xfrm>
+              <a:custGeom>
+                <a:avLst/>
+                <a:gdLst>
+                  <a:gd name="T0" fmla="*/ 1782000 w 3564000"/>
+                  <a:gd name="T1" fmla="*/ 0 h 3564000"/>
+                  <a:gd name="T2" fmla="*/ 3404808 w 3564000"/>
+                  <a:gd name="T3" fmla="*/ 1045781 h 3564000"/>
+                  <a:gd name="T4" fmla="*/ 1782000 w 3564000"/>
+                  <a:gd name="T5" fmla="*/ 1782000 h 3564000"/>
+                  <a:gd name="T6" fmla="*/ 1782000 w 3564000"/>
+                  <a:gd name="T7" fmla="*/ 0 h 3564000"/>
+                  <a:gd name="T8" fmla="*/ 1782000 w 3564000"/>
+                  <a:gd name="T9" fmla="*/ 0 h 3564000"/>
+                  <a:gd name="T10" fmla="*/ 3404808 w 3564000"/>
+                  <a:gd name="T11" fmla="*/ 1045781 h 3564000"/>
+                  <a:gd name="T12" fmla="*/ 0 60000 65536"/>
+                  <a:gd name="T13" fmla="*/ 0 60000 65536"/>
+                  <a:gd name="T14" fmla="*/ 0 60000 65536"/>
+                  <a:gd name="T15" fmla="*/ 0 60000 65536"/>
+                  <a:gd name="T16" fmla="*/ 0 60000 65536"/>
+                  <a:gd name="T17" fmla="*/ 0 60000 65536"/>
+                </a:gdLst>
+                <a:ahLst/>
+                <a:cxnLst>
+                  <a:cxn ang="T12">
+                    <a:pos x="T0" y="T1"/>
+                  </a:cxn>
+                  <a:cxn ang="T13">
+                    <a:pos x="T2" y="T3"/>
+                  </a:cxn>
+                  <a:cxn ang="T14">
+                    <a:pos x="T4" y="T5"/>
+                  </a:cxn>
+                  <a:cxn ang="T15">
+                    <a:pos x="T6" y="T7"/>
+                  </a:cxn>
+                  <a:cxn ang="T16">
+                    <a:pos x="T8" y="T9"/>
+                  </a:cxn>
+                  <a:cxn ang="T17">
+                    <a:pos x="T10" y="T11"/>
+                  </a:cxn>
+                </a:cxnLst>
+                <a:rect l="0" t="0" r="r" b="b"/>
+                <a:pathLst>
+                  <a:path w="3564000" h="3564000" stroke="0">
+                    <a:moveTo>
+                      <a:pt x="1782000" y="0"/>
+                    </a:moveTo>
+                    <a:cubicBezTo>
+                      <a:pt x="2481268" y="0"/>
+                      <a:pt x="3115911" y="408981"/>
+                      <a:pt x="3404808" y="1045781"/>
+                    </a:cubicBezTo>
+                    <a:lnTo>
+                      <a:pt x="1782000" y="1782000"/>
+                    </a:lnTo>
+                    <a:lnTo>
+                      <a:pt x="1782000" y="0"/>
+                    </a:lnTo>
+                    <a:close/>
+                  </a:path>
+                  <a:path w="3564000" h="3564000" fill="none">
+                    <a:moveTo>
+                      <a:pt x="1782000" y="0"/>
+                    </a:moveTo>
+                    <a:cubicBezTo>
+                      <a:pt x="2481268" y="0"/>
+                      <a:pt x="3115911" y="408981"/>
+                      <a:pt x="3404808" y="1045781"/>
+                    </a:cubicBezTo>
+                  </a:path>
+                </a:pathLst>
+              </a:custGeom>
+              <a:noFill/>
+              <a:ln w="6350" cap="flat" cmpd="sng">
+                <a:solidFill>
+                  <a:schemeClr val="bg1">
+                    <a:alpha val="52156"/>
+                  </a:schemeClr>
+                </a:solidFill>
+                <a:round/>
+              </a:ln>
+              <a:extLst>
+                <a:ext uri="{909E8E84-426E-40DD-AFC4-6F175D3DCCD1}">
+                  <a14:hiddenFill xmlns:a14="http://schemas.microsoft.com/office/drawing/2010/main">
+                    <a:solidFill>
+                      <a:srgbClr val="FFFFFF"/>
+                    </a:solidFill>
+                  </a14:hiddenFill>
+                </a:ext>
+              </a:extLst>
+            </p:spPr>
+            <p:txBody>
+              <a:bodyPr anchor="ctr"/>
+              <a:lstStyle/>
+              <a:p>
+                <a:endParaRPr lang="zh-CN" altLang="en-US"/>
+              </a:p>
+            </p:txBody>
+          </p:sp>
+        </p:grpSp>
+        <p:sp>
+          <p:nvSpPr>
+            <p:cNvPr id="3081" name="椭圆 153"/>
+            <p:cNvSpPr>
+              <a:spLocks noChangeArrowheads="1"/>
+            </p:cNvSpPr>
+            <p:nvPr/>
+          </p:nvSpPr>
+          <p:spPr bwMode="auto">
+            <a:xfrm>
+              <a:off x="0" y="1955800"/>
+              <a:ext cx="93077" cy="93077"/>
+            </a:xfrm>
+            <a:prstGeom prst="ellipse">
+              <a:avLst/>
+            </a:prstGeom>
+            <a:solidFill>
+              <a:schemeClr val="bg1">
+                <a:alpha val="39999"/>
+              </a:schemeClr>
+            </a:solidFill>
+            <a:ln>
+              <a:noFill/>
+            </a:ln>
+            <a:extLst>
+              <a:ext uri="{91240B29-F687-4F45-9708-019B960494DF}">
+                <a14:hiddenLine xmlns:a14="http://schemas.microsoft.com/office/drawing/2010/main" w="9525">
+                  <a:solidFill>
+                    <a:srgbClr val="000000"/>
+                  </a:solidFill>
+                  <a:round/>
+                </a14:hiddenLine>
+              </a:ext>
+            </a:extLst>
+          </p:spPr>
+          <p:txBody>
+            <a:bodyPr anchor="ctr"/>
+            <a:lstStyle/>
+            <a:p>
+              <a:pPr algn="ctr" eaLnBrk="1" hangingPunct="1"/>
+              <a:endParaRPr lang="zh-CN" altLang="en-US">
+                <a:solidFill>
+                  <a:srgbClr val="FFFFFF"/>
+                </a:solidFill>
+              </a:endParaRPr>
+            </a:p>
+          </p:txBody>
+        </p:sp>
+        <p:sp>
+          <p:nvSpPr>
+            <p:cNvPr id="3082" name="椭圆 154"/>
+            <p:cNvSpPr>
+              <a:spLocks noChangeArrowheads="1"/>
+            </p:cNvSpPr>
+            <p:nvPr/>
+          </p:nvSpPr>
+          <p:spPr bwMode="auto">
+            <a:xfrm>
+              <a:off x="95724" y="1351425"/>
+              <a:ext cx="93077" cy="93077"/>
+            </a:xfrm>
+            <a:prstGeom prst="ellipse">
+              <a:avLst/>
+            </a:prstGeom>
+            <a:solidFill>
+              <a:schemeClr val="bg1">
+                <a:alpha val="39999"/>
+              </a:schemeClr>
+            </a:solidFill>
+            <a:ln>
+              <a:noFill/>
+            </a:ln>
+            <a:extLst>
+              <a:ext uri="{91240B29-F687-4F45-9708-019B960494DF}">
+                <a14:hiddenLine xmlns:a14="http://schemas.microsoft.com/office/drawing/2010/main" w="9525">
+                  <a:solidFill>
+                    <a:srgbClr val="000000"/>
+                  </a:solidFill>
+                  <a:round/>
+                </a14:hiddenLine>
+              </a:ext>
+            </a:extLst>
+          </p:spPr>
+          <p:txBody>
+            <a:bodyPr anchor="ctr"/>
+            <a:lstStyle/>
+            <a:p>
+              <a:pPr algn="ctr" eaLnBrk="1" hangingPunct="1"/>
+              <a:endParaRPr lang="zh-CN" altLang="en-US">
+                <a:solidFill>
+                  <a:srgbClr val="FFFFFF"/>
+                </a:solidFill>
+              </a:endParaRPr>
+            </a:p>
+          </p:txBody>
+        </p:sp>
+        <p:sp>
+          <p:nvSpPr>
+            <p:cNvPr id="3083" name="椭圆 155"/>
+            <p:cNvSpPr>
+              <a:spLocks noChangeArrowheads="1"/>
+            </p:cNvSpPr>
+            <p:nvPr/>
+          </p:nvSpPr>
+          <p:spPr bwMode="auto">
+            <a:xfrm>
+              <a:off x="373525" y="806210"/>
+              <a:ext cx="93077" cy="93077"/>
+            </a:xfrm>
+            <a:prstGeom prst="ellipse">
+              <a:avLst/>
+            </a:prstGeom>
+            <a:solidFill>
+              <a:schemeClr val="bg1">
+                <a:alpha val="39999"/>
+              </a:schemeClr>
+            </a:solidFill>
+            <a:ln>
+              <a:noFill/>
+            </a:ln>
+            <a:extLst>
+              <a:ext uri="{91240B29-F687-4F45-9708-019B960494DF}">
+                <a14:hiddenLine xmlns:a14="http://schemas.microsoft.com/office/drawing/2010/main" w="9525">
+                  <a:solidFill>
+                    <a:srgbClr val="000000"/>
+                  </a:solidFill>
+                  <a:round/>
+                </a14:hiddenLine>
+              </a:ext>
+            </a:extLst>
+          </p:spPr>
+          <p:txBody>
+            <a:bodyPr anchor="ctr"/>
+            <a:lstStyle/>
+            <a:p>
+              <a:pPr algn="ctr" eaLnBrk="1" hangingPunct="1"/>
+              <a:endParaRPr lang="zh-CN" altLang="en-US">
+                <a:solidFill>
+                  <a:srgbClr val="FFFFFF"/>
+                </a:solidFill>
+              </a:endParaRPr>
+            </a:p>
+          </p:txBody>
+        </p:sp>
+        <p:sp>
+          <p:nvSpPr>
+            <p:cNvPr id="3084" name="椭圆 156"/>
+            <p:cNvSpPr>
+              <a:spLocks noChangeArrowheads="1"/>
+            </p:cNvSpPr>
+            <p:nvPr/>
+          </p:nvSpPr>
+          <p:spPr bwMode="auto">
+            <a:xfrm>
+              <a:off x="806210" y="373525"/>
+              <a:ext cx="93077" cy="93077"/>
+            </a:xfrm>
+            <a:prstGeom prst="ellipse">
+              <a:avLst/>
+            </a:prstGeom>
+            <a:solidFill>
+              <a:schemeClr val="bg1">
+                <a:alpha val="39999"/>
+              </a:schemeClr>
+            </a:solidFill>
+            <a:ln>
+              <a:noFill/>
+            </a:ln>
+            <a:extLst>
+              <a:ext uri="{91240B29-F687-4F45-9708-019B960494DF}">
+                <a14:hiddenLine xmlns:a14="http://schemas.microsoft.com/office/drawing/2010/main" w="9525">
+                  <a:solidFill>
+                    <a:srgbClr val="000000"/>
+                  </a:solidFill>
+                  <a:round/>
+                </a14:hiddenLine>
+              </a:ext>
+            </a:extLst>
+          </p:spPr>
+          <p:txBody>
+            <a:bodyPr anchor="ctr"/>
+            <a:lstStyle/>
+            <a:p>
+              <a:pPr algn="ctr" eaLnBrk="1" hangingPunct="1"/>
+              <a:endParaRPr lang="zh-CN" altLang="en-US">
+                <a:solidFill>
+                  <a:srgbClr val="FFFFFF"/>
+                </a:solidFill>
+              </a:endParaRPr>
+            </a:p>
+          </p:txBody>
+        </p:sp>
+        <p:sp>
+          <p:nvSpPr>
+            <p:cNvPr id="3085" name="椭圆 157"/>
+            <p:cNvSpPr>
+              <a:spLocks noChangeArrowheads="1"/>
+            </p:cNvSpPr>
+            <p:nvPr/>
+          </p:nvSpPr>
+          <p:spPr bwMode="auto">
+            <a:xfrm>
+              <a:off x="1351425" y="95724"/>
+              <a:ext cx="93077" cy="93077"/>
+            </a:xfrm>
+            <a:prstGeom prst="ellipse">
+              <a:avLst/>
+            </a:prstGeom>
+            <a:solidFill>
+              <a:schemeClr val="bg1">
+                <a:alpha val="39999"/>
+              </a:schemeClr>
+            </a:solidFill>
+            <a:ln>
+              <a:noFill/>
+            </a:ln>
+            <a:extLst>
+              <a:ext uri="{91240B29-F687-4F45-9708-019B960494DF}">
+                <a14:hiddenLine xmlns:a14="http://schemas.microsoft.com/office/drawing/2010/main" w="9525">
+                  <a:solidFill>
+                    <a:srgbClr val="000000"/>
+                  </a:solidFill>
+                  <a:round/>
+                </a14:hiddenLine>
+              </a:ext>
+            </a:extLst>
+          </p:spPr>
+          <p:txBody>
+            <a:bodyPr anchor="ctr"/>
+            <a:lstStyle/>
+            <a:p>
+              <a:pPr algn="ctr" eaLnBrk="1" hangingPunct="1"/>
+              <a:endParaRPr lang="zh-CN" altLang="en-US">
+                <a:solidFill>
+                  <a:srgbClr val="FFFFFF"/>
+                </a:solidFill>
+              </a:endParaRPr>
+            </a:p>
+          </p:txBody>
+        </p:sp>
+        <p:sp>
+          <p:nvSpPr>
+            <p:cNvPr id="3086" name="椭圆 158"/>
+            <p:cNvSpPr>
+              <a:spLocks noChangeArrowheads="1"/>
+            </p:cNvSpPr>
+            <p:nvPr/>
+          </p:nvSpPr>
+          <p:spPr bwMode="auto">
+            <a:xfrm>
+              <a:off x="1955800" y="0"/>
+              <a:ext cx="93077" cy="93077"/>
+            </a:xfrm>
+            <a:prstGeom prst="ellipse">
+              <a:avLst/>
+            </a:prstGeom>
+            <a:solidFill>
+              <a:schemeClr val="bg1">
+                <a:alpha val="39999"/>
+              </a:schemeClr>
+            </a:solidFill>
+            <a:ln>
+              <a:noFill/>
+            </a:ln>
+            <a:extLst>
+              <a:ext uri="{91240B29-F687-4F45-9708-019B960494DF}">
+                <a14:hiddenLine xmlns:a14="http://schemas.microsoft.com/office/drawing/2010/main" w="9525">
+                  <a:solidFill>
+                    <a:srgbClr val="000000"/>
+                  </a:solidFill>
+                  <a:round/>
+                </a14:hiddenLine>
+              </a:ext>
+            </a:extLst>
+          </p:spPr>
+          <p:txBody>
+            <a:bodyPr anchor="ctr"/>
+            <a:lstStyle/>
+            <a:p>
+              <a:pPr algn="ctr" eaLnBrk="1" hangingPunct="1"/>
+              <a:endParaRPr lang="zh-CN" altLang="en-US">
+                <a:solidFill>
+                  <a:srgbClr val="FFFFFF"/>
+                </a:solidFill>
+              </a:endParaRPr>
+            </a:p>
+          </p:txBody>
+        </p:sp>
+        <p:sp>
+          <p:nvSpPr>
+            <p:cNvPr id="3087" name="椭圆 159"/>
+            <p:cNvSpPr>
+              <a:spLocks noChangeArrowheads="1"/>
+            </p:cNvSpPr>
+            <p:nvPr/>
+          </p:nvSpPr>
+          <p:spPr bwMode="auto">
+            <a:xfrm>
+              <a:off x="2560176" y="95724"/>
+              <a:ext cx="93077" cy="93077"/>
+            </a:xfrm>
+            <a:prstGeom prst="ellipse">
+              <a:avLst/>
+            </a:prstGeom>
+            <a:solidFill>
+              <a:schemeClr val="bg1">
+                <a:alpha val="39999"/>
+              </a:schemeClr>
+            </a:solidFill>
+            <a:ln>
+              <a:noFill/>
+            </a:ln>
+            <a:extLst>
+              <a:ext uri="{91240B29-F687-4F45-9708-019B960494DF}">
+                <a14:hiddenLine xmlns:a14="http://schemas.microsoft.com/office/drawing/2010/main" w="9525">
+                  <a:solidFill>
+                    <a:srgbClr val="000000"/>
+                  </a:solidFill>
+                  <a:round/>
+                </a14:hiddenLine>
+              </a:ext>
+            </a:extLst>
+          </p:spPr>
+          <p:txBody>
+            <a:bodyPr anchor="ctr"/>
+            <a:lstStyle/>
+            <a:p>
+              <a:pPr algn="ctr" eaLnBrk="1" hangingPunct="1"/>
+              <a:endParaRPr lang="zh-CN" altLang="en-US">
+                <a:solidFill>
+                  <a:srgbClr val="FFFFFF"/>
+                </a:solidFill>
+              </a:endParaRPr>
+            </a:p>
+          </p:txBody>
+        </p:sp>
+        <p:sp>
+          <p:nvSpPr>
+            <p:cNvPr id="3088" name="椭圆 160"/>
+            <p:cNvSpPr>
+              <a:spLocks noChangeArrowheads="1"/>
+            </p:cNvSpPr>
+            <p:nvPr/>
+          </p:nvSpPr>
+          <p:spPr bwMode="auto">
+            <a:xfrm>
+              <a:off x="3105391" y="373525"/>
+              <a:ext cx="93077" cy="93077"/>
+            </a:xfrm>
+            <a:prstGeom prst="ellipse">
+              <a:avLst/>
+            </a:prstGeom>
+            <a:solidFill>
+              <a:schemeClr val="bg1">
+                <a:alpha val="39999"/>
+              </a:schemeClr>
+            </a:solidFill>
+            <a:ln>
+              <a:noFill/>
+            </a:ln>
+            <a:extLst>
+              <a:ext uri="{91240B29-F687-4F45-9708-019B960494DF}">
+                <a14:hiddenLine xmlns:a14="http://schemas.microsoft.com/office/drawing/2010/main" w="9525">
+                  <a:solidFill>
+                    <a:srgbClr val="000000"/>
+                  </a:solidFill>
+                  <a:round/>
+                </a14:hiddenLine>
+              </a:ext>
+            </a:extLst>
+          </p:spPr>
+          <p:txBody>
+            <a:bodyPr anchor="ctr"/>
+            <a:lstStyle/>
+            <a:p>
+              <a:pPr algn="ctr" eaLnBrk="1" hangingPunct="1"/>
+              <a:endParaRPr lang="zh-CN" altLang="en-US">
+                <a:solidFill>
+                  <a:srgbClr val="FFFFFF"/>
+                </a:solidFill>
+              </a:endParaRPr>
+            </a:p>
+          </p:txBody>
+        </p:sp>
+        <p:sp>
+          <p:nvSpPr>
+            <p:cNvPr id="3089" name="椭圆 161"/>
+            <p:cNvSpPr>
+              <a:spLocks noChangeArrowheads="1"/>
+            </p:cNvSpPr>
+            <p:nvPr/>
+          </p:nvSpPr>
+          <p:spPr bwMode="auto">
+            <a:xfrm>
+              <a:off x="3538076" y="806210"/>
+              <a:ext cx="93077" cy="93077"/>
+            </a:xfrm>
+            <a:prstGeom prst="ellipse">
+              <a:avLst/>
+            </a:prstGeom>
+            <a:solidFill>
+              <a:schemeClr val="bg1">
+                <a:alpha val="39999"/>
+              </a:schemeClr>
+            </a:solidFill>
+            <a:ln>
+              <a:noFill/>
+            </a:ln>
+            <a:extLst>
+              <a:ext uri="{91240B29-F687-4F45-9708-019B960494DF}">
+                <a14:hiddenLine xmlns:a14="http://schemas.microsoft.com/office/drawing/2010/main" w="9525">
+                  <a:solidFill>
+                    <a:srgbClr val="000000"/>
+                  </a:solidFill>
+                  <a:round/>
+                </a14:hiddenLine>
+              </a:ext>
+            </a:extLst>
+          </p:spPr>
+          <p:txBody>
+            <a:bodyPr anchor="ctr"/>
+            <a:lstStyle/>
+            <a:p>
+              <a:pPr algn="ctr" eaLnBrk="1" hangingPunct="1"/>
+              <a:endParaRPr lang="zh-CN" altLang="en-US">
+                <a:solidFill>
+                  <a:srgbClr val="FFFFFF"/>
+                </a:solidFill>
+              </a:endParaRPr>
+            </a:p>
+          </p:txBody>
+        </p:sp>
+        <p:sp>
+          <p:nvSpPr>
+            <p:cNvPr id="3090" name="椭圆 162"/>
+            <p:cNvSpPr>
+              <a:spLocks noChangeArrowheads="1"/>
+            </p:cNvSpPr>
+            <p:nvPr/>
+          </p:nvSpPr>
+          <p:spPr bwMode="auto">
+            <a:xfrm>
+              <a:off x="3815876" y="1351425"/>
+              <a:ext cx="93077" cy="93077"/>
+            </a:xfrm>
+            <a:prstGeom prst="ellipse">
+              <a:avLst/>
+            </a:prstGeom>
+            <a:solidFill>
+              <a:schemeClr val="bg1">
+                <a:alpha val="39999"/>
+              </a:schemeClr>
+            </a:solidFill>
+            <a:ln>
+              <a:noFill/>
+            </a:ln>
+            <a:extLst>
+              <a:ext uri="{91240B29-F687-4F45-9708-019B960494DF}">
+                <a14:hiddenLine xmlns:a14="http://schemas.microsoft.com/office/drawing/2010/main" w="9525">
+                  <a:solidFill>
+                    <a:srgbClr val="000000"/>
+                  </a:solidFill>
+                  <a:round/>
+                </a14:hiddenLine>
+              </a:ext>
+            </a:extLst>
+          </p:spPr>
+          <p:txBody>
+            <a:bodyPr anchor="ctr"/>
+            <a:lstStyle/>
+            <a:p>
+              <a:pPr algn="ctr" eaLnBrk="1" hangingPunct="1"/>
+              <a:endParaRPr lang="zh-CN" altLang="en-US">
+                <a:solidFill>
+                  <a:srgbClr val="FFFFFF"/>
+                </a:solidFill>
+              </a:endParaRPr>
+            </a:p>
+          </p:txBody>
+        </p:sp>
+        <p:sp>
+          <p:nvSpPr>
+            <p:cNvPr id="3091" name="椭圆 163"/>
+            <p:cNvSpPr>
+              <a:spLocks noChangeArrowheads="1"/>
+            </p:cNvSpPr>
+            <p:nvPr/>
+          </p:nvSpPr>
+          <p:spPr bwMode="auto">
+            <a:xfrm>
+              <a:off x="3911600" y="1955800"/>
+              <a:ext cx="93077" cy="93077"/>
+            </a:xfrm>
+            <a:prstGeom prst="ellipse">
+              <a:avLst/>
+            </a:prstGeom>
+            <a:solidFill>
+              <a:schemeClr val="bg1">
+                <a:alpha val="39999"/>
+              </a:schemeClr>
+            </a:solidFill>
+            <a:ln>
+              <a:noFill/>
+            </a:ln>
+            <a:extLst>
+              <a:ext uri="{91240B29-F687-4F45-9708-019B960494DF}">
+                <a14:hiddenLine xmlns:a14="http://schemas.microsoft.com/office/drawing/2010/main" w="9525">
+                  <a:solidFill>
+                    <a:srgbClr val="000000"/>
+                  </a:solidFill>
+                  <a:round/>
+                </a14:hiddenLine>
+              </a:ext>
+            </a:extLst>
+          </p:spPr>
+          <p:txBody>
+            <a:bodyPr anchor="ctr"/>
+            <a:lstStyle/>
+            <a:p>
+              <a:pPr algn="ctr" eaLnBrk="1" hangingPunct="1"/>
+              <a:endParaRPr lang="zh-CN" altLang="en-US">
+                <a:solidFill>
+                  <a:srgbClr val="FFFFFF"/>
+                </a:solidFill>
+              </a:endParaRPr>
+            </a:p>
+          </p:txBody>
+        </p:sp>
+        <p:sp>
+          <p:nvSpPr>
+            <p:cNvPr id="3092" name="椭圆 164"/>
+            <p:cNvSpPr>
+              <a:spLocks noChangeArrowheads="1"/>
+            </p:cNvSpPr>
+            <p:nvPr/>
+          </p:nvSpPr>
+          <p:spPr bwMode="auto">
+            <a:xfrm>
+              <a:off x="3815876" y="2560175"/>
+              <a:ext cx="93077" cy="93077"/>
+            </a:xfrm>
+            <a:prstGeom prst="ellipse">
+              <a:avLst/>
+            </a:prstGeom>
+            <a:solidFill>
+              <a:schemeClr val="bg1">
+                <a:alpha val="39999"/>
+              </a:schemeClr>
+            </a:solidFill>
+            <a:ln>
+              <a:noFill/>
+            </a:ln>
+            <a:extLst>
+              <a:ext uri="{91240B29-F687-4F45-9708-019B960494DF}">
+                <a14:hiddenLine xmlns:a14="http://schemas.microsoft.com/office/drawing/2010/main" w="9525">
+                  <a:solidFill>
+                    <a:srgbClr val="000000"/>
+                  </a:solidFill>
+                  <a:round/>
+                </a14:hiddenLine>
+              </a:ext>
+            </a:extLst>
+          </p:spPr>
+          <p:txBody>
+            <a:bodyPr anchor="ctr"/>
+            <a:lstStyle/>
+            <a:p>
+              <a:pPr algn="ctr" eaLnBrk="1" hangingPunct="1"/>
+              <a:endParaRPr lang="zh-CN" altLang="en-US">
+                <a:solidFill>
+                  <a:srgbClr val="FFFFFF"/>
+                </a:solidFill>
+              </a:endParaRPr>
+            </a:p>
+          </p:txBody>
+        </p:sp>
+        <p:sp>
+          <p:nvSpPr>
+            <p:cNvPr id="3093" name="椭圆 165"/>
+            <p:cNvSpPr>
+              <a:spLocks noChangeArrowheads="1"/>
+            </p:cNvSpPr>
+            <p:nvPr/>
+          </p:nvSpPr>
+          <p:spPr bwMode="auto">
+            <a:xfrm>
+              <a:off x="3538076" y="3105391"/>
+              <a:ext cx="93077" cy="93077"/>
+            </a:xfrm>
+            <a:prstGeom prst="ellipse">
+              <a:avLst/>
+            </a:prstGeom>
+            <a:solidFill>
+              <a:schemeClr val="bg1">
+                <a:alpha val="39999"/>
+              </a:schemeClr>
+            </a:solidFill>
+            <a:ln>
+              <a:noFill/>
+            </a:ln>
+            <a:extLst>
+              <a:ext uri="{91240B29-F687-4F45-9708-019B960494DF}">
+                <a14:hiddenLine xmlns:a14="http://schemas.microsoft.com/office/drawing/2010/main" w="9525">
+                  <a:solidFill>
+                    <a:srgbClr val="000000"/>
+                  </a:solidFill>
+                  <a:round/>
+                </a14:hiddenLine>
+              </a:ext>
+            </a:extLst>
+          </p:spPr>
+          <p:txBody>
+            <a:bodyPr anchor="ctr"/>
+            <a:lstStyle/>
+            <a:p>
+              <a:pPr algn="ctr" eaLnBrk="1" hangingPunct="1"/>
+              <a:endParaRPr lang="zh-CN" altLang="en-US">
+                <a:solidFill>
+                  <a:srgbClr val="FFFFFF"/>
+                </a:solidFill>
+              </a:endParaRPr>
+            </a:p>
+          </p:txBody>
+        </p:sp>
+        <p:sp>
+          <p:nvSpPr>
+            <p:cNvPr id="3094" name="椭圆 166"/>
+            <p:cNvSpPr>
+              <a:spLocks noChangeArrowheads="1"/>
+            </p:cNvSpPr>
+            <p:nvPr/>
+          </p:nvSpPr>
+          <p:spPr bwMode="auto">
+            <a:xfrm>
+              <a:off x="3105391" y="3538075"/>
+              <a:ext cx="93077" cy="93077"/>
+            </a:xfrm>
+            <a:prstGeom prst="ellipse">
+              <a:avLst/>
+            </a:prstGeom>
+            <a:solidFill>
+              <a:schemeClr val="bg1">
+                <a:alpha val="39999"/>
+              </a:schemeClr>
+            </a:solidFill>
+            <a:ln>
+              <a:noFill/>
+            </a:ln>
+            <a:extLst>
+              <a:ext uri="{91240B29-F687-4F45-9708-019B960494DF}">
+                <a14:hiddenLine xmlns:a14="http://schemas.microsoft.com/office/drawing/2010/main" w="9525">
+                  <a:solidFill>
+                    <a:srgbClr val="000000"/>
+                  </a:solidFill>
+                  <a:round/>
+                </a14:hiddenLine>
+              </a:ext>
+            </a:extLst>
+          </p:spPr>
+          <p:txBody>
+            <a:bodyPr anchor="ctr"/>
+            <a:lstStyle/>
+            <a:p>
+              <a:pPr algn="ctr" eaLnBrk="1" hangingPunct="1"/>
+              <a:endParaRPr lang="zh-CN" altLang="en-US">
+                <a:solidFill>
+                  <a:srgbClr val="FFFFFF"/>
+                </a:solidFill>
+              </a:endParaRPr>
+            </a:p>
+          </p:txBody>
+        </p:sp>
+        <p:sp>
+          <p:nvSpPr>
+            <p:cNvPr id="3095" name="椭圆 167"/>
+            <p:cNvSpPr>
+              <a:spLocks noChangeArrowheads="1"/>
+            </p:cNvSpPr>
+            <p:nvPr/>
+          </p:nvSpPr>
+          <p:spPr bwMode="auto">
+            <a:xfrm>
+              <a:off x="2560176" y="3815876"/>
+              <a:ext cx="93077" cy="93077"/>
+            </a:xfrm>
+            <a:prstGeom prst="ellipse">
+              <a:avLst/>
+            </a:prstGeom>
+            <a:solidFill>
+              <a:schemeClr val="bg1">
+                <a:alpha val="39999"/>
+              </a:schemeClr>
+            </a:solidFill>
+            <a:ln>
+              <a:noFill/>
+            </a:ln>
+            <a:extLst>
+              <a:ext uri="{91240B29-F687-4F45-9708-019B960494DF}">
+                <a14:hiddenLine xmlns:a14="http://schemas.microsoft.com/office/drawing/2010/main" w="9525">
+                  <a:solidFill>
+                    <a:srgbClr val="000000"/>
+                  </a:solidFill>
+                  <a:round/>
+                </a14:hiddenLine>
+              </a:ext>
+            </a:extLst>
+          </p:spPr>
+          <p:txBody>
+            <a:bodyPr anchor="ctr"/>
+            <a:lstStyle/>
+            <a:p>
+              <a:pPr algn="ctr" eaLnBrk="1" hangingPunct="1"/>
+              <a:endParaRPr lang="zh-CN" altLang="en-US">
+                <a:solidFill>
+                  <a:srgbClr val="FFFFFF"/>
+                </a:solidFill>
+              </a:endParaRPr>
+            </a:p>
+          </p:txBody>
+        </p:sp>
+        <p:sp>
+          <p:nvSpPr>
+            <p:cNvPr id="3096" name="椭圆 168"/>
+            <p:cNvSpPr>
+              <a:spLocks noChangeArrowheads="1"/>
+            </p:cNvSpPr>
+            <p:nvPr/>
+          </p:nvSpPr>
+          <p:spPr bwMode="auto">
+            <a:xfrm>
+              <a:off x="1955800" y="3911600"/>
+              <a:ext cx="93077" cy="93077"/>
+            </a:xfrm>
+            <a:prstGeom prst="ellipse">
+              <a:avLst/>
+            </a:prstGeom>
+            <a:solidFill>
+              <a:schemeClr val="bg1">
+                <a:alpha val="39999"/>
+              </a:schemeClr>
+            </a:solidFill>
+            <a:ln>
+              <a:noFill/>
+            </a:ln>
+            <a:extLst>
+              <a:ext uri="{91240B29-F687-4F45-9708-019B960494DF}">
+                <a14:hiddenLine xmlns:a14="http://schemas.microsoft.com/office/drawing/2010/main" w="9525">
+                  <a:solidFill>
+                    <a:srgbClr val="000000"/>
+                  </a:solidFill>
+                  <a:round/>
+                </a14:hiddenLine>
+              </a:ext>
+            </a:extLst>
+          </p:spPr>
+          <p:txBody>
+            <a:bodyPr anchor="ctr"/>
+            <a:lstStyle/>
+            <a:p>
+              <a:pPr algn="ctr" eaLnBrk="1" hangingPunct="1"/>
+              <a:endParaRPr lang="zh-CN" altLang="en-US">
+                <a:solidFill>
+                  <a:srgbClr val="FFFFFF"/>
+                </a:solidFill>
+              </a:endParaRPr>
+            </a:p>
+          </p:txBody>
+        </p:sp>
+        <p:sp>
+          <p:nvSpPr>
+            <p:cNvPr id="3097" name="椭圆 169"/>
+            <p:cNvSpPr>
+              <a:spLocks noChangeArrowheads="1"/>
+            </p:cNvSpPr>
+            <p:nvPr/>
+          </p:nvSpPr>
+          <p:spPr bwMode="auto">
+            <a:xfrm>
+              <a:off x="1351425" y="3815876"/>
+              <a:ext cx="93077" cy="93077"/>
+            </a:xfrm>
+            <a:prstGeom prst="ellipse">
+              <a:avLst/>
+            </a:prstGeom>
+            <a:solidFill>
+              <a:schemeClr val="bg1">
+                <a:alpha val="39999"/>
+              </a:schemeClr>
+            </a:solidFill>
+            <a:ln>
+              <a:noFill/>
+            </a:ln>
+            <a:extLst>
+              <a:ext uri="{91240B29-F687-4F45-9708-019B960494DF}">
+                <a14:hiddenLine xmlns:a14="http://schemas.microsoft.com/office/drawing/2010/main" w="9525">
+                  <a:solidFill>
+                    <a:srgbClr val="000000"/>
+                  </a:solidFill>
+                  <a:round/>
+                </a14:hiddenLine>
+              </a:ext>
+            </a:extLst>
+          </p:spPr>
+          <p:txBody>
+            <a:bodyPr anchor="ctr"/>
+            <a:lstStyle/>
+            <a:p>
+              <a:pPr algn="ctr" eaLnBrk="1" hangingPunct="1"/>
+              <a:endParaRPr lang="zh-CN" altLang="en-US">
+                <a:solidFill>
+                  <a:srgbClr val="FFFFFF"/>
+                </a:solidFill>
+              </a:endParaRPr>
+            </a:p>
+          </p:txBody>
+        </p:sp>
+        <p:sp>
+          <p:nvSpPr>
+            <p:cNvPr id="3098" name="椭圆 170"/>
+            <p:cNvSpPr>
+              <a:spLocks noChangeArrowheads="1"/>
+            </p:cNvSpPr>
+            <p:nvPr/>
+          </p:nvSpPr>
+          <p:spPr bwMode="auto">
+            <a:xfrm>
+              <a:off x="806210" y="3538075"/>
+              <a:ext cx="93077" cy="93077"/>
+            </a:xfrm>
+            <a:prstGeom prst="ellipse">
+              <a:avLst/>
+            </a:prstGeom>
+            <a:solidFill>
+              <a:schemeClr val="bg1">
+                <a:alpha val="39999"/>
+              </a:schemeClr>
+            </a:solidFill>
+            <a:ln>
+              <a:noFill/>
+            </a:ln>
+            <a:extLst>
+              <a:ext uri="{91240B29-F687-4F45-9708-019B960494DF}">
+                <a14:hiddenLine xmlns:a14="http://schemas.microsoft.com/office/drawing/2010/main" w="9525">
+                  <a:solidFill>
+                    <a:srgbClr val="000000"/>
+                  </a:solidFill>
+                  <a:round/>
+                </a14:hiddenLine>
+              </a:ext>
+            </a:extLst>
+          </p:spPr>
+          <p:txBody>
+            <a:bodyPr anchor="ctr"/>
+            <a:lstStyle/>
+            <a:p>
+              <a:pPr algn="ctr" eaLnBrk="1" hangingPunct="1"/>
+              <a:endParaRPr lang="zh-CN" altLang="en-US">
+                <a:solidFill>
+                  <a:srgbClr val="FFFFFF"/>
+                </a:solidFill>
+              </a:endParaRPr>
+            </a:p>
+          </p:txBody>
+        </p:sp>
+        <p:sp>
+          <p:nvSpPr>
+            <p:cNvPr id="3099" name="椭圆 171"/>
+            <p:cNvSpPr>
+              <a:spLocks noChangeArrowheads="1"/>
+            </p:cNvSpPr>
+            <p:nvPr/>
+          </p:nvSpPr>
+          <p:spPr bwMode="auto">
+            <a:xfrm>
+              <a:off x="373525" y="3105391"/>
+              <a:ext cx="93077" cy="93077"/>
+            </a:xfrm>
+            <a:prstGeom prst="ellipse">
+              <a:avLst/>
+            </a:prstGeom>
+            <a:solidFill>
+              <a:schemeClr val="bg1">
+                <a:alpha val="39999"/>
+              </a:schemeClr>
+            </a:solidFill>
+            <a:ln>
+              <a:noFill/>
+            </a:ln>
+            <a:extLst>
+              <a:ext uri="{91240B29-F687-4F45-9708-019B960494DF}">
+                <a14:hiddenLine xmlns:a14="http://schemas.microsoft.com/office/drawing/2010/main" w="9525">
+                  <a:solidFill>
+                    <a:srgbClr val="000000"/>
+                  </a:solidFill>
+                  <a:round/>
+                </a14:hiddenLine>
+              </a:ext>
+            </a:extLst>
+          </p:spPr>
+          <p:txBody>
+            <a:bodyPr anchor="ctr"/>
+            <a:lstStyle/>
+            <a:p>
+              <a:pPr algn="ctr" eaLnBrk="1" hangingPunct="1"/>
+              <a:endParaRPr lang="zh-CN" altLang="en-US">
+                <a:solidFill>
+                  <a:srgbClr val="FFFFFF"/>
+                </a:solidFill>
+              </a:endParaRPr>
+            </a:p>
+          </p:txBody>
+        </p:sp>
+        <p:sp>
+          <p:nvSpPr>
+            <p:cNvPr id="3100" name="椭圆 172"/>
+            <p:cNvSpPr>
+              <a:spLocks noChangeArrowheads="1"/>
+            </p:cNvSpPr>
+            <p:nvPr/>
+          </p:nvSpPr>
+          <p:spPr bwMode="auto">
+            <a:xfrm>
+              <a:off x="95724" y="2560175"/>
+              <a:ext cx="93077" cy="93077"/>
+            </a:xfrm>
+            <a:prstGeom prst="ellipse">
+              <a:avLst/>
+            </a:prstGeom>
+            <a:solidFill>
+              <a:schemeClr val="bg1">
+                <a:alpha val="39999"/>
+              </a:schemeClr>
+            </a:solidFill>
+            <a:ln>
+              <a:noFill/>
+            </a:ln>
+            <a:extLst>
+              <a:ext uri="{91240B29-F687-4F45-9708-019B960494DF}">
+                <a14:hiddenLine xmlns:a14="http://schemas.microsoft.com/office/drawing/2010/main" w="9525">
+                  <a:solidFill>
+                    <a:srgbClr val="000000"/>
+                  </a:solidFill>
+                  <a:round/>
+                </a14:hiddenLine>
+              </a:ext>
+            </a:extLst>
+          </p:spPr>
+          <p:txBody>
+            <a:bodyPr anchor="ctr"/>
+            <a:lstStyle/>
+            <a:p>
+              <a:pPr algn="ctr" eaLnBrk="1" hangingPunct="1"/>
+              <a:endParaRPr lang="zh-CN" altLang="en-US">
+                <a:solidFill>
+                  <a:srgbClr val="FFFFFF"/>
+                </a:solidFill>
+              </a:endParaRPr>
+            </a:p>
+          </p:txBody>
+        </p:sp>
+      </p:grpSp>
+      <p:sp>
+        <p:nvSpPr>
+          <p:cNvPr id="3076" name="文本框 173"/>
+          <p:cNvSpPr txBox="1">
+            <a:spLocks noChangeArrowheads="1"/>
+          </p:cNvSpPr>
+          <p:nvPr/>
+        </p:nvSpPr>
+        <p:spPr bwMode="auto">
+          <a:xfrm>
+            <a:off x="2889250" y="1957388"/>
+            <a:ext cx="1370013" cy="2647950"/>
+          </a:xfrm>
+          <a:prstGeom prst="rect">
+            <a:avLst/>
+          </a:prstGeom>
+          <a:noFill/>
+          <a:ln>
+            <a:noFill/>
+          </a:ln>
+          <a:extLst>
+            <a:ext uri="{909E8E84-426E-40DD-AFC4-6F175D3DCCD1}">
+              <a14:hiddenFill xmlns:a14="http://schemas.microsoft.com/office/drawing/2010/main">
+                <a:solidFill>
+                  <a:srgbClr val="FFFFFF"/>
+                </a:solidFill>
+              </a14:hiddenFill>
+            </a:ext>
+            <a:ext uri="{91240B29-F687-4F45-9708-019B960494DF}">
+              <a14:hiddenLine xmlns:a14="http://schemas.microsoft.com/office/drawing/2010/main" w="9525">
+                <a:solidFill>
+                  <a:srgbClr val="000000"/>
+                </a:solidFill>
+                <a:miter lim="800000"/>
+                <a:headEnd/>
+                <a:tailEnd/>
+              </a14:hiddenLine>
+            </a:ext>
+          </a:extLst>
+        </p:spPr>
+        <p:txBody>
+          <a:bodyPr wrap="none">
+            <a:spAutoFit/>
+          </a:bodyPr>
+          <a:lstStyle>
+            <a:lvl1pPr>
+              <a:defRPr>
+                <a:solidFill>
+                  <a:schemeClr val="tx1"/>
+                </a:solidFill>
+                <a:latin typeface="Calibri" panose="020F0502020204030204" pitchFamily="34" charset="0"/>
+                <a:ea typeface="宋体" panose="02010600030101010101" pitchFamily="2" charset="-122"/>
+              </a:defRPr>
+            </a:lvl1pPr>
+            <a:lvl2pPr marL="742950" indent="-285750">
+              <a:defRPr>
+                <a:solidFill>
+                  <a:schemeClr val="tx1"/>
+                </a:solidFill>
+                <a:latin typeface="Calibri" panose="020F0502020204030204" pitchFamily="34" charset="0"/>
+                <a:ea typeface="宋体" panose="02010600030101010101" pitchFamily="2" charset="-122"/>
+              </a:defRPr>
+            </a:lvl2pPr>
+            <a:lvl3pPr marL="1143000" indent="-228600">
+              <a:defRPr>
+                <a:solidFill>
+                  <a:schemeClr val="tx1"/>
+                </a:solidFill>
+                <a:latin typeface="Calibri" panose="020F0502020204030204" pitchFamily="34" charset="0"/>
+                <a:ea typeface="宋体" panose="02010600030101010101" pitchFamily="2" charset="-122"/>
+              </a:defRPr>
+            </a:lvl3pPr>
+            <a:lvl4pPr marL="1600200" indent="-228600">
+              <a:defRPr>
+                <a:solidFill>
+                  <a:schemeClr val="tx1"/>
+                </a:solidFill>
+                <a:latin typeface="Calibri" panose="020F0502020204030204" pitchFamily="34" charset="0"/>
+                <a:ea typeface="宋体" panose="02010600030101010101" pitchFamily="2" charset="-122"/>
+              </a:defRPr>
+            </a:lvl4pPr>
+            <a:lvl5pPr marL="2057400" indent="-228600">
+              <a:defRPr>
+                <a:solidFill>
+                  <a:schemeClr val="tx1"/>
+                </a:solidFill>
+                <a:latin typeface="Calibri" panose="020F0502020204030204" pitchFamily="34" charset="0"/>
+                <a:ea typeface="宋体" panose="02010600030101010101" pitchFamily="2" charset="-122"/>
+              </a:defRPr>
+            </a:lvl5pPr>
+            <a:lvl6pPr marL="2514600" indent="-228600" eaLnBrk="0" fontAlgn="base" hangingPunct="0">
+              <a:spcBef>
+                <a:spcPct val="0"/>
+              </a:spcBef>
+              <a:spcAft>
+                <a:spcPct val="0"/>
+              </a:spcAft>
+              <a:buFont typeface="Arial" panose="020B0604020202020204" pitchFamily="34" charset="0"/>
+              <a:defRPr>
+                <a:solidFill>
+                  <a:schemeClr val="tx1"/>
+                </a:solidFill>
+                <a:latin typeface="Calibri" panose="020F0502020204030204" pitchFamily="34" charset="0"/>
+                <a:ea typeface="宋体" panose="02010600030101010101" pitchFamily="2" charset="-122"/>
+              </a:defRPr>
+            </a:lvl6pPr>
+            <a:lvl7pPr marL="2971800" indent="-228600" eaLnBrk="0" fontAlgn="base" hangingPunct="0">
+              <a:spcBef>
+                <a:spcPct val="0"/>
+              </a:spcBef>
+              <a:spcAft>
+                <a:spcPct val="0"/>
+              </a:spcAft>
+              <a:buFont typeface="Arial" panose="020B0604020202020204" pitchFamily="34" charset="0"/>
+              <a:defRPr>
+                <a:solidFill>
+                  <a:schemeClr val="tx1"/>
+                </a:solidFill>
+                <a:latin typeface="Calibri" panose="020F0502020204030204" pitchFamily="34" charset="0"/>
+                <a:ea typeface="宋体" panose="02010600030101010101" pitchFamily="2" charset="-122"/>
+              </a:defRPr>
+            </a:lvl7pPr>
+            <a:lvl8pPr marL="3429000" indent="-228600" eaLnBrk="0" fontAlgn="base" hangingPunct="0">
+              <a:spcBef>
+                <a:spcPct val="0"/>
+              </a:spcBef>
+              <a:spcAft>
+                <a:spcPct val="0"/>
+              </a:spcAft>
+              <a:buFont typeface="Arial" panose="020B0604020202020204" pitchFamily="34" charset="0"/>
+              <a:defRPr>
+                <a:solidFill>
+                  <a:schemeClr val="tx1"/>
+                </a:solidFill>
+                <a:latin typeface="Calibri" panose="020F0502020204030204" pitchFamily="34" charset="0"/>
+                <a:ea typeface="宋体" panose="02010600030101010101" pitchFamily="2" charset="-122"/>
+              </a:defRPr>
+            </a:lvl8pPr>
+            <a:lvl9pPr marL="3886200" indent="-228600" eaLnBrk="0" fontAlgn="base" hangingPunct="0">
+              <a:spcBef>
+                <a:spcPct val="0"/>
+              </a:spcBef>
+              <a:spcAft>
+                <a:spcPct val="0"/>
+              </a:spcAft>
+              <a:buFont typeface="Arial" panose="020B0604020202020204" pitchFamily="34" charset="0"/>
+              <a:defRPr>
+                <a:solidFill>
+                  <a:schemeClr val="tx1"/>
+                </a:solidFill>
+                <a:latin typeface="Calibri" panose="020F0502020204030204" pitchFamily="34" charset="0"/>
+                <a:ea typeface="宋体" panose="02010600030101010101" pitchFamily="2" charset="-122"/>
+              </a:defRPr>
+            </a:lvl9pPr>
+          </a:lstStyle>
+          <a:p>
+            <a:pPr eaLnBrk="1" hangingPunct="1"/>
+            <a:r>
+              <a:rPr lang="en-US" altLang="zh-CN" sz="16600" b="1" dirty="0" smtClean="0">
+                <a:solidFill>
+                  <a:schemeClr val="bg1"/>
+                </a:solidFill>
+                <a:latin typeface="Arial" panose="020B0604020202020204" pitchFamily="34" charset="0"/>
+                <a:ea typeface="微软雅黑" panose="020B0503020204020204" pitchFamily="34" charset="-122"/>
+              </a:rPr>
+              <a:t>2</a:t>
+            </a:r>
+            <a:endParaRPr lang="zh-CN" altLang="en-US" sz="16600" b="1" dirty="0">
+              <a:solidFill>
+                <a:schemeClr val="bg1"/>
+              </a:solidFill>
+              <a:latin typeface="Arial" panose="020B0604020202020204" pitchFamily="34" charset="0"/>
+              <a:ea typeface="微软雅黑" panose="020B0503020204020204" pitchFamily="34" charset="-122"/>
+            </a:endParaRPr>
+          </a:p>
+        </p:txBody>
+      </p:sp>
+      <p:sp>
+        <p:nvSpPr>
+          <p:cNvPr id="3077" name="文本框 174"/>
+          <p:cNvSpPr txBox="1">
+            <a:spLocks noChangeArrowheads="1"/>
+          </p:cNvSpPr>
+          <p:nvPr/>
+        </p:nvSpPr>
+        <p:spPr bwMode="auto">
+          <a:xfrm>
+            <a:off x="6421437" y="2871497"/>
+            <a:ext cx="2954655" cy="923330"/>
+          </a:xfrm>
+          <a:prstGeom prst="rect">
+            <a:avLst/>
+          </a:prstGeom>
+          <a:noFill/>
+          <a:ln>
+            <a:noFill/>
+          </a:ln>
+          <a:extLst>
+            <a:ext uri="{909E8E84-426E-40DD-AFC4-6F175D3DCCD1}">
+              <a14:hiddenFill xmlns:a14="http://schemas.microsoft.com/office/drawing/2010/main">
+                <a:solidFill>
+                  <a:srgbClr val="FFFFFF"/>
+                </a:solidFill>
+              </a14:hiddenFill>
+            </a:ext>
+            <a:ext uri="{91240B29-F687-4F45-9708-019B960494DF}">
+              <a14:hiddenLine xmlns:a14="http://schemas.microsoft.com/office/drawing/2010/main" w="9525">
+                <a:solidFill>
+                  <a:srgbClr val="000000"/>
+                </a:solidFill>
+                <a:miter lim="800000"/>
+                <a:headEnd/>
+                <a:tailEnd/>
+              </a14:hiddenLine>
+            </a:ext>
+          </a:extLst>
+        </p:spPr>
+        <p:txBody>
+          <a:bodyPr wrap="none">
+            <a:spAutoFit/>
+          </a:bodyPr>
+          <a:lstStyle>
+            <a:lvl1pPr>
+              <a:defRPr>
+                <a:solidFill>
+                  <a:schemeClr val="tx1"/>
+                </a:solidFill>
+                <a:latin typeface="Calibri" panose="020F0502020204030204" pitchFamily="34" charset="0"/>
+                <a:ea typeface="宋体" panose="02010600030101010101" pitchFamily="2" charset="-122"/>
+              </a:defRPr>
+            </a:lvl1pPr>
+            <a:lvl2pPr marL="742950" indent="-285750">
+              <a:defRPr>
+                <a:solidFill>
+                  <a:schemeClr val="tx1"/>
+                </a:solidFill>
+                <a:latin typeface="Calibri" panose="020F0502020204030204" pitchFamily="34" charset="0"/>
+                <a:ea typeface="宋体" panose="02010600030101010101" pitchFamily="2" charset="-122"/>
+              </a:defRPr>
+            </a:lvl2pPr>
+            <a:lvl3pPr marL="1143000" indent="-228600">
+              <a:defRPr>
+                <a:solidFill>
+                  <a:schemeClr val="tx1"/>
+                </a:solidFill>
+                <a:latin typeface="Calibri" panose="020F0502020204030204" pitchFamily="34" charset="0"/>
+                <a:ea typeface="宋体" panose="02010600030101010101" pitchFamily="2" charset="-122"/>
+              </a:defRPr>
+            </a:lvl3pPr>
+            <a:lvl4pPr marL="1600200" indent="-228600">
+              <a:defRPr>
+                <a:solidFill>
+                  <a:schemeClr val="tx1"/>
+                </a:solidFill>
+                <a:latin typeface="Calibri" panose="020F0502020204030204" pitchFamily="34" charset="0"/>
+                <a:ea typeface="宋体" panose="02010600030101010101" pitchFamily="2" charset="-122"/>
+              </a:defRPr>
+            </a:lvl4pPr>
+            <a:lvl5pPr marL="2057400" indent="-228600">
+              <a:defRPr>
+                <a:solidFill>
+                  <a:schemeClr val="tx1"/>
+                </a:solidFill>
+                <a:latin typeface="Calibri" panose="020F0502020204030204" pitchFamily="34" charset="0"/>
+                <a:ea typeface="宋体" panose="02010600030101010101" pitchFamily="2" charset="-122"/>
+              </a:defRPr>
+            </a:lvl5pPr>
+            <a:lvl6pPr marL="2514600" indent="-228600" eaLnBrk="0" fontAlgn="base" hangingPunct="0">
+              <a:spcBef>
+                <a:spcPct val="0"/>
+              </a:spcBef>
+              <a:spcAft>
+                <a:spcPct val="0"/>
+              </a:spcAft>
+              <a:buFont typeface="Arial" panose="020B0604020202020204" pitchFamily="34" charset="0"/>
+              <a:defRPr>
+                <a:solidFill>
+                  <a:schemeClr val="tx1"/>
+                </a:solidFill>
+                <a:latin typeface="Calibri" panose="020F0502020204030204" pitchFamily="34" charset="0"/>
+                <a:ea typeface="宋体" panose="02010600030101010101" pitchFamily="2" charset="-122"/>
+              </a:defRPr>
+            </a:lvl6pPr>
+            <a:lvl7pPr marL="2971800" indent="-228600" eaLnBrk="0" fontAlgn="base" hangingPunct="0">
+              <a:spcBef>
+                <a:spcPct val="0"/>
+              </a:spcBef>
+              <a:spcAft>
+                <a:spcPct val="0"/>
+              </a:spcAft>
+              <a:buFont typeface="Arial" panose="020B0604020202020204" pitchFamily="34" charset="0"/>
+              <a:defRPr>
+                <a:solidFill>
+                  <a:schemeClr val="tx1"/>
+                </a:solidFill>
+                <a:latin typeface="Calibri" panose="020F0502020204030204" pitchFamily="34" charset="0"/>
+                <a:ea typeface="宋体" panose="02010600030101010101" pitchFamily="2" charset="-122"/>
+              </a:defRPr>
+            </a:lvl7pPr>
+            <a:lvl8pPr marL="3429000" indent="-228600" eaLnBrk="0" fontAlgn="base" hangingPunct="0">
+              <a:spcBef>
+                <a:spcPct val="0"/>
+              </a:spcBef>
+              <a:spcAft>
+                <a:spcPct val="0"/>
+              </a:spcAft>
+              <a:buFont typeface="Arial" panose="020B0604020202020204" pitchFamily="34" charset="0"/>
+              <a:defRPr>
+                <a:solidFill>
+                  <a:schemeClr val="tx1"/>
+                </a:solidFill>
+                <a:latin typeface="Calibri" panose="020F0502020204030204" pitchFamily="34" charset="0"/>
+                <a:ea typeface="宋体" panose="02010600030101010101" pitchFamily="2" charset="-122"/>
+              </a:defRPr>
+            </a:lvl8pPr>
+            <a:lvl9pPr marL="3886200" indent="-228600" eaLnBrk="0" fontAlgn="base" hangingPunct="0">
+              <a:spcBef>
+                <a:spcPct val="0"/>
+              </a:spcBef>
+              <a:spcAft>
+                <a:spcPct val="0"/>
+              </a:spcAft>
+              <a:buFont typeface="Arial" panose="020B0604020202020204" pitchFamily="34" charset="0"/>
+              <a:defRPr>
+                <a:solidFill>
+                  <a:schemeClr val="tx1"/>
+                </a:solidFill>
+                <a:latin typeface="Calibri" panose="020F0502020204030204" pitchFamily="34" charset="0"/>
+                <a:ea typeface="宋体" panose="02010600030101010101" pitchFamily="2" charset="-122"/>
+              </a:defRPr>
+            </a:lvl9pPr>
+          </a:lstStyle>
+          <a:p>
+            <a:pPr eaLnBrk="1" hangingPunct="1"/>
+            <a:r>
+              <a:rPr lang="zh-CN" altLang="en-US" sz="5400" b="1" dirty="0" smtClean="0">
+                <a:solidFill>
+                  <a:schemeClr val="bg1"/>
+                </a:solidFill>
+                <a:latin typeface="微软雅黑" panose="020B0503020204020204" pitchFamily="34" charset="-122"/>
+                <a:ea typeface="微软雅黑" panose="020B0503020204020204" pitchFamily="34" charset="-122"/>
+              </a:rPr>
+              <a:t>兴趣爱好</a:t>
+            </a:r>
+            <a:endParaRPr lang="zh-CN" altLang="en-US" sz="5400" b="1" dirty="0">
+              <a:solidFill>
+                <a:schemeClr val="bg1"/>
+              </a:solidFill>
+              <a:latin typeface="微软雅黑" panose="020B0503020204020204" pitchFamily="34" charset="-122"/>
+              <a:ea typeface="微软雅黑" panose="020B0503020204020204" pitchFamily="34" charset="-122"/>
+            </a:endParaRPr>
+          </a:p>
+        </p:txBody>
+      </p:sp>
+    </p:spTree>
+    <p:extLst>
+      <p:ext uri="{BB962C8B-B14F-4D97-AF65-F5344CB8AC3E}">
+        <p14:creationId xmlns:p14="http://schemas.microsoft.com/office/powerpoint/2010/main" val="2746906825"/>
       </p:ext>
     </p:extLst>
   </p:cSld>
@@ -10662,7 +20077,7 @@
   </a:extraClrSchemeLst>
   <a:extLst>
     <a:ext uri="{05A4C25C-085E-4340-85A3-A5531E510DB2}">
-      <thm15:themeFamily xmlns:thm15="http://schemas.microsoft.com/office/thememl/2012/main" xmlns="" name="Office Theme" id="{62F939B6-93AF-4DB8-9C6B-D6C7DFDC589F}" vid="{4A3C46E8-61CC-4603-A589-7422A47A8E4A}"/>
+      <thm15:themeFamily xmlns="" xmlns:thm15="http://schemas.microsoft.com/office/thememl/2012/main" name="Office Theme" id="{62F939B6-93AF-4DB8-9C6B-D6C7DFDC589F}" vid="{4A3C46E8-61CC-4603-A589-7422A47A8E4A}"/>
     </a:ext>
   </a:extLst>
 </a:theme>
@@ -10923,7 +20338,7 @@
   <a:extraClrSchemeLst/>
   <a:extLst>
     <a:ext uri="{05A4C25C-085E-4340-85A3-A5531E510DB2}">
-      <thm15:themeFamily xmlns:thm15="http://schemas.microsoft.com/office/thememl/2012/main" xmlns="" name="Office Theme" id="{62F939B6-93AF-4DB8-9C6B-D6C7DFDC589F}" vid="{4A3C46E8-61CC-4603-A589-7422A47A8E4A}"/>
+      <thm15:themeFamily xmlns="" xmlns:thm15="http://schemas.microsoft.com/office/thememl/2012/main" name="Office Theme" id="{62F939B6-93AF-4DB8-9C6B-D6C7DFDC589F}" vid="{4A3C46E8-61CC-4603-A589-7422A47A8E4A}"/>
     </a:ext>
   </a:extLst>
 </a:theme>
@@ -11184,7 +20599,7 @@
   <a:extraClrSchemeLst/>
   <a:extLst>
     <a:ext uri="{05A4C25C-085E-4340-85A3-A5531E510DB2}">
-      <thm15:themeFamily xmlns:thm15="http://schemas.microsoft.com/office/thememl/2012/main" xmlns="" name="Office Theme" id="{62F939B6-93AF-4DB8-9C6B-D6C7DFDC589F}" vid="{4A3C46E8-61CC-4603-A589-7422A47A8E4A}"/>
+      <thm15:themeFamily xmlns="" xmlns:thm15="http://schemas.microsoft.com/office/thememl/2012/main" name="Office Theme" id="{62F939B6-93AF-4DB8-9C6B-D6C7DFDC589F}" vid="{4A3C46E8-61CC-4603-A589-7422A47A8E4A}"/>
     </a:ext>
   </a:extLst>
 </a:theme>
